--- a/Metapo.pptx
+++ b/Metapo.pptx
@@ -5,23 +5,26 @@
     <p:sldMasterId id="2147483648" r:id="rId1"/>
     <p:sldMasterId id="2147483659" r:id="rId3"/>
   </p:sldMasterIdLst>
+  <p:notesMasterIdLst>
+    <p:notesMasterId r:id="rId5"/>
+  </p:notesMasterIdLst>
   <p:sldIdLst>
     <p:sldId id="257" r:id="rId4"/>
-    <p:sldId id="282" r:id="rId5"/>
-    <p:sldId id="283" r:id="rId6"/>
-    <p:sldId id="284" r:id="rId7"/>
-    <p:sldId id="285" r:id="rId8"/>
-    <p:sldId id="286" r:id="rId9"/>
-    <p:sldId id="307" r:id="rId10"/>
-    <p:sldId id="308" r:id="rId11"/>
-    <p:sldId id="311" r:id="rId12"/>
-    <p:sldId id="309" r:id="rId13"/>
-    <p:sldId id="310" r:id="rId14"/>
-    <p:sldId id="312" r:id="rId15"/>
-    <p:sldId id="313" r:id="rId16"/>
-    <p:sldId id="314" r:id="rId17"/>
-    <p:sldId id="276" r:id="rId18"/>
-    <p:sldId id="281" r:id="rId19"/>
+    <p:sldId id="282" r:id="rId6"/>
+    <p:sldId id="283" r:id="rId7"/>
+    <p:sldId id="284" r:id="rId8"/>
+    <p:sldId id="285" r:id="rId9"/>
+    <p:sldId id="286" r:id="rId10"/>
+    <p:sldId id="307" r:id="rId11"/>
+    <p:sldId id="308" r:id="rId12"/>
+    <p:sldId id="311" r:id="rId13"/>
+    <p:sldId id="309" r:id="rId14"/>
+    <p:sldId id="310" r:id="rId15"/>
+    <p:sldId id="312" r:id="rId16"/>
+    <p:sldId id="313" r:id="rId17"/>
+    <p:sldId id="314" r:id="rId18"/>
+    <p:sldId id="276" r:id="rId19"/>
+    <p:sldId id="281" r:id="rId20"/>
   </p:sldIdLst>
   <p:sldSz cx="12192000" cy="6858000"/>
   <p:notesSz cx="7103745" cy="10234295"/>
@@ -121,6 +124,3899 @@
     </a:lvl9pPr>
   </p:defaultTextStyle>
 </p:presentation>
+</file>
+
+<file path=ppt/notesMasters/notesMaster1.xml><?xml version="1.0" encoding="utf-8"?>
+<p:notesMaster xmlns:a="http://schemas.openxmlformats.org/drawingml/2006/main" xmlns:r="http://schemas.openxmlformats.org/officeDocument/2006/relationships" xmlns:p="http://schemas.openxmlformats.org/presentationml/2006/main">
+  <p:cSld>
+    <p:bg>
+      <p:bgRef idx="1001">
+        <a:schemeClr val="bg1"/>
+      </p:bgRef>
+    </p:bg>
+    <p:spTree>
+      <p:nvGrpSpPr>
+        <p:cNvPr id="1" name=""/>
+        <p:cNvGrpSpPr/>
+        <p:nvPr/>
+      </p:nvGrpSpPr>
+      <p:grpSpPr>
+        <a:xfrm>
+          <a:off x="0" y="0"/>
+          <a:ext cx="0" cy="0"/>
+          <a:chOff x="0" y="0"/>
+          <a:chExt cx="0" cy="0"/>
+        </a:xfrm>
+      </p:grpSpPr>
+      <p:sp>
+        <p:nvSpPr>
+          <p:cNvPr id="2" name="页眉占位符 1"/>
+          <p:cNvSpPr>
+            <a:spLocks noGrp="1"/>
+          </p:cNvSpPr>
+          <p:nvPr>
+            <p:ph type="hdr" sz="quarter"/>
+          </p:nvPr>
+        </p:nvSpPr>
+        <p:spPr>
+          <a:xfrm>
+            <a:off x="0" y="0"/>
+            <a:ext cx="3078290" cy="513492"/>
+          </a:xfrm>
+          <a:prstGeom prst="rect">
+            <a:avLst/>
+          </a:prstGeom>
+        </p:spPr>
+        <p:txBody>
+          <a:bodyPr vert="horz" lIns="91440" tIns="45720" rIns="91440" bIns="45720" rtlCol="0"/>
+          <a:lstStyle>
+            <a:lvl1pPr algn="l">
+              <a:defRPr sz="1200"/>
+            </a:lvl1pPr>
+          </a:lstStyle>
+          <a:p>
+            <a:endParaRPr lang="zh-CN" altLang="en-US"/>
+          </a:p>
+        </p:txBody>
+      </p:sp>
+      <p:sp>
+        <p:nvSpPr>
+          <p:cNvPr id="3" name="日期占位符 2"/>
+          <p:cNvSpPr>
+            <a:spLocks noGrp="1"/>
+          </p:cNvSpPr>
+          <p:nvPr>
+            <p:ph type="dt" idx="1"/>
+          </p:nvPr>
+        </p:nvSpPr>
+        <p:spPr>
+          <a:xfrm>
+            <a:off x="4023812" y="0"/>
+            <a:ext cx="3078290" cy="513492"/>
+          </a:xfrm>
+          <a:prstGeom prst="rect">
+            <a:avLst/>
+          </a:prstGeom>
+        </p:spPr>
+        <p:txBody>
+          <a:bodyPr vert="horz" lIns="91440" tIns="45720" rIns="91440" bIns="45720" rtlCol="0"/>
+          <a:lstStyle>
+            <a:lvl1pPr algn="r">
+              <a:defRPr sz="1200"/>
+            </a:lvl1pPr>
+          </a:lstStyle>
+          <a:p>
+            <a:fld id="{D2A48B96-639E-45A3-A0BA-2464DFDB1FAA}" type="datetimeFigureOut">
+              <a:rPr lang="zh-CN" altLang="en-US" smtClean="0"/>
+            </a:fld>
+            <a:endParaRPr lang="zh-CN" altLang="en-US"/>
+          </a:p>
+        </p:txBody>
+      </p:sp>
+      <p:sp>
+        <p:nvSpPr>
+          <p:cNvPr id="4" name="幻灯片图像占位符 3"/>
+          <p:cNvSpPr>
+            <a:spLocks noGrp="1" noRot="1" noChangeAspect="1"/>
+          </p:cNvSpPr>
+          <p:nvPr>
+            <p:ph type="sldImg" idx="2"/>
+          </p:nvPr>
+        </p:nvSpPr>
+        <p:spPr>
+          <a:xfrm>
+            <a:off x="481584" y="1279287"/>
+            <a:ext cx="6140577" cy="3454075"/>
+          </a:xfrm>
+          <a:prstGeom prst="rect">
+            <a:avLst/>
+          </a:prstGeom>
+          <a:noFill/>
+          <a:ln w="12700">
+            <a:solidFill>
+              <a:prstClr val="black"/>
+            </a:solidFill>
+          </a:ln>
+        </p:spPr>
+        <p:txBody>
+          <a:bodyPr vert="horz" lIns="91440" tIns="45720" rIns="91440" bIns="45720" rtlCol="0" anchor="ctr"/>
+          <a:lstStyle/>
+          <a:p>
+            <a:endParaRPr lang="zh-CN" altLang="en-US"/>
+          </a:p>
+        </p:txBody>
+      </p:sp>
+      <p:sp>
+        <p:nvSpPr>
+          <p:cNvPr id="5" name="备注占位符 4"/>
+          <p:cNvSpPr>
+            <a:spLocks noGrp="1"/>
+          </p:cNvSpPr>
+          <p:nvPr>
+            <p:ph type="body" sz="quarter" idx="3"/>
+          </p:nvPr>
+        </p:nvSpPr>
+        <p:spPr>
+          <a:xfrm>
+            <a:off x="710375" y="4925254"/>
+            <a:ext cx="5682996" cy="4029754"/>
+          </a:xfrm>
+          <a:prstGeom prst="rect">
+            <a:avLst/>
+          </a:prstGeom>
+        </p:spPr>
+        <p:txBody>
+          <a:bodyPr vert="horz" lIns="91440" tIns="45720" rIns="91440" bIns="45720" rtlCol="0"/>
+          <a:lstStyle/>
+          <a:p>
+            <a:pPr lvl="0"/>
+            <a:r>
+              <a:rPr lang="zh-CN" altLang="en-US" smtClean="0"/>
+              <a:t>单击此处编辑母版文本样式</a:t>
+            </a:r>
+            <a:endParaRPr lang="zh-CN" altLang="en-US" smtClean="0"/>
+          </a:p>
+          <a:p>
+            <a:pPr lvl="1"/>
+            <a:r>
+              <a:rPr lang="zh-CN" altLang="en-US" smtClean="0"/>
+              <a:t>第二级</a:t>
+            </a:r>
+            <a:endParaRPr lang="zh-CN" altLang="en-US" smtClean="0"/>
+          </a:p>
+          <a:p>
+            <a:pPr lvl="2"/>
+            <a:r>
+              <a:rPr lang="zh-CN" altLang="en-US" smtClean="0"/>
+              <a:t>第三级</a:t>
+            </a:r>
+            <a:endParaRPr lang="zh-CN" altLang="en-US" smtClean="0"/>
+          </a:p>
+          <a:p>
+            <a:pPr lvl="3"/>
+            <a:r>
+              <a:rPr lang="zh-CN" altLang="en-US" smtClean="0"/>
+              <a:t>第四级</a:t>
+            </a:r>
+            <a:endParaRPr lang="zh-CN" altLang="en-US" smtClean="0"/>
+          </a:p>
+          <a:p>
+            <a:pPr lvl="4"/>
+            <a:r>
+              <a:rPr lang="zh-CN" altLang="en-US" smtClean="0"/>
+              <a:t>第五级</a:t>
+            </a:r>
+            <a:endParaRPr lang="zh-CN" altLang="en-US"/>
+          </a:p>
+        </p:txBody>
+      </p:sp>
+      <p:sp>
+        <p:nvSpPr>
+          <p:cNvPr id="6" name="页脚占位符 5"/>
+          <p:cNvSpPr>
+            <a:spLocks noGrp="1"/>
+          </p:cNvSpPr>
+          <p:nvPr>
+            <p:ph type="ftr" sz="quarter" idx="4"/>
+          </p:nvPr>
+        </p:nvSpPr>
+        <p:spPr>
+          <a:xfrm>
+            <a:off x="0" y="9720804"/>
+            <a:ext cx="3078290" cy="513491"/>
+          </a:xfrm>
+          <a:prstGeom prst="rect">
+            <a:avLst/>
+          </a:prstGeom>
+        </p:spPr>
+        <p:txBody>
+          <a:bodyPr vert="horz" lIns="91440" tIns="45720" rIns="91440" bIns="45720" rtlCol="0" anchor="b"/>
+          <a:lstStyle>
+            <a:lvl1pPr algn="l">
+              <a:defRPr sz="1200"/>
+            </a:lvl1pPr>
+          </a:lstStyle>
+          <a:p>
+            <a:endParaRPr lang="zh-CN" altLang="en-US"/>
+          </a:p>
+        </p:txBody>
+      </p:sp>
+      <p:sp>
+        <p:nvSpPr>
+          <p:cNvPr id="7" name="灯片编号占位符 6"/>
+          <p:cNvSpPr>
+            <a:spLocks noGrp="1"/>
+          </p:cNvSpPr>
+          <p:nvPr>
+            <p:ph type="sldNum" sz="quarter" idx="5"/>
+          </p:nvPr>
+        </p:nvSpPr>
+        <p:spPr>
+          <a:xfrm>
+            <a:off x="4023812" y="9720804"/>
+            <a:ext cx="3078290" cy="513491"/>
+          </a:xfrm>
+          <a:prstGeom prst="rect">
+            <a:avLst/>
+          </a:prstGeom>
+        </p:spPr>
+        <p:txBody>
+          <a:bodyPr vert="horz" lIns="91440" tIns="45720" rIns="91440" bIns="45720" rtlCol="0" anchor="b"/>
+          <a:lstStyle>
+            <a:lvl1pPr algn="r">
+              <a:defRPr sz="1200"/>
+            </a:lvl1pPr>
+          </a:lstStyle>
+          <a:p>
+            <a:fld id="{A6837353-30EB-4A48-80EB-173D804AEFBD}" type="slidenum">
+              <a:rPr lang="zh-CN" altLang="en-US" smtClean="0"/>
+            </a:fld>
+            <a:endParaRPr lang="zh-CN" altLang="en-US"/>
+          </a:p>
+        </p:txBody>
+      </p:sp>
+    </p:spTree>
+  </p:cSld>
+  <p:clrMap bg1="lt1" tx1="dk1" bg2="lt2" tx2="dk2" accent1="accent1" accent2="accent2" accent3="accent3" accent4="accent4" accent5="accent5" accent6="accent6" hlink="hlink" folHlink="folHlink"/>
+  <p:notesStyle>
+    <a:lvl1pPr marL="0" algn="l" defTabSz="914400" rtl="0" eaLnBrk="1" latinLnBrk="0" hangingPunct="1">
+      <a:defRPr sz="1200" kern="1200">
+        <a:solidFill>
+          <a:schemeClr val="tx1"/>
+        </a:solidFill>
+        <a:latin typeface="+mn-lt"/>
+        <a:ea typeface="+mn-ea"/>
+        <a:cs typeface="+mn-cs"/>
+      </a:defRPr>
+    </a:lvl1pPr>
+    <a:lvl2pPr marL="457200" algn="l" defTabSz="914400" rtl="0" eaLnBrk="1" latinLnBrk="0" hangingPunct="1">
+      <a:defRPr sz="1200" kern="1200">
+        <a:solidFill>
+          <a:schemeClr val="tx1"/>
+        </a:solidFill>
+        <a:latin typeface="+mn-lt"/>
+        <a:ea typeface="+mn-ea"/>
+        <a:cs typeface="+mn-cs"/>
+      </a:defRPr>
+    </a:lvl2pPr>
+    <a:lvl3pPr marL="914400" algn="l" defTabSz="914400" rtl="0" eaLnBrk="1" latinLnBrk="0" hangingPunct="1">
+      <a:defRPr sz="1200" kern="1200">
+        <a:solidFill>
+          <a:schemeClr val="tx1"/>
+        </a:solidFill>
+        <a:latin typeface="+mn-lt"/>
+        <a:ea typeface="+mn-ea"/>
+        <a:cs typeface="+mn-cs"/>
+      </a:defRPr>
+    </a:lvl3pPr>
+    <a:lvl4pPr marL="1371600" algn="l" defTabSz="914400" rtl="0" eaLnBrk="1" latinLnBrk="0" hangingPunct="1">
+      <a:defRPr sz="1200" kern="1200">
+        <a:solidFill>
+          <a:schemeClr val="tx1"/>
+        </a:solidFill>
+        <a:latin typeface="+mn-lt"/>
+        <a:ea typeface="+mn-ea"/>
+        <a:cs typeface="+mn-cs"/>
+      </a:defRPr>
+    </a:lvl4pPr>
+    <a:lvl5pPr marL="1828800" algn="l" defTabSz="914400" rtl="0" eaLnBrk="1" latinLnBrk="0" hangingPunct="1">
+      <a:defRPr sz="1200" kern="1200">
+        <a:solidFill>
+          <a:schemeClr val="tx1"/>
+        </a:solidFill>
+        <a:latin typeface="+mn-lt"/>
+        <a:ea typeface="+mn-ea"/>
+        <a:cs typeface="+mn-cs"/>
+      </a:defRPr>
+    </a:lvl5pPr>
+    <a:lvl6pPr marL="2286000" algn="l" defTabSz="914400" rtl="0" eaLnBrk="1" latinLnBrk="0" hangingPunct="1">
+      <a:defRPr sz="1200" kern="1200">
+        <a:solidFill>
+          <a:schemeClr val="tx1"/>
+        </a:solidFill>
+        <a:latin typeface="+mn-lt"/>
+        <a:ea typeface="+mn-ea"/>
+        <a:cs typeface="+mn-cs"/>
+      </a:defRPr>
+    </a:lvl6pPr>
+    <a:lvl7pPr marL="2743200" algn="l" defTabSz="914400" rtl="0" eaLnBrk="1" latinLnBrk="0" hangingPunct="1">
+      <a:defRPr sz="1200" kern="1200">
+        <a:solidFill>
+          <a:schemeClr val="tx1"/>
+        </a:solidFill>
+        <a:latin typeface="+mn-lt"/>
+        <a:ea typeface="+mn-ea"/>
+        <a:cs typeface="+mn-cs"/>
+      </a:defRPr>
+    </a:lvl7pPr>
+    <a:lvl8pPr marL="3200400" algn="l" defTabSz="914400" rtl="0" eaLnBrk="1" latinLnBrk="0" hangingPunct="1">
+      <a:defRPr sz="1200" kern="1200">
+        <a:solidFill>
+          <a:schemeClr val="tx1"/>
+        </a:solidFill>
+        <a:latin typeface="+mn-lt"/>
+        <a:ea typeface="+mn-ea"/>
+        <a:cs typeface="+mn-cs"/>
+      </a:defRPr>
+    </a:lvl8pPr>
+    <a:lvl9pPr marL="3657600" algn="l" defTabSz="914400" rtl="0" eaLnBrk="1" latinLnBrk="0" hangingPunct="1">
+      <a:defRPr sz="1200" kern="1200">
+        <a:solidFill>
+          <a:schemeClr val="tx1"/>
+        </a:solidFill>
+        <a:latin typeface="+mn-lt"/>
+        <a:ea typeface="+mn-ea"/>
+        <a:cs typeface="+mn-cs"/>
+      </a:defRPr>
+    </a:lvl9pPr>
+  </p:notesStyle>
+</p:notesMaster>
+</file>
+
+<file path=ppt/notesSlides/notesSlide1.xml><?xml version="1.0" encoding="utf-8"?>
+<p:notes xmlns:a="http://schemas.openxmlformats.org/drawingml/2006/main" xmlns:r="http://schemas.openxmlformats.org/officeDocument/2006/relationships" xmlns:p="http://schemas.openxmlformats.org/presentationml/2006/main">
+  <p:cSld>
+    <p:spTree>
+      <p:nvGrpSpPr>
+        <p:cNvPr id="1" name=""/>
+        <p:cNvGrpSpPr/>
+        <p:nvPr/>
+      </p:nvGrpSpPr>
+      <p:grpSpPr/>
+      <p:sp>
+        <p:nvSpPr>
+          <p:cNvPr id="2" name="幻灯片图像占位符 1"/>
+          <p:cNvSpPr/>
+          <p:nvPr>
+            <p:ph type="sldImg" idx="2"/>
+          </p:nvPr>
+        </p:nvSpPr>
+        <p:spPr/>
+      </p:sp>
+      <p:sp>
+        <p:nvSpPr>
+          <p:cNvPr id="3" name="文本占位符 2"/>
+          <p:cNvSpPr/>
+          <p:nvPr>
+            <p:ph type="body" idx="3"/>
+          </p:nvPr>
+        </p:nvSpPr>
+        <p:spPr/>
+        <p:txBody>
+          <a:bodyPr/>
+          <a:p>
+            <a:r>
+              <a:rPr lang="zh-CN" altLang="en-US"/>
+              <a:t>大家好，我来介绍一下METAPO。一个Web3社交网络，通过公平的曝光量算法，建立SocialFI。</a:t>
+            </a:r>
+            <a:endParaRPr lang="zh-CN" altLang="en-US"/>
+          </a:p>
+          <a:p>
+            <a:r>
+              <a:rPr lang="zh-CN" altLang="en-US"/>
+              <a:t>Hello everyone, let me introduce METAPO. A Web3 social network, through a fair exposure algorithm, to build SocialFI.</a:t>
+            </a:r>
+            <a:endParaRPr lang="zh-CN" altLang="en-US"/>
+          </a:p>
+        </p:txBody>
+      </p:sp>
+    </p:spTree>
+  </p:cSld>
+  <p:clrMapOvr>
+    <a:masterClrMapping/>
+  </p:clrMapOvr>
+</p:notes>
+</file>
+
+<file path=ppt/notesSlides/notesSlide10.xml><?xml version="1.0" encoding="utf-8"?>
+<p:notes xmlns:a="http://schemas.openxmlformats.org/drawingml/2006/main" xmlns:r="http://schemas.openxmlformats.org/officeDocument/2006/relationships" xmlns:p="http://schemas.openxmlformats.org/presentationml/2006/main">
+  <p:cSld>
+    <p:spTree>
+      <p:nvGrpSpPr>
+        <p:cNvPr id="1" name=""/>
+        <p:cNvGrpSpPr/>
+        <p:nvPr/>
+      </p:nvGrpSpPr>
+      <p:grpSpPr/>
+      <p:sp>
+        <p:nvSpPr>
+          <p:cNvPr id="2" name="幻灯片图像占位符 1"/>
+          <p:cNvSpPr/>
+          <p:nvPr>
+            <p:ph type="sldImg" idx="2"/>
+          </p:nvPr>
+        </p:nvSpPr>
+        <p:spPr/>
+      </p:sp>
+      <p:sp>
+        <p:nvSpPr>
+          <p:cNvPr id="3" name="文本占位符 2"/>
+          <p:cNvSpPr/>
+          <p:nvPr>
+            <p:ph type="body" idx="3"/>
+          </p:nvPr>
+        </p:nvSpPr>
+        <p:spPr/>
+        <p:txBody>
+          <a:bodyPr/>
+          <a:p>
+            <a:r>
+              <a:rPr lang="zh-CN" altLang="en-US"/>
+              <a:t>我们看一下发表</a:t>
+            </a:r>
+            <a:r>
+              <a:rPr lang="en-US" altLang="zh-CN"/>
+              <a:t>Entry</a:t>
+            </a:r>
+            <a:r>
+              <a:rPr lang="zh-CN" altLang="en-US"/>
+              <a:t>的页面，上面的部分是自定义缩略图，就像</a:t>
+            </a:r>
+            <a:r>
+              <a:rPr lang="en-US" altLang="zh-CN"/>
+              <a:t>youtube</a:t>
+            </a:r>
+            <a:r>
+              <a:rPr lang="zh-CN" altLang="en-US"/>
+              <a:t>的视频缩略图一样，作为</a:t>
+            </a:r>
+            <a:r>
+              <a:rPr lang="en-US" altLang="zh-CN"/>
+              <a:t>NFT</a:t>
+            </a:r>
+            <a:r>
+              <a:rPr lang="zh-CN" altLang="en-US"/>
+              <a:t>的图像，支持</a:t>
+            </a:r>
+            <a:r>
+              <a:rPr lang="en-US" altLang="zh-CN"/>
+              <a:t>PNG</a:t>
+            </a:r>
+            <a:r>
+              <a:rPr lang="zh-CN" altLang="en-US"/>
+              <a:t>、</a:t>
+            </a:r>
+            <a:r>
+              <a:rPr lang="en-US" altLang="zh-CN"/>
+              <a:t>JPG</a:t>
+            </a:r>
+            <a:r>
+              <a:rPr lang="zh-CN" altLang="en-US"/>
+              <a:t>和</a:t>
+            </a:r>
+            <a:r>
+              <a:rPr lang="en-US" altLang="zh-CN"/>
+              <a:t>SVG</a:t>
+            </a:r>
+            <a:r>
+              <a:rPr lang="zh-CN" altLang="en-US"/>
+              <a:t>，如果你只填了文字，系统将自动生成图像。下面的部分是内容。当你点</a:t>
+            </a:r>
+            <a:r>
+              <a:rPr lang="en-US" altLang="zh-CN"/>
+              <a:t>submit</a:t>
+            </a:r>
+            <a:r>
+              <a:rPr lang="zh-CN" altLang="en-US"/>
+              <a:t>按钮的时候，内容将上传至</a:t>
+            </a:r>
+            <a:r>
+              <a:rPr lang="en-US" altLang="zh-CN"/>
+              <a:t>AR</a:t>
+            </a:r>
+            <a:r>
+              <a:rPr lang="zh-CN" altLang="en-US"/>
+              <a:t>，然后在合约里生成</a:t>
+            </a:r>
+            <a:r>
+              <a:rPr lang="en-US" altLang="zh-CN"/>
+              <a:t>NFT</a:t>
+            </a:r>
+            <a:r>
+              <a:rPr lang="zh-CN" altLang="en-US"/>
+              <a:t>，并绑定对应的</a:t>
+            </a:r>
+            <a:r>
+              <a:rPr lang="en-US" altLang="zh-CN"/>
+              <a:t>AR</a:t>
+            </a:r>
+            <a:r>
+              <a:rPr lang="zh-CN" altLang="en-US"/>
+              <a:t>地址。</a:t>
+            </a:r>
+            <a:endParaRPr lang="zh-CN" altLang="en-US"/>
+          </a:p>
+          <a:p>
+            <a:r>
+              <a:rPr lang="zh-CN" altLang="en-US"/>
+              <a:t>Let's take a look at the </a:t>
+            </a:r>
+            <a:r>
+              <a:rPr lang="en-US" altLang="zh-CN"/>
+              <a:t>mint </a:t>
+            </a:r>
+            <a:r>
+              <a:rPr lang="zh-CN" altLang="en-US"/>
+              <a:t>page. The upper part is a custom thumbnail, just like the YouTube video thumbnail</a:t>
+            </a:r>
+            <a:r>
+              <a:rPr lang="en-US" altLang="zh-CN"/>
+              <a:t>, a</a:t>
+            </a:r>
+            <a:r>
+              <a:rPr lang="zh-CN" altLang="en-US"/>
+              <a:t>s an NFT image, PNG, JPG and SVG are supported. If you only fill in the text, the system will automatically generate an image. The downed </a:t>
+            </a:r>
+            <a:r>
+              <a:rPr lang="en-US" altLang="zh-CN"/>
+              <a:t>part</a:t>
+            </a:r>
+            <a:r>
+              <a:rPr lang="zh-CN" altLang="en-US"/>
+              <a:t> is the content. When you </a:t>
+            </a:r>
+            <a:r>
+              <a:rPr lang="en-US" altLang="zh-CN"/>
+              <a:t>press </a:t>
+            </a:r>
+            <a:r>
+              <a:rPr lang="zh-CN" altLang="en-US"/>
+              <a:t>the submit button, the content will be uploaded to AR, and then NFT will be </a:t>
+            </a:r>
+            <a:r>
+              <a:rPr lang="en-US" altLang="zh-CN"/>
+              <a:t>minted</a:t>
+            </a:r>
+            <a:r>
+              <a:rPr lang="zh-CN" altLang="en-US"/>
+              <a:t> and bound to the AR address.</a:t>
+            </a:r>
+            <a:endParaRPr lang="zh-CN" altLang="en-US"/>
+          </a:p>
+        </p:txBody>
+      </p:sp>
+    </p:spTree>
+  </p:cSld>
+  <p:clrMapOvr>
+    <a:masterClrMapping/>
+  </p:clrMapOvr>
+</p:notes>
+</file>
+
+<file path=ppt/notesSlides/notesSlide11.xml><?xml version="1.0" encoding="utf-8"?>
+<p:notes xmlns:a="http://schemas.openxmlformats.org/drawingml/2006/main" xmlns:r="http://schemas.openxmlformats.org/officeDocument/2006/relationships" xmlns:p="http://schemas.openxmlformats.org/presentationml/2006/main">
+  <p:cSld>
+    <p:spTree>
+      <p:nvGrpSpPr>
+        <p:cNvPr id="1" name=""/>
+        <p:cNvGrpSpPr/>
+        <p:nvPr/>
+      </p:nvGrpSpPr>
+      <p:grpSpPr/>
+      <p:sp>
+        <p:nvSpPr>
+          <p:cNvPr id="2" name="幻灯片图像占位符 1"/>
+          <p:cNvSpPr/>
+          <p:nvPr>
+            <p:ph type="sldImg" idx="2"/>
+          </p:nvPr>
+        </p:nvSpPr>
+        <p:spPr/>
+      </p:sp>
+      <p:sp>
+        <p:nvSpPr>
+          <p:cNvPr id="3" name="文本占位符 2"/>
+          <p:cNvSpPr/>
+          <p:nvPr>
+            <p:ph type="body" idx="3"/>
+          </p:nvPr>
+        </p:nvSpPr>
+        <p:spPr/>
+        <p:txBody>
+          <a:bodyPr/>
+          <a:p>
+            <a:r>
+              <a:rPr lang="zh-CN" altLang="en-US"/>
+              <a:t>在资产页面，我们可以看到我们在其他链上有哪些稳定币，数值的总额通过预言机同步到</a:t>
+            </a:r>
+            <a:r>
+              <a:rPr lang="en-US" altLang="zh-CN"/>
+              <a:t>Metapo</a:t>
+            </a:r>
+            <a:r>
+              <a:rPr lang="zh-CN" altLang="en-US"/>
+              <a:t>。不需要授权或者抵押，很安全，你只需要登入，就拥有了</a:t>
+            </a:r>
+            <a:r>
+              <a:rPr lang="en-US" altLang="zh-CN"/>
+              <a:t>Metapo balance</a:t>
+            </a:r>
+            <a:r>
+              <a:rPr lang="zh-CN" altLang="en-US"/>
+              <a:t>，用来给喜欢的</a:t>
+            </a:r>
+            <a:r>
+              <a:rPr lang="en-US" altLang="zh-CN"/>
+              <a:t>Entry</a:t>
+            </a:r>
+            <a:r>
+              <a:rPr lang="zh-CN" altLang="en-US"/>
+              <a:t>投票。你可能会问，如果我把</a:t>
+            </a:r>
+            <a:r>
+              <a:rPr lang="en-US" altLang="zh-CN"/>
+              <a:t>USDT</a:t>
+            </a:r>
+            <a:r>
+              <a:rPr lang="zh-CN" altLang="en-US"/>
+              <a:t>转给我的小号，那我是不是有双份的</a:t>
+            </a:r>
+            <a:r>
+              <a:rPr lang="en-US" altLang="zh-CN">
+                <a:sym typeface="+mn-ea"/>
+              </a:rPr>
+              <a:t>Metapo balance</a:t>
+            </a:r>
+            <a:r>
+              <a:rPr lang="zh-CN" altLang="en-US">
+                <a:sym typeface="+mn-ea"/>
+              </a:rPr>
+              <a:t>？不会，因为</a:t>
+            </a:r>
+            <a:r>
+              <a:rPr lang="en-US" altLang="zh-CN">
+                <a:sym typeface="+mn-ea"/>
+              </a:rPr>
+              <a:t>Metapo balance</a:t>
+            </a:r>
+            <a:r>
+              <a:rPr lang="zh-CN" altLang="en-US">
+                <a:sym typeface="+mn-ea"/>
+              </a:rPr>
+              <a:t>是动态的，会随着你稳定币资产而变化，当你转移</a:t>
+            </a:r>
+            <a:r>
+              <a:rPr lang="en-US" altLang="zh-CN">
+                <a:sym typeface="+mn-ea"/>
+              </a:rPr>
+              <a:t>USDT</a:t>
+            </a:r>
+            <a:r>
+              <a:rPr lang="zh-CN" altLang="en-US">
+                <a:sym typeface="+mn-ea"/>
+              </a:rPr>
+              <a:t>时，你的</a:t>
+            </a:r>
+            <a:r>
+              <a:rPr lang="en-US" altLang="zh-CN">
+                <a:sym typeface="+mn-ea"/>
+              </a:rPr>
+              <a:t>Metapo balance</a:t>
+            </a:r>
+            <a:r>
+              <a:rPr lang="zh-CN" altLang="en-US">
+                <a:sym typeface="+mn-ea"/>
+              </a:rPr>
+              <a:t>也会变少。对于加密货币用户来说，这很棒！我们知道在</a:t>
+            </a:r>
+            <a:r>
+              <a:rPr lang="en-US" altLang="zh-CN">
+                <a:sym typeface="+mn-ea"/>
+              </a:rPr>
+              <a:t>DEFI</a:t>
+            </a:r>
+            <a:r>
+              <a:rPr lang="zh-CN" altLang="en-US">
+                <a:sym typeface="+mn-ea"/>
+              </a:rPr>
+              <a:t>，由于各种安全漏洞和危险操作，你的钱还是你的钱吗？这不止是个提问而且是个问题，但是在</a:t>
+            </a:r>
+            <a:r>
+              <a:rPr lang="en-US" altLang="zh-CN">
+                <a:sym typeface="+mn-ea"/>
+              </a:rPr>
+              <a:t>SocialFI</a:t>
+            </a:r>
+            <a:r>
+              <a:rPr lang="zh-CN" altLang="en-US">
+                <a:sym typeface="+mn-ea"/>
+              </a:rPr>
+              <a:t>，你依然拥有金钱的力量，并且，你的钱还是你的钱。</a:t>
+            </a:r>
+            <a:endParaRPr lang="zh-CN" altLang="en-US">
+              <a:sym typeface="+mn-ea"/>
+            </a:endParaRPr>
+          </a:p>
+          <a:p>
+            <a:r>
+              <a:rPr lang="zh-CN" altLang="en-US">
+                <a:sym typeface="+mn-ea"/>
+              </a:rPr>
+              <a:t>On the </a:t>
+            </a:r>
+            <a:r>
+              <a:rPr lang="en-US" altLang="zh-CN">
+                <a:sym typeface="+mn-ea"/>
+              </a:rPr>
+              <a:t>Funds </a:t>
+            </a:r>
+            <a:r>
+              <a:rPr lang="zh-CN" altLang="en-US">
+                <a:sym typeface="+mn-ea"/>
+              </a:rPr>
+              <a:t>page, we can see </a:t>
+            </a:r>
+            <a:r>
+              <a:rPr lang="en-US" altLang="zh-CN">
+                <a:sym typeface="+mn-ea"/>
+              </a:rPr>
+              <a:t>how many </a:t>
+            </a:r>
+            <a:r>
+              <a:rPr lang="zh-CN" altLang="en-US">
+                <a:sym typeface="+mn-ea"/>
+              </a:rPr>
+              <a:t>stablecoins we have on other chains, and the total value is synchronized to Metapo through the oracle. </a:t>
+            </a:r>
+            <a:r>
+              <a:rPr lang="en-US" altLang="zh-CN">
+                <a:sym typeface="+mn-ea"/>
+              </a:rPr>
+              <a:t>Without approving</a:t>
+            </a:r>
+            <a:r>
+              <a:rPr lang="zh-CN" altLang="en-US">
+                <a:sym typeface="+mn-ea"/>
+              </a:rPr>
+              <a:t> or </a:t>
+            </a:r>
+            <a:r>
+              <a:rPr lang="en-US" altLang="zh-CN">
+                <a:sym typeface="+mn-ea"/>
+              </a:rPr>
+              <a:t>staking</a:t>
+            </a:r>
+            <a:r>
+              <a:rPr lang="zh-CN" altLang="en-US">
+                <a:sym typeface="+mn-ea"/>
+              </a:rPr>
+              <a:t>, it is safe, you only need to log in and you will </a:t>
+            </a:r>
+            <a:r>
+              <a:rPr lang="en-US" altLang="zh-CN">
+                <a:sym typeface="+mn-ea"/>
+              </a:rPr>
+              <a:t>own</a:t>
+            </a:r>
+            <a:r>
+              <a:rPr lang="zh-CN" altLang="en-US">
+                <a:sym typeface="+mn-ea"/>
+              </a:rPr>
+              <a:t> a Metapo balance</a:t>
+            </a:r>
+            <a:r>
+              <a:rPr lang="en-US" altLang="zh-CN">
+                <a:sym typeface="+mn-ea"/>
+              </a:rPr>
+              <a:t>,</a:t>
+            </a:r>
+            <a:r>
+              <a:rPr lang="zh-CN" altLang="en-US">
+                <a:sym typeface="+mn-ea"/>
+              </a:rPr>
+              <a:t> to vote for your favorite Entry. You may ask, if I transfer USDT to my </a:t>
+            </a:r>
+            <a:r>
+              <a:rPr lang="en-US" altLang="zh-CN">
+                <a:sym typeface="+mn-ea"/>
+              </a:rPr>
+              <a:t>alt </a:t>
+            </a:r>
+            <a:r>
+              <a:rPr lang="zh-CN" altLang="en-US">
+                <a:sym typeface="+mn-ea"/>
+              </a:rPr>
+              <a:t>account, do I have a double Metapo balance? No, because </a:t>
+            </a:r>
+            <a:r>
+              <a:rPr lang="en-US" altLang="zh-CN">
+                <a:sym typeface="+mn-ea"/>
+              </a:rPr>
+              <a:t>the</a:t>
+            </a:r>
+            <a:r>
+              <a:rPr lang="zh-CN" altLang="en-US">
+                <a:sym typeface="+mn-ea"/>
+              </a:rPr>
+              <a:t> Metapo balance is dynamic and will change with your stablecoin, when you transfer USDT, your Metapo balance will also decrease. </a:t>
+            </a:r>
+            <a:r>
+              <a:rPr lang="en-US" altLang="zh-CN">
+                <a:sym typeface="+mn-ea"/>
+              </a:rPr>
+              <a:t>f</a:t>
+            </a:r>
+            <a:r>
+              <a:rPr lang="zh-CN" altLang="en-US">
+                <a:sym typeface="+mn-ea"/>
+              </a:rPr>
+              <a:t>or cryptocurrency users</a:t>
+            </a:r>
+            <a:r>
+              <a:rPr lang="en-US" altLang="zh-CN">
+                <a:sym typeface="+mn-ea"/>
+              </a:rPr>
+              <a:t>, that is great</a:t>
+            </a:r>
+            <a:r>
+              <a:rPr lang="zh-CN" altLang="en-US">
+                <a:sym typeface="+mn-ea"/>
+              </a:rPr>
+              <a:t>! </a:t>
+            </a:r>
+            <a:r>
+              <a:rPr>
+                <a:sym typeface="+mn-ea"/>
+              </a:rPr>
+              <a:t>We know that in DEFI, due to security </a:t>
+            </a:r>
+            <a:r>
+              <a:rPr lang="en-US">
+                <a:sym typeface="+mn-ea"/>
+              </a:rPr>
+              <a:t>bugs </a:t>
+            </a:r>
+            <a:r>
+              <a:rPr>
+                <a:sym typeface="+mn-ea"/>
+              </a:rPr>
+              <a:t>and dangerous operations</a:t>
+            </a:r>
+            <a:r>
+              <a:rPr lang="en-US" altLang="zh-CN">
+                <a:sym typeface="+mn-ea"/>
+              </a:rPr>
+              <a:t>, is your money still your money? That is not only a question but also come to be a problem. But</a:t>
+            </a:r>
+            <a:r>
+              <a:rPr lang="zh-CN" altLang="en-US">
+                <a:sym typeface="+mn-ea"/>
+              </a:rPr>
+              <a:t> in SocialFI, you still </a:t>
+            </a:r>
+            <a:r>
+              <a:rPr lang="en-US" altLang="zh-CN">
+                <a:sym typeface="+mn-ea"/>
+              </a:rPr>
+              <a:t>own the power of money</a:t>
+            </a:r>
+            <a:r>
+              <a:rPr lang="zh-CN" altLang="en-US">
+                <a:sym typeface="+mn-ea"/>
+              </a:rPr>
+              <a:t>, and your money is still your money.</a:t>
+            </a:r>
+            <a:endParaRPr lang="zh-CN" altLang="en-US">
+              <a:sym typeface="+mn-ea"/>
+            </a:endParaRPr>
+          </a:p>
+        </p:txBody>
+      </p:sp>
+    </p:spTree>
+  </p:cSld>
+  <p:clrMapOvr>
+    <a:masterClrMapping/>
+  </p:clrMapOvr>
+</p:notes>
+</file>
+
+<file path=ppt/notesSlides/notesSlide12.xml><?xml version="1.0" encoding="utf-8"?>
+<p:notes xmlns:a="http://schemas.openxmlformats.org/drawingml/2006/main" xmlns:r="http://schemas.openxmlformats.org/officeDocument/2006/relationships" xmlns:p="http://schemas.openxmlformats.org/presentationml/2006/main">
+  <p:cSld>
+    <p:spTree>
+      <p:nvGrpSpPr>
+        <p:cNvPr id="1" name=""/>
+        <p:cNvGrpSpPr/>
+        <p:nvPr/>
+      </p:nvGrpSpPr>
+      <p:grpSpPr/>
+      <p:sp>
+        <p:nvSpPr>
+          <p:cNvPr id="2" name="幻灯片图像占位符 1"/>
+          <p:cNvSpPr/>
+          <p:nvPr>
+            <p:ph type="sldImg" idx="2"/>
+          </p:nvPr>
+        </p:nvSpPr>
+        <p:spPr/>
+      </p:sp>
+      <p:sp>
+        <p:nvSpPr>
+          <p:cNvPr id="3" name="文本占位符 2"/>
+          <p:cNvSpPr/>
+          <p:nvPr>
+            <p:ph type="body" idx="3"/>
+          </p:nvPr>
+        </p:nvSpPr>
+        <p:spPr/>
+        <p:txBody>
+          <a:bodyPr/>
+          <a:p>
+            <a:r>
+              <a:rPr lang="zh-CN" altLang="en-US"/>
+              <a:t>基于</a:t>
+            </a:r>
+            <a:r>
+              <a:rPr lang="en-US">
+                <a:solidFill>
+                  <a:schemeClr val="tx1">
+                    <a:lumMod val="75000"/>
+                    <a:lumOff val="25000"/>
+                  </a:schemeClr>
+                </a:solidFill>
+                <a:latin typeface="Source Han Sans SC" panose="020B0500000000000000" pitchFamily="34" charset="-128"/>
+                <a:ea typeface="Source Han Sans SC" panose="020B0500000000000000" pitchFamily="34" charset="-128"/>
+                <a:cs typeface="Lato"/>
+                <a:sym typeface="Lato"/>
+              </a:rPr>
+              <a:t>Entry NFT</a:t>
+            </a:r>
+            <a:r>
+              <a:rPr lang="zh-CN" altLang="en-US">
+                <a:solidFill>
+                  <a:schemeClr val="tx1">
+                    <a:lumMod val="75000"/>
+                    <a:lumOff val="25000"/>
+                  </a:schemeClr>
+                </a:solidFill>
+                <a:latin typeface="Source Han Sans SC" panose="020B0500000000000000" pitchFamily="34" charset="-128"/>
+                <a:ea typeface="Source Han Sans SC" panose="020B0500000000000000" pitchFamily="34" charset="-128"/>
+                <a:cs typeface="Lato"/>
+                <a:sym typeface="Lato"/>
+              </a:rPr>
+              <a:t>，可以实现</a:t>
+            </a:r>
+            <a:r>
+              <a:rPr lang="en-US" altLang="zh-CN">
+                <a:solidFill>
+                  <a:schemeClr val="tx1">
+                    <a:lumMod val="75000"/>
+                    <a:lumOff val="25000"/>
+                  </a:schemeClr>
+                </a:solidFill>
+                <a:latin typeface="Source Han Sans SC" panose="020B0500000000000000" pitchFamily="34" charset="-128"/>
+                <a:ea typeface="Source Han Sans SC" panose="020B0500000000000000" pitchFamily="34" charset="-128"/>
+                <a:cs typeface="Lato"/>
+                <a:sym typeface="Lato"/>
+              </a:rPr>
+              <a:t>Web3 BBS</a:t>
+            </a:r>
+            <a:r>
+              <a:rPr lang="zh-CN" altLang="en-US">
+                <a:solidFill>
+                  <a:schemeClr val="tx1">
+                    <a:lumMod val="75000"/>
+                    <a:lumOff val="25000"/>
+                  </a:schemeClr>
+                </a:solidFill>
+                <a:latin typeface="Source Han Sans SC" panose="020B0500000000000000" pitchFamily="34" charset="-128"/>
+                <a:ea typeface="Source Han Sans SC" panose="020B0500000000000000" pitchFamily="34" charset="-128"/>
+                <a:cs typeface="Lato"/>
+                <a:sym typeface="Lato"/>
+              </a:rPr>
+              <a:t>。图中蓝色</a:t>
+            </a:r>
+            <a:r>
+              <a:rPr lang="en-US" altLang="zh-CN">
+                <a:solidFill>
+                  <a:schemeClr val="tx1">
+                    <a:lumMod val="75000"/>
+                    <a:lumOff val="25000"/>
+                  </a:schemeClr>
+                </a:solidFill>
+                <a:latin typeface="Source Han Sans SC" panose="020B0500000000000000" pitchFamily="34" charset="-128"/>
+                <a:ea typeface="Source Han Sans SC" panose="020B0500000000000000" pitchFamily="34" charset="-128"/>
+                <a:cs typeface="Lato"/>
+                <a:sym typeface="Lato"/>
+              </a:rPr>
+              <a:t>Entry</a:t>
+            </a:r>
+            <a:r>
+              <a:rPr lang="zh-CN" altLang="en-US">
+                <a:solidFill>
+                  <a:schemeClr val="tx1">
+                    <a:lumMod val="75000"/>
+                    <a:lumOff val="25000"/>
+                  </a:schemeClr>
+                </a:solidFill>
+                <a:latin typeface="Source Han Sans SC" panose="020B0500000000000000" pitchFamily="34" charset="-128"/>
+                <a:ea typeface="Source Han Sans SC" panose="020B0500000000000000" pitchFamily="34" charset="-128"/>
+                <a:cs typeface="Lato"/>
+                <a:sym typeface="Lato"/>
+              </a:rPr>
+              <a:t>作为帖子和回复，灰色</a:t>
+            </a:r>
+            <a:r>
+              <a:rPr lang="en-US" altLang="zh-CN">
+                <a:solidFill>
+                  <a:schemeClr val="tx1">
+                    <a:lumMod val="75000"/>
+                    <a:lumOff val="25000"/>
+                  </a:schemeClr>
+                </a:solidFill>
+                <a:latin typeface="Source Han Sans SC" panose="020B0500000000000000" pitchFamily="34" charset="-128"/>
+                <a:ea typeface="Source Han Sans SC" panose="020B0500000000000000" pitchFamily="34" charset="-128"/>
+                <a:cs typeface="Lato"/>
+                <a:sym typeface="Lato"/>
+              </a:rPr>
+              <a:t>Entry</a:t>
+            </a:r>
+            <a:r>
+              <a:rPr lang="zh-CN" altLang="en-US">
+                <a:solidFill>
+                  <a:schemeClr val="tx1">
+                    <a:lumMod val="75000"/>
+                    <a:lumOff val="25000"/>
+                  </a:schemeClr>
+                </a:solidFill>
+                <a:latin typeface="Source Han Sans SC" panose="020B0500000000000000" pitchFamily="34" charset="-128"/>
+                <a:ea typeface="Source Han Sans SC" panose="020B0500000000000000" pitchFamily="34" charset="-128"/>
+                <a:cs typeface="Lato"/>
+                <a:sym typeface="Lato"/>
+              </a:rPr>
+              <a:t>作为板块分类，我们得到一个叫作</a:t>
+            </a:r>
+            <a:r>
+              <a:rPr lang="en-US" altLang="zh-CN">
+                <a:solidFill>
+                  <a:schemeClr val="tx1">
+                    <a:lumMod val="75000"/>
+                    <a:lumOff val="25000"/>
+                  </a:schemeClr>
+                </a:solidFill>
+                <a:latin typeface="Source Han Sans SC" panose="020B0500000000000000" pitchFamily="34" charset="-128"/>
+                <a:ea typeface="Source Han Sans SC" panose="020B0500000000000000" pitchFamily="34" charset="-128"/>
+                <a:cs typeface="Lato"/>
+                <a:sym typeface="Lato"/>
+              </a:rPr>
+              <a:t>Web3Talk</a:t>
+            </a:r>
+            <a:r>
+              <a:rPr lang="zh-CN" altLang="en-US">
+                <a:solidFill>
+                  <a:schemeClr val="tx1">
+                    <a:lumMod val="75000"/>
+                    <a:lumOff val="25000"/>
+                  </a:schemeClr>
+                </a:solidFill>
+                <a:latin typeface="Source Han Sans SC" panose="020B0500000000000000" pitchFamily="34" charset="-128"/>
+                <a:ea typeface="Source Han Sans SC" panose="020B0500000000000000" pitchFamily="34" charset="-128"/>
+                <a:cs typeface="Lato"/>
+                <a:sym typeface="Lato"/>
+              </a:rPr>
+              <a:t>的论坛，把这些论坛组合在一起，那就是</a:t>
+            </a:r>
+            <a:r>
+              <a:rPr lang="en-US" altLang="zh-CN">
+                <a:solidFill>
+                  <a:schemeClr val="tx1">
+                    <a:lumMod val="75000"/>
+                    <a:lumOff val="25000"/>
+                  </a:schemeClr>
+                </a:solidFill>
+                <a:latin typeface="Source Han Sans SC" panose="020B0500000000000000" pitchFamily="34" charset="-128"/>
+                <a:ea typeface="Source Han Sans SC" panose="020B0500000000000000" pitchFamily="34" charset="-128"/>
+                <a:cs typeface="Lato"/>
+                <a:sym typeface="Lato"/>
+              </a:rPr>
+              <a:t>Web3Raddit</a:t>
+            </a:r>
+            <a:r>
+              <a:rPr lang="zh-CN" altLang="en-US">
+                <a:solidFill>
+                  <a:schemeClr val="tx1">
+                    <a:lumMod val="75000"/>
+                    <a:lumOff val="25000"/>
+                  </a:schemeClr>
+                </a:solidFill>
+                <a:latin typeface="Source Han Sans SC" panose="020B0500000000000000" pitchFamily="34" charset="-128"/>
+                <a:ea typeface="Source Han Sans SC" panose="020B0500000000000000" pitchFamily="34" charset="-128"/>
+                <a:cs typeface="Lato"/>
+                <a:sym typeface="Lato"/>
+              </a:rPr>
+              <a:t>，给用户推送作者的其他</a:t>
+            </a:r>
+            <a:r>
+              <a:rPr lang="en-US" altLang="zh-CN">
+                <a:solidFill>
+                  <a:schemeClr val="tx1">
+                    <a:lumMod val="75000"/>
+                    <a:lumOff val="25000"/>
+                  </a:schemeClr>
+                </a:solidFill>
+                <a:latin typeface="Source Han Sans SC" panose="020B0500000000000000" pitchFamily="34" charset="-128"/>
+                <a:ea typeface="Source Han Sans SC" panose="020B0500000000000000" pitchFamily="34" charset="-128"/>
+                <a:cs typeface="Lato"/>
+                <a:sym typeface="Lato"/>
+              </a:rPr>
+              <a:t>Entry</a:t>
+            </a:r>
+            <a:r>
+              <a:rPr lang="zh-CN" altLang="en-US">
+                <a:solidFill>
+                  <a:schemeClr val="tx1">
+                    <a:lumMod val="75000"/>
+                    <a:lumOff val="25000"/>
+                  </a:schemeClr>
+                </a:solidFill>
+                <a:latin typeface="Source Han Sans SC" panose="020B0500000000000000" pitchFamily="34" charset="-128"/>
+                <a:ea typeface="Source Han Sans SC" panose="020B0500000000000000" pitchFamily="34" charset="-128"/>
+                <a:cs typeface="Lato"/>
+                <a:sym typeface="Lato"/>
+              </a:rPr>
+              <a:t>，那就是</a:t>
+            </a:r>
+            <a:r>
+              <a:rPr lang="en-US" altLang="zh-CN">
+                <a:solidFill>
+                  <a:schemeClr val="tx1">
+                    <a:lumMod val="75000"/>
+                    <a:lumOff val="25000"/>
+                  </a:schemeClr>
+                </a:solidFill>
+                <a:latin typeface="Source Han Sans SC" panose="020B0500000000000000" pitchFamily="34" charset="-128"/>
+                <a:ea typeface="Source Han Sans SC" panose="020B0500000000000000" pitchFamily="34" charset="-128"/>
+                <a:cs typeface="Lato"/>
+                <a:sym typeface="Lato"/>
+              </a:rPr>
+              <a:t>Web3Twitter</a:t>
+            </a:r>
+            <a:r>
+              <a:rPr lang="zh-CN" altLang="en-US">
+                <a:solidFill>
+                  <a:schemeClr val="tx1">
+                    <a:lumMod val="75000"/>
+                    <a:lumOff val="25000"/>
+                  </a:schemeClr>
+                </a:solidFill>
+                <a:latin typeface="Source Han Sans SC" panose="020B0500000000000000" pitchFamily="34" charset="-128"/>
+                <a:ea typeface="Source Han Sans SC" panose="020B0500000000000000" pitchFamily="34" charset="-128"/>
+                <a:cs typeface="Lato"/>
+                <a:sym typeface="Lato"/>
+              </a:rPr>
+              <a:t>。</a:t>
+            </a:r>
+            <a:endParaRPr lang="zh-CN" altLang="en-US">
+              <a:solidFill>
+                <a:schemeClr val="tx1">
+                  <a:lumMod val="75000"/>
+                  <a:lumOff val="25000"/>
+                </a:schemeClr>
+              </a:solidFill>
+              <a:latin typeface="Source Han Sans SC" panose="020B0500000000000000" pitchFamily="34" charset="-128"/>
+              <a:ea typeface="Source Han Sans SC" panose="020B0500000000000000" pitchFamily="34" charset="-128"/>
+              <a:cs typeface="Lato"/>
+              <a:sym typeface="Lato"/>
+            </a:endParaRPr>
+          </a:p>
+          <a:p>
+            <a:r>
+              <a:rPr lang="zh-CN" altLang="en-US">
+                <a:solidFill>
+                  <a:schemeClr val="tx1">
+                    <a:lumMod val="75000"/>
+                    <a:lumOff val="25000"/>
+                  </a:schemeClr>
+                </a:solidFill>
+                <a:latin typeface="Source Han Sans SC" panose="020B0500000000000000" pitchFamily="34" charset="-128"/>
+                <a:ea typeface="Source Han Sans SC" panose="020B0500000000000000" pitchFamily="34" charset="-128"/>
+                <a:cs typeface="Lato"/>
+                <a:sym typeface="Lato"/>
+              </a:rPr>
+              <a:t>Based on Entry NFT, </a:t>
+            </a:r>
+            <a:r>
+              <a:rPr lang="en-US" altLang="zh-CN">
+                <a:solidFill>
+                  <a:schemeClr val="tx1">
+                    <a:lumMod val="75000"/>
+                    <a:lumOff val="25000"/>
+                  </a:schemeClr>
+                </a:solidFill>
+                <a:latin typeface="Source Han Sans SC" panose="020B0500000000000000" pitchFamily="34" charset="-128"/>
+                <a:ea typeface="Source Han Sans SC" panose="020B0500000000000000" pitchFamily="34" charset="-128"/>
+                <a:cs typeface="Lato"/>
+                <a:sym typeface="Lato"/>
+              </a:rPr>
+              <a:t>a </a:t>
+            </a:r>
+            <a:r>
+              <a:rPr lang="zh-CN" altLang="en-US">
+                <a:solidFill>
+                  <a:schemeClr val="tx1">
+                    <a:lumMod val="75000"/>
+                    <a:lumOff val="25000"/>
+                  </a:schemeClr>
+                </a:solidFill>
+                <a:latin typeface="Source Han Sans SC" panose="020B0500000000000000" pitchFamily="34" charset="-128"/>
+                <a:ea typeface="Source Han Sans SC" panose="020B0500000000000000" pitchFamily="34" charset="-128"/>
+                <a:cs typeface="Lato"/>
+                <a:sym typeface="Lato"/>
+              </a:rPr>
+              <a:t>Web3 BBS can be </a:t>
+            </a:r>
+            <a:r>
+              <a:rPr lang="en-US" altLang="zh-CN">
+                <a:solidFill>
+                  <a:schemeClr val="tx1">
+                    <a:lumMod val="75000"/>
+                    <a:lumOff val="25000"/>
+                  </a:schemeClr>
+                </a:solidFill>
+                <a:latin typeface="Source Han Sans SC" panose="020B0500000000000000" pitchFamily="34" charset="-128"/>
+                <a:ea typeface="Source Han Sans SC" panose="020B0500000000000000" pitchFamily="34" charset="-128"/>
+                <a:cs typeface="Lato"/>
+                <a:sym typeface="Lato"/>
+              </a:rPr>
+              <a:t>builded</a:t>
+            </a:r>
+            <a:r>
+              <a:rPr lang="zh-CN" altLang="en-US">
+                <a:solidFill>
+                  <a:schemeClr val="tx1">
+                    <a:lumMod val="75000"/>
+                    <a:lumOff val="25000"/>
+                  </a:schemeClr>
+                </a:solidFill>
+                <a:latin typeface="Source Han Sans SC" panose="020B0500000000000000" pitchFamily="34" charset="-128"/>
+                <a:ea typeface="Source Han Sans SC" panose="020B0500000000000000" pitchFamily="34" charset="-128"/>
+                <a:cs typeface="Lato"/>
+                <a:sym typeface="Lato"/>
+              </a:rPr>
+              <a:t>. In the figure, the blue Entr</a:t>
+            </a:r>
+            <a:r>
+              <a:rPr lang="en-US" altLang="zh-CN">
+                <a:solidFill>
+                  <a:schemeClr val="tx1">
+                    <a:lumMod val="75000"/>
+                    <a:lumOff val="25000"/>
+                  </a:schemeClr>
+                </a:solidFill>
+                <a:latin typeface="Source Han Sans SC" panose="020B0500000000000000" pitchFamily="34" charset="-128"/>
+                <a:ea typeface="Source Han Sans SC" panose="020B0500000000000000" pitchFamily="34" charset="-128"/>
+                <a:cs typeface="Lato"/>
+                <a:sym typeface="Lato"/>
+              </a:rPr>
+              <a:t>ies</a:t>
+            </a:r>
+            <a:r>
+              <a:rPr lang="zh-CN" altLang="en-US">
+                <a:solidFill>
+                  <a:schemeClr val="tx1">
+                    <a:lumMod val="75000"/>
+                    <a:lumOff val="25000"/>
+                  </a:schemeClr>
+                </a:solidFill>
+                <a:latin typeface="Source Han Sans SC" panose="020B0500000000000000" pitchFamily="34" charset="-128"/>
+                <a:ea typeface="Source Han Sans SC" panose="020B0500000000000000" pitchFamily="34" charset="-128"/>
+                <a:cs typeface="Lato"/>
+                <a:sym typeface="Lato"/>
+              </a:rPr>
+              <a:t> </a:t>
+            </a:r>
+            <a:r>
+              <a:rPr lang="en-US" altLang="zh-CN">
+                <a:solidFill>
+                  <a:schemeClr val="tx1">
+                    <a:lumMod val="75000"/>
+                    <a:lumOff val="25000"/>
+                  </a:schemeClr>
+                </a:solidFill>
+                <a:latin typeface="Source Han Sans SC" panose="020B0500000000000000" pitchFamily="34" charset="-128"/>
+                <a:ea typeface="Source Han Sans SC" panose="020B0500000000000000" pitchFamily="34" charset="-128"/>
+                <a:cs typeface="Lato"/>
+                <a:sym typeface="Lato"/>
+              </a:rPr>
+              <a:t>are</a:t>
+            </a:r>
+            <a:r>
+              <a:rPr lang="zh-CN" altLang="en-US">
+                <a:solidFill>
+                  <a:schemeClr val="tx1">
+                    <a:lumMod val="75000"/>
+                    <a:lumOff val="25000"/>
+                  </a:schemeClr>
+                </a:solidFill>
+                <a:latin typeface="Source Han Sans SC" panose="020B0500000000000000" pitchFamily="34" charset="-128"/>
+                <a:ea typeface="Source Han Sans SC" panose="020B0500000000000000" pitchFamily="34" charset="-128"/>
+                <a:cs typeface="Lato"/>
+                <a:sym typeface="Lato"/>
+              </a:rPr>
+              <a:t> used as post</a:t>
+            </a:r>
+            <a:r>
+              <a:rPr lang="en-US" altLang="zh-CN">
+                <a:solidFill>
+                  <a:schemeClr val="tx1">
+                    <a:lumMod val="75000"/>
+                    <a:lumOff val="25000"/>
+                  </a:schemeClr>
+                </a:solidFill>
+                <a:latin typeface="Source Han Sans SC" panose="020B0500000000000000" pitchFamily="34" charset="-128"/>
+                <a:ea typeface="Source Han Sans SC" panose="020B0500000000000000" pitchFamily="34" charset="-128"/>
+                <a:cs typeface="Lato"/>
+                <a:sym typeface="Lato"/>
+              </a:rPr>
+              <a:t>s</a:t>
+            </a:r>
+            <a:r>
+              <a:rPr lang="zh-CN" altLang="en-US">
+                <a:solidFill>
+                  <a:schemeClr val="tx1">
+                    <a:lumMod val="75000"/>
+                    <a:lumOff val="25000"/>
+                  </a:schemeClr>
+                </a:solidFill>
+                <a:latin typeface="Source Han Sans SC" panose="020B0500000000000000" pitchFamily="34" charset="-128"/>
+                <a:ea typeface="Source Han Sans SC" panose="020B0500000000000000" pitchFamily="34" charset="-128"/>
+                <a:cs typeface="Lato"/>
+                <a:sym typeface="Lato"/>
+              </a:rPr>
+              <a:t> and repl</a:t>
+            </a:r>
+            <a:r>
+              <a:rPr lang="en-US" altLang="zh-CN">
+                <a:solidFill>
+                  <a:schemeClr val="tx1">
+                    <a:lumMod val="75000"/>
+                    <a:lumOff val="25000"/>
+                  </a:schemeClr>
+                </a:solidFill>
+                <a:latin typeface="Source Han Sans SC" panose="020B0500000000000000" pitchFamily="34" charset="-128"/>
+                <a:ea typeface="Source Han Sans SC" panose="020B0500000000000000" pitchFamily="34" charset="-128"/>
+                <a:cs typeface="Lato"/>
+                <a:sym typeface="Lato"/>
+              </a:rPr>
+              <a:t>ies</a:t>
+            </a:r>
+            <a:r>
+              <a:rPr lang="zh-CN" altLang="en-US">
+                <a:solidFill>
+                  <a:schemeClr val="tx1">
+                    <a:lumMod val="75000"/>
+                    <a:lumOff val="25000"/>
+                  </a:schemeClr>
+                </a:solidFill>
+                <a:latin typeface="Source Han Sans SC" panose="020B0500000000000000" pitchFamily="34" charset="-128"/>
+                <a:ea typeface="Source Han Sans SC" panose="020B0500000000000000" pitchFamily="34" charset="-128"/>
+                <a:cs typeface="Lato"/>
+                <a:sym typeface="Lato"/>
+              </a:rPr>
+              <a:t>, and the gray Entr</a:t>
+            </a:r>
+            <a:r>
+              <a:rPr lang="en-US" altLang="zh-CN">
+                <a:solidFill>
+                  <a:schemeClr val="tx1">
+                    <a:lumMod val="75000"/>
+                    <a:lumOff val="25000"/>
+                  </a:schemeClr>
+                </a:solidFill>
+                <a:latin typeface="Source Han Sans SC" panose="020B0500000000000000" pitchFamily="34" charset="-128"/>
+                <a:ea typeface="Source Han Sans SC" panose="020B0500000000000000" pitchFamily="34" charset="-128"/>
+                <a:cs typeface="Lato"/>
+                <a:sym typeface="Lato"/>
+              </a:rPr>
+              <a:t>ies</a:t>
+            </a:r>
+            <a:r>
+              <a:rPr lang="zh-CN" altLang="en-US">
+                <a:solidFill>
+                  <a:schemeClr val="tx1">
+                    <a:lumMod val="75000"/>
+                    <a:lumOff val="25000"/>
+                  </a:schemeClr>
+                </a:solidFill>
+                <a:latin typeface="Source Han Sans SC" panose="020B0500000000000000" pitchFamily="34" charset="-128"/>
+                <a:ea typeface="Source Han Sans SC" panose="020B0500000000000000" pitchFamily="34" charset="-128"/>
+                <a:cs typeface="Lato"/>
+                <a:sym typeface="Lato"/>
+              </a:rPr>
+              <a:t> </a:t>
+            </a:r>
+            <a:r>
+              <a:rPr lang="en-US" altLang="zh-CN">
+                <a:solidFill>
+                  <a:schemeClr val="tx1">
+                    <a:lumMod val="75000"/>
+                    <a:lumOff val="25000"/>
+                  </a:schemeClr>
+                </a:solidFill>
+                <a:latin typeface="Source Han Sans SC" panose="020B0500000000000000" pitchFamily="34" charset="-128"/>
+                <a:ea typeface="Source Han Sans SC" panose="020B0500000000000000" pitchFamily="34" charset="-128"/>
+                <a:cs typeface="Lato"/>
+                <a:sym typeface="Lato"/>
+              </a:rPr>
+              <a:t>are</a:t>
+            </a:r>
+            <a:r>
+              <a:rPr lang="zh-CN" altLang="en-US">
+                <a:solidFill>
+                  <a:schemeClr val="tx1">
+                    <a:lumMod val="75000"/>
+                    <a:lumOff val="25000"/>
+                  </a:schemeClr>
+                </a:solidFill>
+                <a:latin typeface="Source Han Sans SC" panose="020B0500000000000000" pitchFamily="34" charset="-128"/>
+                <a:ea typeface="Source Han Sans SC" panose="020B0500000000000000" pitchFamily="34" charset="-128"/>
+                <a:cs typeface="Lato"/>
+                <a:sym typeface="Lato"/>
+              </a:rPr>
+              <a:t> used as section</a:t>
+            </a:r>
+            <a:r>
+              <a:rPr lang="en-US" altLang="zh-CN">
+                <a:solidFill>
+                  <a:schemeClr val="tx1">
+                    <a:lumMod val="75000"/>
+                    <a:lumOff val="25000"/>
+                  </a:schemeClr>
+                </a:solidFill>
+                <a:latin typeface="Source Han Sans SC" panose="020B0500000000000000" pitchFamily="34" charset="-128"/>
+                <a:ea typeface="Source Han Sans SC" panose="020B0500000000000000" pitchFamily="34" charset="-128"/>
+                <a:cs typeface="Lato"/>
+                <a:sym typeface="Lato"/>
+              </a:rPr>
+              <a:t>s</a:t>
+            </a:r>
+            <a:r>
+              <a:rPr lang="zh-CN" altLang="en-US">
+                <a:solidFill>
+                  <a:schemeClr val="tx1">
+                    <a:lumMod val="75000"/>
+                    <a:lumOff val="25000"/>
+                  </a:schemeClr>
+                </a:solidFill>
+                <a:latin typeface="Source Han Sans SC" panose="020B0500000000000000" pitchFamily="34" charset="-128"/>
+                <a:ea typeface="Source Han Sans SC" panose="020B0500000000000000" pitchFamily="34" charset="-128"/>
+                <a:cs typeface="Lato"/>
+                <a:sym typeface="Lato"/>
+              </a:rPr>
+              <a:t>. </a:t>
+            </a:r>
+            <a:r>
+              <a:rPr lang="en-US" altLang="zh-CN">
+                <a:solidFill>
+                  <a:schemeClr val="tx1">
+                    <a:lumMod val="75000"/>
+                    <a:lumOff val="25000"/>
+                  </a:schemeClr>
+                </a:solidFill>
+                <a:latin typeface="Source Han Sans SC" panose="020B0500000000000000" pitchFamily="34" charset="-128"/>
+                <a:ea typeface="Source Han Sans SC" panose="020B0500000000000000" pitchFamily="34" charset="-128"/>
+                <a:cs typeface="Lato"/>
+                <a:sym typeface="Lato"/>
+              </a:rPr>
+              <a:t>then w</a:t>
+            </a:r>
+            <a:r>
+              <a:rPr lang="zh-CN" altLang="en-US">
+                <a:solidFill>
+                  <a:schemeClr val="tx1">
+                    <a:lumMod val="75000"/>
+                    <a:lumOff val="25000"/>
+                  </a:schemeClr>
+                </a:solidFill>
+                <a:latin typeface="Source Han Sans SC" panose="020B0500000000000000" pitchFamily="34" charset="-128"/>
+                <a:ea typeface="Source Han Sans SC" panose="020B0500000000000000" pitchFamily="34" charset="-128"/>
+                <a:cs typeface="Lato"/>
+                <a:sym typeface="Lato"/>
+              </a:rPr>
+              <a:t>e get a forum called Web3Talk, and combine these forums, that </a:t>
+            </a:r>
+            <a:r>
+              <a:rPr lang="en-US" altLang="zh-CN">
+                <a:solidFill>
+                  <a:schemeClr val="tx1">
+                    <a:lumMod val="75000"/>
+                    <a:lumOff val="25000"/>
+                  </a:schemeClr>
+                </a:solidFill>
+                <a:latin typeface="Source Han Sans SC" panose="020B0500000000000000" pitchFamily="34" charset="-128"/>
+                <a:ea typeface="Source Han Sans SC" panose="020B0500000000000000" pitchFamily="34" charset="-128"/>
+                <a:cs typeface="Lato"/>
+                <a:sym typeface="Lato"/>
+              </a:rPr>
+              <a:t>will be </a:t>
+            </a:r>
+            <a:r>
+              <a:rPr lang="zh-CN" altLang="en-US">
+                <a:solidFill>
+                  <a:schemeClr val="tx1">
+                    <a:lumMod val="75000"/>
+                    <a:lumOff val="25000"/>
+                  </a:schemeClr>
+                </a:solidFill>
+                <a:latin typeface="Source Han Sans SC" panose="020B0500000000000000" pitchFamily="34" charset="-128"/>
+                <a:ea typeface="Source Han Sans SC" panose="020B0500000000000000" pitchFamily="34" charset="-128"/>
+                <a:cs typeface="Lato"/>
+                <a:sym typeface="Lato"/>
+              </a:rPr>
+              <a:t>Web3Raddit, and push the author</a:t>
+            </a:r>
+            <a:r>
+              <a:rPr lang="en-US" altLang="zh-CN">
+                <a:solidFill>
+                  <a:schemeClr val="tx1">
+                    <a:lumMod val="75000"/>
+                    <a:lumOff val="25000"/>
+                  </a:schemeClr>
+                </a:solidFill>
+                <a:latin typeface="Source Han Sans SC" panose="020B0500000000000000" pitchFamily="34" charset="-128"/>
+                <a:ea typeface="Source Han Sans SC" panose="020B0500000000000000" pitchFamily="34" charset="-128"/>
+                <a:cs typeface="Lato"/>
+                <a:sym typeface="Lato"/>
+              </a:rPr>
+              <a:t>'s other entries</a:t>
+            </a:r>
+            <a:r>
+              <a:rPr lang="zh-CN" altLang="en-US">
+                <a:solidFill>
+                  <a:schemeClr val="tx1">
+                    <a:lumMod val="75000"/>
+                    <a:lumOff val="25000"/>
+                  </a:schemeClr>
+                </a:solidFill>
+                <a:latin typeface="Source Han Sans SC" panose="020B0500000000000000" pitchFamily="34" charset="-128"/>
+                <a:ea typeface="Source Han Sans SC" panose="020B0500000000000000" pitchFamily="34" charset="-128"/>
+                <a:cs typeface="Lato"/>
+                <a:sym typeface="Lato"/>
+              </a:rPr>
+              <a:t>, that </a:t>
+            </a:r>
+            <a:r>
+              <a:rPr lang="en-US" altLang="zh-CN">
+                <a:solidFill>
+                  <a:schemeClr val="tx1">
+                    <a:lumMod val="75000"/>
+                    <a:lumOff val="25000"/>
+                  </a:schemeClr>
+                </a:solidFill>
+                <a:latin typeface="Source Han Sans SC" panose="020B0500000000000000" pitchFamily="34" charset="-128"/>
+                <a:ea typeface="Source Han Sans SC" panose="020B0500000000000000" pitchFamily="34" charset="-128"/>
+                <a:cs typeface="Lato"/>
+                <a:sym typeface="Lato"/>
+              </a:rPr>
+              <a:t>will be </a:t>
+            </a:r>
+            <a:r>
+              <a:rPr lang="zh-CN" altLang="en-US">
+                <a:solidFill>
+                  <a:schemeClr val="tx1">
+                    <a:lumMod val="75000"/>
+                    <a:lumOff val="25000"/>
+                  </a:schemeClr>
+                </a:solidFill>
+                <a:latin typeface="Source Han Sans SC" panose="020B0500000000000000" pitchFamily="34" charset="-128"/>
+                <a:ea typeface="Source Han Sans SC" panose="020B0500000000000000" pitchFamily="34" charset="-128"/>
+                <a:cs typeface="Lato"/>
+                <a:sym typeface="Lato"/>
+              </a:rPr>
+              <a:t>Web3Twitter.</a:t>
+            </a:r>
+            <a:endParaRPr lang="zh-CN" altLang="en-US">
+              <a:solidFill>
+                <a:schemeClr val="tx1">
+                  <a:lumMod val="75000"/>
+                  <a:lumOff val="25000"/>
+                </a:schemeClr>
+              </a:solidFill>
+              <a:latin typeface="Source Han Sans SC" panose="020B0500000000000000" pitchFamily="34" charset="-128"/>
+              <a:ea typeface="Source Han Sans SC" panose="020B0500000000000000" pitchFamily="34" charset="-128"/>
+              <a:cs typeface="Lato"/>
+              <a:sym typeface="Lato"/>
+            </a:endParaRPr>
+          </a:p>
+        </p:txBody>
+      </p:sp>
+    </p:spTree>
+  </p:cSld>
+  <p:clrMapOvr>
+    <a:masterClrMapping/>
+  </p:clrMapOvr>
+</p:notes>
+</file>
+
+<file path=ppt/notesSlides/notesSlide13.xml><?xml version="1.0" encoding="utf-8"?>
+<p:notes xmlns:a="http://schemas.openxmlformats.org/drawingml/2006/main" xmlns:r="http://schemas.openxmlformats.org/officeDocument/2006/relationships" xmlns:p="http://schemas.openxmlformats.org/presentationml/2006/main">
+  <p:cSld>
+    <p:spTree>
+      <p:nvGrpSpPr>
+        <p:cNvPr id="1" name=""/>
+        <p:cNvGrpSpPr/>
+        <p:nvPr/>
+      </p:nvGrpSpPr>
+      <p:grpSpPr/>
+      <p:sp>
+        <p:nvSpPr>
+          <p:cNvPr id="2" name="幻灯片图像占位符 1"/>
+          <p:cNvSpPr/>
+          <p:nvPr>
+            <p:ph type="sldImg" idx="2"/>
+          </p:nvPr>
+        </p:nvSpPr>
+        <p:spPr/>
+      </p:sp>
+      <p:sp>
+        <p:nvSpPr>
+          <p:cNvPr id="3" name="文本占位符 2"/>
+          <p:cNvSpPr/>
+          <p:nvPr>
+            <p:ph type="body" idx="3"/>
+          </p:nvPr>
+        </p:nvSpPr>
+        <p:spPr/>
+        <p:txBody>
+          <a:bodyPr/>
+          <a:p>
+            <a:r>
+              <a:rPr lang="en-US" altLang="zh-CN">
+                <a:sym typeface="+mn-ea"/>
+              </a:rPr>
+              <a:t>Web3</a:t>
+            </a:r>
+            <a:r>
+              <a:rPr lang="zh-CN" altLang="en-US">
+                <a:sym typeface="+mn-ea"/>
+              </a:rPr>
+              <a:t>新闻</a:t>
+            </a:r>
+            <a:r>
+              <a:rPr lang="en-US" altLang="zh-CN">
+                <a:sym typeface="+mn-ea"/>
+              </a:rPr>
+              <a:t>,  Web3</a:t>
+            </a:r>
+            <a:r>
+              <a:rPr lang="zh-CN" altLang="en-US">
+                <a:sym typeface="+mn-ea"/>
+              </a:rPr>
+              <a:t>社区</a:t>
+            </a:r>
+            <a:r>
+              <a:rPr lang="en-US" altLang="zh-CN">
+                <a:sym typeface="+mn-ea"/>
+              </a:rPr>
+              <a:t>, </a:t>
+            </a:r>
+            <a:r>
+              <a:rPr lang="zh-CN" altLang="en-US">
+                <a:sym typeface="+mn-ea"/>
+              </a:rPr>
+              <a:t>等等。形成</a:t>
+            </a:r>
+            <a:r>
+              <a:rPr lang="en-US" altLang="zh-CN" dirty="0">
+                <a:solidFill>
+                  <a:schemeClr val="tx1">
+                    <a:lumMod val="75000"/>
+                    <a:lumOff val="25000"/>
+                  </a:schemeClr>
+                </a:solidFill>
+                <a:latin typeface="Source Han Sans SC" panose="020B0500000000000000" pitchFamily="34" charset="-128"/>
+                <a:ea typeface="Source Han Sans SC" panose="020B0500000000000000" pitchFamily="34" charset="-128"/>
+                <a:sym typeface="+mn-ea"/>
+              </a:rPr>
+              <a:t>Dapps</a:t>
+            </a:r>
+            <a:r>
+              <a:rPr lang="zh-CN" altLang="en-US" dirty="0">
+                <a:solidFill>
+                  <a:schemeClr val="tx1">
+                    <a:lumMod val="75000"/>
+                    <a:lumOff val="25000"/>
+                  </a:schemeClr>
+                </a:solidFill>
+                <a:latin typeface="Source Han Sans SC" panose="020B0500000000000000" pitchFamily="34" charset="-128"/>
+                <a:ea typeface="Source Han Sans SC" panose="020B0500000000000000" pitchFamily="34" charset="-128"/>
+                <a:sym typeface="+mn-ea"/>
+              </a:rPr>
+              <a:t>乐高，实现</a:t>
+            </a:r>
+            <a:r>
+              <a:rPr lang="en-US" altLang="zh-CN" dirty="0">
+                <a:solidFill>
+                  <a:schemeClr val="tx1">
+                    <a:lumMod val="75000"/>
+                    <a:lumOff val="25000"/>
+                  </a:schemeClr>
+                </a:solidFill>
+                <a:latin typeface="Source Han Sans SC" panose="020B0500000000000000" pitchFamily="34" charset="-128"/>
+                <a:ea typeface="Source Han Sans SC" panose="020B0500000000000000" pitchFamily="34" charset="-128"/>
+                <a:sym typeface="+mn-ea"/>
+              </a:rPr>
+              <a:t>Po</a:t>
+            </a:r>
+            <a:r>
+              <a:rPr lang="zh-CN" altLang="en-US" dirty="0">
+                <a:solidFill>
+                  <a:schemeClr val="tx1">
+                    <a:lumMod val="75000"/>
+                    <a:lumOff val="25000"/>
+                  </a:schemeClr>
+                </a:solidFill>
+                <a:latin typeface="Source Han Sans SC" panose="020B0500000000000000" pitchFamily="34" charset="-128"/>
+                <a:ea typeface="Source Han Sans SC" panose="020B0500000000000000" pitchFamily="34" charset="-128"/>
+                <a:sym typeface="+mn-ea"/>
+              </a:rPr>
+              <a:t>一次，哪都展示。对用户来说，一</a:t>
+            </a:r>
+            <a:r>
+              <a:rPr lang="en-US" altLang="zh-CN" dirty="0">
+                <a:solidFill>
+                  <a:schemeClr val="tx1">
+                    <a:lumMod val="75000"/>
+                    <a:lumOff val="25000"/>
+                  </a:schemeClr>
+                </a:solidFill>
+                <a:latin typeface="Source Han Sans SC" panose="020B0500000000000000" pitchFamily="34" charset="-128"/>
+                <a:ea typeface="Source Han Sans SC" panose="020B0500000000000000" pitchFamily="34" charset="-128"/>
+                <a:sym typeface="+mn-ea"/>
+              </a:rPr>
+              <a:t>NFT</a:t>
+            </a:r>
+            <a:r>
+              <a:rPr lang="zh-CN" altLang="en-US" dirty="0">
+                <a:solidFill>
+                  <a:schemeClr val="tx1">
+                    <a:lumMod val="75000"/>
+                    <a:lumOff val="25000"/>
+                  </a:schemeClr>
+                </a:solidFill>
+                <a:latin typeface="Source Han Sans SC" panose="020B0500000000000000" pitchFamily="34" charset="-128"/>
+                <a:ea typeface="Source Han Sans SC" panose="020B0500000000000000" pitchFamily="34" charset="-128"/>
+                <a:sym typeface="+mn-ea"/>
+              </a:rPr>
+              <a:t>多挖，对</a:t>
+            </a:r>
+            <a:r>
+              <a:rPr lang="en-US" altLang="zh-CN" dirty="0">
+                <a:solidFill>
+                  <a:schemeClr val="tx1">
+                    <a:lumMod val="75000"/>
+                    <a:lumOff val="25000"/>
+                  </a:schemeClr>
+                </a:solidFill>
+                <a:latin typeface="Source Han Sans SC" panose="020B0500000000000000" pitchFamily="34" charset="-128"/>
+                <a:ea typeface="Source Han Sans SC" panose="020B0500000000000000" pitchFamily="34" charset="-128"/>
+                <a:sym typeface="+mn-ea"/>
+              </a:rPr>
+              <a:t>Dapp</a:t>
+            </a:r>
+            <a:r>
+              <a:rPr lang="zh-CN" altLang="en-US" dirty="0">
+                <a:solidFill>
+                  <a:schemeClr val="tx1">
+                    <a:lumMod val="75000"/>
+                    <a:lumOff val="25000"/>
+                  </a:schemeClr>
+                </a:solidFill>
+                <a:latin typeface="Source Han Sans SC" panose="020B0500000000000000" pitchFamily="34" charset="-128"/>
+                <a:ea typeface="Source Han Sans SC" panose="020B0500000000000000" pitchFamily="34" charset="-128"/>
+                <a:sym typeface="+mn-ea"/>
+              </a:rPr>
+              <a:t>来说，基于海量的</a:t>
+            </a:r>
+            <a:r>
+              <a:rPr lang="en-US" altLang="zh-CN" dirty="0">
+                <a:solidFill>
+                  <a:schemeClr val="tx1">
+                    <a:lumMod val="75000"/>
+                    <a:lumOff val="25000"/>
+                  </a:schemeClr>
+                </a:solidFill>
+                <a:latin typeface="Source Han Sans SC" panose="020B0500000000000000" pitchFamily="34" charset="-128"/>
+                <a:ea typeface="Source Han Sans SC" panose="020B0500000000000000" pitchFamily="34" charset="-128"/>
+                <a:sym typeface="+mn-ea"/>
+              </a:rPr>
+              <a:t>Entry</a:t>
+            </a:r>
+            <a:r>
+              <a:rPr lang="zh-CN" altLang="en-US" dirty="0">
+                <a:solidFill>
+                  <a:schemeClr val="tx1">
+                    <a:lumMod val="75000"/>
+                    <a:lumOff val="25000"/>
+                  </a:schemeClr>
+                </a:solidFill>
+                <a:latin typeface="Source Han Sans SC" panose="020B0500000000000000" pitchFamily="34" charset="-128"/>
+                <a:ea typeface="Source Han Sans SC" panose="020B0500000000000000" pitchFamily="34" charset="-128"/>
+                <a:sym typeface="+mn-ea"/>
+              </a:rPr>
+              <a:t>，项目的启动将会容易很多。尤其是公平的曝光量，让小项目也能被大家看到。如果你是</a:t>
+            </a:r>
+            <a:r>
+              <a:rPr lang="en-US" altLang="zh-CN" dirty="0">
+                <a:solidFill>
+                  <a:schemeClr val="tx1">
+                    <a:lumMod val="75000"/>
+                    <a:lumOff val="25000"/>
+                  </a:schemeClr>
+                </a:solidFill>
+                <a:latin typeface="Source Han Sans SC" panose="020B0500000000000000" pitchFamily="34" charset="-128"/>
+                <a:ea typeface="Source Han Sans SC" panose="020B0500000000000000" pitchFamily="34" charset="-128"/>
+                <a:sym typeface="+mn-ea"/>
+              </a:rPr>
+              <a:t>KOL</a:t>
+            </a:r>
+            <a:r>
+              <a:rPr lang="zh-CN" altLang="en-US" dirty="0">
+                <a:solidFill>
+                  <a:schemeClr val="tx1">
+                    <a:lumMod val="75000"/>
+                    <a:lumOff val="25000"/>
+                  </a:schemeClr>
+                </a:solidFill>
+                <a:latin typeface="Source Han Sans SC" panose="020B0500000000000000" pitchFamily="34" charset="-128"/>
+                <a:ea typeface="Source Han Sans SC" panose="020B0500000000000000" pitchFamily="34" charset="-128"/>
+                <a:sym typeface="+mn-ea"/>
+              </a:rPr>
+              <a:t>，也欢迎你在</a:t>
+            </a:r>
+            <a:r>
+              <a:rPr lang="en-US" altLang="zh-CN" dirty="0">
+                <a:solidFill>
+                  <a:schemeClr val="tx1">
+                    <a:lumMod val="75000"/>
+                    <a:lumOff val="25000"/>
+                  </a:schemeClr>
+                </a:solidFill>
+                <a:latin typeface="Source Han Sans SC" panose="020B0500000000000000" pitchFamily="34" charset="-128"/>
+                <a:ea typeface="Source Han Sans SC" panose="020B0500000000000000" pitchFamily="34" charset="-128"/>
+                <a:sym typeface="+mn-ea"/>
+              </a:rPr>
+              <a:t>Metapo</a:t>
+            </a:r>
+            <a:r>
+              <a:rPr lang="zh-CN" altLang="en-US" dirty="0">
+                <a:solidFill>
+                  <a:schemeClr val="tx1">
+                    <a:lumMod val="75000"/>
+                    <a:lumOff val="25000"/>
+                  </a:schemeClr>
+                </a:solidFill>
+                <a:latin typeface="Source Han Sans SC" panose="020B0500000000000000" pitchFamily="34" charset="-128"/>
+                <a:ea typeface="Source Han Sans SC" panose="020B0500000000000000" pitchFamily="34" charset="-128"/>
+                <a:sym typeface="+mn-ea"/>
+              </a:rPr>
+              <a:t>介绍你的项目，让大家评论评论，我相信会有一些有深刻的评论涌现出来，然后大家又可以针对这些深刻的评论展开评论。</a:t>
+            </a:r>
+            <a:endParaRPr lang="en-US" altLang="zh-CN"/>
+          </a:p>
+          <a:p>
+            <a:r>
+              <a:rPr lang="en-US" altLang="zh-CN"/>
+              <a:t>The Web3 News, The Web3 Community, and so on. To be the Dapps Lego, Po once, showing anywhere. For user, one NFT can mined </a:t>
+            </a:r>
+            <a:r>
+              <a:rPr lang="en-US" altLang="zh-CN" noProof="0" dirty="0">
+                <a:ln>
+                  <a:noFill/>
+                </a:ln>
+                <a:solidFill>
+                  <a:schemeClr val="bg1">
+                    <a:lumMod val="50000"/>
+                  </a:schemeClr>
+                </a:solidFill>
+                <a:effectLst/>
+                <a:uLnTx/>
+                <a:uFillTx/>
+                <a:latin typeface="Source Han Sans SC" panose="020B0500000000000000" pitchFamily="34" charset="-128"/>
+                <a:ea typeface="Source Han Sans SC" panose="020B0500000000000000" pitchFamily="34" charset="-128"/>
+                <a:sym typeface="FZHei-B01S" panose="02010601030101010101" pitchFamily="2" charset="-122"/>
+              </a:rPr>
+              <a:t>multiple tokens</a:t>
+            </a:r>
+            <a:r>
+              <a:rPr lang="en-US" altLang="zh-CN"/>
+              <a:t>, for Dapps, based on </a:t>
+            </a:r>
+            <a:r>
+              <a:rPr lang="en-US" altLang="zh-CN" noProof="0" dirty="0">
+                <a:ln>
+                  <a:noFill/>
+                </a:ln>
+                <a:solidFill>
+                  <a:schemeClr val="bg1">
+                    <a:lumMod val="50000"/>
+                  </a:schemeClr>
+                </a:solidFill>
+                <a:effectLst/>
+                <a:uLnTx/>
+                <a:uFillTx/>
+                <a:latin typeface="Source Han Sans SC" panose="020B0500000000000000" pitchFamily="34" charset="-128"/>
+                <a:ea typeface="Source Han Sans SC" panose="020B0500000000000000" pitchFamily="34" charset="-128"/>
+                <a:sym typeface="FZHei-B01S" panose="02010601030101010101" pitchFamily="2" charset="-122"/>
+              </a:rPr>
+              <a:t>many </a:t>
+            </a:r>
+            <a:r>
+              <a:rPr lang="en-US" altLang="zh-CN"/>
+              <a:t>Entries, it will be much easier to launch. Especially fair exposure, so that small projects can be </a:t>
+            </a:r>
+            <a:r>
+              <a:rPr lang="en-US" altLang="zh-CN">
+                <a:sym typeface="+mn-ea"/>
+              </a:rPr>
+              <a:t>exposured</a:t>
+            </a:r>
+            <a:r>
+              <a:rPr lang="en-US" altLang="zh-CN"/>
+              <a:t>. If you are a KOL, you are also welcome to introduce your project on Metapo. I believe that some interesting comments will come out, and then lots of comments will reply to these </a:t>
+            </a:r>
+            <a:r>
+              <a:rPr lang="en-US" altLang="zh-CN">
+                <a:sym typeface="+mn-ea"/>
+              </a:rPr>
+              <a:t>interesting </a:t>
+            </a:r>
+            <a:r>
+              <a:rPr lang="en-US" altLang="zh-CN"/>
+              <a:t>comments.</a:t>
+            </a:r>
+            <a:endParaRPr lang="en-US" altLang="zh-CN"/>
+          </a:p>
+        </p:txBody>
+      </p:sp>
+    </p:spTree>
+  </p:cSld>
+  <p:clrMapOvr>
+    <a:masterClrMapping/>
+  </p:clrMapOvr>
+</p:notes>
+</file>
+
+<file path=ppt/notesSlides/notesSlide14.xml><?xml version="1.0" encoding="utf-8"?>
+<p:notes xmlns:a="http://schemas.openxmlformats.org/drawingml/2006/main" xmlns:r="http://schemas.openxmlformats.org/officeDocument/2006/relationships" xmlns:p="http://schemas.openxmlformats.org/presentationml/2006/main">
+  <p:cSld>
+    <p:spTree>
+      <p:nvGrpSpPr>
+        <p:cNvPr id="1" name=""/>
+        <p:cNvGrpSpPr/>
+        <p:nvPr/>
+      </p:nvGrpSpPr>
+      <p:grpSpPr/>
+      <p:sp>
+        <p:nvSpPr>
+          <p:cNvPr id="2" name="幻灯片图像占位符 1"/>
+          <p:cNvSpPr/>
+          <p:nvPr>
+            <p:ph type="sldImg" idx="2"/>
+          </p:nvPr>
+        </p:nvSpPr>
+        <p:spPr/>
+      </p:sp>
+      <p:sp>
+        <p:nvSpPr>
+          <p:cNvPr id="3" name="文本占位符 2"/>
+          <p:cNvSpPr/>
+          <p:nvPr>
+            <p:ph type="body" idx="3"/>
+          </p:nvPr>
+        </p:nvSpPr>
+        <p:spPr/>
+        <p:txBody>
+          <a:bodyPr/>
+          <a:p>
+            <a:r>
+              <a:rPr lang="en-US" altLang="zh-CN"/>
+              <a:t>Metapo</a:t>
+            </a:r>
+            <a:r>
+              <a:rPr lang="zh-CN" altLang="en-US"/>
+              <a:t>的技术架构由</a:t>
+            </a:r>
+            <a:r>
+              <a:rPr lang="en-US" altLang="zh-CN"/>
+              <a:t>4</a:t>
+            </a:r>
+            <a:r>
+              <a:rPr lang="zh-CN" altLang="en-US"/>
+              <a:t>部分组成。</a:t>
+            </a:r>
+            <a:r>
+              <a:rPr lang="en-US" altLang="zh-CN"/>
+              <a:t>1.</a:t>
+            </a:r>
+            <a:r>
+              <a:rPr lang="zh-CN" altLang="en-US"/>
+              <a:t>区块链，我们会搭建一个无</a:t>
+            </a:r>
+            <a:r>
+              <a:rPr lang="en-US" altLang="zh-CN"/>
+              <a:t>gas</a:t>
+            </a:r>
+            <a:r>
+              <a:rPr lang="zh-CN" altLang="en-US"/>
+              <a:t>费的链，可能会用</a:t>
+            </a:r>
+            <a:r>
+              <a:rPr lang="en-US" altLang="zh-CN"/>
+              <a:t>BSC</a:t>
+            </a:r>
+            <a:r>
+              <a:rPr lang="zh-CN" altLang="en-US"/>
+              <a:t>的</a:t>
+            </a:r>
+            <a:r>
+              <a:rPr lang="en-US" altLang="zh-CN"/>
+              <a:t>L2</a:t>
+            </a:r>
+            <a:r>
+              <a:rPr lang="zh-CN" altLang="en-US"/>
+              <a:t>，或者是</a:t>
+            </a:r>
+            <a:r>
+              <a:rPr lang="en-US" altLang="zh-CN"/>
+              <a:t>Avalanche</a:t>
+            </a:r>
+            <a:r>
+              <a:rPr lang="zh-CN" altLang="en-US"/>
+              <a:t>的子链，并且用</a:t>
+            </a:r>
+            <a:r>
+              <a:rPr lang="en-US" altLang="zh-CN"/>
+              <a:t>AR</a:t>
+            </a:r>
+            <a:r>
+              <a:rPr lang="zh-CN" altLang="en-US"/>
+              <a:t>来存储内容；</a:t>
+            </a:r>
+            <a:r>
+              <a:rPr lang="en-US" altLang="zh-CN"/>
+              <a:t>2.Solidity</a:t>
+            </a:r>
+            <a:r>
+              <a:rPr lang="zh-CN" altLang="en-US"/>
+              <a:t>，用于</a:t>
+            </a:r>
+            <a:r>
+              <a:rPr lang="en-US" altLang="zh-CN"/>
+              <a:t>Entry NFT</a:t>
+            </a:r>
+            <a:r>
+              <a:rPr lang="zh-CN" altLang="en-US"/>
+              <a:t>，支持</a:t>
+            </a:r>
+            <a:r>
+              <a:rPr lang="en-US" altLang="zh-CN"/>
+              <a:t>EVM</a:t>
+            </a:r>
+            <a:r>
+              <a:rPr lang="zh-CN" altLang="en-US"/>
+              <a:t>钱包登入；</a:t>
+            </a:r>
+            <a:r>
+              <a:rPr lang="en-US" altLang="zh-CN"/>
+              <a:t>3.Oracle</a:t>
+            </a:r>
+            <a:r>
+              <a:rPr lang="zh-CN" altLang="en-US"/>
+              <a:t>，从</a:t>
+            </a:r>
+            <a:r>
+              <a:rPr lang="en-US" altLang="zh-CN"/>
+              <a:t>ETH</a:t>
+            </a:r>
+            <a:r>
+              <a:rPr lang="zh-CN" altLang="en-US"/>
+              <a:t>、</a:t>
+            </a:r>
+            <a:r>
+              <a:rPr lang="en-US" altLang="zh-CN"/>
+              <a:t>BSC</a:t>
+            </a:r>
+            <a:r>
+              <a:rPr lang="zh-CN" altLang="en-US"/>
+              <a:t>、</a:t>
+            </a:r>
+            <a:r>
+              <a:rPr lang="en-US" altLang="zh-CN"/>
+              <a:t>Polygon</a:t>
+            </a:r>
+            <a:r>
+              <a:rPr lang="zh-CN" altLang="en-US"/>
+              <a:t>上获取稳定币数据，然后写入到我们的链上；</a:t>
+            </a:r>
+            <a:r>
+              <a:rPr lang="en-US" altLang="zh-CN"/>
+              <a:t>4.RPC</a:t>
+            </a:r>
+            <a:r>
+              <a:rPr lang="zh-CN" altLang="en-US"/>
+              <a:t>节点和后端，收集和处理合约的数据。</a:t>
+            </a:r>
+            <a:endParaRPr lang="zh-CN" altLang="en-US"/>
+          </a:p>
+          <a:p>
+            <a:r>
+              <a:rPr lang="zh-CN" altLang="en-US"/>
+              <a:t>The technical architecture of Metapo consists of 4 parts. 1. Blockchain, we will build a chain with no gas fee</a:t>
+            </a:r>
+            <a:r>
+              <a:rPr lang="en-US" altLang="zh-CN"/>
+              <a:t>, maybe a Layer2 of BSC, or</a:t>
+            </a:r>
+            <a:r>
+              <a:rPr lang="zh-CN" altLang="en-US"/>
+              <a:t> </a:t>
+            </a:r>
+            <a:r>
+              <a:rPr lang="en-US" altLang="zh-CN"/>
+              <a:t>subchain of Avalanche</a:t>
+            </a:r>
+            <a:r>
+              <a:rPr lang="zh-CN" altLang="en-US"/>
+              <a:t>; 2. Solidity, used for Entry NFT, </a:t>
+            </a:r>
+            <a:r>
+              <a:rPr lang="en-US" altLang="zh-CN"/>
+              <a:t>and </a:t>
+            </a:r>
+            <a:r>
+              <a:rPr lang="zh-CN" altLang="en-US"/>
+              <a:t>EVM wallet login; 3. Oracle, Get stabelcoin data from ETH\BSC\Polygon, and set to our chain; 4. RPC and backend, collect and process contract data.</a:t>
+            </a:r>
+            <a:endParaRPr lang="zh-CN" altLang="en-US"/>
+          </a:p>
+        </p:txBody>
+      </p:sp>
+    </p:spTree>
+  </p:cSld>
+  <p:clrMapOvr>
+    <a:masterClrMapping/>
+  </p:clrMapOvr>
+</p:notes>
+</file>
+
+<file path=ppt/notesSlides/notesSlide15.xml><?xml version="1.0" encoding="utf-8"?>
+<p:notes xmlns:a="http://schemas.openxmlformats.org/drawingml/2006/main" xmlns:r="http://schemas.openxmlformats.org/officeDocument/2006/relationships" xmlns:p="http://schemas.openxmlformats.org/presentationml/2006/main">
+  <p:cSld>
+    <p:spTree>
+      <p:nvGrpSpPr>
+        <p:cNvPr id="1" name=""/>
+        <p:cNvGrpSpPr/>
+        <p:nvPr/>
+      </p:nvGrpSpPr>
+      <p:grpSpPr/>
+      <p:sp>
+        <p:nvSpPr>
+          <p:cNvPr id="2" name="幻灯片图像占位符 1"/>
+          <p:cNvSpPr/>
+          <p:nvPr>
+            <p:ph type="sldImg" idx="2"/>
+          </p:nvPr>
+        </p:nvSpPr>
+        <p:spPr/>
+      </p:sp>
+      <p:sp>
+        <p:nvSpPr>
+          <p:cNvPr id="3" name="文本占位符 2"/>
+          <p:cNvSpPr/>
+          <p:nvPr>
+            <p:ph type="body" idx="3"/>
+          </p:nvPr>
+        </p:nvSpPr>
+        <p:spPr/>
+        <p:txBody>
+          <a:bodyPr/>
+          <a:p>
+            <a:r>
+              <a:rPr lang="zh-CN" altLang="en-US"/>
+              <a:t>我们计划在今年上线，第一季也就是现在，是</a:t>
+            </a:r>
+            <a:r>
+              <a:rPr lang="en-US" altLang="zh-CN"/>
+              <a:t>POC</a:t>
+            </a:r>
+            <a:r>
+              <a:rPr lang="zh-CN" altLang="en-US"/>
+              <a:t>阶段，概念证明；第二季是开发测试阶段，需要更多的开发者；第三季度上线，希望一切顺利！</a:t>
+            </a:r>
+            <a:endParaRPr lang="zh-CN" altLang="en-US"/>
+          </a:p>
+          <a:p>
+            <a:r>
+              <a:rPr lang="zh-CN" altLang="en-US"/>
+              <a:t>We plan to launch this year, </a:t>
+            </a:r>
+            <a:r>
+              <a:rPr lang="en-US" altLang="zh-CN"/>
+              <a:t>season 1</a:t>
+            </a:r>
+            <a:r>
+              <a:rPr lang="zh-CN" altLang="en-US"/>
+              <a:t>, </a:t>
+            </a:r>
+            <a:r>
+              <a:rPr lang="en-US" altLang="zh-CN"/>
+              <a:t>now </a:t>
+            </a:r>
+            <a:r>
+              <a:rPr lang="zh-CN" altLang="en-US"/>
+              <a:t>it is the POC stage, proof of concept; season </a:t>
+            </a:r>
+            <a:r>
+              <a:rPr lang="en-US" altLang="zh-CN"/>
+              <a:t>2,</a:t>
+            </a:r>
+            <a:r>
+              <a:rPr lang="zh-CN" altLang="en-US"/>
+              <a:t> the development stage, and more developers are needed; </a:t>
+            </a:r>
+            <a:r>
+              <a:rPr lang="en-US" altLang="zh-CN"/>
+              <a:t>season 3,</a:t>
+            </a:r>
+            <a:r>
+              <a:rPr lang="zh-CN" altLang="en-US"/>
+              <a:t> launch</a:t>
+            </a:r>
+            <a:r>
+              <a:rPr lang="en-US" altLang="zh-CN"/>
+              <a:t>!</a:t>
+            </a:r>
+            <a:r>
+              <a:rPr lang="zh-CN" altLang="en-US"/>
+              <a:t> </a:t>
+            </a:r>
+            <a:r>
+              <a:rPr lang="en-US" altLang="zh-CN"/>
+              <a:t>H</a:t>
+            </a:r>
+            <a:r>
+              <a:rPr lang="zh-CN" altLang="en-US"/>
+              <a:t>ope</a:t>
+            </a:r>
+            <a:r>
+              <a:rPr lang="en-US" altLang="zh-CN"/>
+              <a:t>s</a:t>
+            </a:r>
+            <a:r>
+              <a:rPr lang="zh-CN" altLang="en-US"/>
+              <a:t> everything goes well!</a:t>
+            </a:r>
+            <a:endParaRPr lang="zh-CN" altLang="en-US"/>
+          </a:p>
+        </p:txBody>
+      </p:sp>
+    </p:spTree>
+  </p:cSld>
+  <p:clrMapOvr>
+    <a:masterClrMapping/>
+  </p:clrMapOvr>
+</p:notes>
+</file>
+
+<file path=ppt/notesSlides/notesSlide16.xml><?xml version="1.0" encoding="utf-8"?>
+<p:notes xmlns:a="http://schemas.openxmlformats.org/drawingml/2006/main" xmlns:r="http://schemas.openxmlformats.org/officeDocument/2006/relationships" xmlns:p="http://schemas.openxmlformats.org/presentationml/2006/main">
+  <p:cSld>
+    <p:spTree>
+      <p:nvGrpSpPr>
+        <p:cNvPr id="1" name=""/>
+        <p:cNvGrpSpPr/>
+        <p:nvPr/>
+      </p:nvGrpSpPr>
+      <p:grpSpPr/>
+      <p:sp>
+        <p:nvSpPr>
+          <p:cNvPr id="2" name="幻灯片图像占位符 1"/>
+          <p:cNvSpPr/>
+          <p:nvPr>
+            <p:ph type="sldImg" idx="2"/>
+          </p:nvPr>
+        </p:nvSpPr>
+        <p:spPr/>
+      </p:sp>
+      <p:sp>
+        <p:nvSpPr>
+          <p:cNvPr id="3" name="文本占位符 2"/>
+          <p:cNvSpPr/>
+          <p:nvPr>
+            <p:ph type="body" idx="3"/>
+          </p:nvPr>
+        </p:nvSpPr>
+        <p:spPr/>
+        <p:txBody>
+          <a:bodyPr/>
+          <a:p>
+            <a:r>
+              <a:rPr lang="zh-CN" altLang="en-US"/>
+              <a:t>就这样，谢谢大家！</a:t>
+            </a:r>
+            <a:endParaRPr lang="zh-CN" altLang="en-US"/>
+          </a:p>
+          <a:p>
+            <a:r>
+              <a:rPr lang="zh-CN" altLang="en-US"/>
+              <a:t>That's it, thank you!</a:t>
+            </a:r>
+            <a:endParaRPr lang="zh-CN" altLang="en-US"/>
+          </a:p>
+        </p:txBody>
+      </p:sp>
+    </p:spTree>
+  </p:cSld>
+  <p:clrMapOvr>
+    <a:masterClrMapping/>
+  </p:clrMapOvr>
+</p:notes>
+</file>
+
+<file path=ppt/notesSlides/notesSlide2.xml><?xml version="1.0" encoding="utf-8"?>
+<p:notes xmlns:a="http://schemas.openxmlformats.org/drawingml/2006/main" xmlns:r="http://schemas.openxmlformats.org/officeDocument/2006/relationships" xmlns:p="http://schemas.openxmlformats.org/presentationml/2006/main">
+  <p:cSld>
+    <p:spTree>
+      <p:nvGrpSpPr>
+        <p:cNvPr id="1" name=""/>
+        <p:cNvGrpSpPr/>
+        <p:nvPr/>
+      </p:nvGrpSpPr>
+      <p:grpSpPr/>
+      <p:sp>
+        <p:nvSpPr>
+          <p:cNvPr id="2" name="幻灯片图像占位符 1"/>
+          <p:cNvSpPr/>
+          <p:nvPr>
+            <p:ph type="sldImg" idx="2"/>
+          </p:nvPr>
+        </p:nvSpPr>
+        <p:spPr/>
+      </p:sp>
+      <p:sp>
+        <p:nvSpPr>
+          <p:cNvPr id="3" name="文本占位符 2"/>
+          <p:cNvSpPr/>
+          <p:nvPr>
+            <p:ph type="body" idx="3"/>
+          </p:nvPr>
+        </p:nvSpPr>
+        <p:spPr/>
+        <p:txBody>
+          <a:bodyPr/>
+          <a:p>
+            <a:r>
+              <a:rPr lang="zh-CN" altLang="en-US"/>
+              <a:t>众所周知，我们当下的Web2已经被巨头垄断，他们让互联网便利，然后，他们拥有了互联网。</a:t>
+            </a:r>
+            <a:endParaRPr lang="zh-CN" altLang="en-US"/>
+          </a:p>
+          <a:p>
+            <a:r>
+              <a:rPr lang="zh-CN" altLang="en-US"/>
+              <a:t>As we all know, our current Web2 has been monopolized by giants, they made the Internet convenient, and then they owned the Internet.</a:t>
+            </a:r>
+            <a:endParaRPr lang="zh-CN" altLang="en-US"/>
+          </a:p>
+        </p:txBody>
+      </p:sp>
+    </p:spTree>
+  </p:cSld>
+  <p:clrMapOvr>
+    <a:masterClrMapping/>
+  </p:clrMapOvr>
+</p:notes>
+</file>
+
+<file path=ppt/notesSlides/notesSlide3.xml><?xml version="1.0" encoding="utf-8"?>
+<p:notes xmlns:a="http://schemas.openxmlformats.org/drawingml/2006/main" xmlns:r="http://schemas.openxmlformats.org/officeDocument/2006/relationships" xmlns:p="http://schemas.openxmlformats.org/presentationml/2006/main">
+  <p:cSld>
+    <p:spTree>
+      <p:nvGrpSpPr>
+        <p:cNvPr id="1" name=""/>
+        <p:cNvGrpSpPr/>
+        <p:nvPr/>
+      </p:nvGrpSpPr>
+      <p:grpSpPr/>
+      <p:sp>
+        <p:nvSpPr>
+          <p:cNvPr id="2" name="幻灯片图像占位符 1"/>
+          <p:cNvSpPr/>
+          <p:nvPr>
+            <p:ph type="sldImg" idx="2"/>
+          </p:nvPr>
+        </p:nvSpPr>
+        <p:spPr/>
+      </p:sp>
+      <p:sp>
+        <p:nvSpPr>
+          <p:cNvPr id="3" name="文本占位符 2"/>
+          <p:cNvSpPr/>
+          <p:nvPr>
+            <p:ph type="body" idx="3"/>
+          </p:nvPr>
+        </p:nvSpPr>
+        <p:spPr/>
+        <p:txBody>
+          <a:bodyPr/>
+          <a:p>
+            <a:r>
+              <a:rPr lang="zh-CN" altLang="en-US"/>
+              <a:t>那么问题来了，2021年，twwiter暂时限制了伊朗最高领导人的账户，让他无法发声。Facebook和Instagram也删除了很多支持伊朗的言论，在这种情况下，我们听不到伊朗的声音。当前，俄罗斯也遭到了同样的待遇。今天是俄罗斯，明天可能就是你和我。这是问题的第一部分，没人听你。</a:t>
+            </a:r>
+            <a:endParaRPr lang="zh-CN" altLang="en-US"/>
+          </a:p>
+          <a:p>
+            <a:r>
+              <a:rPr lang="zh-CN" altLang="en-US"/>
+              <a:t>So here comes the problem. In 2021, twitter "temporarily restricts" Iran's highest leader account, so that it cannot vote. Facebook and Instagram have also removed many speech that supported Iran, and in that case, we don't hear Iran's voice. Russia is currently being treated the same way. Today is Russia, tomorrow may be you and me. This is part I of the problem, no one hears you.</a:t>
+            </a:r>
+            <a:endParaRPr lang="zh-CN" altLang="en-US"/>
+          </a:p>
+          <a:p>
+            <a:endParaRPr lang="zh-CN" altLang="en-US"/>
+          </a:p>
+        </p:txBody>
+      </p:sp>
+    </p:spTree>
+  </p:cSld>
+  <p:clrMapOvr>
+    <a:masterClrMapping/>
+  </p:clrMapOvr>
+</p:notes>
+</file>
+
+<file path=ppt/notesSlides/notesSlide4.xml><?xml version="1.0" encoding="utf-8"?>
+<p:notes xmlns:a="http://schemas.openxmlformats.org/drawingml/2006/main" xmlns:r="http://schemas.openxmlformats.org/officeDocument/2006/relationships" xmlns:p="http://schemas.openxmlformats.org/presentationml/2006/main">
+  <p:cSld>
+    <p:spTree>
+      <p:nvGrpSpPr>
+        <p:cNvPr id="1" name=""/>
+        <p:cNvGrpSpPr/>
+        <p:nvPr/>
+      </p:nvGrpSpPr>
+      <p:grpSpPr/>
+      <p:sp>
+        <p:nvSpPr>
+          <p:cNvPr id="2" name="幻灯片图像占位符 1"/>
+          <p:cNvSpPr/>
+          <p:nvPr>
+            <p:ph type="sldImg" idx="2"/>
+          </p:nvPr>
+        </p:nvSpPr>
+        <p:spPr/>
+      </p:sp>
+      <p:sp>
+        <p:nvSpPr>
+          <p:cNvPr id="3" name="文本占位符 2"/>
+          <p:cNvSpPr/>
+          <p:nvPr>
+            <p:ph type="body" idx="3"/>
+          </p:nvPr>
+        </p:nvSpPr>
+        <p:spPr/>
+        <p:txBody>
+          <a:bodyPr/>
+          <a:p>
+            <a:r>
+              <a:rPr lang="zh-CN" altLang="en-US"/>
+              <a:t>问题的第二部分，他们只听KOL的。这是马斯克发的一条推特，被转发了91000次。他说在他们几个KOL的宣传下，狗狗币终于飞向月球。这就是twwiter的热门言论，有什么深刻见解吗？我不这么认为。事实上，无论马斯克说什么，他的每句话都有10000人以上读过，而无论你说什么，哪怕深刻的见解，都不会有超过100人读。是的，我说的就是我自己，以及大部分跟我一样的人。</a:t>
+            </a:r>
+            <a:endParaRPr lang="zh-CN" altLang="en-US"/>
+          </a:p>
+          <a:p>
+            <a:r>
+              <a:rPr lang="en-US" altLang="zh-CN"/>
+              <a:t>Part II of the problem</a:t>
+            </a:r>
+            <a:r>
+              <a:rPr lang="zh-CN" altLang="en-US"/>
+              <a:t>, they only </a:t>
+            </a:r>
+            <a:r>
+              <a:rPr lang="en-US" altLang="zh-CN"/>
+              <a:t>hear</a:t>
+            </a:r>
+            <a:r>
+              <a:rPr lang="zh-CN" altLang="en-US"/>
+              <a:t> KOLs. This is a tweet from Musk that has been retweeted 91,000 times. He said that under the promotion of several of their KOLs, Dogecoin finally to the moon. This is the </a:t>
+            </a:r>
+            <a:r>
+              <a:rPr lang="en-US" altLang="zh-CN"/>
+              <a:t>hot</a:t>
+            </a:r>
+            <a:r>
+              <a:rPr lang="zh-CN" altLang="en-US"/>
+              <a:t> on twitter, any insights? I don</a:t>
+            </a:r>
+            <a:r>
+              <a:rPr lang="en-US" altLang="zh-CN"/>
+              <a:t>'</a:t>
+            </a:r>
+            <a:r>
+              <a:rPr lang="zh-CN" altLang="en-US"/>
+              <a:t>t think so. In fact,  </a:t>
+            </a:r>
+            <a:r>
+              <a:rPr lang="en-US" altLang="zh-CN" dirty="0">
+                <a:solidFill>
+                  <a:schemeClr val="bg1">
+                    <a:lumMod val="50000"/>
+                  </a:schemeClr>
+                </a:solidFill>
+                <a:latin typeface="思源黑体 CN Normal" panose="020B0400000000000000" pitchFamily="34" charset="-122"/>
+                <a:ea typeface="思源黑体 CN Normal" panose="020B0400000000000000" pitchFamily="34" charset="-122"/>
+                <a:sym typeface="FZHei-B01S" panose="02010601030101010101" pitchFamily="2" charset="-122"/>
+              </a:rPr>
+              <a:t>what ever Elon say, each speech of Elon's will be read </a:t>
+            </a:r>
+            <a:r>
+              <a:rPr lang="en-US" altLang="zh-CN" dirty="0">
+                <a:solidFill>
+                  <a:srgbClr val="C00000"/>
+                </a:solidFill>
+                <a:latin typeface="思源黑体 CN Normal" panose="020B0400000000000000" pitchFamily="34" charset="-122"/>
+                <a:ea typeface="思源黑体 CN Normal" panose="020B0400000000000000" pitchFamily="34" charset="-122"/>
+                <a:sym typeface="FZHei-B01S" panose="02010601030101010101" pitchFamily="2" charset="-122"/>
+              </a:rPr>
+              <a:t>more than 100K</a:t>
+            </a:r>
+            <a:r>
+              <a:rPr lang="zh-CN" altLang="en-US"/>
+              <a:t>, and </a:t>
+            </a:r>
+            <a:r>
+              <a:rPr lang="en-US" dirty="0">
+                <a:solidFill>
+                  <a:schemeClr val="bg1">
+                    <a:lumMod val="50000"/>
+                  </a:schemeClr>
+                </a:solidFill>
+                <a:latin typeface="思源黑体 CN Normal" panose="020B0400000000000000" pitchFamily="34" charset="-122"/>
+                <a:ea typeface="思源黑体 CN Normal" panose="020B0400000000000000" pitchFamily="34" charset="-122"/>
+                <a:sym typeface="FZHei-B01S" panose="02010601030101010101" pitchFamily="2" charset="-122"/>
+              </a:rPr>
+              <a:t>what ever u say, each speech of yours will be read </a:t>
+            </a:r>
+            <a:r>
+              <a:rPr lang="en-US" dirty="0">
+                <a:solidFill>
+                  <a:schemeClr val="accent1">
+                    <a:lumMod val="75000"/>
+                  </a:schemeClr>
+                </a:solidFill>
+                <a:latin typeface="思源黑体 CN Normal" panose="020B0400000000000000" pitchFamily="34" charset="-122"/>
+                <a:ea typeface="思源黑体 CN Normal" panose="020B0400000000000000" pitchFamily="34" charset="-122"/>
+                <a:sym typeface="FZHei-B01S" panose="02010601030101010101" pitchFamily="2" charset="-122"/>
+              </a:rPr>
+              <a:t>less than 100</a:t>
+            </a:r>
+            <a:r>
+              <a:rPr lang="zh-CN" altLang="en-US"/>
+              <a:t>. Yes, I'm talking about myself, and most people like me.</a:t>
+            </a:r>
+            <a:endParaRPr lang="zh-CN" altLang="en-US"/>
+          </a:p>
+        </p:txBody>
+      </p:sp>
+    </p:spTree>
+  </p:cSld>
+  <p:clrMapOvr>
+    <a:masterClrMapping/>
+  </p:clrMapOvr>
+</p:notes>
+</file>
+
+<file path=ppt/notesSlides/notesSlide5.xml><?xml version="1.0" encoding="utf-8"?>
+<p:notes xmlns:a="http://schemas.openxmlformats.org/drawingml/2006/main" xmlns:r="http://schemas.openxmlformats.org/officeDocument/2006/relationships" xmlns:p="http://schemas.openxmlformats.org/presentationml/2006/main">
+  <p:cSld>
+    <p:spTree>
+      <p:nvGrpSpPr>
+        <p:cNvPr id="1" name=""/>
+        <p:cNvGrpSpPr/>
+        <p:nvPr/>
+      </p:nvGrpSpPr>
+      <p:grpSpPr/>
+      <p:sp>
+        <p:nvSpPr>
+          <p:cNvPr id="2" name="幻灯片图像占位符 1"/>
+          <p:cNvSpPr/>
+          <p:nvPr>
+            <p:ph type="sldImg" idx="2"/>
+          </p:nvPr>
+        </p:nvSpPr>
+        <p:spPr/>
+      </p:sp>
+      <p:sp>
+        <p:nvSpPr>
+          <p:cNvPr id="3" name="文本占位符 2"/>
+          <p:cNvSpPr/>
+          <p:nvPr>
+            <p:ph type="body" idx="3"/>
+          </p:nvPr>
+        </p:nvSpPr>
+        <p:spPr/>
+        <p:txBody>
+          <a:bodyPr/>
+          <a:p>
+            <a:r>
+              <a:rPr lang="zh-CN" altLang="en-US"/>
+              <a:t>所以我们需要一个</a:t>
+            </a:r>
+            <a:r>
+              <a:rPr lang="en-US" altLang="zh-CN"/>
+              <a:t>Web3</a:t>
+            </a:r>
+            <a:r>
+              <a:rPr lang="zh-CN" altLang="en-US"/>
+              <a:t>社交网络，这个世界需要一个</a:t>
+            </a:r>
+            <a:r>
+              <a:rPr lang="en-US" altLang="zh-CN"/>
+              <a:t>Web3</a:t>
+            </a:r>
+            <a:r>
+              <a:rPr lang="zh-CN" altLang="en-US"/>
+              <a:t>社交网络。它应该满足以下几点：</a:t>
+            </a:r>
+            <a:r>
+              <a:rPr lang="en-US" altLang="zh-CN"/>
+              <a:t>1.</a:t>
+            </a:r>
+            <a:r>
+              <a:rPr lang="zh-CN" altLang="en-US"/>
+              <a:t>账户和内容都不能被删除，应该记录在区块链上；</a:t>
+            </a:r>
+            <a:r>
+              <a:rPr lang="en-US" altLang="zh-CN"/>
+              <a:t>2.</a:t>
+            </a:r>
+            <a:r>
+              <a:rPr lang="zh-CN" altLang="en-US"/>
+              <a:t>每个内容都能得到公平的曝光，我们用智能合约来实现这一点；</a:t>
+            </a:r>
+            <a:r>
+              <a:rPr lang="en-US" altLang="zh-CN"/>
+              <a:t>3.Dapp</a:t>
+            </a:r>
+            <a:r>
+              <a:rPr lang="zh-CN" altLang="en-US"/>
+              <a:t>乐高，像</a:t>
+            </a:r>
+            <a:r>
+              <a:rPr lang="en-US" altLang="zh-CN"/>
+              <a:t>DEFI</a:t>
+            </a:r>
+            <a:r>
+              <a:rPr lang="zh-CN" altLang="en-US"/>
+              <a:t>一样的</a:t>
+            </a:r>
+            <a:r>
+              <a:rPr lang="en-US" altLang="zh-CN"/>
+              <a:t>SocialFI</a:t>
+            </a:r>
+            <a:r>
+              <a:rPr lang="zh-CN" altLang="en-US"/>
+              <a:t>；</a:t>
+            </a:r>
+            <a:r>
+              <a:rPr lang="en-US" altLang="zh-CN"/>
+              <a:t>4.</a:t>
+            </a:r>
+            <a:r>
+              <a:rPr lang="zh-CN" altLang="en-US"/>
+              <a:t>通证经济，其实，我们认为如果没有通证经济，</a:t>
+            </a:r>
+            <a:r>
+              <a:rPr lang="en-US" altLang="zh-CN"/>
+              <a:t>Metapo</a:t>
+            </a:r>
+            <a:r>
+              <a:rPr lang="zh-CN" altLang="en-US"/>
+              <a:t>就跑不下去的话，那就是有问题的。所以我们早期并没有发币计划，而是希望通过项目迭代，发现及解决潜在问题，让项目在没有代币的情况下也能跑下去。不过我们也支持建立在</a:t>
+            </a:r>
+            <a:r>
+              <a:rPr lang="en-US" altLang="zh-CN"/>
+              <a:t>Metapo</a:t>
+            </a:r>
+            <a:r>
+              <a:rPr lang="zh-CN" altLang="en-US"/>
+              <a:t>之上的其他项目有他们的通证，即</a:t>
+            </a:r>
+            <a:r>
+              <a:rPr lang="en-US" altLang="zh-CN"/>
+              <a:t>SocialFI</a:t>
+            </a:r>
+            <a:r>
+              <a:rPr lang="zh-CN" altLang="en-US"/>
+              <a:t>。</a:t>
+            </a:r>
+            <a:endParaRPr lang="zh-CN" altLang="en-US"/>
+          </a:p>
+          <a:p>
+            <a:r>
+              <a:rPr lang="zh-CN" altLang="en-US"/>
+              <a:t>So we need a Web3 social network, the world needs a Web3 social network. It should </a:t>
+            </a:r>
+            <a:r>
+              <a:rPr lang="en-US" altLang="zh-CN"/>
+              <a:t>have </a:t>
+            </a:r>
+            <a:r>
+              <a:rPr lang="zh-CN" altLang="en-US"/>
+              <a:t>the following points: 1. Neither account nor content can be deleted</a:t>
+            </a:r>
+            <a:r>
+              <a:rPr lang="en-US" altLang="zh-CN"/>
+              <a:t>, they </a:t>
+            </a:r>
+            <a:r>
+              <a:rPr lang="zh-CN" altLang="en-US"/>
+              <a:t>should be recorded on the blockchain; 2. Every content </a:t>
+            </a:r>
+            <a:r>
+              <a:rPr lang="en-US" altLang="zh-CN"/>
+              <a:t>has fair sxposure,</a:t>
+            </a:r>
+            <a:r>
+              <a:rPr lang="zh-CN" altLang="en-US"/>
+              <a:t> we use smart contracts to achieve this; 3. Dapp Lego, SocialFI like DEFI; 4. Token economy, in fact, we think that if </a:t>
+            </a:r>
+            <a:r>
+              <a:rPr lang="en-US" altLang="zh-CN"/>
+              <a:t>without</a:t>
+            </a:r>
+            <a:r>
+              <a:rPr lang="zh-CN" altLang="en-US"/>
+              <a:t> token economy, Metapo </a:t>
+            </a:r>
+            <a:r>
+              <a:rPr lang="en-US" altLang="zh-CN"/>
+              <a:t>may fail,</a:t>
+            </a:r>
+            <a:r>
+              <a:rPr lang="zh-CN" altLang="en-US"/>
+              <a:t> then there </a:t>
+            </a:r>
+            <a:r>
+              <a:rPr lang="en-US" altLang="zh-CN"/>
+              <a:t>must be something wrong</a:t>
+            </a:r>
+            <a:r>
+              <a:rPr lang="zh-CN" altLang="en-US"/>
+              <a:t>. Therefore, we did not plan </a:t>
+            </a:r>
+            <a:r>
+              <a:rPr lang="en-US" altLang="zh-CN"/>
+              <a:t>for token offering</a:t>
+            </a:r>
+            <a:r>
+              <a:rPr lang="zh-CN" altLang="en-US"/>
+              <a:t> in the early stage, but hoped to </a:t>
+            </a:r>
+            <a:r>
+              <a:rPr lang="en-US" altLang="zh-CN"/>
+              <a:t>find </a:t>
+            </a:r>
+            <a:r>
+              <a:rPr lang="zh-CN" altLang="en-US"/>
+              <a:t>and solve potential problems through project iteration, so that the project can run without token </a:t>
+            </a:r>
+            <a:r>
+              <a:rPr lang="en-US" altLang="zh-CN"/>
+              <a:t>economy</a:t>
+            </a:r>
+            <a:r>
+              <a:rPr lang="zh-CN" altLang="en-US"/>
+              <a:t>. However, we also support other projects built on Metapo to have their token, </a:t>
+            </a:r>
+            <a:r>
+              <a:rPr lang="en-US" altLang="zh-CN"/>
+              <a:t>as </a:t>
+            </a:r>
+            <a:r>
+              <a:rPr lang="zh-CN" altLang="en-US"/>
+              <a:t>SocialFI.</a:t>
+            </a:r>
+            <a:endParaRPr lang="zh-CN" altLang="en-US"/>
+          </a:p>
+        </p:txBody>
+      </p:sp>
+    </p:spTree>
+  </p:cSld>
+  <p:clrMapOvr>
+    <a:masterClrMapping/>
+  </p:clrMapOvr>
+</p:notes>
+</file>
+
+<file path=ppt/notesSlides/notesSlide6.xml><?xml version="1.0" encoding="utf-8"?>
+<p:notes xmlns:a="http://schemas.openxmlformats.org/drawingml/2006/main" xmlns:r="http://schemas.openxmlformats.org/officeDocument/2006/relationships" xmlns:p="http://schemas.openxmlformats.org/presentationml/2006/main">
+  <p:cSld>
+    <p:spTree>
+      <p:nvGrpSpPr>
+        <p:cNvPr id="1" name=""/>
+        <p:cNvGrpSpPr/>
+        <p:nvPr/>
+      </p:nvGrpSpPr>
+      <p:grpSpPr/>
+      <p:sp>
+        <p:nvSpPr>
+          <p:cNvPr id="2" name="幻灯片图像占位符 1"/>
+          <p:cNvSpPr/>
+          <p:nvPr>
+            <p:ph type="sldImg" idx="2"/>
+          </p:nvPr>
+        </p:nvSpPr>
+        <p:spPr/>
+      </p:sp>
+      <p:sp>
+        <p:nvSpPr>
+          <p:cNvPr id="3" name="文本占位符 2"/>
+          <p:cNvSpPr/>
+          <p:nvPr>
+            <p:ph type="body" idx="3"/>
+          </p:nvPr>
+        </p:nvSpPr>
+        <p:spPr/>
+        <p:txBody>
+          <a:bodyPr/>
+          <a:p>
+            <a:r>
+              <a:rPr lang="zh-CN" altLang="en-US"/>
+              <a:t>这是</a:t>
+            </a:r>
+            <a:r>
+              <a:rPr lang="en-US" altLang="zh-CN"/>
+              <a:t>Metapo</a:t>
+            </a:r>
+            <a:r>
+              <a:rPr lang="zh-CN" altLang="en-US"/>
+              <a:t>的预览，首页有点像</a:t>
+            </a:r>
+            <a:r>
+              <a:rPr lang="en-US" altLang="zh-CN"/>
+              <a:t>google</a:t>
+            </a:r>
+            <a:r>
+              <a:rPr lang="zh-CN" altLang="en-US"/>
+              <a:t>，用来搜索帖子。每个帖子是一个</a:t>
+            </a:r>
+            <a:r>
+              <a:rPr lang="en-US" altLang="zh-CN"/>
+              <a:t>NFT</a:t>
+            </a:r>
+            <a:r>
+              <a:rPr lang="zh-CN" altLang="en-US"/>
+              <a:t>，由用户铸造，</a:t>
+            </a:r>
+            <a:r>
+              <a:rPr lang="en-US" altLang="zh-CN"/>
+              <a:t>Mirror</a:t>
+            </a:r>
+            <a:r>
+              <a:rPr lang="zh-CN" altLang="en-US"/>
+              <a:t>把这样的帖子叫做</a:t>
+            </a:r>
+            <a:r>
+              <a:rPr lang="en-US" altLang="zh-CN"/>
+              <a:t>Entry</a:t>
+            </a:r>
+            <a:r>
+              <a:rPr lang="zh-CN" altLang="en-US"/>
+              <a:t>，好吧，那我们也这么叫。排名是按照热度值排的，热度即曝光量。由于热度值是在智能合约里计算出来的，所以唯一能改变热度值的办法就是用户点击喜欢按钮，下面我将详细介绍这种算法。</a:t>
+            </a:r>
+            <a:endParaRPr lang="zh-CN" altLang="en-US"/>
+          </a:p>
+          <a:p>
+            <a:r>
+              <a:rPr lang="zh-CN" altLang="en-US"/>
+              <a:t>This is a preview of Metapo, the homepage </a:t>
+            </a:r>
+            <a:r>
+              <a:rPr lang="en-US" altLang="zh-CN"/>
+              <a:t>looks</a:t>
+            </a:r>
+            <a:r>
+              <a:rPr lang="zh-CN" altLang="en-US"/>
+              <a:t> like google for searching posts. Each post is an NFT, minted by user, Mirror calls such a post an Entry, well, then we call it that too. The ranking </a:t>
+            </a:r>
+            <a:r>
+              <a:rPr lang="en-US" altLang="zh-CN"/>
+              <a:t>sorts by</a:t>
+            </a:r>
+            <a:r>
+              <a:rPr lang="zh-CN" altLang="en-US"/>
+              <a:t> the </a:t>
+            </a:r>
+            <a:r>
+              <a:rPr lang="en-US" altLang="zh-CN"/>
+              <a:t>Hot</a:t>
+            </a:r>
+            <a:r>
+              <a:rPr lang="zh-CN" altLang="en-US"/>
+              <a:t> value, </a:t>
+            </a:r>
+            <a:r>
+              <a:rPr lang="en-US" altLang="zh-CN"/>
+              <a:t>Hot</a:t>
+            </a:r>
+            <a:r>
+              <a:rPr lang="zh-CN" altLang="en-US"/>
+              <a:t> is </a:t>
+            </a:r>
+            <a:r>
+              <a:rPr lang="en-US" altLang="zh-CN"/>
+              <a:t>e</a:t>
+            </a:r>
+            <a:r>
+              <a:rPr lang="zh-CN" altLang="en-US"/>
+              <a:t>xposure</a:t>
+            </a:r>
+            <a:r>
+              <a:rPr lang="en-US" altLang="zh-CN"/>
+              <a:t>,</a:t>
+            </a:r>
+            <a:r>
+              <a:rPr lang="zh-CN" altLang="en-US"/>
+              <a:t> </a:t>
+            </a:r>
+            <a:r>
+              <a:rPr lang="en-US"/>
+              <a:t>which</a:t>
+            </a:r>
+            <a:r>
+              <a:rPr lang="zh-CN" altLang="en-US"/>
+              <a:t> is calculated in the smart contract, </a:t>
+            </a:r>
+            <a:r>
+              <a:rPr lang="en-US" altLang="zh-CN"/>
+              <a:t>so </a:t>
+            </a:r>
+            <a:r>
+              <a:rPr lang="zh-CN" altLang="en-US"/>
+              <a:t>the only way to change the </a:t>
+            </a:r>
+            <a:r>
+              <a:rPr lang="en-US" altLang="zh-CN"/>
+              <a:t>Hot </a:t>
+            </a:r>
+            <a:r>
+              <a:rPr lang="zh-CN" altLang="en-US"/>
+              <a:t>is for the user to click the like button. I will introduce this algorithm in detail below.</a:t>
+            </a:r>
+            <a:endParaRPr lang="zh-CN" altLang="en-US"/>
+          </a:p>
+        </p:txBody>
+      </p:sp>
+    </p:spTree>
+  </p:cSld>
+  <p:clrMapOvr>
+    <a:masterClrMapping/>
+  </p:clrMapOvr>
+</p:notes>
+</file>
+
+<file path=ppt/notesSlides/notesSlide7.xml><?xml version="1.0" encoding="utf-8"?>
+<p:notes xmlns:a="http://schemas.openxmlformats.org/drawingml/2006/main" xmlns:r="http://schemas.openxmlformats.org/officeDocument/2006/relationships" xmlns:p="http://schemas.openxmlformats.org/presentationml/2006/main">
+  <p:cSld>
+    <p:spTree>
+      <p:nvGrpSpPr>
+        <p:cNvPr id="1" name=""/>
+        <p:cNvGrpSpPr/>
+        <p:nvPr/>
+      </p:nvGrpSpPr>
+      <p:grpSpPr/>
+      <p:sp>
+        <p:nvSpPr>
+          <p:cNvPr id="2" name="幻灯片图像占位符 1"/>
+          <p:cNvSpPr/>
+          <p:nvPr>
+            <p:ph type="sldImg" idx="2"/>
+          </p:nvPr>
+        </p:nvSpPr>
+        <p:spPr/>
+      </p:sp>
+      <p:sp>
+        <p:nvSpPr>
+          <p:cNvPr id="3" name="文本占位符 2"/>
+          <p:cNvSpPr/>
+          <p:nvPr>
+            <p:ph type="body" idx="3"/>
+          </p:nvPr>
+        </p:nvSpPr>
+        <p:spPr/>
+        <p:txBody>
+          <a:bodyPr/>
+          <a:p>
+            <a:r>
+              <a:rPr lang="zh-CN" altLang="en-US"/>
+              <a:t>这是</a:t>
+            </a:r>
+            <a:r>
+              <a:rPr lang="en-US" altLang="zh-CN"/>
+              <a:t>Entry</a:t>
+            </a:r>
+            <a:r>
+              <a:rPr lang="zh-CN" altLang="en-US"/>
+              <a:t>页面，</a:t>
+            </a:r>
+            <a:r>
+              <a:rPr lang="en-US" altLang="zh-CN"/>
+              <a:t>Entry</a:t>
+            </a:r>
+            <a:r>
+              <a:rPr lang="zh-CN" altLang="en-US"/>
+              <a:t>可以</a:t>
+            </a:r>
+            <a:r>
+              <a:rPr lang="en-US" altLang="zh-CN"/>
+              <a:t>@</a:t>
+            </a:r>
+            <a:r>
+              <a:rPr lang="zh-CN" altLang="en-US"/>
+              <a:t>其他</a:t>
+            </a:r>
+            <a:r>
+              <a:rPr lang="en-US" altLang="zh-CN"/>
+              <a:t>Entry</a:t>
+            </a:r>
+            <a:r>
+              <a:rPr lang="zh-CN" altLang="en-US"/>
+              <a:t>，这样，每个</a:t>
+            </a:r>
+            <a:r>
+              <a:rPr lang="en-US" altLang="zh-CN"/>
+              <a:t>Entry</a:t>
+            </a:r>
+            <a:r>
+              <a:rPr lang="zh-CN" altLang="en-US"/>
+              <a:t>都是对其他</a:t>
+            </a:r>
+            <a:r>
+              <a:rPr lang="en-US" altLang="zh-CN"/>
+              <a:t>Entry</a:t>
+            </a:r>
+            <a:r>
+              <a:rPr lang="zh-CN" altLang="en-US"/>
+              <a:t>的评论，如页面上方所示，你可以同时</a:t>
+            </a:r>
+            <a:r>
+              <a:rPr lang="en-US" altLang="zh-CN"/>
+              <a:t>@</a:t>
+            </a:r>
+            <a:r>
+              <a:rPr lang="zh-CN" altLang="en-US"/>
+              <a:t>多个</a:t>
+            </a:r>
+            <a:r>
+              <a:rPr lang="en-US" altLang="zh-CN"/>
+              <a:t>Entry</a:t>
+            </a:r>
+            <a:r>
+              <a:rPr lang="zh-CN" altLang="en-US"/>
+              <a:t>，即评论别人的评论。下方就是</a:t>
+            </a:r>
+            <a:r>
+              <a:rPr lang="en-US" altLang="zh-CN"/>
+              <a:t>@</a:t>
+            </a:r>
+            <a:r>
+              <a:rPr lang="zh-CN" altLang="en-US"/>
+              <a:t>了你这条</a:t>
+            </a:r>
+            <a:r>
+              <a:rPr lang="en-US" altLang="zh-CN"/>
+              <a:t>Entry</a:t>
+            </a:r>
+            <a:r>
+              <a:rPr lang="zh-CN" altLang="en-US"/>
+              <a:t>的其他</a:t>
+            </a:r>
+            <a:r>
+              <a:rPr lang="en-US" altLang="zh-CN"/>
+              <a:t>Entry</a:t>
+            </a:r>
+            <a:r>
+              <a:rPr lang="zh-CN" altLang="en-US"/>
+              <a:t>，作为评论。如右图所示，我们得到了一个</a:t>
+            </a:r>
+            <a:r>
+              <a:rPr lang="en-US" altLang="zh-CN"/>
+              <a:t>Entry</a:t>
+            </a:r>
+            <a:r>
+              <a:rPr lang="zh-CN" altLang="en-US"/>
+              <a:t>图，它很像圆桌会议或是高峰论坛，我们用内容之间的关联取代人之间关联，突出内容本身，那么问题来了，如何突出那些精彩的内容？</a:t>
+            </a:r>
+            <a:endParaRPr lang="zh-CN" altLang="en-US"/>
+          </a:p>
+          <a:p>
+            <a:r>
+              <a:rPr lang="zh-CN" altLang="en-US"/>
+              <a:t>This is the Entry page, Entry can @ other Entry, in this way, each Entry is a comment on other Entry, as shown at the top of the page, you can @ multiple Entry at the same time, that is, comment on </a:t>
+            </a:r>
+            <a:r>
+              <a:rPr lang="en-US" altLang="zh-CN"/>
+              <a:t>other comments.</a:t>
+            </a:r>
+            <a:r>
+              <a:rPr lang="zh-CN" altLang="en-US"/>
+              <a:t> Below is the other Entry that @ your entry, as comment</a:t>
+            </a:r>
+            <a:r>
+              <a:rPr lang="en-US" altLang="zh-CN"/>
+              <a:t>s</a:t>
+            </a:r>
+            <a:r>
+              <a:rPr lang="zh-CN" altLang="en-US"/>
+              <a:t>. As shown on the right, we get a </a:t>
+            </a:r>
+            <a:r>
+              <a:rPr lang="en-US" altLang="zh-CN"/>
+              <a:t>comment map</a:t>
+            </a:r>
+            <a:r>
+              <a:rPr lang="zh-CN" altLang="en-US"/>
+              <a:t>, which is very similar to a roundtable or a summit forum. We </a:t>
+            </a:r>
+            <a:r>
+              <a:rPr lang="en-US" altLang="zh-CN"/>
+              <a:t>make </a:t>
+            </a:r>
+            <a:r>
+              <a:rPr lang="zh-CN" altLang="en-US">
+                <a:sym typeface="+mn-ea"/>
+              </a:rPr>
+              <a:t>the relationship between content</a:t>
+            </a:r>
+            <a:r>
+              <a:rPr lang="en-US" altLang="zh-CN">
+                <a:sym typeface="+mn-ea"/>
+              </a:rPr>
+              <a:t>s</a:t>
+            </a:r>
+            <a:r>
+              <a:rPr lang="zh-CN" altLang="en-US">
+                <a:sym typeface="+mn-ea"/>
+              </a:rPr>
+              <a:t> </a:t>
+            </a:r>
+            <a:r>
+              <a:rPr lang="en-US" altLang="zh-CN">
+                <a:sym typeface="+mn-ea"/>
+              </a:rPr>
+              <a:t>instead of </a:t>
+            </a:r>
+            <a:r>
+              <a:rPr lang="zh-CN" altLang="en-US"/>
+              <a:t>the relationship between people</a:t>
+            </a:r>
+            <a:r>
+              <a:rPr lang="en-US" altLang="zh-CN"/>
+              <a:t>,</a:t>
+            </a:r>
+            <a:r>
+              <a:rPr lang="zh-CN" altLang="en-US"/>
+              <a:t> and highlight the content itself, then the question is, how to highlight those wonderful content</a:t>
+            </a:r>
+            <a:r>
+              <a:rPr lang="en-US" altLang="zh-CN"/>
+              <a:t>s</a:t>
+            </a:r>
+            <a:r>
+              <a:rPr lang="zh-CN" altLang="en-US"/>
+              <a:t>?</a:t>
+            </a:r>
+            <a:endParaRPr lang="zh-CN" altLang="en-US"/>
+          </a:p>
+        </p:txBody>
+      </p:sp>
+    </p:spTree>
+  </p:cSld>
+  <p:clrMapOvr>
+    <a:masterClrMapping/>
+  </p:clrMapOvr>
+</p:notes>
+</file>
+
+<file path=ppt/notesSlides/notesSlide8.xml><?xml version="1.0" encoding="utf-8"?>
+<p:notes xmlns:a="http://schemas.openxmlformats.org/drawingml/2006/main" xmlns:r="http://schemas.openxmlformats.org/officeDocument/2006/relationships" xmlns:p="http://schemas.openxmlformats.org/presentationml/2006/main">
+  <p:cSld>
+    <p:spTree>
+      <p:nvGrpSpPr>
+        <p:cNvPr id="1" name=""/>
+        <p:cNvGrpSpPr/>
+        <p:nvPr/>
+      </p:nvGrpSpPr>
+      <p:grpSpPr/>
+      <p:sp>
+        <p:nvSpPr>
+          <p:cNvPr id="2" name="幻灯片图像占位符 1"/>
+          <p:cNvSpPr/>
+          <p:nvPr>
+            <p:ph type="sldImg" idx="2"/>
+          </p:nvPr>
+        </p:nvSpPr>
+        <p:spPr/>
+      </p:sp>
+      <p:sp>
+        <p:nvSpPr>
+          <p:cNvPr id="3" name="文本占位符 2"/>
+          <p:cNvSpPr/>
+          <p:nvPr>
+            <p:ph type="body" idx="3"/>
+          </p:nvPr>
+        </p:nvSpPr>
+        <p:spPr/>
+        <p:txBody>
+          <a:bodyPr/>
+          <a:p>
+            <a:r>
+              <a:rPr lang="zh-CN" altLang="en-US"/>
+              <a:t>比方说，我创建</a:t>
+            </a:r>
+            <a:r>
+              <a:rPr lang="en-US" altLang="zh-CN"/>
+              <a:t>10000</a:t>
+            </a:r>
+            <a:r>
+              <a:rPr lang="zh-CN" altLang="en-US"/>
+              <a:t>个账号，然后全都评论了我自己的一个</a:t>
+            </a:r>
+            <a:r>
+              <a:rPr lang="en-US" altLang="zh-CN"/>
+              <a:t>Entry</a:t>
+            </a:r>
+            <a:r>
+              <a:rPr lang="zh-CN" altLang="en-US"/>
+              <a:t>，那么我的这条</a:t>
+            </a:r>
+            <a:r>
+              <a:rPr lang="en-US" altLang="zh-CN"/>
+              <a:t>Entry</a:t>
+            </a:r>
+            <a:r>
+              <a:rPr lang="zh-CN" altLang="en-US"/>
+              <a:t>是不是很热门？当然不是，我们借鉴了</a:t>
+            </a:r>
+            <a:r>
+              <a:rPr lang="en-US" altLang="zh-CN"/>
+              <a:t>DEFI</a:t>
+            </a:r>
+            <a:r>
+              <a:rPr lang="zh-CN" altLang="en-US"/>
+              <a:t>里的抵押规则，大家用钱投票！开个玩笑，不过很类似，我们通过预言机把用户的稳定币数量映射到</a:t>
+            </a:r>
+            <a:r>
+              <a:rPr lang="en-US" altLang="zh-CN"/>
+              <a:t>Metapo</a:t>
+            </a:r>
+            <a:r>
+              <a:rPr lang="zh-CN" altLang="en-US"/>
+              <a:t>，比方说你有</a:t>
+            </a:r>
+            <a:r>
+              <a:rPr lang="en-US" altLang="zh-CN"/>
+              <a:t>5000USDT</a:t>
+            </a:r>
+            <a:r>
+              <a:rPr lang="zh-CN" altLang="en-US"/>
+              <a:t>在</a:t>
+            </a:r>
+            <a:r>
+              <a:rPr lang="en-US" altLang="zh-CN"/>
+              <a:t>ETH</a:t>
+            </a:r>
+            <a:r>
+              <a:rPr lang="zh-CN" altLang="en-US"/>
+              <a:t>，</a:t>
+            </a:r>
+            <a:r>
+              <a:rPr lang="en-US" altLang="zh-CN"/>
+              <a:t>5000BUSD</a:t>
+            </a:r>
+            <a:r>
+              <a:rPr lang="zh-CN" altLang="en-US"/>
+              <a:t>在</a:t>
+            </a:r>
+            <a:r>
+              <a:rPr lang="en-US" altLang="zh-CN"/>
+              <a:t>BSC</a:t>
+            </a:r>
+            <a:r>
+              <a:rPr lang="zh-CN" altLang="en-US"/>
+              <a:t>，那么在</a:t>
+            </a:r>
+            <a:r>
+              <a:rPr lang="en-US" altLang="zh-CN"/>
+              <a:t>Metapo</a:t>
+            </a:r>
+            <a:r>
+              <a:rPr lang="zh-CN" altLang="en-US"/>
+              <a:t>，你就有</a:t>
+            </a:r>
+            <a:r>
+              <a:rPr lang="en-US" altLang="zh-CN"/>
+              <a:t>10000</a:t>
+            </a:r>
+            <a:r>
+              <a:rPr lang="zh-CN" altLang="en-US"/>
+              <a:t>票可以投，完全不会动到你的资产。假设你投了</a:t>
+            </a:r>
+            <a:r>
+              <a:rPr lang="en-US" altLang="zh-CN"/>
+              <a:t>10000</a:t>
+            </a:r>
+            <a:r>
+              <a:rPr lang="zh-CN" altLang="en-US"/>
+              <a:t>票给</a:t>
+            </a:r>
+            <a:r>
+              <a:rPr lang="en-US" altLang="zh-CN"/>
+              <a:t>correct</a:t>
+            </a:r>
+            <a:r>
+              <a:rPr lang="zh-CN" altLang="en-US"/>
+              <a:t>这个</a:t>
+            </a:r>
+            <a:r>
+              <a:rPr lang="en-US" altLang="zh-CN"/>
+              <a:t>Entry</a:t>
+            </a:r>
+            <a:r>
+              <a:rPr lang="zh-CN" altLang="en-US"/>
+              <a:t>，黄色那个，那么它</a:t>
+            </a:r>
+            <a:r>
+              <a:rPr lang="en-US" altLang="zh-CN"/>
+              <a:t>@</a:t>
+            </a:r>
+            <a:r>
+              <a:rPr lang="zh-CN" altLang="en-US"/>
+              <a:t>的</a:t>
+            </a:r>
+            <a:r>
+              <a:rPr lang="en-US" altLang="zh-CN"/>
+              <a:t>Entry</a:t>
+            </a:r>
+            <a:r>
+              <a:rPr lang="zh-CN" altLang="en-US"/>
+              <a:t>也会增加</a:t>
+            </a:r>
+            <a:r>
+              <a:rPr lang="en-US" altLang="zh-CN"/>
+              <a:t>Hot</a:t>
+            </a:r>
+            <a:r>
+              <a:rPr lang="zh-CN" altLang="en-US"/>
+              <a:t>，上线的上线也会增加</a:t>
+            </a:r>
+            <a:r>
+              <a:rPr lang="en-US" altLang="zh-CN"/>
+              <a:t>Hot</a:t>
+            </a:r>
+            <a:r>
+              <a:rPr lang="zh-CN" altLang="en-US"/>
+              <a:t>，不过</a:t>
+            </a:r>
+            <a:r>
+              <a:rPr lang="en-US" altLang="zh-CN"/>
+              <a:t>Hot</a:t>
+            </a:r>
+            <a:r>
+              <a:rPr lang="zh-CN" altLang="en-US"/>
+              <a:t>的增加值是递减的。我们认为，如果某个</a:t>
+            </a:r>
+            <a:r>
+              <a:rPr lang="en-US" altLang="zh-CN"/>
+              <a:t>Entry</a:t>
+            </a:r>
+            <a:r>
+              <a:rPr lang="zh-CN" altLang="en-US"/>
+              <a:t>本身没多少票，但是它带来了很多投票，那么它也是有价值的。</a:t>
+            </a:r>
+            <a:endParaRPr lang="zh-CN" altLang="en-US"/>
+          </a:p>
+          <a:p>
+            <a:r>
+              <a:rPr lang="zh-CN" altLang="en-US"/>
+              <a:t>For example, I create 10,000 accounts, and all of them comment on one of my Entr</a:t>
+            </a:r>
+            <a:r>
+              <a:rPr lang="en-US" altLang="zh-CN"/>
+              <a:t>ies</a:t>
+            </a:r>
+            <a:r>
+              <a:rPr lang="zh-CN" altLang="en-US"/>
+              <a:t>, so is this entry of mine very popular? Of course not, we borrowed the </a:t>
+            </a:r>
+            <a:r>
+              <a:rPr lang="en-US" altLang="zh-CN"/>
+              <a:t>staking </a:t>
+            </a:r>
+            <a:r>
+              <a:rPr lang="zh-CN" altLang="en-US"/>
+              <a:t>rules </a:t>
+            </a:r>
+            <a:r>
+              <a:rPr lang="en-US" altLang="zh-CN"/>
+              <a:t>as </a:t>
+            </a:r>
+            <a:r>
+              <a:rPr lang="zh-CN" altLang="en-US"/>
+              <a:t>in DEFI, and everyone voted with money! Just kidding, but very similar, we use the oracle to </a:t>
+            </a:r>
+            <a:r>
+              <a:rPr lang="en-US" altLang="zh-CN"/>
+              <a:t>point </a:t>
+            </a:r>
+            <a:r>
+              <a:rPr lang="zh-CN" altLang="en-US"/>
+              <a:t>the number of users' stablecoins to Metapo. For example, if you have 5</a:t>
+            </a:r>
+            <a:r>
+              <a:rPr lang="en-US" altLang="zh-CN"/>
+              <a:t>,</a:t>
+            </a:r>
+            <a:r>
+              <a:rPr lang="zh-CN" altLang="en-US"/>
+              <a:t>000 USDT in ETH and 5</a:t>
+            </a:r>
+            <a:r>
+              <a:rPr lang="en-US" altLang="zh-CN"/>
+              <a:t>,</a:t>
+            </a:r>
+            <a:r>
+              <a:rPr lang="zh-CN" altLang="en-US"/>
+              <a:t>000 BU</a:t>
+            </a:r>
+            <a:r>
+              <a:rPr lang="en-US" altLang="zh-CN"/>
+              <a:t>S</a:t>
+            </a:r>
+            <a:r>
+              <a:rPr lang="zh-CN" altLang="en-US"/>
+              <a:t>D in BSC, then in Metapo, you have 10</a:t>
+            </a:r>
+            <a:r>
+              <a:rPr lang="en-US" altLang="zh-CN"/>
+              <a:t>,</a:t>
+            </a:r>
+            <a:r>
+              <a:rPr lang="zh-CN" altLang="en-US"/>
+              <a:t>000 votes to vote, and </a:t>
+            </a:r>
+            <a:r>
+              <a:rPr lang="en-US" altLang="zh-CN"/>
+              <a:t>your money </a:t>
+            </a:r>
+            <a:r>
+              <a:rPr lang="zh-CN" altLang="en-US"/>
+              <a:t>will not move at all. Suppose you </a:t>
+            </a:r>
+            <a:r>
+              <a:rPr lang="en-US" altLang="zh-CN"/>
+              <a:t>vote </a:t>
+            </a:r>
+            <a:r>
+              <a:rPr lang="zh-CN" altLang="en-US"/>
+              <a:t>10,000 for the correct Entry, </a:t>
+            </a:r>
+            <a:r>
+              <a:rPr lang="en-US" altLang="zh-CN"/>
+              <a:t>the yellow one, </a:t>
+            </a:r>
+            <a:r>
+              <a:rPr lang="zh-CN" altLang="en-US"/>
+              <a:t>then its </a:t>
+            </a:r>
+            <a:r>
+              <a:rPr lang="en-US" altLang="zh-CN"/>
+              <a:t>@ </a:t>
+            </a:r>
+            <a:r>
+              <a:rPr lang="zh-CN" altLang="en-US"/>
+              <a:t>Entry will also increase the Hot, and increase </a:t>
+            </a:r>
+            <a:r>
+              <a:rPr lang="en-US" altLang="zh-CN"/>
+              <a:t>up and up</a:t>
+            </a:r>
+            <a:r>
+              <a:rPr lang="zh-CN" altLang="en-US"/>
+              <a:t>, but the increase value of the Hot is decreasing. We believe that if an Entry itself doesn't have many votes, but it brings in a lot of votes, then it's also valuable.</a:t>
+            </a:r>
+            <a:endParaRPr lang="zh-CN" altLang="en-US"/>
+          </a:p>
+        </p:txBody>
+      </p:sp>
+    </p:spTree>
+  </p:cSld>
+  <p:clrMapOvr>
+    <a:masterClrMapping/>
+  </p:clrMapOvr>
+</p:notes>
+</file>
+
+<file path=ppt/notesSlides/notesSlide9.xml><?xml version="1.0" encoding="utf-8"?>
+<p:notes xmlns:a="http://schemas.openxmlformats.org/drawingml/2006/main" xmlns:r="http://schemas.openxmlformats.org/officeDocument/2006/relationships" xmlns:p="http://schemas.openxmlformats.org/presentationml/2006/main">
+  <p:cSld>
+    <p:spTree>
+      <p:nvGrpSpPr>
+        <p:cNvPr id="1" name=""/>
+        <p:cNvGrpSpPr/>
+        <p:nvPr/>
+      </p:nvGrpSpPr>
+      <p:grpSpPr/>
+      <p:sp>
+        <p:nvSpPr>
+          <p:cNvPr id="2" name="幻灯片图像占位符 1"/>
+          <p:cNvSpPr/>
+          <p:nvPr>
+            <p:ph type="sldImg" idx="2"/>
+          </p:nvPr>
+        </p:nvSpPr>
+        <p:spPr/>
+      </p:sp>
+      <p:sp>
+        <p:nvSpPr>
+          <p:cNvPr id="3" name="文本占位符 2"/>
+          <p:cNvSpPr/>
+          <p:nvPr>
+            <p:ph type="body" idx="3"/>
+          </p:nvPr>
+        </p:nvSpPr>
+        <p:spPr/>
+        <p:txBody>
+          <a:bodyPr/>
+          <a:p>
+            <a:r>
+              <a:rPr lang="zh-CN" altLang="en-US"/>
+              <a:t>根据</a:t>
+            </a:r>
+            <a:r>
+              <a:rPr lang="en-US" altLang="zh-CN"/>
+              <a:t>Vitalik</a:t>
+            </a:r>
+            <a:r>
+              <a:rPr lang="zh-CN" altLang="en-US"/>
+              <a:t>介绍的二次方投票算法，</a:t>
+            </a:r>
+            <a:r>
+              <a:rPr lang="en-US" altLang="zh-CN"/>
+              <a:t>10000</a:t>
+            </a:r>
+            <a:r>
+              <a:rPr lang="zh-CN" altLang="en-US"/>
+              <a:t>的投票，取二次方根得到</a:t>
+            </a:r>
+            <a:r>
+              <a:rPr lang="en-US" altLang="zh-CN"/>
+              <a:t>100</a:t>
+            </a:r>
+            <a:r>
+              <a:rPr lang="zh-CN" altLang="en-US"/>
+              <a:t>，所以</a:t>
+            </a:r>
+            <a:r>
+              <a:rPr lang="en-US" altLang="zh-CN"/>
+              <a:t>Entry</a:t>
+            </a:r>
+            <a:r>
+              <a:rPr lang="zh-CN" altLang="en-US"/>
+              <a:t>的</a:t>
+            </a:r>
+            <a:r>
+              <a:rPr lang="en-US" altLang="zh-CN"/>
+              <a:t>Hot</a:t>
+            </a:r>
+            <a:r>
+              <a:rPr lang="zh-CN" altLang="en-US"/>
+              <a:t>增加</a:t>
+            </a:r>
+            <a:r>
+              <a:rPr lang="en-US" altLang="zh-CN"/>
+              <a:t>100</a:t>
+            </a:r>
+            <a:r>
+              <a:rPr lang="zh-CN" altLang="en-US"/>
+              <a:t>，</a:t>
+            </a:r>
+            <a:r>
+              <a:rPr lang="en-US" altLang="zh-CN"/>
+              <a:t>correct</a:t>
+            </a:r>
+            <a:r>
+              <a:rPr lang="zh-CN" altLang="en-US"/>
+              <a:t>之上的，</a:t>
+            </a:r>
+            <a:r>
+              <a:rPr lang="en-US" altLang="zh-CN"/>
+              <a:t>Hot</a:t>
+            </a:r>
+            <a:r>
+              <a:rPr lang="zh-CN" altLang="en-US"/>
+              <a:t>增加</a:t>
+            </a:r>
+            <a:r>
+              <a:rPr lang="en-US" altLang="zh-CN"/>
+              <a:t>10</a:t>
+            </a:r>
+            <a:r>
+              <a:rPr lang="zh-CN" altLang="en-US"/>
+              <a:t>，即</a:t>
+            </a:r>
+            <a:r>
+              <a:rPr lang="en-US" altLang="zh-CN"/>
+              <a:t>100</a:t>
+            </a:r>
+            <a:r>
+              <a:rPr lang="zh-CN" altLang="en-US"/>
+              <a:t>的二次方根，再往上，</a:t>
+            </a:r>
+            <a:r>
+              <a:rPr lang="en-US" altLang="zh-CN"/>
+              <a:t>Hot</a:t>
+            </a:r>
+            <a:r>
+              <a:rPr lang="zh-CN" altLang="en-US"/>
+              <a:t>增加</a:t>
+            </a:r>
+            <a:r>
+              <a:rPr lang="en-US" altLang="zh-CN"/>
+              <a:t>3.1</a:t>
+            </a:r>
+            <a:r>
+              <a:rPr lang="zh-CN" altLang="en-US"/>
+              <a:t>，即</a:t>
+            </a:r>
+            <a:r>
+              <a:rPr lang="en-US" altLang="zh-CN"/>
+              <a:t>10</a:t>
+            </a:r>
+            <a:r>
+              <a:rPr lang="zh-CN" altLang="en-US"/>
+              <a:t>的二次方根，最上面的增加了</a:t>
+            </a:r>
+            <a:r>
+              <a:rPr lang="en-US" altLang="zh-CN"/>
+              <a:t>6.2</a:t>
+            </a:r>
+            <a:r>
+              <a:rPr lang="zh-CN" altLang="en-US"/>
+              <a:t>，是因为有两个</a:t>
+            </a:r>
+            <a:r>
+              <a:rPr lang="en-US" altLang="zh-CN"/>
+              <a:t>Entry</a:t>
+            </a:r>
+            <a:r>
+              <a:rPr lang="zh-CN" altLang="en-US"/>
+              <a:t>指向了它。这就是二次方投票，它大幅削弱了票数的影响力，平衡了人数和票数的关系，让</a:t>
+            </a:r>
+            <a:r>
+              <a:rPr lang="en-US" altLang="zh-CN"/>
+              <a:t>Hot</a:t>
+            </a:r>
+            <a:r>
+              <a:rPr lang="zh-CN" altLang="en-US"/>
+              <a:t>不容易被巨鲸控制，也不会被一堆的小号控制。在这基础上，可能发展出很有意思的东西，比如写作即挖矿之类的通证经济，不过正如我开头所说的，</a:t>
+            </a:r>
+            <a:r>
+              <a:rPr lang="en-US" altLang="zh-CN"/>
+              <a:t>Metapo</a:t>
+            </a:r>
+            <a:r>
+              <a:rPr lang="zh-CN" altLang="en-US"/>
+              <a:t>还没有这个计划，其他</a:t>
+            </a:r>
+            <a:r>
+              <a:rPr lang="zh-CN" altLang="en-US">
+                <a:sym typeface="+mn-ea"/>
+              </a:rPr>
+              <a:t>建立在</a:t>
+            </a:r>
+            <a:r>
+              <a:rPr lang="en-US" altLang="zh-CN">
+                <a:sym typeface="+mn-ea"/>
+              </a:rPr>
+              <a:t>Metapo</a:t>
+            </a:r>
+            <a:r>
+              <a:rPr lang="zh-CN" altLang="en-US">
+                <a:sym typeface="+mn-ea"/>
+              </a:rPr>
+              <a:t>之上的项目可以这么做。</a:t>
+            </a:r>
+            <a:endParaRPr lang="zh-CN" altLang="en-US">
+              <a:sym typeface="+mn-ea"/>
+            </a:endParaRPr>
+          </a:p>
+          <a:p>
+            <a:r>
+              <a:rPr lang="zh-CN" altLang="en-US">
+                <a:sym typeface="+mn-ea"/>
+              </a:rPr>
+              <a:t>According to the quadratic voting algorithm introduced by Vitalik, for 10,000 votes, take the quadratic root to get 100, so the </a:t>
+            </a:r>
+            <a:r>
+              <a:rPr lang="en-US" altLang="zh-CN">
+                <a:sym typeface="+mn-ea"/>
+              </a:rPr>
+              <a:t>Entry's </a:t>
+            </a:r>
+            <a:r>
+              <a:rPr lang="zh-CN" altLang="en-US">
+                <a:sym typeface="+mn-ea"/>
+              </a:rPr>
+              <a:t>Hot increases by 100, above the </a:t>
+            </a:r>
+            <a:r>
+              <a:rPr lang="en-US" altLang="zh-CN">
+                <a:sym typeface="+mn-ea"/>
+              </a:rPr>
+              <a:t>Entry</a:t>
+            </a:r>
+            <a:r>
+              <a:rPr lang="zh-CN" altLang="en-US">
+                <a:sym typeface="+mn-ea"/>
+              </a:rPr>
+              <a:t>, the Hot increases by 10, that is, the quadratic root of 100, and then goes up, Hot increased by 3.1, which is the </a:t>
+            </a:r>
+            <a:r>
+              <a:rPr lang="zh-CN" altLang="en-US">
+                <a:sym typeface="+mn-ea"/>
+              </a:rPr>
+              <a:t>quadratic </a:t>
+            </a:r>
+            <a:r>
+              <a:rPr lang="zh-CN" altLang="en-US">
+                <a:sym typeface="+mn-ea"/>
+              </a:rPr>
+              <a:t>root of 10, and the top increased by 6.2 because there were two Entr</a:t>
+            </a:r>
+            <a:r>
+              <a:rPr lang="en-US" altLang="zh-CN">
+                <a:sym typeface="+mn-ea"/>
+              </a:rPr>
+              <a:t>ies</a:t>
+            </a:r>
+            <a:r>
+              <a:rPr lang="zh-CN" altLang="en-US">
+                <a:sym typeface="+mn-ea"/>
+              </a:rPr>
+              <a:t> points to it. This is quadratic voting, which greatly weakens the influence of votes, balances the relationship between the number of people and the number of votes, and makes Hot </a:t>
+            </a:r>
+            <a:r>
+              <a:rPr lang="en-US" altLang="zh-CN">
+                <a:sym typeface="+mn-ea"/>
+              </a:rPr>
+              <a:t>not </a:t>
+            </a:r>
+            <a:r>
+              <a:rPr lang="zh-CN" altLang="en-US">
+                <a:sym typeface="+mn-ea"/>
+              </a:rPr>
+              <a:t>easy to be controlled by </a:t>
+            </a:r>
+            <a:r>
+              <a:rPr lang="en-US" altLang="zh-CN">
+                <a:sym typeface="+mn-ea"/>
+              </a:rPr>
+              <a:t>the </a:t>
+            </a:r>
+            <a:r>
+              <a:rPr lang="zh-CN" altLang="en-US">
+                <a:sym typeface="+mn-ea"/>
+              </a:rPr>
+              <a:t>whales, and it </a:t>
+            </a:r>
+            <a:r>
+              <a:rPr lang="en-US" altLang="zh-CN">
+                <a:sym typeface="+mn-ea"/>
+              </a:rPr>
+              <a:t>canno</a:t>
+            </a:r>
+            <a:r>
+              <a:rPr lang="zh-CN" altLang="en-US">
+                <a:sym typeface="+mn-ea"/>
+              </a:rPr>
+              <a:t>t be controlled by alt</a:t>
+            </a:r>
+            <a:r>
+              <a:rPr lang="en-US" altLang="zh-CN">
+                <a:sym typeface="+mn-ea"/>
+              </a:rPr>
+              <a:t>s of one person</a:t>
+            </a:r>
+            <a:r>
+              <a:rPr lang="zh-CN" altLang="en-US">
+                <a:sym typeface="+mn-ea"/>
+              </a:rPr>
+              <a:t>. On this basis, interesting things may be developed, such as token economy</a:t>
+            </a:r>
+            <a:r>
+              <a:rPr lang="en-US" altLang="zh-CN">
+                <a:sym typeface="+mn-ea"/>
+              </a:rPr>
+              <a:t>, </a:t>
+            </a:r>
+            <a:r>
+              <a:rPr lang="zh-CN" altLang="en-US">
+                <a:sym typeface="+mn-ea"/>
+              </a:rPr>
+              <a:t>writing as mining, but as I said at the beginning, Metapo has no </a:t>
+            </a:r>
+            <a:r>
+              <a:rPr lang="en-US" altLang="zh-CN">
+                <a:sym typeface="+mn-ea"/>
+              </a:rPr>
+              <a:t>token </a:t>
+            </a:r>
+            <a:r>
+              <a:rPr lang="zh-CN" altLang="en-US">
+                <a:sym typeface="+mn-ea"/>
+              </a:rPr>
+              <a:t>plan </a:t>
+            </a:r>
+            <a:r>
+              <a:rPr lang="en-US" altLang="zh-CN">
+                <a:sym typeface="+mn-ea"/>
+              </a:rPr>
+              <a:t>at present</a:t>
+            </a:r>
+            <a:r>
+              <a:rPr lang="zh-CN" altLang="en-US">
+                <a:sym typeface="+mn-ea"/>
+              </a:rPr>
+              <a:t>, </a:t>
+            </a:r>
+            <a:r>
+              <a:rPr lang="en-US" altLang="zh-CN">
+                <a:sym typeface="+mn-ea"/>
+              </a:rPr>
+              <a:t>but</a:t>
+            </a:r>
+            <a:r>
+              <a:rPr lang="zh-CN" altLang="en-US">
+                <a:sym typeface="+mn-ea"/>
+              </a:rPr>
+              <a:t> other projects built on Metapo can do so.</a:t>
+            </a:r>
+            <a:endParaRPr lang="zh-CN" altLang="en-US">
+              <a:sym typeface="+mn-ea"/>
+            </a:endParaRPr>
+          </a:p>
+        </p:txBody>
+      </p:sp>
+    </p:spTree>
+  </p:cSld>
+  <p:clrMapOvr>
+    <a:masterClrMapping/>
+  </p:clrMapOvr>
+</p:notes>
 </file>
 
 <file path=ppt/slideLayouts/slideLayout1.xml><?xml version="1.0" encoding="utf-8"?>
@@ -5582,7 +9478,7 @@
                 <a:latin typeface="PingFang SC Regular" panose="020B0400000000000000" charset="-122"/>
                 <a:ea typeface="PingFang SC Regular" panose="020B0400000000000000" charset="-122"/>
               </a:rPr>
-              <a:t>make exposure fairly</a:t>
+              <a:t>make exposure fair</a:t>
             </a:r>
             <a:endParaRPr lang="en-US" altLang="zh-CN" sz="3600">
               <a:solidFill>
@@ -7015,7 +10911,7 @@
                 <a:cs typeface="+mn-cs"/>
                 <a:sym typeface="FZHei-B01S" panose="02010601030101010101" pitchFamily="2" charset="-122"/>
               </a:rPr>
-              <a:t>More stablecoin, more power.</a:t>
+              <a:t>Money is power.</a:t>
             </a:r>
             <a:endParaRPr kumimoji="0" lang="en-US" altLang="zh-CN" sz="1400" b="0" i="0" u="none" strike="noStrike" kern="1200" cap="none" spc="0" normalizeH="0" baseline="0" noProof="0" dirty="0">
               <a:ln>
@@ -7973,7 +11869,7 @@
                 <a:ea typeface="Source Han Sans SC" panose="020B0500000000000000" pitchFamily="34" charset="-128"/>
                 <a:sym typeface="FZHei-B01S" panose="02010601030101010101" pitchFamily="2" charset="-122"/>
               </a:rPr>
-              <a:t>Entry NFTs can use to be sections</a:t>
+              <a:t>Entry NFTs can be used as sections</a:t>
             </a:r>
             <a:r>
               <a:rPr kumimoji="0" lang="zh-CN" altLang="en-US" sz="1400" b="0" i="0" u="none" strike="noStrike" kern="1200" cap="none" spc="0" normalizeH="0" baseline="0" noProof="0" dirty="0">
@@ -12163,7 +16059,7 @@
                 <a:ea typeface="Source Han Sans SC" panose="020B0500000000000000" pitchFamily="34" charset="-128"/>
                 <a:sym typeface="FZHei-B01S" panose="02010601030101010101" pitchFamily="2" charset="-122"/>
               </a:rPr>
-              <a:t>Write once, show everywhere.</a:t>
+              <a:t>Po once, showing anywhere.</a:t>
             </a:r>
             <a:endParaRPr kumimoji="0" lang="en-US" altLang="zh-CN" sz="1400" b="0" i="0" u="none" strike="noStrike" kern="1200" cap="none" spc="0" normalizeH="0" baseline="0" noProof="0" dirty="0">
               <a:ln>
@@ -12337,7 +16233,7 @@
                 <a:ea typeface="Source Han Sans SC" panose="020B0500000000000000" pitchFamily="34" charset="-128"/>
                 <a:sym typeface="FZHei-B01S" panose="02010601030101010101" pitchFamily="2" charset="-122"/>
               </a:rPr>
-              <a:t>For dapp, with many entry NFTs, it'll launch much easier.</a:t>
+              <a:t>For dapp, based on many Entries, it will be much easier to launch.</a:t>
             </a:r>
             <a:endParaRPr kumimoji="0" lang="en-US" altLang="zh-CN" sz="1400" b="0" i="0" u="none" strike="noStrike" kern="1200" cap="none" spc="0" normalizeH="0" baseline="0" noProof="0" dirty="0">
               <a:ln>
@@ -23444,7 +27340,7 @@
                 <a:ea typeface="Source Han Sans SC" panose="020B0500000000000000" pitchFamily="34" charset="-128"/>
                 <a:sym typeface="FZHei-B01S" panose="02010601030101010101" pitchFamily="2" charset="-122"/>
               </a:rPr>
-              <a:t>AR or IPFS to save contents.</a:t>
+              <a:t>BSC L2 or AVAX subchain</a:t>
             </a:r>
             <a:endParaRPr lang="en-US" altLang="zh-CN" sz="1200" dirty="0">
               <a:solidFill>
@@ -23528,7 +27424,7 @@
                 <a:ea typeface="Source Han Sans SC" panose="020B0500000000000000" pitchFamily="34" charset="-128"/>
                 <a:sym typeface="FZHei-B01S" panose="02010601030101010101" pitchFamily="2" charset="-122"/>
               </a:rPr>
-              <a:t>EVM Wallet to login.</a:t>
+              <a:t>EVM Wallet login.</a:t>
             </a:r>
             <a:endParaRPr lang="en-US" altLang="zh-CN" sz="1200" dirty="0">
               <a:solidFill>
@@ -23634,38 +27530,7 @@
                 <a:ea typeface="Source Han Sans SC" panose="020B0500000000000000" pitchFamily="34" charset="-128"/>
                 <a:sym typeface="FZHei-B01S" panose="02010601030101010101" pitchFamily="2" charset="-122"/>
               </a:rPr>
-              <a:t>Analyse contract data.</a:t>
-            </a:r>
-            <a:endParaRPr lang="en-US" altLang="zh-CN" sz="1200" dirty="0">
-              <a:solidFill>
-                <a:schemeClr val="bg1">
-                  <a:lumMod val="50000"/>
-                </a:schemeClr>
-              </a:solidFill>
-              <a:latin typeface="Source Han Sans SC" panose="020B0500000000000000" pitchFamily="34" charset="-128"/>
-              <a:ea typeface="Source Han Sans SC" panose="020B0500000000000000" pitchFamily="34" charset="-128"/>
-              <a:sym typeface="FZHei-B01S" panose="02010601030101010101" pitchFamily="2" charset="-122"/>
-            </a:endParaRPr>
-          </a:p>
-          <a:p>
-            <a:pPr lvl="0" algn="l">
-              <a:lnSpc>
-                <a:spcPct val="150000"/>
-              </a:lnSpc>
-              <a:defRPr/>
-            </a:pPr>
-            <a:r>
-              <a:rPr lang="en-US" altLang="zh-CN" sz="1200" dirty="0">
-                <a:solidFill>
-                  <a:schemeClr val="bg1">
-                    <a:lumMod val="50000"/>
-                  </a:schemeClr>
-                </a:solidFill>
-                <a:latin typeface="Source Han Sans SC" panose="020B0500000000000000" pitchFamily="34" charset="-128"/>
-                <a:ea typeface="Source Han Sans SC" panose="020B0500000000000000" pitchFamily="34" charset="-128"/>
-                <a:sym typeface="FZHei-B01S" panose="02010601030101010101" pitchFamily="2" charset="-122"/>
-              </a:rPr>
-              <a:t>Data reading much faster.</a:t>
+              <a:t>Collect and process contract data.</a:t>
             </a:r>
             <a:endParaRPr lang="en-US" altLang="zh-CN" sz="1200" dirty="0">
               <a:solidFill>
@@ -24346,7 +28211,7 @@
                         <p:par>
                           <p:cTn id="50" fill="hold">
                             <p:stCondLst>
-                              <p:cond delay="5277"/>
+                              <p:cond delay="5226"/>
                             </p:stCondLst>
                             <p:childTnLst>
                               <p:par>
@@ -24439,7 +28304,7 @@
                         <p:par>
                           <p:cTn id="56" fill="hold">
                             <p:stCondLst>
-                              <p:cond delay="5831"/>
+                              <p:cond delay="5749"/>
                             </p:stCondLst>
                             <p:childTnLst>
                               <p:par>
@@ -24532,7 +28397,7 @@
                         <p:par>
                           <p:cTn id="62" fill="hold">
                             <p:stCondLst>
-                              <p:cond delay="6709"/>
+                              <p:cond delay="6628"/>
                             </p:stCondLst>
                             <p:childTnLst>
                               <p:par>
@@ -25566,7 +29431,7 @@
                 <a:ea typeface="Source Han Sans SC" panose="020B0500000000000000" pitchFamily="34" charset="-128"/>
                 <a:sym typeface="FZHei-B01S" panose="02010601030101010101" pitchFamily="2" charset="-122"/>
               </a:rPr>
-              <a:t>Very similar to the launch version</a:t>
+              <a:t>We need more developers</a:t>
             </a:r>
             <a:endParaRPr lang="en-US" altLang="zh-CN" sz="1200" dirty="0">
               <a:solidFill>
@@ -25637,7 +29502,7 @@
                 <a:cs typeface="Open Sans" pitchFamily="34" charset="0"/>
                 <a:sym typeface="+mn-ea"/>
               </a:rPr>
-              <a:t>TEST</a:t>
+              <a:t>DEV</a:t>
             </a:r>
             <a:endParaRPr lang="en-US" altLang="zh-CN" sz="1600" b="1" noProof="0" dirty="0">
               <a:ln>
@@ -31179,7 +35044,7 @@
                 <a:ea typeface="Source Han Sans CN" panose="020B0500000000000000" pitchFamily="34" charset="-128"/>
                 <a:sym typeface="FZHei-B01S" panose="02010601030101010101" pitchFamily="2" charset="-122"/>
               </a:rPr>
-              <a:t>The giants make the internet convenient, then, they own the internet. </a:t>
+              <a:t>The giants made the internet convenient, and then, they owned the internet. </a:t>
             </a:r>
             <a:endParaRPr kumimoji="0" lang="zh-CN" altLang="en-US" sz="1200" b="0" i="0" u="none" strike="noStrike" kern="1200" cap="none" spc="0" normalizeH="0" baseline="0" noProof="0" dirty="0">
               <a:ln>
@@ -31814,7 +35679,7 @@
         <p:spPr>
           <a:xfrm>
             <a:off x="939287" y="4665033"/>
-            <a:ext cx="1612900" cy="1076325"/>
+            <a:ext cx="1707515" cy="1076325"/>
           </a:xfrm>
           <a:prstGeom prst="rect">
             <a:avLst/>
@@ -31864,7 +35729,7 @@
                 <a:ea typeface="思源黑体 CN Normal" panose="020B0400000000000000" pitchFamily="34" charset="-122"/>
                 <a:sym typeface="+mn-ea"/>
               </a:rPr>
-              <a:t>Hear U</a:t>
+              <a:t>Hears U</a:t>
             </a:r>
             <a:endParaRPr lang="zh-CN" altLang="en-US" sz="3200" dirty="0">
               <a:solidFill>
@@ -33344,7 +37209,7 @@
         <p:spPr>
           <a:xfrm>
             <a:off x="939287" y="4665033"/>
-            <a:ext cx="2116455" cy="1076325"/>
+            <a:ext cx="2248535" cy="1076325"/>
           </a:xfrm>
           <a:prstGeom prst="rect">
             <a:avLst/>
@@ -33360,15 +37225,12 @@
             <a:r>
               <a:rPr lang="en-US" altLang="zh-CN" sz="3200" dirty="0">
                 <a:solidFill>
-                  <a:schemeClr val="tx1">
-                    <a:lumMod val="75000"/>
-                    <a:lumOff val="25000"/>
-                  </a:schemeClr>
+                  <a:schemeClr val="accent1"/>
                 </a:solidFill>
                 <a:latin typeface="思源黑体 CN Normal" panose="020B0400000000000000" pitchFamily="34" charset="-122"/>
                 <a:ea typeface="思源黑体 CN Normal" panose="020B0400000000000000" pitchFamily="34" charset="-122"/>
               </a:rPr>
-              <a:t>They Hear</a:t>
+              <a:t>They Only</a:t>
             </a:r>
             <a:endParaRPr lang="en-US" altLang="zh-CN" sz="3200" dirty="0">
               <a:solidFill>
@@ -33386,16 +37248,16 @@
             <a:r>
               <a:rPr lang="en-US" altLang="zh-CN" sz="3200" dirty="0">
                 <a:solidFill>
-                  <a:schemeClr val="accent1"/>
+                  <a:schemeClr val="tx2"/>
                 </a:solidFill>
                 <a:latin typeface="思源黑体 CN Normal" panose="020B0400000000000000" pitchFamily="34" charset="-122"/>
                 <a:ea typeface="思源黑体 CN Normal" panose="020B0400000000000000" pitchFamily="34" charset="-122"/>
               </a:rPr>
-              <a:t>The KOL</a:t>
+              <a:t>Hear KOLs</a:t>
             </a:r>
             <a:endParaRPr lang="en-US" altLang="zh-CN" sz="3200" dirty="0">
               <a:solidFill>
-                <a:schemeClr val="accent1"/>
+                <a:schemeClr val="tx2"/>
               </a:solidFill>
               <a:latin typeface="思源黑体 CN Normal" panose="020B0400000000000000" pitchFamily="34" charset="-122"/>
               <a:ea typeface="思源黑体 CN Normal" panose="020B0400000000000000" pitchFamily="34" charset="-122"/>
@@ -33779,6 +37641,7 @@
   <p:clrMapOvr>
     <a:masterClrMapping/>
   </p:clrMapOvr>
+  <p:transition/>
   <p:timing>
     <p:tnLst>
       <p:par>
@@ -36379,7 +40242,7 @@
                 <a:ea typeface="思源黑体 CN Normal" panose="020B0400000000000000" pitchFamily="34" charset="-122"/>
                 <a:sym typeface="FZHei-B01S" panose="02010601030101010101" pitchFamily="2" charset="-122"/>
               </a:rPr>
-              <a:t>Every entry is a NFT, mint by user.</a:t>
+              <a:t>Every entry is an NFT, mint by user.</a:t>
             </a:r>
             <a:endParaRPr lang="en-US" altLang="zh-CN" sz="1400" noProof="0" dirty="0">
               <a:ln>
@@ -36466,7 +40329,43 @@
                 <a:ea typeface="思源黑体 CN Normal" panose="020B0400000000000000" pitchFamily="34" charset="-122"/>
                 <a:sym typeface="FZHei-B01S" panose="02010601030101010101" pitchFamily="2" charset="-122"/>
               </a:rPr>
-              <a:t>Hot = Like.</a:t>
+              <a:t>Hot = </a:t>
+            </a:r>
+            <a:r>
+              <a:rPr lang="en-US" altLang="zh-CN" sz="1400" noProof="0" dirty="0">
+                <a:ln>
+                  <a:noFill/>
+                </a:ln>
+                <a:solidFill>
+                  <a:schemeClr val="accent1"/>
+                </a:solidFill>
+                <a:effectLst/>
+                <a:uLnTx/>
+                <a:uFillTx/>
+                <a:latin typeface="思源黑体 CN Normal" panose="020B0400000000000000" pitchFamily="34" charset="-122"/>
+                <a:ea typeface="思源黑体 CN Normal" panose="020B0400000000000000" pitchFamily="34" charset="-122"/>
+                <a:sym typeface="FZHei-B01S" panose="02010601030101010101" pitchFamily="2" charset="-122"/>
+              </a:rPr>
+              <a:t>exposure</a:t>
+            </a:r>
+            <a:r>
+              <a:rPr lang="en-US" altLang="zh-CN" sz="1400" noProof="0" dirty="0">
+                <a:ln>
+                  <a:noFill/>
+                </a:ln>
+                <a:solidFill>
+                  <a:schemeClr val="bg1">
+                    <a:lumMod val="50000"/>
+                  </a:schemeClr>
+                </a:solidFill>
+                <a:effectLst/>
+                <a:uLnTx/>
+                <a:uFillTx/>
+                <a:latin typeface="思源黑体 CN Normal" panose="020B0400000000000000" pitchFamily="34" charset="-122"/>
+                <a:ea typeface="思源黑体 CN Normal" panose="020B0400000000000000" pitchFamily="34" charset="-122"/>
+                <a:sym typeface="FZHei-B01S" panose="02010601030101010101" pitchFamily="2" charset="-122"/>
+              </a:rPr>
+              <a:t>.</a:t>
             </a:r>
             <a:endParaRPr lang="en-US" altLang="zh-CN" sz="1400" noProof="0" dirty="0">
               <a:ln>
@@ -38501,8 +42400,8 @@
         </p:blipFill>
         <p:spPr>
           <a:xfrm>
-            <a:off x="1119505" y="1617980"/>
-            <a:ext cx="5604510" cy="3621405"/>
+            <a:off x="963295" y="2762885"/>
+            <a:ext cx="3561080" cy="2301240"/>
           </a:xfrm>
           <a:prstGeom prst="rect">
             <a:avLst/>
@@ -38692,8 +42591,8 @@
         </p:nvSpPr>
         <p:spPr>
           <a:xfrm>
-            <a:off x="1646555" y="5486400"/>
-            <a:ext cx="4551045" cy="306705"/>
+            <a:off x="782320" y="5225415"/>
+            <a:ext cx="3923030" cy="275590"/>
           </a:xfrm>
           <a:prstGeom prst="rect">
             <a:avLst/>
@@ -38707,7 +42606,7 @@
           <a:p>
             <a:pPr algn="l"/>
             <a:r>
-              <a:rPr lang="zh-CN" altLang="en-US" sz="1400">
+              <a:rPr lang="zh-CN" altLang="en-US" sz="1200">
                 <a:solidFill>
                   <a:schemeClr val="bg2">
                     <a:lumMod val="50000"/>
@@ -38718,7 +42617,7 @@
               </a:rPr>
               <a:t>https://vitalik.ca/general/2019/12/07/quadratic.html</a:t>
             </a:r>
-            <a:endParaRPr lang="zh-CN" altLang="en-US" sz="1400">
+            <a:endParaRPr lang="zh-CN" altLang="en-US" sz="1200">
               <a:solidFill>
                 <a:schemeClr val="bg2">
                   <a:lumMod val="50000"/>
@@ -38730,6 +42629,531 @@
           </a:p>
         </p:txBody>
       </p:sp>
+      <mc:AlternateContent xmlns:mc="http://schemas.openxmlformats.org/markup-compatibility/2006">
+        <mc:Choice xmlns:a14="http://schemas.microsoft.com/office/drawing/2010/main" Requires="a14">
+          <p:sp>
+            <p:nvSpPr>
+              <p:cNvPr id="6" name="文本框 5"/>
+              <p:cNvSpPr txBox="1"/>
+              <p:nvPr/>
+            </p:nvSpPr>
+            <p:spPr>
+              <a:xfrm>
+                <a:off x="5141532" y="2870137"/>
+                <a:ext cx="1908175" cy="2193925"/>
+              </a:xfrm>
+              <a:prstGeom prst="rect">
+                <a:avLst/>
+              </a:prstGeom>
+              <a:noFill/>
+            </p:spPr>
+            <p:txBody>
+              <a:bodyPr wrap="none" rtlCol="0" anchor="t">
+                <a:spAutoFit/>
+              </a:bodyPr>
+              <a:p>
+                <a:pPr algn="l"/>
+                <a14:m>
+                  <m:oMathPara xmlns:m="http://schemas.openxmlformats.org/officeDocument/2006/math">
+                    <m:oMathParaPr>
+                      <m:jc m:val="centerGroup"/>
+                    </m:oMathParaPr>
+                    <m:oMath xmlns:m="http://schemas.openxmlformats.org/officeDocument/2006/math">
+                      <m:rad>
+                        <m:radPr>
+                          <m:degHide m:val="on"/>
+                          <m:ctrlPr>
+                            <a:rPr lang="en-US" altLang="zh-CN" i="1">
+                              <a:solidFill>
+                                <a:schemeClr val="tx1">
+                                  <a:lumMod val="65000"/>
+                                  <a:lumOff val="35000"/>
+                                </a:schemeClr>
+                              </a:solidFill>
+                              <a:latin typeface="Cambria Math" charset="0"/>
+                              <a:cs typeface="Cambria Math" charset="0"/>
+                            </a:rPr>
+                          </m:ctrlPr>
+                        </m:radPr>
+                        <m:deg/>
+                        <m:e>
+                          <m:r>
+                            <a:rPr lang="en-US" altLang="zh-CN" i="1">
+                              <a:solidFill>
+                                <a:schemeClr val="tx1">
+                                  <a:lumMod val="65000"/>
+                                  <a:lumOff val="35000"/>
+                                </a:schemeClr>
+                              </a:solidFill>
+                              <a:latin typeface="Cambria Math" charset="0"/>
+                              <a:cs typeface="Cambria Math" charset="0"/>
+                            </a:rPr>
+                            <m:t>10</m:t>
+                          </m:r>
+                        </m:e>
+                      </m:rad>
+                      <m:r>
+                        <a:rPr lang="en-US" altLang="zh-CN" i="1">
+                          <a:solidFill>
+                            <a:schemeClr val="tx1">
+                              <a:lumMod val="65000"/>
+                              <a:lumOff val="35000"/>
+                            </a:schemeClr>
+                          </a:solidFill>
+                          <a:latin typeface="Cambria Math" charset="0"/>
+                          <a:cs typeface="Cambria Math" charset="0"/>
+                        </a:rPr>
+                        <m:t>+</m:t>
+                      </m:r>
+                      <m:rad>
+                        <m:radPr>
+                          <m:degHide m:val="on"/>
+                          <m:ctrlPr>
+                            <a:rPr lang="en-US" altLang="zh-CN" i="1">
+                              <a:solidFill>
+                                <a:schemeClr val="tx1">
+                                  <a:lumMod val="65000"/>
+                                  <a:lumOff val="35000"/>
+                                </a:schemeClr>
+                              </a:solidFill>
+                              <a:latin typeface="Cambria Math" charset="0"/>
+                              <a:cs typeface="Cambria Math" charset="0"/>
+                            </a:rPr>
+                          </m:ctrlPr>
+                        </m:radPr>
+                        <m:deg/>
+                        <m:e>
+                          <m:r>
+                            <a:rPr lang="en-US" altLang="zh-CN" i="1">
+                              <a:solidFill>
+                                <a:schemeClr val="tx1">
+                                  <a:lumMod val="65000"/>
+                                  <a:lumOff val="35000"/>
+                                </a:schemeClr>
+                              </a:solidFill>
+                              <a:latin typeface="Cambria Math" charset="0"/>
+                              <a:cs typeface="Cambria Math" charset="0"/>
+                            </a:rPr>
+                            <m:t>10</m:t>
+                          </m:r>
+                        </m:e>
+                      </m:rad>
+                      <m:r>
+                        <a:rPr lang="en-US" altLang="zh-CN" i="1">
+                          <a:solidFill>
+                            <a:schemeClr val="tx1">
+                              <a:lumMod val="65000"/>
+                              <a:lumOff val="35000"/>
+                            </a:schemeClr>
+                          </a:solidFill>
+                          <a:latin typeface="Cambria Math" charset="0"/>
+                          <a:cs typeface="Cambria Math" charset="0"/>
+                        </a:rPr>
+                        <m:t> =</m:t>
+                      </m:r>
+                      <m:r>
+                        <a:rPr lang="en-US" altLang="zh-CN" i="1">
+                          <a:solidFill>
+                            <a:schemeClr val="tx1">
+                              <a:lumMod val="65000"/>
+                              <a:lumOff val="35000"/>
+                            </a:schemeClr>
+                          </a:solidFill>
+                          <a:latin typeface="Cambria Math" charset="0"/>
+                          <a:cs typeface="Cambria Math" charset="0"/>
+                        </a:rPr>
+                        <m:t>6</m:t>
+                      </m:r>
+                      <m:r>
+                        <a:rPr lang="en-US" altLang="zh-CN" i="1">
+                          <a:solidFill>
+                            <a:schemeClr val="tx1">
+                              <a:lumMod val="65000"/>
+                              <a:lumOff val="35000"/>
+                            </a:schemeClr>
+                          </a:solidFill>
+                          <a:latin typeface="Cambria Math" charset="0"/>
+                          <a:cs typeface="Cambria Math" charset="0"/>
+                        </a:rPr>
+                        <m:t>.</m:t>
+                      </m:r>
+                      <m:r>
+                        <a:rPr lang="en-US" altLang="zh-CN" i="1">
+                          <a:solidFill>
+                            <a:schemeClr val="tx1">
+                              <a:lumMod val="65000"/>
+                              <a:lumOff val="35000"/>
+                            </a:schemeClr>
+                          </a:solidFill>
+                          <a:latin typeface="Cambria Math" charset="0"/>
+                          <a:cs typeface="Cambria Math" charset="0"/>
+                        </a:rPr>
+                        <m:t>2</m:t>
+                      </m:r>
+                    </m:oMath>
+                  </m:oMathPara>
+                </a14:m>
+                <a:endParaRPr lang="zh-CN" altLang="en-US">
+                  <a:solidFill>
+                    <a:schemeClr val="tx1">
+                      <a:lumMod val="65000"/>
+                      <a:lumOff val="35000"/>
+                    </a:schemeClr>
+                  </a:solidFill>
+                </a:endParaRPr>
+              </a:p>
+              <a:p>
+                <a:pPr algn="l"/>
+                <a:endParaRPr lang="en-US" altLang="zh-CN" i="1">
+                  <a:solidFill>
+                    <a:schemeClr val="tx1">
+                      <a:lumMod val="65000"/>
+                      <a:lumOff val="35000"/>
+                    </a:schemeClr>
+                  </a:solidFill>
+                  <a:latin typeface="Cambria Math" charset="0"/>
+                  <a:cs typeface="Cambria Math" charset="0"/>
+                </a:endParaRPr>
+              </a:p>
+              <a:p>
+                <a:pPr algn="l"/>
+                <a14:m>
+                  <m:oMathPara xmlns:m="http://schemas.openxmlformats.org/officeDocument/2006/math">
+                    <m:oMathParaPr>
+                      <m:jc m:val="centerGroup"/>
+                    </m:oMathParaPr>
+                    <m:oMath xmlns:m="http://schemas.openxmlformats.org/officeDocument/2006/math">
+                      <m:rad>
+                        <m:radPr>
+                          <m:degHide m:val="on"/>
+                          <m:ctrlPr>
+                            <a:rPr lang="en-US" altLang="zh-CN" i="1">
+                              <a:solidFill>
+                                <a:schemeClr val="tx1">
+                                  <a:lumMod val="65000"/>
+                                  <a:lumOff val="35000"/>
+                                </a:schemeClr>
+                              </a:solidFill>
+                              <a:latin typeface="Cambria Math" charset="0"/>
+                              <a:cs typeface="Cambria Math" charset="0"/>
+                            </a:rPr>
+                          </m:ctrlPr>
+                        </m:radPr>
+                        <m:deg/>
+                        <m:e>
+                          <m:r>
+                            <a:rPr lang="en-US" altLang="zh-CN" i="1">
+                              <a:solidFill>
+                                <a:schemeClr val="tx1">
+                                  <a:lumMod val="65000"/>
+                                  <a:lumOff val="35000"/>
+                                </a:schemeClr>
+                              </a:solidFill>
+                              <a:latin typeface="Cambria Math" charset="0"/>
+                              <a:cs typeface="Cambria Math" charset="0"/>
+                            </a:rPr>
+                            <m:t>10</m:t>
+                          </m:r>
+                        </m:e>
+                      </m:rad>
+                      <m:r>
+                        <a:rPr lang="en-US" altLang="zh-CN" i="1">
+                          <a:solidFill>
+                            <a:schemeClr val="tx1">
+                              <a:lumMod val="65000"/>
+                              <a:lumOff val="35000"/>
+                            </a:schemeClr>
+                          </a:solidFill>
+                          <a:latin typeface="Cambria Math" charset="0"/>
+                          <a:cs typeface="Cambria Math" charset="0"/>
+                        </a:rPr>
+                        <m:t>=</m:t>
+                      </m:r>
+                      <m:r>
+                        <a:rPr lang="en-US" altLang="zh-CN" i="1">
+                          <a:solidFill>
+                            <a:schemeClr val="tx1">
+                              <a:lumMod val="65000"/>
+                              <a:lumOff val="35000"/>
+                            </a:schemeClr>
+                          </a:solidFill>
+                          <a:latin typeface="Cambria Math" charset="0"/>
+                          <a:cs typeface="Cambria Math" charset="0"/>
+                        </a:rPr>
+                        <m:t>3</m:t>
+                      </m:r>
+                      <m:r>
+                        <a:rPr lang="en-US" altLang="zh-CN" i="1">
+                          <a:solidFill>
+                            <a:schemeClr val="tx1">
+                              <a:lumMod val="65000"/>
+                              <a:lumOff val="35000"/>
+                            </a:schemeClr>
+                          </a:solidFill>
+                          <a:latin typeface="Cambria Math" charset="0"/>
+                          <a:cs typeface="Cambria Math" charset="0"/>
+                        </a:rPr>
+                        <m:t>.</m:t>
+                      </m:r>
+                      <m:r>
+                        <a:rPr lang="en-US" altLang="zh-CN" i="1">
+                          <a:solidFill>
+                            <a:schemeClr val="tx1">
+                              <a:lumMod val="65000"/>
+                              <a:lumOff val="35000"/>
+                            </a:schemeClr>
+                          </a:solidFill>
+                          <a:latin typeface="Cambria Math" charset="0"/>
+                          <a:cs typeface="Cambria Math" charset="0"/>
+                        </a:rPr>
+                        <m:t>1</m:t>
+                      </m:r>
+                    </m:oMath>
+                  </m:oMathPara>
+                </a14:m>
+                <a:endParaRPr lang="en-US" altLang="zh-CN" i="1">
+                  <a:solidFill>
+                    <a:schemeClr val="tx1">
+                      <a:lumMod val="65000"/>
+                      <a:lumOff val="35000"/>
+                    </a:schemeClr>
+                  </a:solidFill>
+                  <a:latin typeface="Cambria Math" charset="0"/>
+                  <a:cs typeface="Cambria Math" charset="0"/>
+                </a:endParaRPr>
+              </a:p>
+              <a:p>
+                <a:pPr algn="l"/>
+                <a:endParaRPr lang="en-US" altLang="zh-CN" i="1">
+                  <a:solidFill>
+                    <a:schemeClr val="tx1">
+                      <a:lumMod val="65000"/>
+                      <a:lumOff val="35000"/>
+                    </a:schemeClr>
+                  </a:solidFill>
+                  <a:latin typeface="Cambria Math" charset="0"/>
+                  <a:cs typeface="Cambria Math" charset="0"/>
+                </a:endParaRPr>
+              </a:p>
+              <a:p>
+                <a:pPr algn="l"/>
+                <a14:m>
+                  <m:oMathPara xmlns:m="http://schemas.openxmlformats.org/officeDocument/2006/math">
+                    <m:oMathParaPr>
+                      <m:jc m:val="centerGroup"/>
+                    </m:oMathParaPr>
+                    <m:oMath xmlns:m="http://schemas.openxmlformats.org/officeDocument/2006/math">
+                      <m:rad>
+                        <m:radPr>
+                          <m:degHide m:val="on"/>
+                          <m:ctrlPr>
+                            <a:rPr lang="en-US" altLang="zh-CN" i="1">
+                              <a:solidFill>
+                                <a:schemeClr val="tx1">
+                                  <a:lumMod val="65000"/>
+                                  <a:lumOff val="35000"/>
+                                </a:schemeClr>
+                              </a:solidFill>
+                              <a:latin typeface="Cambria Math" charset="0"/>
+                              <a:cs typeface="Cambria Math" charset="0"/>
+                            </a:rPr>
+                          </m:ctrlPr>
+                        </m:radPr>
+                        <m:deg/>
+                        <m:e>
+                          <m:r>
+                            <a:rPr lang="en-US" altLang="zh-CN" i="1">
+                              <a:solidFill>
+                                <a:schemeClr val="tx1">
+                                  <a:lumMod val="65000"/>
+                                  <a:lumOff val="35000"/>
+                                </a:schemeClr>
+                              </a:solidFill>
+                              <a:latin typeface="Cambria Math" charset="0"/>
+                              <a:cs typeface="Cambria Math" charset="0"/>
+                            </a:rPr>
+                            <m:t>100</m:t>
+                          </m:r>
+                        </m:e>
+                      </m:rad>
+                      <m:r>
+                        <a:rPr lang="en-US" altLang="zh-CN" i="1">
+                          <a:solidFill>
+                            <a:schemeClr val="tx1">
+                              <a:lumMod val="65000"/>
+                              <a:lumOff val="35000"/>
+                            </a:schemeClr>
+                          </a:solidFill>
+                          <a:latin typeface="Cambria Math" charset="0"/>
+                          <a:cs typeface="Cambria Math" charset="0"/>
+                        </a:rPr>
+                        <m:t>=</m:t>
+                      </m:r>
+                      <m:r>
+                        <a:rPr lang="en-US" altLang="zh-CN" i="1">
+                          <a:solidFill>
+                            <a:schemeClr val="tx1">
+                              <a:lumMod val="65000"/>
+                              <a:lumOff val="35000"/>
+                            </a:schemeClr>
+                          </a:solidFill>
+                          <a:latin typeface="Cambria Math" charset="0"/>
+                          <a:cs typeface="Cambria Math" charset="0"/>
+                        </a:rPr>
+                        <m:t>10</m:t>
+                      </m:r>
+                    </m:oMath>
+                  </m:oMathPara>
+                </a14:m>
+                <a:endParaRPr lang="en-US" altLang="zh-CN" i="1">
+                  <a:solidFill>
+                    <a:schemeClr val="tx1">
+                      <a:lumMod val="65000"/>
+                      <a:lumOff val="35000"/>
+                    </a:schemeClr>
+                  </a:solidFill>
+                  <a:latin typeface="Cambria Math" charset="0"/>
+                  <a:cs typeface="Cambria Math" charset="0"/>
+                </a:endParaRPr>
+              </a:p>
+              <a:p>
+                <a:pPr algn="l"/>
+                <a:endParaRPr lang="en-US" altLang="zh-CN" i="1">
+                  <a:solidFill>
+                    <a:schemeClr val="tx1">
+                      <a:lumMod val="65000"/>
+                      <a:lumOff val="35000"/>
+                    </a:schemeClr>
+                  </a:solidFill>
+                  <a:latin typeface="Cambria Math" charset="0"/>
+                  <a:cs typeface="Cambria Math" charset="0"/>
+                </a:endParaRPr>
+              </a:p>
+              <a:p>
+                <a:pPr algn="l"/>
+                <a14:m>
+                  <m:oMathPara xmlns:m="http://schemas.openxmlformats.org/officeDocument/2006/math">
+                    <m:oMathParaPr>
+                      <m:jc m:val="centerGroup"/>
+                    </m:oMathParaPr>
+                    <m:oMath xmlns:m="http://schemas.openxmlformats.org/officeDocument/2006/math">
+                      <m:rad>
+                        <m:radPr>
+                          <m:degHide m:val="on"/>
+                          <m:ctrlPr>
+                            <a:rPr lang="en-US" altLang="zh-CN" i="1">
+                              <a:solidFill>
+                                <a:schemeClr val="tx1">
+                                  <a:lumMod val="65000"/>
+                                  <a:lumOff val="35000"/>
+                                </a:schemeClr>
+                              </a:solidFill>
+                              <a:latin typeface="Cambria Math" charset="0"/>
+                              <a:cs typeface="Cambria Math" charset="0"/>
+                            </a:rPr>
+                          </m:ctrlPr>
+                        </m:radPr>
+                        <m:deg/>
+                        <m:e>
+                          <m:r>
+                            <a:rPr lang="en-US" altLang="zh-CN" i="1">
+                              <a:solidFill>
+                                <a:schemeClr val="tx1">
+                                  <a:lumMod val="65000"/>
+                                  <a:lumOff val="35000"/>
+                                </a:schemeClr>
+                              </a:solidFill>
+                              <a:latin typeface="Cambria Math" charset="0"/>
+                              <a:cs typeface="Cambria Math" charset="0"/>
+                            </a:rPr>
+                            <m:t>10000</m:t>
+                          </m:r>
+                        </m:e>
+                      </m:rad>
+                      <m:r>
+                        <a:rPr lang="en-US" altLang="zh-CN" i="1">
+                          <a:solidFill>
+                            <a:schemeClr val="tx1">
+                              <a:lumMod val="65000"/>
+                              <a:lumOff val="35000"/>
+                            </a:schemeClr>
+                          </a:solidFill>
+                          <a:latin typeface="Cambria Math" charset="0"/>
+                          <a:cs typeface="Cambria Math" charset="0"/>
+                        </a:rPr>
+                        <m:t>=</m:t>
+                      </m:r>
+                      <m:r>
+                        <a:rPr lang="en-US" altLang="zh-CN" i="1">
+                          <a:solidFill>
+                            <a:schemeClr val="tx1">
+                              <a:lumMod val="65000"/>
+                              <a:lumOff val="35000"/>
+                            </a:schemeClr>
+                          </a:solidFill>
+                          <a:latin typeface="Cambria Math" charset="0"/>
+                          <a:ea typeface="宋体" charset="0"/>
+                          <a:cs typeface="Cambria Math" charset="0"/>
+                        </a:rPr>
+                        <m:t>100</m:t>
+                      </m:r>
+                    </m:oMath>
+                  </m:oMathPara>
+                </a14:m>
+                <a:endParaRPr lang="en-US" altLang="zh-CN" i="1">
+                  <a:solidFill>
+                    <a:schemeClr val="tx1">
+                      <a:lumMod val="65000"/>
+                      <a:lumOff val="35000"/>
+                    </a:schemeClr>
+                  </a:solidFill>
+                  <a:latin typeface="Cambria Math" charset="0"/>
+                  <a:ea typeface="宋体" charset="0"/>
+                  <a:cs typeface="Cambria Math" charset="0"/>
+                </a:endParaRPr>
+              </a:p>
+            </p:txBody>
+          </p:sp>
+        </mc:Choice>
+        <mc:Fallback>
+          <p:sp>
+            <p:nvSpPr>
+              <p:cNvPr id="6" name="文本框 5"/>
+              <p:cNvSpPr txBox="1">
+                <a:spLocks noRot="1" noChangeAspect="1" noMove="1" noResize="1" noEditPoints="1" noAdjustHandles="1" noChangeArrowheads="1" noChangeShapeType="1" noTextEdit="1"/>
+              </p:cNvSpPr>
+              <p:nvPr/>
+            </p:nvSpPr>
+            <p:spPr>
+              <a:xfrm>
+                <a:off x="5141532" y="2870137"/>
+                <a:ext cx="1908175" cy="2193925"/>
+              </a:xfrm>
+              <a:prstGeom prst="rect">
+                <a:avLst/>
+              </a:prstGeom>
+              <a:blipFill rotWithShape="1">
+                <a:blip r:embed="rId5"/>
+                <a:stretch>
+                  <a:fillRect l="-30" t="-26" r="-935" b="26"/>
+                </a:stretch>
+              </a:blipFill>
+            </p:spPr>
+            <p:txBody>
+              <a:bodyPr/>
+              <a:lstStyle/>
+              <a:p>
+                <a:r>
+                  <a:rPr lang="zh-CN" altLang="en-US">
+                    <a:noFill/>
+                  </a:rPr>
+                  <a:t> </a:t>
+                </a:r>
+              </a:p>
+            </p:txBody>
+          </p:sp>
+        </mc:Fallback>
+      </mc:AlternateContent>
     </p:spTree>
   </p:cSld>
   <p:clrMapOvr>
@@ -39343,4 +43767,263 @@
     </a:ext>
   </a:extLst>
 </a:theme>
+</file>
+
+<file path=ppt/theme/theme3.xml><?xml version="1.0" encoding="utf-8"?>
+<a:theme xmlns:a="http://schemas.openxmlformats.org/drawingml/2006/main" name="Office 主题">
+  <a:themeElements>
+    <a:clrScheme name="Office">
+      <a:dk1>
+        <a:sysClr val="windowText" lastClr="000000"/>
+      </a:dk1>
+      <a:lt1>
+        <a:sysClr val="window" lastClr="FFFFFF"/>
+      </a:lt1>
+      <a:dk2>
+        <a:srgbClr val="44546A"/>
+      </a:dk2>
+      <a:lt2>
+        <a:srgbClr val="E7E6E6"/>
+      </a:lt2>
+      <a:accent1>
+        <a:srgbClr val="5B9BD5"/>
+      </a:accent1>
+      <a:accent2>
+        <a:srgbClr val="ED7D31"/>
+      </a:accent2>
+      <a:accent3>
+        <a:srgbClr val="A5A5A5"/>
+      </a:accent3>
+      <a:accent4>
+        <a:srgbClr val="FFC000"/>
+      </a:accent4>
+      <a:accent5>
+        <a:srgbClr val="4472C4"/>
+      </a:accent5>
+      <a:accent6>
+        <a:srgbClr val="70AD47"/>
+      </a:accent6>
+      <a:hlink>
+        <a:srgbClr val="0563C1"/>
+      </a:hlink>
+      <a:folHlink>
+        <a:srgbClr val="954F72"/>
+      </a:folHlink>
+    </a:clrScheme>
+    <a:fontScheme name="Office">
+      <a:majorFont>
+        <a:latin typeface="Calibri Light"/>
+        <a:ea typeface=""/>
+        <a:cs typeface=""/>
+        <a:font script="Jpan" typeface="ＭＳ Ｐゴシック"/>
+        <a:font script="Hang" typeface="맑은 고딕"/>
+        <a:font script="Hans" typeface="宋体"/>
+        <a:font script="Hant" typeface="新細明體"/>
+        <a:font script="Arab" typeface="Times New Roman"/>
+        <a:font script="Hebr" typeface="Times New Roman"/>
+        <a:font script="Thai" typeface="Angsana New"/>
+        <a:font script="Ethi" typeface="Nyala"/>
+        <a:font script="Beng" typeface="Vrinda"/>
+        <a:font script="Gujr" typeface="Shruti"/>
+        <a:font script="Khmr" typeface="MoolBoran"/>
+        <a:font script="Knda" typeface="Tunga"/>
+        <a:font script="Guru" typeface="Raavi"/>
+        <a:font script="Cans" typeface="Euphemia"/>
+        <a:font script="Cher" typeface="Plantagenet Cherokee"/>
+        <a:font script="Yiii" typeface="Microsoft Yi Baiti"/>
+        <a:font script="Tibt" typeface="Microsoft Himalaya"/>
+        <a:font script="Thaa" typeface="MV Boli"/>
+        <a:font script="Deva" typeface="Mangal"/>
+        <a:font script="Telu" typeface="Gautami"/>
+        <a:font script="Taml" typeface="Latha"/>
+        <a:font script="Syrc" typeface="Estrangelo Edessa"/>
+        <a:font script="Orya" typeface="Kalinga"/>
+        <a:font script="Mlym" typeface="Kartika"/>
+        <a:font script="Laoo" typeface="DokChampa"/>
+        <a:font script="Sinh" typeface="Iskoola Pota"/>
+        <a:font script="Mong" typeface="Mongolian Baiti"/>
+        <a:font script="Viet" typeface="Times New Roman"/>
+        <a:font script="Uigh" typeface="Microsoft Uighur"/>
+        <a:font script="Geor" typeface="Sylfaen"/>
+      </a:majorFont>
+      <a:minorFont>
+        <a:latin typeface="Calibri"/>
+        <a:ea typeface=""/>
+        <a:cs typeface=""/>
+        <a:font script="Jpan" typeface="ＭＳ Ｐゴシック"/>
+        <a:font script="Hang" typeface="맑은 고딕"/>
+        <a:font script="Hans" typeface="宋体"/>
+        <a:font script="Hant" typeface="新細明體"/>
+        <a:font script="Arab" typeface="Arial"/>
+        <a:font script="Hebr" typeface="Arial"/>
+        <a:font script="Thai" typeface="Cordia New"/>
+        <a:font script="Ethi" typeface="Nyala"/>
+        <a:font script="Beng" typeface="Vrinda"/>
+        <a:font script="Gujr" typeface="Shruti"/>
+        <a:font script="Khmr" typeface="DaunPenh"/>
+        <a:font script="Knda" typeface="Tunga"/>
+        <a:font script="Guru" typeface="Raavi"/>
+        <a:font script="Cans" typeface="Euphemia"/>
+        <a:font script="Cher" typeface="Plantagenet Cherokee"/>
+        <a:font script="Yiii" typeface="Microsoft Yi Baiti"/>
+        <a:font script="Tibt" typeface="Microsoft Himalaya"/>
+        <a:font script="Thaa" typeface="MV Boli"/>
+        <a:font script="Deva" typeface="Mangal"/>
+        <a:font script="Telu" typeface="Gautami"/>
+        <a:font script="Taml" typeface="Latha"/>
+        <a:font script="Syrc" typeface="Estrangelo Edessa"/>
+        <a:font script="Orya" typeface="Kalinga"/>
+        <a:font script="Mlym" typeface="Kartika"/>
+        <a:font script="Laoo" typeface="DokChampa"/>
+        <a:font script="Sinh" typeface="Iskoola Pota"/>
+        <a:font script="Mong" typeface="Mongolian Baiti"/>
+        <a:font script="Viet" typeface="Arial"/>
+        <a:font script="Uigh" typeface="Microsoft Uighur"/>
+        <a:font script="Geor" typeface="Sylfaen"/>
+      </a:minorFont>
+    </a:fontScheme>
+    <a:fmtScheme name="Office">
+      <a:fillStyleLst>
+        <a:solidFill>
+          <a:schemeClr val="phClr"/>
+        </a:solidFill>
+        <a:gradFill rotWithShape="1">
+          <a:gsLst>
+            <a:gs pos="0">
+              <a:schemeClr val="phClr">
+                <a:lumMod val="110000"/>
+                <a:satMod val="105000"/>
+                <a:tint val="67000"/>
+              </a:schemeClr>
+            </a:gs>
+            <a:gs pos="50000">
+              <a:schemeClr val="phClr">
+                <a:lumMod val="105000"/>
+                <a:satMod val="103000"/>
+                <a:tint val="73000"/>
+              </a:schemeClr>
+            </a:gs>
+            <a:gs pos="100000">
+              <a:schemeClr val="phClr">
+                <a:lumMod val="105000"/>
+                <a:satMod val="109000"/>
+                <a:tint val="81000"/>
+              </a:schemeClr>
+            </a:gs>
+          </a:gsLst>
+          <a:lin ang="5400000" scaled="0"/>
+        </a:gradFill>
+        <a:gradFill rotWithShape="1">
+          <a:gsLst>
+            <a:gs pos="0">
+              <a:schemeClr val="phClr">
+                <a:satMod val="103000"/>
+                <a:lumMod val="102000"/>
+                <a:tint val="94000"/>
+              </a:schemeClr>
+            </a:gs>
+            <a:gs pos="50000">
+              <a:schemeClr val="phClr">
+                <a:satMod val="110000"/>
+                <a:lumMod val="100000"/>
+                <a:shade val="100000"/>
+              </a:schemeClr>
+            </a:gs>
+            <a:gs pos="100000">
+              <a:schemeClr val="phClr">
+                <a:lumMod val="99000"/>
+                <a:satMod val="120000"/>
+                <a:shade val="78000"/>
+              </a:schemeClr>
+            </a:gs>
+          </a:gsLst>
+          <a:lin ang="5400000" scaled="0"/>
+        </a:gradFill>
+      </a:fillStyleLst>
+      <a:lnStyleLst>
+        <a:ln w="6350" cap="flat" cmpd="sng" algn="ctr">
+          <a:solidFill>
+            <a:schemeClr val="phClr"/>
+          </a:solidFill>
+          <a:prstDash val="solid"/>
+          <a:miter lim="800000"/>
+        </a:ln>
+        <a:ln w="12700" cap="flat" cmpd="sng" algn="ctr">
+          <a:solidFill>
+            <a:schemeClr val="phClr"/>
+          </a:solidFill>
+          <a:prstDash val="solid"/>
+          <a:miter lim="800000"/>
+        </a:ln>
+        <a:ln w="19050" cap="flat" cmpd="sng" algn="ctr">
+          <a:solidFill>
+            <a:schemeClr val="phClr"/>
+          </a:solidFill>
+          <a:prstDash val="solid"/>
+          <a:miter lim="800000"/>
+        </a:ln>
+      </a:lnStyleLst>
+      <a:effectStyleLst>
+        <a:effectStyle>
+          <a:effectLst/>
+        </a:effectStyle>
+        <a:effectStyle>
+          <a:effectLst/>
+        </a:effectStyle>
+        <a:effectStyle>
+          <a:effectLst>
+            <a:outerShdw blurRad="57150" dist="19050" dir="5400000" algn="ctr" rotWithShape="0">
+              <a:srgbClr val="000000">
+                <a:alpha val="63000"/>
+              </a:srgbClr>
+            </a:outerShdw>
+          </a:effectLst>
+        </a:effectStyle>
+      </a:effectStyleLst>
+      <a:bgFillStyleLst>
+        <a:solidFill>
+          <a:schemeClr val="phClr"/>
+        </a:solidFill>
+        <a:solidFill>
+          <a:schemeClr val="phClr">
+            <a:tint val="95000"/>
+            <a:satMod val="170000"/>
+          </a:schemeClr>
+        </a:solidFill>
+        <a:gradFill rotWithShape="1">
+          <a:gsLst>
+            <a:gs pos="0">
+              <a:schemeClr val="phClr">
+                <a:tint val="93000"/>
+                <a:satMod val="150000"/>
+                <a:shade val="98000"/>
+                <a:lumMod val="102000"/>
+              </a:schemeClr>
+            </a:gs>
+            <a:gs pos="50000">
+              <a:schemeClr val="phClr">
+                <a:tint val="98000"/>
+                <a:satMod val="130000"/>
+                <a:shade val="90000"/>
+                <a:lumMod val="103000"/>
+              </a:schemeClr>
+            </a:gs>
+            <a:gs pos="100000">
+              <a:schemeClr val="phClr">
+                <a:shade val="63000"/>
+                <a:satMod val="120000"/>
+              </a:schemeClr>
+            </a:gs>
+          </a:gsLst>
+          <a:lin ang="5400000" scaled="0"/>
+        </a:gradFill>
+      </a:bgFillStyleLst>
+    </a:fmtScheme>
+  </a:themeElements>
+  <a:extLst>
+    <a:ext uri="{05A4C25C-085E-4340-85A3-A5531E510DB2}">
+      <thm15:themeFamily xmlns:thm15="http://schemas.microsoft.com/office/thememl/2012/main" name="Office Theme" id="{62F939B6-93AF-4DB8-9C6B-D6C7DFDC589F}" vid="{4A3C46E8-61CC-4603-A589-7422A47A8E4A}"/>
+    </a:ext>
+  </a:extLst>
+</a:theme>
 </file>
--- a/Metapo.pptx
+++ b/Metapo.pptx
@@ -506,17 +506,73 @@
           <a:bodyPr/>
           <a:p>
             <a:r>
-              <a:rPr lang="zh-CN" altLang="en-US"/>
+              <a:rPr lang="zh-CN" altLang="en-US" sz="3200">
+                <a:solidFill>
+                  <a:schemeClr val="tx1"/>
+                </a:solidFill>
+                <a:uFillTx/>
+                <a:latin typeface="PingFang SC Regular" panose="020B0400000000000000" charset="-122"/>
+                <a:ea typeface="PingFang SC Regular" panose="020B0400000000000000" charset="-122"/>
+                <a:cs typeface="PingFang SC Regular" panose="020B0400000000000000" charset="-122"/>
+              </a:rPr>
               <a:t>大家好，我来介绍一下METAPO。一个Web3社交网络，通过公平的曝光量算法，建立SocialFI。</a:t>
             </a:r>
-            <a:endParaRPr lang="zh-CN" altLang="en-US"/>
-          </a:p>
-          <a:p>
-            <a:r>
-              <a:rPr lang="zh-CN" altLang="en-US"/>
-              <a:t>Hello everyone, let me introduce METAPO. A Web3 social network, through a fair exposure algorithm, to build SocialFI.</a:t>
-            </a:r>
-            <a:endParaRPr lang="zh-CN" altLang="en-US"/>
+            <a:endParaRPr lang="zh-CN" altLang="en-US" sz="3200">
+              <a:solidFill>
+                <a:schemeClr val="tx1"/>
+              </a:solidFill>
+              <a:uFillTx/>
+              <a:latin typeface="PingFang SC Regular" panose="020B0400000000000000" charset="-122"/>
+              <a:ea typeface="PingFang SC Regular" panose="020B0400000000000000" charset="-122"/>
+              <a:cs typeface="PingFang SC Regular" panose="020B0400000000000000" charset="-122"/>
+            </a:endParaRPr>
+          </a:p>
+          <a:p>
+            <a:r>
+              <a:rPr lang="zh-CN" altLang="en-US" sz="3200">
+                <a:solidFill>
+                  <a:schemeClr val="tx1"/>
+                </a:solidFill>
+                <a:uFillTx/>
+                <a:latin typeface="PingFang SC Regular" panose="020B0400000000000000" charset="-122"/>
+                <a:ea typeface="PingFang SC Regular" panose="020B0400000000000000" charset="-122"/>
+                <a:cs typeface="PingFang SC Regular" panose="020B0400000000000000" charset="-122"/>
+              </a:rPr>
+              <a:t>Hello everyone, let me introduce METAPO. A Web3 social network, </a:t>
+            </a:r>
+            <a:r>
+              <a:rPr lang="en-US" altLang="zh-CN" sz="3200">
+                <a:solidFill>
+                  <a:schemeClr val="tx1"/>
+                </a:solidFill>
+                <a:uFillTx/>
+                <a:latin typeface="PingFang SC Regular" panose="020B0400000000000000" charset="-122"/>
+                <a:ea typeface="PingFang SC Regular" panose="020B0400000000000000" charset="-122"/>
+                <a:cs typeface="PingFang SC Regular" panose="020B0400000000000000" charset="-122"/>
+              </a:rPr>
+              <a:t>with </a:t>
+            </a:r>
+            <a:r>
+              <a:rPr lang="zh-CN" altLang="en-US" sz="3200">
+                <a:solidFill>
+                  <a:schemeClr val="tx1"/>
+                </a:solidFill>
+                <a:uFillTx/>
+                <a:latin typeface="PingFang SC Regular" panose="020B0400000000000000" charset="-122"/>
+                <a:ea typeface="PingFang SC Regular" panose="020B0400000000000000" charset="-122"/>
+                <a:cs typeface="PingFang SC Regular" panose="020B0400000000000000" charset="-122"/>
+              </a:rPr>
+              <a:t>a fair exposure algorithm, to build SocialFI.</a:t>
+            </a:r>
+            <a:endParaRPr lang="zh-CN" altLang="en-US" sz="3200">
+              <a:solidFill>
+                <a:schemeClr val="tx1"/>
+              </a:solidFill>
+              <a:uFillTx/>
+              <a:latin typeface="PingFang SC Regular" panose="020B0400000000000000" charset="-122"/>
+              <a:ea typeface="PingFang SC Regular" panose="020B0400000000000000" charset="-122"/>
+              <a:cs typeface="PingFang SC Regular" panose="020B0400000000000000" charset="-122"/>
+            </a:endParaRPr>
           </a:p>
         </p:txBody>
       </p:sp>
@@ -648,8 +704,12 @@
           </a:p>
           <a:p>
             <a:r>
+              <a:rPr lang="en-US" altLang="zh-CN"/>
+              <a:t>This is</a:t>
+            </a:r>
+            <a:r>
               <a:rPr lang="zh-CN" altLang="en-US"/>
-              <a:t>Let's take a look at the </a:t>
+              <a:t> </a:t>
             </a:r>
             <a:r>
               <a:rPr lang="en-US" altLang="zh-CN"/>
@@ -657,15 +717,36 @@
             </a:r>
             <a:r>
               <a:rPr lang="zh-CN" altLang="en-US"/>
-              <a:t>page. The upper part is a custom thumbnail, just like the YouTube video thumbnail</a:t>
+              <a:t>page. </a:t>
+            </a:r>
+            <a:endParaRPr lang="zh-CN" altLang="en-US"/>
+          </a:p>
+          <a:p>
+            <a:r>
+              <a:rPr lang="zh-CN" altLang="en-US"/>
+              <a:t>The upper part is a custom thumbnail, </a:t>
+            </a:r>
+            <a:endParaRPr lang="zh-CN" altLang="en-US"/>
+          </a:p>
+          <a:p>
+            <a:r>
+              <a:rPr lang="zh-CN" altLang="en-US"/>
+              <a:t>just like the YouTube video thumbnail</a:t>
             </a:r>
             <a:r>
               <a:rPr lang="en-US" altLang="zh-CN"/>
-              <a:t>, a</a:t>
+              <a:t>, just like</a:t>
             </a:r>
             <a:r>
               <a:rPr lang="zh-CN" altLang="en-US"/>
-              <a:t>s an NFT image, PNG, JPG and SVG are supported. If you only fill in the text, the system will automatically generate an image. The downed </a:t>
+              <a:t> an NFT image, </a:t>
+            </a:r>
+            <a:endParaRPr lang="zh-CN" altLang="en-US"/>
+          </a:p>
+          <a:p>
+            <a:r>
+              <a:rPr lang="zh-CN" altLang="en-US"/>
+              <a:t>The downed </a:t>
             </a:r>
             <a:r>
               <a:rPr lang="en-US" altLang="zh-CN"/>
@@ -673,7 +754,14 @@
             </a:r>
             <a:r>
               <a:rPr lang="zh-CN" altLang="en-US"/>
-              <a:t> is the content. When you </a:t>
+              <a:t> is the content. </a:t>
+            </a:r>
+            <a:endParaRPr lang="zh-CN" altLang="en-US"/>
+          </a:p>
+          <a:p>
+            <a:r>
+              <a:rPr lang="zh-CN" altLang="en-US"/>
+              <a:t>When you </a:t>
             </a:r>
             <a:r>
               <a:rPr lang="en-US" altLang="zh-CN"/>
@@ -681,15 +769,15 @@
             </a:r>
             <a:r>
               <a:rPr lang="zh-CN" altLang="en-US"/>
-              <a:t>the submit button, the content will be uploaded to AR, and then NFT will be </a:t>
-            </a:r>
-            <a:r>
-              <a:rPr lang="en-US" altLang="zh-CN"/>
-              <a:t>minted</a:t>
+              <a:t>the submit button, the content will be uploaded to AR, </a:t>
+            </a:r>
+            <a:r>
+              <a:rPr lang="en-US"/>
+              <a:t>so it cannot be deleted</a:t>
             </a:r>
             <a:r>
               <a:rPr lang="zh-CN" altLang="en-US"/>
-              <a:t> and bound to the AR address.</a:t>
+              <a:t>.</a:t>
             </a:r>
             <a:endParaRPr lang="zh-CN" altLang="en-US"/>
           </a:p>
@@ -864,7 +952,18 @@
               <a:rPr lang="zh-CN" altLang="en-US">
                 <a:sym typeface="+mn-ea"/>
               </a:rPr>
-              <a:t>page, we can see </a:t>
+              <a:t>page,</a:t>
+            </a:r>
+            <a:endParaRPr lang="zh-CN" altLang="en-US">
+              <a:sym typeface="+mn-ea"/>
+            </a:endParaRPr>
+          </a:p>
+          <a:p>
+            <a:r>
+              <a:rPr lang="zh-CN" altLang="en-US">
+                <a:sym typeface="+mn-ea"/>
+              </a:rPr>
+              <a:t>we can see </a:t>
             </a:r>
             <a:r>
               <a:rPr lang="en-US" altLang="zh-CN">
@@ -876,8 +975,36 @@
               <a:rPr lang="zh-CN" altLang="en-US">
                 <a:sym typeface="+mn-ea"/>
               </a:rPr>
-              <a:t>stablecoins we have on other chains, and the total value is synchronized to Metapo through the oracle. </a:t>
-            </a:r>
+              <a:t>stablecoins we have on other chains, </a:t>
+            </a:r>
+            <a:endParaRPr lang="zh-CN" altLang="en-US">
+              <a:sym typeface="+mn-ea"/>
+            </a:endParaRPr>
+          </a:p>
+          <a:p>
+            <a:r>
+              <a:rPr lang="zh-CN" altLang="en-US">
+                <a:sym typeface="+mn-ea"/>
+              </a:rPr>
+              <a:t>and the total value is synchronized to Metapo </a:t>
+            </a:r>
+            <a:r>
+              <a:rPr lang="en-US" altLang="zh-CN">
+                <a:sym typeface="+mn-ea"/>
+              </a:rPr>
+              <a:t>by </a:t>
+            </a:r>
+            <a:r>
+              <a:rPr lang="zh-CN" altLang="en-US">
+                <a:sym typeface="+mn-ea"/>
+              </a:rPr>
+              <a:t>oracle. </a:t>
+            </a:r>
+            <a:endParaRPr lang="zh-CN" altLang="en-US">
+              <a:sym typeface="+mn-ea"/>
+            </a:endParaRPr>
+          </a:p>
+          <a:p>
             <a:r>
               <a:rPr lang="en-US" altLang="zh-CN">
                 <a:sym typeface="+mn-ea"/>
@@ -900,7 +1027,18 @@
               <a:rPr lang="zh-CN" altLang="en-US">
                 <a:sym typeface="+mn-ea"/>
               </a:rPr>
-              <a:t>, it is safe, you only need to log in and you will </a:t>
+              <a:t>, it is safe, </a:t>
+            </a:r>
+            <a:endParaRPr lang="zh-CN" altLang="en-US">
+              <a:sym typeface="+mn-ea"/>
+            </a:endParaRPr>
+          </a:p>
+          <a:p>
+            <a:r>
+              <a:rPr lang="zh-CN" altLang="en-US">
+                <a:sym typeface="+mn-ea"/>
+              </a:rPr>
+              <a:t>you only need to login and you will </a:t>
             </a:r>
             <a:r>
               <a:rPr lang="en-US" altLang="zh-CN">
@@ -924,43 +1062,48 @@
               <a:rPr lang="zh-CN" altLang="en-US">
                 <a:sym typeface="+mn-ea"/>
               </a:rPr>
-              <a:t> to vote for your favorite Entry. You may ask, if I transfer USDT to my </a:t>
+              <a:t> to vote </a:t>
             </a:r>
             <a:r>
               <a:rPr lang="en-US" altLang="zh-CN">
                 <a:sym typeface="+mn-ea"/>
               </a:rPr>
-              <a:t>alt </a:t>
+              <a:t>to the </a:t>
             </a:r>
             <a:r>
               <a:rPr lang="zh-CN" altLang="en-US">
                 <a:sym typeface="+mn-ea"/>
               </a:rPr>
-              <a:t>account, do I have a double Metapo balance? No, because </a:t>
-            </a:r>
+              <a:t>Entry. </a:t>
+            </a:r>
+            <a:endParaRPr lang="zh-CN" altLang="en-US">
+              <a:sym typeface="+mn-ea"/>
+            </a:endParaRPr>
+          </a:p>
+          <a:p>
             <a:r>
               <a:rPr lang="en-US" altLang="zh-CN">
                 <a:sym typeface="+mn-ea"/>
               </a:rPr>
-              <a:t>the</a:t>
+              <a:t>F</a:t>
             </a:r>
             <a:r>
               <a:rPr lang="zh-CN" altLang="en-US">
                 <a:sym typeface="+mn-ea"/>
               </a:rPr>
-              <a:t> Metapo balance is dynamic and will change with your stablecoin, when you transfer USDT, your Metapo balance will also decrease. </a:t>
+              <a:t>or </a:t>
             </a:r>
             <a:r>
               <a:rPr lang="en-US" altLang="zh-CN">
                 <a:sym typeface="+mn-ea"/>
               </a:rPr>
-              <a:t>f</a:t>
+              <a:t>crypto </a:t>
             </a:r>
             <a:r>
               <a:rPr lang="zh-CN" altLang="en-US">
                 <a:sym typeface="+mn-ea"/>
               </a:rPr>
-              <a:t>or cryptocurrency users</a:t>
+              <a:t>users</a:t>
             </a:r>
             <a:r>
               <a:rPr lang="en-US" altLang="zh-CN">
@@ -974,11 +1117,39 @@
               </a:rPr>
               <a:t>! </a:t>
             </a:r>
+            <a:endParaRPr lang="zh-CN" altLang="en-US">
+              <a:sym typeface="+mn-ea"/>
+            </a:endParaRPr>
+          </a:p>
+          <a:p>
             <a:r>
               <a:rPr>
                 <a:sym typeface="+mn-ea"/>
               </a:rPr>
-              <a:t>We know that in DEFI, due to security </a:t>
+              <a:t>We know in DEFI, </a:t>
+            </a:r>
+            <a:endParaRPr>
+              <a:sym typeface="+mn-ea"/>
+            </a:endParaRPr>
+          </a:p>
+          <a:p>
+            <a:r>
+              <a:rPr>
+                <a:sym typeface="+mn-ea"/>
+              </a:rPr>
+              <a:t>due to </a:t>
+            </a:r>
+            <a:r>
+              <a:rPr lang="en-US">
+                <a:sym typeface="+mn-ea"/>
+              </a:rPr>
+              <a:t>the </a:t>
+            </a:r>
+            <a:r>
+              <a:rPr>
+                <a:sym typeface="+mn-ea"/>
+              </a:rPr>
+              <a:t>security </a:t>
             </a:r>
             <a:r>
               <a:rPr lang="en-US">
@@ -996,7 +1167,29 @@
               <a:rPr lang="en-US" altLang="zh-CN">
                 <a:sym typeface="+mn-ea"/>
               </a:rPr>
-              <a:t>, is your money still your money? That is not only a question but also come to be a problem. But</a:t>
+              <a:t>, is your money still your money? </a:t>
+            </a:r>
+            <a:endParaRPr lang="en-US" altLang="zh-CN">
+              <a:sym typeface="+mn-ea"/>
+            </a:endParaRPr>
+          </a:p>
+          <a:p>
+            <a:r>
+              <a:rPr lang="en-US" altLang="zh-CN">
+                <a:sym typeface="+mn-ea"/>
+              </a:rPr>
+              <a:t>That is not only a question but also come to be a problem. </a:t>
+            </a:r>
+            <a:endParaRPr lang="en-US" altLang="zh-CN">
+              <a:sym typeface="+mn-ea"/>
+            </a:endParaRPr>
+          </a:p>
+          <a:p>
+            <a:r>
+              <a:rPr lang="en-US" altLang="zh-CN">
+                <a:sym typeface="+mn-ea"/>
+              </a:rPr>
+              <a:t>But</a:t>
             </a:r>
             <a:r>
               <a:rPr lang="zh-CN" altLang="en-US">
@@ -1393,7 +1586,36 @@
                 <a:cs typeface="Lato"/>
                 <a:sym typeface="Lato"/>
               </a:rPr>
-              <a:t>. In the figure, the blue Entr</a:t>
+              <a:t>. </a:t>
+            </a:r>
+            <a:endParaRPr lang="zh-CN" altLang="en-US">
+              <a:solidFill>
+                <a:schemeClr val="tx1">
+                  <a:lumMod val="75000"/>
+                  <a:lumOff val="25000"/>
+                </a:schemeClr>
+              </a:solidFill>
+              <a:latin typeface="Source Han Sans SC" panose="020B0500000000000000" pitchFamily="34" charset="-128"/>
+              <a:ea typeface="Source Han Sans SC" panose="020B0500000000000000" pitchFamily="34" charset="-128"/>
+              <a:cs typeface="Lato"/>
+              <a:sym typeface="Lato"/>
+            </a:endParaRPr>
+          </a:p>
+          <a:p>
+            <a:r>
+              <a:rPr lang="zh-CN" altLang="en-US">
+                <a:solidFill>
+                  <a:schemeClr val="tx1">
+                    <a:lumMod val="75000"/>
+                    <a:lumOff val="25000"/>
+                  </a:schemeClr>
+                </a:solidFill>
+                <a:latin typeface="Source Han Sans SC" panose="020B0500000000000000" pitchFamily="34" charset="-128"/>
+                <a:ea typeface="Source Han Sans SC" panose="020B0500000000000000" pitchFamily="34" charset="-128"/>
+                <a:cs typeface="Lato"/>
+                <a:sym typeface="Lato"/>
+              </a:rPr>
+              <a:t>In the figure, the blue Entr</a:t>
             </a:r>
             <a:r>
               <a:rPr lang="en-US" altLang="zh-CN">
@@ -1513,7 +1735,36 @@
                 <a:cs typeface="Lato"/>
                 <a:sym typeface="Lato"/>
               </a:rPr>
-              <a:t>, and the gray Entr</a:t>
+              <a:t>, </a:t>
+            </a:r>
+            <a:endParaRPr lang="zh-CN" altLang="en-US">
+              <a:solidFill>
+                <a:schemeClr val="tx1">
+                  <a:lumMod val="75000"/>
+                  <a:lumOff val="25000"/>
+                </a:schemeClr>
+              </a:solidFill>
+              <a:latin typeface="Source Han Sans SC" panose="020B0500000000000000" pitchFamily="34" charset="-128"/>
+              <a:ea typeface="Source Han Sans SC" panose="020B0500000000000000" pitchFamily="34" charset="-128"/>
+              <a:cs typeface="Lato"/>
+              <a:sym typeface="Lato"/>
+            </a:endParaRPr>
+          </a:p>
+          <a:p>
+            <a:r>
+              <a:rPr lang="zh-CN" altLang="en-US">
+                <a:solidFill>
+                  <a:schemeClr val="tx1">
+                    <a:lumMod val="75000"/>
+                    <a:lumOff val="25000"/>
+                  </a:schemeClr>
+                </a:solidFill>
+                <a:latin typeface="Source Han Sans SC" panose="020B0500000000000000" pitchFamily="34" charset="-128"/>
+                <a:ea typeface="Source Han Sans SC" panose="020B0500000000000000" pitchFamily="34" charset="-128"/>
+                <a:cs typeface="Lato"/>
+                <a:sym typeface="Lato"/>
+              </a:rPr>
+              <a:t>the gray Entr</a:t>
             </a:r>
             <a:r>
               <a:rPr lang="en-US" altLang="zh-CN">
@@ -1605,6 +1856,20 @@
               </a:rPr>
               <a:t>. </a:t>
             </a:r>
+            <a:endParaRPr lang="zh-CN" altLang="en-US">
+              <a:solidFill>
+                <a:schemeClr val="tx1">
+                  <a:lumMod val="75000"/>
+                  <a:lumOff val="25000"/>
+                </a:schemeClr>
+              </a:solidFill>
+              <a:latin typeface="Source Han Sans SC" panose="020B0500000000000000" pitchFamily="34" charset="-128"/>
+              <a:ea typeface="Source Han Sans SC" panose="020B0500000000000000" pitchFamily="34" charset="-128"/>
+              <a:cs typeface="Lato"/>
+              <a:sym typeface="Lato"/>
+            </a:endParaRPr>
+          </a:p>
+          <a:p>
             <a:r>
               <a:rPr lang="en-US" altLang="zh-CN">
                 <a:solidFill>
@@ -1633,7 +1898,111 @@
                 <a:cs typeface="Lato"/>
                 <a:sym typeface="Lato"/>
               </a:rPr>
-              <a:t>e get a forum called Web3Talk, and combine these forums, that </a:t>
+              <a:t>e get a </a:t>
+            </a:r>
+            <a:r>
+              <a:rPr lang="en-US" altLang="zh-CN">
+                <a:solidFill>
+                  <a:schemeClr val="tx1">
+                    <a:lumMod val="75000"/>
+                    <a:lumOff val="25000"/>
+                  </a:schemeClr>
+                </a:solidFill>
+                <a:latin typeface="Source Han Sans SC" panose="020B0500000000000000" pitchFamily="34" charset="-128"/>
+                <a:ea typeface="Source Han Sans SC" panose="020B0500000000000000" pitchFamily="34" charset="-128"/>
+                <a:cs typeface="Lato"/>
+                <a:sym typeface="Lato"/>
+              </a:rPr>
+              <a:t>BBS </a:t>
+            </a:r>
+            <a:r>
+              <a:rPr lang="zh-CN" altLang="en-US">
+                <a:solidFill>
+                  <a:schemeClr val="tx1">
+                    <a:lumMod val="75000"/>
+                    <a:lumOff val="25000"/>
+                  </a:schemeClr>
+                </a:solidFill>
+                <a:latin typeface="Source Han Sans SC" panose="020B0500000000000000" pitchFamily="34" charset="-128"/>
+                <a:ea typeface="Source Han Sans SC" panose="020B0500000000000000" pitchFamily="34" charset="-128"/>
+                <a:cs typeface="Lato"/>
+                <a:sym typeface="Lato"/>
+              </a:rPr>
+              <a:t>called Web3Talk, </a:t>
+            </a:r>
+            <a:endParaRPr lang="zh-CN" altLang="en-US">
+              <a:solidFill>
+                <a:schemeClr val="tx1">
+                  <a:lumMod val="75000"/>
+                  <a:lumOff val="25000"/>
+                </a:schemeClr>
+              </a:solidFill>
+              <a:latin typeface="Source Han Sans SC" panose="020B0500000000000000" pitchFamily="34" charset="-128"/>
+              <a:ea typeface="Source Han Sans SC" panose="020B0500000000000000" pitchFamily="34" charset="-128"/>
+              <a:cs typeface="Lato"/>
+              <a:sym typeface="Lato"/>
+            </a:endParaRPr>
+          </a:p>
+          <a:p>
+            <a:r>
+              <a:rPr lang="en-US" altLang="zh-CN">
+                <a:solidFill>
+                  <a:schemeClr val="tx1">
+                    <a:lumMod val="75000"/>
+                    <a:lumOff val="25000"/>
+                  </a:schemeClr>
+                </a:solidFill>
+                <a:latin typeface="Source Han Sans SC" panose="020B0500000000000000" pitchFamily="34" charset="-128"/>
+                <a:ea typeface="Source Han Sans SC" panose="020B0500000000000000" pitchFamily="34" charset="-128"/>
+                <a:cs typeface="Lato"/>
+                <a:sym typeface="Lato"/>
+              </a:rPr>
+              <a:t>c</a:t>
+            </a:r>
+            <a:r>
+              <a:rPr lang="zh-CN" altLang="en-US">
+                <a:solidFill>
+                  <a:schemeClr val="tx1">
+                    <a:lumMod val="75000"/>
+                    <a:lumOff val="25000"/>
+                  </a:schemeClr>
+                </a:solidFill>
+                <a:latin typeface="Source Han Sans SC" panose="020B0500000000000000" pitchFamily="34" charset="-128"/>
+                <a:ea typeface="Source Han Sans SC" panose="020B0500000000000000" pitchFamily="34" charset="-128"/>
+                <a:cs typeface="Lato"/>
+                <a:sym typeface="Lato"/>
+              </a:rPr>
+              <a:t>ombine these </a:t>
+            </a:r>
+            <a:r>
+              <a:rPr lang="en-US" altLang="zh-CN">
+                <a:solidFill>
+                  <a:schemeClr val="tx1">
+                    <a:lumMod val="75000"/>
+                    <a:lumOff val="25000"/>
+                  </a:schemeClr>
+                </a:solidFill>
+                <a:latin typeface="Source Han Sans SC" panose="020B0500000000000000" pitchFamily="34" charset="-128"/>
+                <a:ea typeface="Source Han Sans SC" panose="020B0500000000000000" pitchFamily="34" charset="-128"/>
+                <a:cs typeface="Lato"/>
+                <a:sym typeface="Lato"/>
+              </a:rPr>
+              <a:t>BBS</a:t>
+            </a:r>
+            <a:r>
+              <a:rPr lang="zh-CN" altLang="en-US">
+                <a:solidFill>
+                  <a:schemeClr val="tx1">
+                    <a:lumMod val="75000"/>
+                    <a:lumOff val="25000"/>
+                  </a:schemeClr>
+                </a:solidFill>
+                <a:latin typeface="Source Han Sans SC" panose="020B0500000000000000" pitchFamily="34" charset="-128"/>
+                <a:ea typeface="Source Han Sans SC" panose="020B0500000000000000" pitchFamily="34" charset="-128"/>
+                <a:cs typeface="Lato"/>
+                <a:sym typeface="Lato"/>
+              </a:rPr>
+              <a:t>, that </a:t>
             </a:r>
             <a:r>
               <a:rPr lang="en-US" altLang="zh-CN">
@@ -1663,8 +2032,22 @@
                 <a:cs typeface="Lato"/>
                 <a:sym typeface="Lato"/>
               </a:rPr>
-              <a:t>Web3Raddit, and push the author</a:t>
-            </a:r>
+              <a:t>Web3Raddit, </a:t>
+            </a:r>
+            <a:endParaRPr lang="zh-CN" altLang="en-US">
+              <a:solidFill>
+                <a:schemeClr val="tx1">
+                  <a:lumMod val="75000"/>
+                  <a:lumOff val="25000"/>
+                </a:schemeClr>
+              </a:solidFill>
+              <a:latin typeface="Source Han Sans SC" panose="020B0500000000000000" pitchFamily="34" charset="-128"/>
+              <a:ea typeface="Source Han Sans SC" panose="020B0500000000000000" pitchFamily="34" charset="-128"/>
+              <a:cs typeface="Lato"/>
+              <a:sym typeface="Lato"/>
+            </a:endParaRPr>
+          </a:p>
+          <a:p>
             <a:r>
               <a:rPr lang="en-US" altLang="zh-CN">
                 <a:solidFill>
@@ -1678,7 +2061,7 @@
                 <a:cs typeface="Lato"/>
                 <a:sym typeface="Lato"/>
               </a:rPr>
-              <a:t>'s other entries</a:t>
+              <a:t>follow </a:t>
             </a:r>
             <a:r>
               <a:rPr lang="zh-CN" altLang="en-US">
@@ -1693,7 +2076,7 @@
                 <a:cs typeface="Lato"/>
                 <a:sym typeface="Lato"/>
               </a:rPr>
-              <a:t>, that </a:t>
+              <a:t>the author, that </a:t>
             </a:r>
             <a:r>
               <a:rPr lang="en-US" altLang="zh-CN">
@@ -2017,63 +2400,49 @@
           <a:p>
             <a:r>
               <a:rPr lang="en-US" altLang="zh-CN"/>
-              <a:t>The Web3 News, The Web3 Community, and so on. To be the Dapps Lego, Po once, showing anywhere. For user, one NFT can mined </a:t>
-            </a:r>
-            <a:r>
-              <a:rPr lang="en-US" altLang="zh-CN" noProof="0" dirty="0">
-                <a:ln>
-                  <a:noFill/>
-                </a:ln>
-                <a:solidFill>
-                  <a:schemeClr val="bg1">
-                    <a:lumMod val="50000"/>
-                  </a:schemeClr>
-                </a:solidFill>
-                <a:effectLst/>
-                <a:uLnTx/>
-                <a:uFillTx/>
-                <a:latin typeface="Source Han Sans SC" panose="020B0500000000000000" pitchFamily="34" charset="-128"/>
-                <a:ea typeface="Source Han Sans SC" panose="020B0500000000000000" pitchFamily="34" charset="-128"/>
-                <a:sym typeface="FZHei-B01S" panose="02010601030101010101" pitchFamily="2" charset="-122"/>
-              </a:rPr>
-              <a:t>multiple tokens</a:t>
-            </a:r>
+              <a:t>The Web3News, The Web3Community, and so on. </a:t>
+            </a:r>
+            <a:endParaRPr lang="en-US" altLang="zh-CN"/>
+          </a:p>
+          <a:p>
             <a:r>
               <a:rPr lang="en-US" altLang="zh-CN"/>
-              <a:t>, for Dapps, based on </a:t>
-            </a:r>
-            <a:r>
-              <a:rPr lang="en-US" altLang="zh-CN" noProof="0" dirty="0">
-                <a:ln>
-                  <a:noFill/>
-                </a:ln>
-                <a:solidFill>
-                  <a:schemeClr val="bg1">
-                    <a:lumMod val="50000"/>
-                  </a:schemeClr>
-                </a:solidFill>
-                <a:effectLst/>
-                <a:uLnTx/>
-                <a:uFillTx/>
-                <a:latin typeface="Source Han Sans SC" panose="020B0500000000000000" pitchFamily="34" charset="-128"/>
-                <a:ea typeface="Source Han Sans SC" panose="020B0500000000000000" pitchFamily="34" charset="-128"/>
-                <a:sym typeface="FZHei-B01S" panose="02010601030101010101" pitchFamily="2" charset="-122"/>
-              </a:rPr>
-              <a:t>many </a:t>
-            </a:r>
+              <a:t>To be the Dapps Lego, Po once, showing anywhere. </a:t>
+            </a:r>
+            <a:endParaRPr lang="en-US" altLang="zh-CN"/>
+          </a:p>
+          <a:p>
             <a:r>
               <a:rPr lang="en-US" altLang="zh-CN"/>
-              <a:t>Entries, it will be much easier to launch. Especially fair exposure, so that small projects can be </a:t>
-            </a:r>
-            <a:r>
-              <a:rPr lang="en-US" altLang="zh-CN">
-                <a:sym typeface="+mn-ea"/>
-              </a:rPr>
-              <a:t>exposured</a:t>
-            </a:r>
+              <a:t>For user, the weakly voice can be exposured.</a:t>
+            </a:r>
+            <a:endParaRPr lang="en-US" altLang="zh-CN"/>
+          </a:p>
+          <a:p>
             <a:r>
               <a:rPr lang="en-US" altLang="zh-CN"/>
-              <a:t>. If you are a KOL, you are also welcome to introduce your project on Metapo. I believe that some interesting comments will come out, and then lots of comments will reply to these </a:t>
+              <a:t>For dapp, the small project can be exposured. </a:t>
+            </a:r>
+            <a:endParaRPr lang="en-US" altLang="zh-CN"/>
+          </a:p>
+          <a:p>
+            <a:r>
+              <a:rPr lang="en-US" altLang="zh-CN"/>
+              <a:t>If you are a KOL, you are also welcome to introduce your project on Metapo. </a:t>
+            </a:r>
+            <a:endParaRPr lang="en-US" altLang="zh-CN"/>
+          </a:p>
+          <a:p>
+            <a:r>
+              <a:rPr lang="en-US" altLang="zh-CN"/>
+              <a:t>I believe that some interesting comments will come out, </a:t>
+            </a:r>
+            <a:endParaRPr lang="en-US" altLang="zh-CN"/>
+          </a:p>
+          <a:p>
+            <a:r>
+              <a:rPr lang="en-US" altLang="zh-CN"/>
+              <a:t>and then lots of comments will reply to these </a:t>
             </a:r>
             <a:r>
               <a:rPr lang="en-US" altLang="zh-CN">
@@ -2262,7 +2631,22 @@
           <a:p>
             <a:r>
               <a:rPr lang="zh-CN" altLang="en-US"/>
-              <a:t>The technical architecture of Metapo consists of 4 parts. 1. Blockchain, we will build a chain with no gas fee</a:t>
+              <a:t>The technical </a:t>
+            </a:r>
+            <a:r>
+              <a:rPr lang="en-US" altLang="zh-CN"/>
+              <a:t>o</a:t>
+            </a:r>
+            <a:r>
+              <a:rPr lang="zh-CN" altLang="en-US"/>
+              <a:t>f Metapo consists of 4 parts. </a:t>
+            </a:r>
+            <a:endParaRPr lang="zh-CN" altLang="en-US"/>
+          </a:p>
+          <a:p>
+            <a:r>
+              <a:rPr lang="zh-CN" altLang="en-US"/>
+              <a:t>1. Blockchain, we will build a chain with no gas fee</a:t>
             </a:r>
             <a:r>
               <a:rPr lang="en-US" altLang="zh-CN"/>
@@ -2278,7 +2662,14 @@
             </a:r>
             <a:r>
               <a:rPr lang="zh-CN" altLang="en-US"/>
-              <a:t>; 2. Solidity, used for Entry NFT, </a:t>
+              <a:t>; </a:t>
+            </a:r>
+            <a:endParaRPr lang="zh-CN" altLang="en-US"/>
+          </a:p>
+          <a:p>
+            <a:r>
+              <a:rPr lang="zh-CN" altLang="en-US"/>
+              <a:t>2. Solidity, used for Entry NFT, </a:t>
             </a:r>
             <a:r>
               <a:rPr lang="en-US" altLang="zh-CN"/>
@@ -2286,7 +2677,21 @@
             </a:r>
             <a:r>
               <a:rPr lang="zh-CN" altLang="en-US"/>
-              <a:t>EVM wallet login; 3. Oracle, Get stabelcoin data from ETH\BSC\Polygon, and set to our chain; 4. RPC and backend, collect and process contract data.</a:t>
+              <a:t>EVM wallet login; </a:t>
+            </a:r>
+            <a:endParaRPr lang="zh-CN" altLang="en-US"/>
+          </a:p>
+          <a:p>
+            <a:r>
+              <a:rPr lang="zh-CN" altLang="en-US"/>
+              <a:t>3. Oracle, Get stabelcoin data from ETH\BSC\Polygon, and set to our chain; </a:t>
+            </a:r>
+            <a:endParaRPr lang="zh-CN" altLang="en-US"/>
+          </a:p>
+          <a:p>
+            <a:r>
+              <a:rPr lang="zh-CN" altLang="en-US"/>
+              <a:t>4. RPC and backend, collect and process contract data.</a:t>
             </a:r>
             <a:endParaRPr lang="zh-CN" altLang="en-US"/>
           </a:p>
@@ -2351,6 +2756,9 @@
               <a:rPr lang="zh-CN" altLang="en-US"/>
               <a:t>We plan to launch this year, </a:t>
             </a:r>
+            <a:endParaRPr lang="zh-CN" altLang="en-US"/>
+          </a:p>
+          <a:p>
             <a:r>
               <a:rPr lang="en-US" altLang="zh-CN"/>
               <a:t>season 1</a:t>
@@ -2365,7 +2773,22 @@
             </a:r>
             <a:r>
               <a:rPr lang="zh-CN" altLang="en-US"/>
-              <a:t>it is the POC stage, proof of concept; season </a:t>
+              <a:t>it is</a:t>
+            </a:r>
+            <a:r>
+              <a:rPr lang="en-US" altLang="zh-CN"/>
+              <a:t>,</a:t>
+            </a:r>
+            <a:r>
+              <a:rPr lang="zh-CN" altLang="en-US"/>
+              <a:t> the POC stage, proof of concept; </a:t>
+            </a:r>
+            <a:endParaRPr lang="zh-CN" altLang="en-US"/>
+          </a:p>
+          <a:p>
+            <a:r>
+              <a:rPr lang="zh-CN" altLang="en-US"/>
+              <a:t>season </a:t>
             </a:r>
             <a:r>
               <a:rPr lang="en-US" altLang="zh-CN"/>
@@ -2375,6 +2798,9 @@
               <a:rPr lang="zh-CN" altLang="en-US"/>
               <a:t> the development stage, and more developers are needed; </a:t>
             </a:r>
+            <a:endParaRPr lang="zh-CN" altLang="en-US"/>
+          </a:p>
+          <a:p>
             <a:r>
               <a:rPr lang="en-US" altLang="zh-CN"/>
               <a:t>season 3,</a:t>
@@ -2508,14 +2934,38 @@
           <a:p>
             <a:r>
               <a:rPr lang="zh-CN" altLang="en-US"/>
-              <a:t>众所周知，我们当下的Web2已经被巨头垄断，他们让互联网便利，然后，他们拥有了互联网。</a:t>
+              <a:t>众所周知，今天，互联网被寡头垄断。</a:t>
             </a:r>
             <a:endParaRPr lang="zh-CN" altLang="en-US"/>
           </a:p>
           <a:p>
             <a:r>
               <a:rPr lang="zh-CN" altLang="en-US"/>
-              <a:t>As we all know, our current Web2 has been monopolized by giants, they made the Internet convenient, and then they owned the Internet.</a:t>
+              <a:t>As we all know, </a:t>
+            </a:r>
+            <a:r>
+              <a:rPr lang="en-US" altLang="zh-CN"/>
+              <a:t>today,</a:t>
+            </a:r>
+            <a:r>
+              <a:rPr lang="zh-CN" altLang="en-US"/>
+              <a:t> </a:t>
+            </a:r>
+            <a:r>
+              <a:rPr lang="en-US" altLang="zh-CN"/>
+              <a:t>the internet is o</a:t>
+            </a:r>
+            <a:r>
+              <a:rPr lang="en-US">
+                <a:solidFill>
+                  <a:schemeClr val="accent1"/>
+                </a:solidFill>
+                <a:latin typeface="Source Han Sans CN" panose="020B0500000000000000" pitchFamily="34" charset="-128"/>
+                <a:ea typeface="Source Han Sans CN" panose="020B0500000000000000" pitchFamily="34" charset="-128"/>
+                <a:cs typeface="Lato"/>
+                <a:sym typeface="Lato"/>
+              </a:rPr>
+              <a:t>ligopoly.</a:t>
             </a:r>
             <a:endParaRPr lang="zh-CN" altLang="en-US"/>
           </a:p>
@@ -2563,14 +3013,61 @@
           <a:p>
             <a:r>
               <a:rPr lang="zh-CN" altLang="en-US"/>
-              <a:t>那么问题来了，2021年，twwiter暂时限制了伊朗最高领导人的账户，让他无法发声。Facebook和Instagram也删除了很多支持伊朗的言论，在这种情况下，我们听不到伊朗的声音。当前，俄罗斯也遭到了同样的待遇。今天是俄罗斯，明天可能就是你和我。这是问题的第一部分，没人听你。</a:t>
+              <a:t>那么问题来了，2021年，twwiter暂时限制了伊朗最高领导人的账户。Facebook和Instagram也删除了很多支持伊朗的言论，在这种情况下，我们听不到伊朗的声音。当前，俄罗斯也遭到了同样的待遇。今天是俄罗斯，明天可能就是你和我。这是问题的第一部分，没人听你。</a:t>
             </a:r>
             <a:endParaRPr lang="zh-CN" altLang="en-US"/>
           </a:p>
           <a:p>
             <a:r>
               <a:rPr lang="zh-CN" altLang="en-US"/>
-              <a:t>So here comes the problem. In 2021, twitter "temporarily restricts" Iran's highest leader account, so that it cannot vote. Facebook and Instagram have also removed many speech that supported Iran, and in that case, we don't hear Iran's voice. Russia is currently being treated the same way. Today is Russia, tomorrow may be you and me. This is part I of the problem, no one hears you.</a:t>
+              <a:t>So here comes the problem. </a:t>
+            </a:r>
+            <a:endParaRPr lang="zh-CN" altLang="en-US"/>
+          </a:p>
+          <a:p>
+            <a:r>
+              <a:rPr lang="zh-CN" altLang="en-US"/>
+              <a:t>In 2021, twitter </a:t>
+            </a:r>
+            <a:r>
+              <a:rPr lang="en-US" altLang="zh-CN"/>
+              <a:t>deleted</a:t>
+            </a:r>
+            <a:r>
+              <a:rPr lang="zh-CN" altLang="en-US"/>
+              <a:t> Iran's highest leader account</a:t>
+            </a:r>
+            <a:r>
+              <a:rPr lang="en-US" altLang="zh-CN"/>
+              <a:t>.</a:t>
+            </a:r>
+            <a:endParaRPr lang="en-US" altLang="zh-CN"/>
+          </a:p>
+          <a:p>
+            <a:r>
+              <a:rPr lang="zh-CN" altLang="en-US"/>
+              <a:t>Facebook and Instagram have also removed many speech that supported Iran, </a:t>
+            </a:r>
+            <a:endParaRPr lang="zh-CN" altLang="en-US"/>
+          </a:p>
+          <a:p>
+            <a:r>
+              <a:rPr lang="zh-CN" altLang="en-US"/>
+              <a:t>and in that case, we don't hear Iran's voice. </a:t>
+            </a:r>
+            <a:endParaRPr lang="zh-CN" altLang="en-US"/>
+          </a:p>
+          <a:p>
+            <a:r>
+              <a:rPr lang="zh-CN" altLang="en-US"/>
+              <a:t>Russia is currently being treated the same way. </a:t>
+            </a:r>
+            <a:endParaRPr lang="zh-CN" altLang="en-US"/>
+          </a:p>
+          <a:p>
+            <a:r>
+              <a:rPr lang="zh-CN" altLang="en-US"/>
+              <a:t>This is part I of the problem, no one hears you.</a:t>
             </a:r>
             <a:endParaRPr lang="zh-CN" altLang="en-US"/>
           </a:p>
@@ -2628,7 +3125,7 @@
           <a:p>
             <a:r>
               <a:rPr lang="en-US" altLang="zh-CN"/>
-              <a:t>Part II of the problem</a:t>
+              <a:t>The Part II of the problem</a:t>
             </a:r>
             <a:r>
               <a:rPr lang="zh-CN" altLang="en-US"/>
@@ -2636,19 +3133,76 @@
             </a:r>
             <a:r>
               <a:rPr lang="en-US" altLang="zh-CN"/>
-              <a:t>hear</a:t>
+              <a:t>hear the</a:t>
             </a:r>
             <a:r>
               <a:rPr lang="zh-CN" altLang="en-US"/>
-              <a:t> KOLs. This is a tweet from Musk that has been retweeted 91,000 times. He said that under the promotion of several of their KOLs, Dogecoin finally to the moon. This is the </a:t>
+              <a:t> KOLs. </a:t>
+            </a:r>
+            <a:endParaRPr lang="zh-CN" altLang="en-US"/>
+          </a:p>
+          <a:p>
+            <a:r>
+              <a:rPr lang="zh-CN" altLang="en-US"/>
+              <a:t>This is a tweet from </a:t>
             </a:r>
             <a:r>
               <a:rPr lang="en-US" altLang="zh-CN"/>
-              <a:t>hot</a:t>
+              <a:t>Elon</a:t>
             </a:r>
             <a:r>
               <a:rPr lang="zh-CN" altLang="en-US"/>
-              <a:t> on twitter, any insights? I don</a:t>
+              <a:t> Musk that has been retweeted </a:t>
+            </a:r>
+            <a:r>
+              <a:rPr lang="en-US" altLang="zh-CN"/>
+              <a:t>for </a:t>
+            </a:r>
+            <a:r>
+              <a:rPr lang="zh-CN" altLang="en-US"/>
+              <a:t>91,000 times. </a:t>
+            </a:r>
+            <a:endParaRPr lang="zh-CN" altLang="en-US"/>
+          </a:p>
+          <a:p>
+            <a:r>
+              <a:rPr lang="zh-CN" altLang="en-US"/>
+              <a:t>He said that </a:t>
+            </a:r>
+            <a:r>
+              <a:rPr lang="en-US" altLang="zh-CN"/>
+              <a:t>with </a:t>
+            </a:r>
+            <a:r>
+              <a:rPr lang="zh-CN" altLang="en-US"/>
+              <a:t>the </a:t>
+            </a:r>
+            <a:r>
+              <a:rPr lang="en-US" altLang="zh-CN"/>
+              <a:t>tweets </a:t>
+            </a:r>
+            <a:r>
+              <a:rPr lang="zh-CN" altLang="en-US"/>
+              <a:t>of KOL, Dogecoin finally to the moon. </a:t>
+            </a:r>
+            <a:endParaRPr lang="zh-CN" altLang="en-US"/>
+          </a:p>
+          <a:p>
+            <a:r>
+              <a:rPr lang="en-US" altLang="zh-CN"/>
+              <a:t>many peolpe have read it, </a:t>
+            </a:r>
+            <a:r>
+              <a:rPr lang="zh-CN" altLang="en-US"/>
+              <a:t>any</a:t>
+            </a:r>
+            <a:r>
+              <a:rPr lang="en-US" altLang="zh-CN"/>
+              <a:t>thing</a:t>
+            </a:r>
+            <a:r>
+              <a:rPr lang="zh-CN" altLang="en-US"/>
+              <a:t> insights? I don</a:t>
             </a:r>
             <a:r>
               <a:rPr lang="en-US" altLang="zh-CN"/>
@@ -2656,7 +3210,14 @@
             </a:r>
             <a:r>
               <a:rPr lang="zh-CN" altLang="en-US"/>
-              <a:t>t think so. In fact,  </a:t>
+              <a:t>t think so. </a:t>
+            </a:r>
+            <a:endParaRPr lang="zh-CN" altLang="en-US"/>
+          </a:p>
+          <a:p>
+            <a:r>
+              <a:rPr lang="zh-CN" altLang="en-US"/>
+              <a:t>In fact,  </a:t>
             </a:r>
             <a:r>
               <a:rPr lang="en-US" altLang="zh-CN" dirty="0">
@@ -2669,7 +3230,7 @@
                 <a:ea typeface="思源黑体 CN Normal" panose="020B0400000000000000" pitchFamily="34" charset="-122"/>
                 <a:sym typeface="FZHei-B01S" panose="02010601030101010101" pitchFamily="2" charset="-122"/>
               </a:rPr>
-              <a:t>what ever Elon say, each speech of Elon's will be read </a:t>
+              <a:t>what ever Elon said, each speech of Elon's would be read </a:t>
             </a:r>
             <a:r>
               <a:rPr lang="en-US" altLang="zh-CN" dirty="0">
@@ -2684,7 +3245,14 @@
             </a:r>
             <a:r>
               <a:rPr lang="zh-CN" altLang="en-US"/>
-              <a:t>, and </a:t>
+              <a:t>, </a:t>
+            </a:r>
+            <a:endParaRPr lang="zh-CN" altLang="en-US"/>
+          </a:p>
+          <a:p>
+            <a:r>
+              <a:rPr lang="zh-CN" altLang="en-US"/>
+              <a:t>and </a:t>
             </a:r>
             <a:r>
               <a:rPr lang="en-US" dirty="0">
@@ -2697,7 +3265,59 @@
                 <a:ea typeface="思源黑体 CN Normal" panose="020B0400000000000000" pitchFamily="34" charset="-122"/>
                 <a:sym typeface="FZHei-B01S" panose="02010601030101010101" pitchFamily="2" charset="-122"/>
               </a:rPr>
-              <a:t>what ever u say, each speech of yours will be read </a:t>
+              <a:t>what ever u </a:t>
+            </a:r>
+            <a:r>
+              <a:rPr lang="en-US" altLang="zh-CN" dirty="0">
+                <a:solidFill>
+                  <a:schemeClr val="bg1">
+                    <a:lumMod val="50000"/>
+                  </a:schemeClr>
+                </a:solidFill>
+                <a:latin typeface="思源黑体 CN Normal" panose="020B0400000000000000" pitchFamily="34" charset="-122"/>
+                <a:ea typeface="思源黑体 CN Normal" panose="020B0400000000000000" pitchFamily="34" charset="-122"/>
+                <a:sym typeface="FZHei-B01S" panose="02010601030101010101" pitchFamily="2" charset="-122"/>
+              </a:rPr>
+              <a:t>said</a:t>
+            </a:r>
+            <a:r>
+              <a:rPr lang="en-US" dirty="0">
+                <a:solidFill>
+                  <a:schemeClr val="bg1">
+                    <a:lumMod val="50000"/>
+                  </a:schemeClr>
+                </a:solidFill>
+                <a:latin typeface="思源黑体 CN Normal" panose="020B0400000000000000" pitchFamily="34" charset="-122"/>
+                <a:ea typeface="思源黑体 CN Normal" panose="020B0400000000000000" pitchFamily="34" charset="-122"/>
+                <a:sym typeface="FZHei-B01S" panose="02010601030101010101" pitchFamily="2" charset="-122"/>
+              </a:rPr>
+              <a:t>, each speech of yours </a:t>
+            </a:r>
+            <a:r>
+              <a:rPr lang="en-US" altLang="zh-CN" dirty="0">
+                <a:solidFill>
+                  <a:schemeClr val="bg1">
+                    <a:lumMod val="50000"/>
+                  </a:schemeClr>
+                </a:solidFill>
+                <a:latin typeface="思源黑体 CN Normal" panose="020B0400000000000000" pitchFamily="34" charset="-122"/>
+                <a:ea typeface="思源黑体 CN Normal" panose="020B0400000000000000" pitchFamily="34" charset="-122"/>
+                <a:sym typeface="FZHei-B01S" panose="02010601030101010101" pitchFamily="2" charset="-122"/>
+              </a:rPr>
+              <a:t>would </a:t>
+            </a:r>
+            <a:r>
+              <a:rPr lang="en-US" dirty="0">
+                <a:solidFill>
+                  <a:schemeClr val="bg1">
+                    <a:lumMod val="50000"/>
+                  </a:schemeClr>
+                </a:solidFill>
+                <a:latin typeface="思源黑体 CN Normal" panose="020B0400000000000000" pitchFamily="34" charset="-122"/>
+                <a:ea typeface="思源黑体 CN Normal" panose="020B0400000000000000" pitchFamily="34" charset="-122"/>
+                <a:sym typeface="FZHei-B01S" panose="02010601030101010101" pitchFamily="2" charset="-122"/>
+              </a:rPr>
+              <a:t>be read </a:t>
             </a:r>
             <a:r>
               <a:rPr lang="en-US" dirty="0">
@@ -2714,7 +3334,14 @@
             </a:r>
             <a:r>
               <a:rPr lang="zh-CN" altLang="en-US"/>
-              <a:t>. Yes, I'm talking about myself, and most people like me.</a:t>
+              <a:t>. </a:t>
+            </a:r>
+            <a:endParaRPr lang="zh-CN" altLang="en-US"/>
+          </a:p>
+          <a:p>
+            <a:r>
+              <a:rPr lang="zh-CN" altLang="en-US"/>
+              <a:t>Yes, I'm talking about myself, and most people like me.</a:t>
             </a:r>
             <a:endParaRPr lang="zh-CN" altLang="en-US"/>
           </a:p>
@@ -2826,7 +3453,7 @@
             </a:r>
             <a:r>
               <a:rPr lang="zh-CN" altLang="en-US"/>
-              <a:t>通证经济，其实，我们认为如果没有通证经济，</a:t>
+              <a:t>通证经济，其实，我们认为没有通证经济</a:t>
             </a:r>
             <a:r>
               <a:rPr lang="en-US" altLang="zh-CN"/>
@@ -2834,30 +3461,21 @@
             </a:r>
             <a:r>
               <a:rPr lang="zh-CN" altLang="en-US"/>
-              <a:t>就跑不下去的话，那就是有问题的。所以我们早期并没有发币计划，而是希望通过项目迭代，发现及解决潜在问题，让项目在没有代币的情况下也能跑下去。不过我们也支持建立在</a:t>
-            </a:r>
-            <a:r>
-              <a:rPr lang="en-US" altLang="zh-CN"/>
-              <a:t>Metapo</a:t>
-            </a:r>
+              <a:t>也应该能跑下去。所以我们早期并没有发币计划。</a:t>
+            </a:r>
+            <a:endParaRPr lang="zh-CN" altLang="en-US"/>
+          </a:p>
+          <a:p>
             <a:r>
               <a:rPr lang="zh-CN" altLang="en-US"/>
-              <a:t>之上的其他项目有他们的通证，即</a:t>
-            </a:r>
-            <a:r>
-              <a:rPr lang="en-US" altLang="zh-CN"/>
-              <a:t>SocialFI</a:t>
-            </a:r>
+              <a:t>So we need a Web3 social network, the world needs a Web3 social network. </a:t>
+            </a:r>
+            <a:endParaRPr lang="zh-CN" altLang="en-US"/>
+          </a:p>
+          <a:p>
             <a:r>
               <a:rPr lang="zh-CN" altLang="en-US"/>
-              <a:t>。</a:t>
-            </a:r>
-            <a:endParaRPr lang="zh-CN" altLang="en-US"/>
-          </a:p>
-          <a:p>
-            <a:r>
-              <a:rPr lang="zh-CN" altLang="en-US"/>
-              <a:t>So we need a Web3 social network, the world needs a Web3 social network. It should </a:t>
+              <a:t>It should </a:t>
             </a:r>
             <a:r>
               <a:rPr lang="en-US" altLang="zh-CN"/>
@@ -2865,7 +3483,14 @@
             </a:r>
             <a:r>
               <a:rPr lang="zh-CN" altLang="en-US"/>
-              <a:t>the following points: 1. Neither account nor content can be deleted</a:t>
+              <a:t>the following points: </a:t>
+            </a:r>
+            <a:endParaRPr lang="zh-CN" altLang="en-US"/>
+          </a:p>
+          <a:p>
+            <a:r>
+              <a:rPr lang="zh-CN" altLang="en-US"/>
+              <a:t>1. Neither account nor content can be deleted</a:t>
             </a:r>
             <a:r>
               <a:rPr lang="en-US" altLang="zh-CN"/>
@@ -2873,39 +3498,69 @@
             </a:r>
             <a:r>
               <a:rPr lang="zh-CN" altLang="en-US"/>
-              <a:t>should be recorded on the blockchain; 2. Every content </a:t>
+              <a:t>should be recorded on the blockchain; </a:t>
+            </a:r>
+            <a:endParaRPr lang="zh-CN" altLang="en-US"/>
+          </a:p>
+          <a:p>
+            <a:r>
+              <a:rPr lang="zh-CN" altLang="en-US"/>
+              <a:t>2. Every content </a:t>
             </a:r>
             <a:r>
               <a:rPr lang="en-US" altLang="zh-CN"/>
-              <a:t>has fair sxposure,</a:t>
+              <a:t>has fair exposure,</a:t>
             </a:r>
             <a:r>
               <a:rPr lang="zh-CN" altLang="en-US"/>
-              <a:t> we use smart contracts to achieve this; 3. Dapp Lego, SocialFI like DEFI; 4. Token economy, in fact, we think that if </a:t>
+              <a:t> we use smart contracts to achieve this; </a:t>
+            </a:r>
+            <a:endParaRPr lang="zh-CN" altLang="en-US"/>
+          </a:p>
+          <a:p>
+            <a:r>
+              <a:rPr lang="zh-CN" altLang="en-US"/>
+              <a:t>3. Dapp Lego, SocialFI </a:t>
             </a:r>
             <a:r>
               <a:rPr lang="en-US" altLang="zh-CN"/>
-              <a:t>without</a:t>
+              <a:t>as </a:t>
             </a:r>
             <a:r>
               <a:rPr lang="zh-CN" altLang="en-US"/>
-              <a:t> token economy, Metapo </a:t>
+              <a:t>DEFI; </a:t>
+            </a:r>
+            <a:endParaRPr lang="zh-CN" altLang="en-US"/>
+          </a:p>
+          <a:p>
+            <a:r>
+              <a:rPr lang="zh-CN" altLang="en-US"/>
+              <a:t>4. Token economy, in fact, we think that Metapo </a:t>
             </a:r>
             <a:r>
               <a:rPr lang="en-US" altLang="zh-CN"/>
-              <a:t>may fail,</a:t>
+              <a:t>should work well without token </a:t>
+            </a:r>
+            <a:r>
+              <a:rPr lang="zh-CN" altLang="en-US">
+                <a:sym typeface="+mn-ea"/>
+              </a:rPr>
+              <a:t>economy</a:t>
             </a:r>
             <a:r>
               <a:rPr lang="zh-CN" altLang="en-US"/>
-              <a:t> then there </a:t>
-            </a:r>
+              <a:t>. </a:t>
+            </a:r>
+            <a:endParaRPr lang="zh-CN" altLang="en-US"/>
+          </a:p>
+          <a:p>
             <a:r>
               <a:rPr lang="en-US" altLang="zh-CN"/>
-              <a:t>must be something wrong</a:t>
+              <a:t>So</a:t>
             </a:r>
             <a:r>
               <a:rPr lang="zh-CN" altLang="en-US"/>
-              <a:t>. Therefore, we did not plan </a:t>
+              <a:t>, we did not plan </a:t>
             </a:r>
             <a:r>
               <a:rPr lang="en-US" altLang="zh-CN"/>
@@ -2913,31 +3568,25 @@
             </a:r>
             <a:r>
               <a:rPr lang="zh-CN" altLang="en-US"/>
-              <a:t> in the early stage, but hoped to </a:t>
+              <a:t> </a:t>
+            </a:r>
+            <a:r>
+              <a:rPr lang="en-US"/>
+              <a:t>at present</a:t>
+            </a:r>
+            <a:r>
+              <a:rPr lang="zh-CN" altLang="en-US"/>
+              <a:t>. </a:t>
             </a:r>
             <a:r>
               <a:rPr lang="en-US" altLang="zh-CN"/>
-              <a:t>find </a:t>
-            </a:r>
-            <a:r>
-              <a:rPr lang="zh-CN" altLang="en-US"/>
-              <a:t>and solve potential problems through project iteration, so that the project can run without token </a:t>
-            </a:r>
-            <a:r>
-              <a:rPr lang="en-US" altLang="zh-CN"/>
-              <a:t>economy</a:t>
-            </a:r>
-            <a:r>
-              <a:rPr lang="zh-CN" altLang="en-US"/>
-              <a:t>. However, we also support other projects built on Metapo to have their token, </a:t>
-            </a:r>
-            <a:r>
-              <a:rPr lang="en-US" altLang="zh-CN"/>
-              <a:t>as </a:t>
-            </a:r>
-            <a:r>
-              <a:rPr lang="zh-CN" altLang="en-US"/>
-              <a:t>SocialFI.</a:t>
+              <a:t>but we hopes other dapps build token economy on Metapo, </a:t>
+            </a:r>
+            <a:r>
+              <a:rPr lang="en-US" altLang="zh-CN">
+                <a:sym typeface="+mn-ea"/>
+              </a:rPr>
+              <a:t>a little bit like uniswap and sushiswap.</a:t>
             </a:r>
             <a:endParaRPr lang="zh-CN" altLang="en-US"/>
           </a:p>
@@ -3032,7 +3681,14 @@
           <a:p>
             <a:r>
               <a:rPr lang="zh-CN" altLang="en-US"/>
-              <a:t>This is a preview of Metapo, the homepage </a:t>
+              <a:t>This is a preview of Metapo, </a:t>
+            </a:r>
+            <a:endParaRPr lang="zh-CN" altLang="en-US"/>
+          </a:p>
+          <a:p>
+            <a:r>
+              <a:rPr lang="zh-CN" altLang="en-US"/>
+              <a:t>the homepage </a:t>
             </a:r>
             <a:r>
               <a:rPr lang="en-US" altLang="zh-CN"/>
@@ -3040,7 +3696,21 @@
             </a:r>
             <a:r>
               <a:rPr lang="zh-CN" altLang="en-US"/>
-              <a:t> like google for searching posts. Each post is an NFT, minted by user, Mirror calls such a post an Entry, well, then we call it that too. The ranking </a:t>
+              <a:t> like google for searching posts. </a:t>
+            </a:r>
+            <a:endParaRPr lang="zh-CN" altLang="en-US"/>
+          </a:p>
+          <a:p>
+            <a:r>
+              <a:rPr lang="zh-CN" altLang="en-US"/>
+              <a:t>Each post is an NFT, minted by user, Mirror calls such a post an Entry, well, then we call it that too. </a:t>
+            </a:r>
+            <a:endParaRPr lang="zh-CN" altLang="en-US"/>
+          </a:p>
+          <a:p>
+            <a:r>
+              <a:rPr lang="zh-CN" altLang="en-US"/>
+              <a:t>The ranking </a:t>
             </a:r>
             <a:r>
               <a:rPr lang="en-US" altLang="zh-CN"/>
@@ -3058,6 +3728,9 @@
               <a:rPr lang="zh-CN" altLang="en-US"/>
               <a:t> value, </a:t>
             </a:r>
+            <a:endParaRPr lang="zh-CN" altLang="en-US"/>
+          </a:p>
+          <a:p>
             <a:r>
               <a:rPr lang="en-US" altLang="zh-CN"/>
               <a:t>Hot</a:t>
@@ -3090,6 +3763,9 @@
               <a:rPr lang="zh-CN" altLang="en-US"/>
               <a:t> is calculated in the smart contract, </a:t>
             </a:r>
+            <a:endParaRPr lang="zh-CN" altLang="en-US"/>
+          </a:p>
+          <a:p>
             <a:r>
               <a:rPr lang="en-US" altLang="zh-CN"/>
               <a:t>so </a:t>
@@ -3104,7 +3780,30 @@
             </a:r>
             <a:r>
               <a:rPr lang="zh-CN" altLang="en-US"/>
-              <a:t>is for the user to click the like button. I will introduce this algorithm in detail below.</a:t>
+              <a:t>is </a:t>
+            </a:r>
+            <a:r>
+              <a:rPr lang="en-US" altLang="zh-CN"/>
+              <a:t>pressing</a:t>
+            </a:r>
+            <a:r>
+              <a:rPr lang="zh-CN" altLang="en-US"/>
+              <a:t> the </a:t>
+            </a:r>
+            <a:r>
+              <a:rPr lang="en-US" altLang="zh-CN"/>
+              <a:t>L</a:t>
+            </a:r>
+            <a:r>
+              <a:rPr lang="zh-CN" altLang="en-US"/>
+              <a:t>ike button. </a:t>
+            </a:r>
+            <a:endParaRPr lang="zh-CN" altLang="en-US"/>
+          </a:p>
+          <a:p>
+            <a:r>
+              <a:rPr lang="zh-CN" altLang="en-US"/>
+              <a:t>I will introduce this algorithm in detail below.</a:t>
             </a:r>
             <a:endParaRPr lang="zh-CN" altLang="en-US"/>
           </a:p>
@@ -3168,7 +3867,31 @@
             </a:r>
             <a:r>
               <a:rPr lang="zh-CN" altLang="en-US"/>
-              <a:t>可以</a:t>
+              <a:t>可以评论其他</a:t>
+            </a:r>
+            <a:r>
+              <a:rPr lang="en-US" altLang="zh-CN"/>
+              <a:t>Entry</a:t>
+            </a:r>
+            <a:r>
+              <a:rPr lang="zh-CN" altLang="en-US"/>
+              <a:t>，这样，每个</a:t>
+            </a:r>
+            <a:r>
+              <a:rPr lang="en-US" altLang="zh-CN"/>
+              <a:t>Entry</a:t>
+            </a:r>
+            <a:r>
+              <a:rPr lang="zh-CN" altLang="en-US"/>
+              <a:t>都是对其他</a:t>
+            </a:r>
+            <a:r>
+              <a:rPr lang="en-US" altLang="zh-CN"/>
+              <a:t>Entry</a:t>
+            </a:r>
+            <a:r>
+              <a:rPr lang="zh-CN" altLang="en-US"/>
+              <a:t>的评论，如页面上方所示，你可以同时</a:t>
             </a:r>
             <a:r>
               <a:rPr lang="en-US" altLang="zh-CN"/>
@@ -3176,7 +3899,7 @@
             </a:r>
             <a:r>
               <a:rPr lang="zh-CN" altLang="en-US"/>
-              <a:t>其他</a:t>
+              <a:t>多个</a:t>
             </a:r>
             <a:r>
               <a:rPr lang="en-US" altLang="zh-CN"/>
@@ -3184,7 +3907,15 @@
             </a:r>
             <a:r>
               <a:rPr lang="zh-CN" altLang="en-US"/>
-              <a:t>，这样，每个</a:t>
+              <a:t>，即评论别人的评论。下方就是</a:t>
+            </a:r>
+            <a:r>
+              <a:rPr lang="en-US" altLang="zh-CN"/>
+              <a:t>@</a:t>
+            </a:r>
+            <a:r>
+              <a:rPr lang="zh-CN" altLang="en-US"/>
+              <a:t>了你这条</a:t>
             </a:r>
             <a:r>
               <a:rPr lang="en-US" altLang="zh-CN"/>
@@ -3192,7 +3923,7 @@
             </a:r>
             <a:r>
               <a:rPr lang="zh-CN" altLang="en-US"/>
-              <a:t>都是对其他</a:t>
+              <a:t>的其他</a:t>
             </a:r>
             <a:r>
               <a:rPr lang="en-US" altLang="zh-CN"/>
@@ -3200,15 +3931,7 @@
             </a:r>
             <a:r>
               <a:rPr lang="zh-CN" altLang="en-US"/>
-              <a:t>的评论，如页面上方所示，你可以同时</a:t>
-            </a:r>
-            <a:r>
-              <a:rPr lang="en-US" altLang="zh-CN"/>
-              <a:t>@</a:t>
-            </a:r>
-            <a:r>
-              <a:rPr lang="zh-CN" altLang="en-US"/>
-              <a:t>多个</a:t>
+              <a:t>，作为评论。如右图所示，我们得到了一个</a:t>
             </a:r>
             <a:r>
               <a:rPr lang="en-US" altLang="zh-CN"/>
@@ -3216,62 +3939,87 @@
             </a:r>
             <a:r>
               <a:rPr lang="zh-CN" altLang="en-US"/>
-              <a:t>，即评论别人的评论。下方就是</a:t>
+              <a:t>图，它很像圆桌会议或是高峰论坛，我们用内容之间的关联取代人之间关联，突出内容本身，那么问题来了，如何突出那些精彩的内容？</a:t>
+            </a:r>
+            <a:endParaRPr lang="zh-CN" altLang="en-US"/>
+          </a:p>
+          <a:p>
+            <a:r>
+              <a:rPr lang="zh-CN" altLang="en-US"/>
+              <a:t>This is the Entry page, </a:t>
+            </a:r>
+            <a:endParaRPr lang="zh-CN" altLang="en-US"/>
+          </a:p>
+          <a:p>
+            <a:r>
+              <a:rPr lang="zh-CN" altLang="en-US"/>
+              <a:t>Entry can </a:t>
             </a:r>
             <a:r>
               <a:rPr lang="en-US" altLang="zh-CN"/>
-              <a:t>@</a:t>
+              <a:t>comment</a:t>
             </a:r>
             <a:r>
               <a:rPr lang="zh-CN" altLang="en-US"/>
-              <a:t>了你这条</a:t>
+              <a:t> </a:t>
             </a:r>
             <a:r>
               <a:rPr lang="en-US" altLang="zh-CN"/>
-              <a:t>Entry</a:t>
+              <a:t>on </a:t>
             </a:r>
             <a:r>
               <a:rPr lang="zh-CN" altLang="en-US"/>
-              <a:t>的其他</a:t>
+              <a:t>other Entr</a:t>
             </a:r>
             <a:r>
               <a:rPr lang="en-US" altLang="zh-CN"/>
-              <a:t>Entry</a:t>
+              <a:t>ies.</a:t>
             </a:r>
             <a:r>
               <a:rPr lang="zh-CN" altLang="en-US"/>
-              <a:t>，作为评论。如右图所示，我们得到了一个</a:t>
+              <a:t> </a:t>
+            </a:r>
+            <a:endParaRPr lang="zh-CN" altLang="en-US"/>
+          </a:p>
+          <a:p>
+            <a:r>
+              <a:rPr lang="zh-CN" altLang="en-US"/>
+              <a:t>Below is the other Entr</a:t>
             </a:r>
             <a:r>
               <a:rPr lang="en-US" altLang="zh-CN"/>
-              <a:t>Entry</a:t>
+              <a:t>ies</a:t>
             </a:r>
             <a:r>
               <a:rPr lang="zh-CN" altLang="en-US"/>
-              <a:t>图，它很像圆桌会议或是高峰论坛，我们用内容之间的关联取代人之间关联，突出内容本身，那么问题来了，如何突出那些精彩的内容？</a:t>
+              <a:t> that </a:t>
+            </a:r>
+            <a:r>
+              <a:rPr lang="en-US" altLang="zh-CN"/>
+              <a:t>comment on </a:t>
+            </a:r>
+            <a:r>
+              <a:rPr lang="zh-CN" altLang="en-US"/>
+              <a:t>your </a:t>
+            </a:r>
+            <a:r>
+              <a:rPr lang="en-US" altLang="zh-CN"/>
+              <a:t>E</a:t>
+            </a:r>
+            <a:r>
+              <a:rPr lang="zh-CN" altLang="en-US"/>
+              <a:t>ntry. </a:t>
             </a:r>
             <a:endParaRPr lang="zh-CN" altLang="en-US"/>
           </a:p>
           <a:p>
             <a:r>
+              <a:rPr lang="en-US" altLang="zh-CN"/>
+              <a:t>So</a:t>
+            </a:r>
+            <a:r>
               <a:rPr lang="zh-CN" altLang="en-US"/>
-              <a:t>This is the Entry page, Entry can @ other Entry, in this way, each Entry is a comment on other Entry, as shown at the top of the page, you can @ multiple Entry at the same time, that is, comment on </a:t>
-            </a:r>
-            <a:r>
-              <a:rPr lang="en-US" altLang="zh-CN"/>
-              <a:t>other comments.</a:t>
-            </a:r>
-            <a:r>
-              <a:rPr lang="zh-CN" altLang="en-US"/>
-              <a:t> Below is the other Entry that @ your entry, as comment</a:t>
-            </a:r>
-            <a:r>
-              <a:rPr lang="en-US" altLang="zh-CN"/>
-              <a:t>s</a:t>
-            </a:r>
-            <a:r>
-              <a:rPr lang="zh-CN" altLang="en-US"/>
-              <a:t>. As shown on the right, we get a </a:t>
+              <a:t> we get a </a:t>
             </a:r>
             <a:r>
               <a:rPr lang="en-US" altLang="zh-CN"/>
@@ -3279,7 +4027,22 @@
             </a:r>
             <a:r>
               <a:rPr lang="zh-CN" altLang="en-US"/>
-              <a:t>, which is very similar to a roundtable or a summit forum. We </a:t>
+              <a:t>, which is very similar to a roundtable discussion </a:t>
+            </a:r>
+            <a:r>
+              <a:rPr lang="en-US" altLang="zh-CN"/>
+              <a:t>and</a:t>
+            </a:r>
+            <a:r>
+              <a:rPr lang="zh-CN" altLang="en-US"/>
+              <a:t> a summit forum. </a:t>
+            </a:r>
+            <a:endParaRPr lang="zh-CN" altLang="en-US"/>
+          </a:p>
+          <a:p>
+            <a:r>
+              <a:rPr lang="zh-CN" altLang="en-US"/>
+              <a:t>We </a:t>
             </a:r>
             <a:r>
               <a:rPr lang="en-US" altLang="zh-CN"/>
@@ -3319,7 +4082,18 @@
             </a:r>
             <a:r>
               <a:rPr lang="zh-CN" altLang="en-US"/>
-              <a:t> and highlight the content itself, then the question is, how to highlight those wonderful content</a:t>
+              <a:t> and highlight the content, </a:t>
+            </a:r>
+            <a:endParaRPr lang="zh-CN" altLang="en-US"/>
+          </a:p>
+          <a:p>
+            <a:r>
+              <a:rPr lang="en-US" altLang="zh-CN"/>
+              <a:t>so </a:t>
+            </a:r>
+            <a:r>
+              <a:rPr lang="zh-CN" altLang="en-US"/>
+              <a:t>the question is, how to highlight those wonderful content</a:t>
             </a:r>
             <a:r>
               <a:rPr lang="en-US" altLang="zh-CN"/>
@@ -3541,16 +4315,12 @@
           </a:p>
           <a:p>
             <a:r>
+              <a:rPr lang="en-US" altLang="zh-CN"/>
+              <a:t>W</a:t>
+            </a:r>
+            <a:r>
               <a:rPr lang="zh-CN" altLang="en-US"/>
-              <a:t>For example, I create 10,000 accounts, and all of them comment on one of my Entr</a:t>
-            </a:r>
-            <a:r>
-              <a:rPr lang="en-US" altLang="zh-CN"/>
-              <a:t>ies</a:t>
-            </a:r>
-            <a:r>
-              <a:rPr lang="zh-CN" altLang="en-US"/>
-              <a:t>, so is this entry of mine very popular? Of course not, we borrowed the </a:t>
+              <a:t>e borrowed the </a:t>
             </a:r>
             <a:r>
               <a:rPr lang="en-US" altLang="zh-CN"/>
@@ -3566,7 +4336,21 @@
             </a:r>
             <a:r>
               <a:rPr lang="zh-CN" altLang="en-US"/>
-              <a:t>in DEFI, and everyone voted with money! Just kidding, but very similar, we use the oracle to </a:t>
+              <a:t>in DEFI, </a:t>
+            </a:r>
+            <a:endParaRPr lang="zh-CN" altLang="en-US"/>
+          </a:p>
+          <a:p>
+            <a:r>
+              <a:rPr lang="zh-CN" altLang="en-US"/>
+              <a:t>and everyone voted with money! </a:t>
+            </a:r>
+            <a:endParaRPr lang="zh-CN" altLang="en-US"/>
+          </a:p>
+          <a:p>
+            <a:r>
+              <a:rPr lang="zh-CN" altLang="en-US"/>
+              <a:t>Just kidding, but very similar, we use the oracle to </a:t>
             </a:r>
             <a:r>
               <a:rPr lang="en-US" altLang="zh-CN"/>
@@ -3574,7 +4358,22 @@
             </a:r>
             <a:r>
               <a:rPr lang="zh-CN" altLang="en-US"/>
-              <a:t>the number of users' stablecoins to Metapo. For example, if you have 5</a:t>
+              <a:t>users' </a:t>
+            </a:r>
+            <a:r>
+              <a:rPr lang="en-US" altLang="zh-CN"/>
+              <a:t>money</a:t>
+            </a:r>
+            <a:r>
+              <a:rPr lang="zh-CN" altLang="en-US"/>
+              <a:t> to Metapo. </a:t>
+            </a:r>
+            <a:endParaRPr lang="zh-CN" altLang="en-US"/>
+          </a:p>
+          <a:p>
+            <a:r>
+              <a:rPr lang="zh-CN" altLang="en-US"/>
+              <a:t>For example, if you have 5</a:t>
             </a:r>
             <a:r>
               <a:rPr lang="en-US" altLang="zh-CN"/>
@@ -3582,7 +4381,7 @@
             </a:r>
             <a:r>
               <a:rPr lang="zh-CN" altLang="en-US"/>
-              <a:t>000 USDT in ETH and 5</a:t>
+              <a:t>000 USDT and 5</a:t>
             </a:r>
             <a:r>
               <a:rPr lang="en-US" altLang="zh-CN"/>
@@ -3590,15 +4389,23 @@
             </a:r>
             <a:r>
               <a:rPr lang="zh-CN" altLang="en-US"/>
-              <a:t>000 BU</a:t>
+              <a:t>000 </a:t>
+            </a:r>
+            <a:r>
+              <a:rPr lang="en-US"/>
+              <a:t>DAI</a:t>
+            </a:r>
+            <a:r>
+              <a:rPr lang="zh-CN" altLang="en-US"/>
+              <a:t>, then in Metapo, you </a:t>
             </a:r>
             <a:r>
               <a:rPr lang="en-US" altLang="zh-CN"/>
-              <a:t>S</a:t>
+              <a:t>got </a:t>
             </a:r>
             <a:r>
               <a:rPr lang="zh-CN" altLang="en-US"/>
-              <a:t>D in BSC, then in Metapo, you have 10</a:t>
+              <a:t>10</a:t>
             </a:r>
             <a:r>
               <a:rPr lang="en-US" altLang="zh-CN"/>
@@ -3606,15 +4413,22 @@
             </a:r>
             <a:r>
               <a:rPr lang="zh-CN" altLang="en-US"/>
-              <a:t>000 votes to vote, and </a:t>
+              <a:t>000 votes </a:t>
             </a:r>
             <a:r>
               <a:rPr lang="en-US" altLang="zh-CN"/>
-              <a:t>your money </a:t>
+              <a:t>to vote</a:t>
             </a:r>
             <a:r>
               <a:rPr lang="zh-CN" altLang="en-US"/>
-              <a:t>will not move at all. Suppose you </a:t>
+              <a:t>, </a:t>
+            </a:r>
+            <a:endParaRPr lang="zh-CN" altLang="en-US"/>
+          </a:p>
+          <a:p>
+            <a:r>
+              <a:rPr lang="zh-CN" altLang="en-US"/>
+              <a:t>you </a:t>
             </a:r>
             <a:r>
               <a:rPr lang="en-US" altLang="zh-CN"/>
@@ -3622,23 +4436,49 @@
             </a:r>
             <a:r>
               <a:rPr lang="zh-CN" altLang="en-US"/>
-              <a:t>10,000 for the correct Entry, </a:t>
+              <a:t>10,000 </a:t>
+            </a:r>
+            <a:r>
+              <a:rPr lang="en-US" altLang="zh-CN"/>
+              <a:t>to</a:t>
+            </a:r>
+            <a:r>
+              <a:rPr lang="zh-CN" altLang="en-US"/>
+              <a:t> </a:t>
+            </a:r>
+            <a:r>
+              <a:rPr lang="en-US" altLang="zh-CN"/>
+              <a:t>one </a:t>
+            </a:r>
+            <a:r>
+              <a:rPr lang="zh-CN" altLang="en-US"/>
+              <a:t>Entry, </a:t>
             </a:r>
             <a:r>
               <a:rPr lang="en-US" altLang="zh-CN"/>
               <a:t>the yellow one, </a:t>
             </a:r>
+            <a:endParaRPr lang="en-US" altLang="zh-CN"/>
+          </a:p>
+          <a:p>
             <a:r>
               <a:rPr lang="zh-CN" altLang="en-US"/>
               <a:t>then its </a:t>
             </a:r>
             <a:r>
               <a:rPr lang="en-US" altLang="zh-CN"/>
-              <a:t>@ </a:t>
+              <a:t>upper </a:t>
             </a:r>
             <a:r>
               <a:rPr lang="zh-CN" altLang="en-US"/>
-              <a:t>Entry will also increase the Hot, and increase </a:t>
+              <a:t>Entry will also increase the Hot, </a:t>
+            </a:r>
+            <a:endParaRPr lang="zh-CN" altLang="en-US"/>
+          </a:p>
+          <a:p>
+            <a:r>
+              <a:rPr lang="zh-CN" altLang="en-US"/>
+              <a:t>and increase </a:t>
             </a:r>
             <a:r>
               <a:rPr lang="en-US" altLang="zh-CN"/>
@@ -3646,7 +4486,29 @@
             </a:r>
             <a:r>
               <a:rPr lang="zh-CN" altLang="en-US"/>
-              <a:t>, but the increase value of the Hot is decreasing. We believe that if an Entry itself doesn't have many votes, but it brings in a lot of votes, then it's also valuable.</a:t>
+              <a:t>. </a:t>
+            </a:r>
+            <a:endParaRPr lang="zh-CN" altLang="en-US"/>
+          </a:p>
+          <a:p>
+            <a:r>
+              <a:rPr lang="zh-CN" altLang="en-US"/>
+              <a:t>We believe that if an Entry itself doesn't have </a:t>
+            </a:r>
+            <a:r>
+              <a:rPr lang="en-US" altLang="zh-CN"/>
+              <a:t>any </a:t>
+            </a:r>
+            <a:r>
+              <a:rPr lang="zh-CN" altLang="en-US"/>
+              <a:t>votes, </a:t>
+            </a:r>
+            <a:endParaRPr lang="zh-CN" altLang="en-US"/>
+          </a:p>
+          <a:p>
+            <a:r>
+              <a:rPr lang="zh-CN" altLang="en-US"/>
+              <a:t>but it brings in a lot of votes, then it's also valuable.</a:t>
             </a:r>
             <a:endParaRPr lang="zh-CN" altLang="en-US"/>
           </a:p>
@@ -3859,7 +4721,29 @@
               <a:rPr lang="zh-CN" altLang="en-US">
                 <a:sym typeface="+mn-ea"/>
               </a:rPr>
-              <a:t>According to the quadratic voting algorithm introduced by Vitalik, for 10,000 votes, take the quadratic root to get 100, so the </a:t>
+              <a:t>According to the quadratic voting algorithm introduced by Vitalik, </a:t>
+            </a:r>
+            <a:endParaRPr lang="zh-CN" altLang="en-US">
+              <a:sym typeface="+mn-ea"/>
+            </a:endParaRPr>
+          </a:p>
+          <a:p>
+            <a:r>
+              <a:rPr lang="zh-CN" altLang="en-US">
+                <a:sym typeface="+mn-ea"/>
+              </a:rPr>
+              <a:t>for 10,000 votes, take the square root to get 100, </a:t>
+            </a:r>
+            <a:endParaRPr lang="zh-CN" altLang="en-US">
+              <a:sym typeface="+mn-ea"/>
+            </a:endParaRPr>
+          </a:p>
+          <a:p>
+            <a:r>
+              <a:rPr lang="zh-CN" altLang="en-US">
+                <a:sym typeface="+mn-ea"/>
+              </a:rPr>
+              <a:t>so the </a:t>
             </a:r>
             <a:r>
               <a:rPr lang="en-US" altLang="zh-CN">
@@ -3871,7 +4755,18 @@
               <a:rPr lang="zh-CN" altLang="en-US">
                 <a:sym typeface="+mn-ea"/>
               </a:rPr>
-              <a:t>Hot increases by 100, above the </a:t>
+              <a:t>Hot increases by 100, </a:t>
+            </a:r>
+            <a:endParaRPr lang="zh-CN" altLang="en-US">
+              <a:sym typeface="+mn-ea"/>
+            </a:endParaRPr>
+          </a:p>
+          <a:p>
+            <a:r>
+              <a:rPr lang="zh-CN" altLang="en-US">
+                <a:sym typeface="+mn-ea"/>
+              </a:rPr>
+              <a:t>above the </a:t>
             </a:r>
             <a:r>
               <a:rPr lang="en-US" altLang="zh-CN">
@@ -3883,19 +4778,59 @@
               <a:rPr lang="zh-CN" altLang="en-US">
                 <a:sym typeface="+mn-ea"/>
               </a:rPr>
-              <a:t>, the Hot increases by 10, that is, the quadratic root of 100, and then goes up, Hot increased by 3.1, which is the </a:t>
+              <a:t>, the Hot increases by the root of 100</a:t>
+            </a:r>
+            <a:r>
+              <a:rPr lang="en-US" altLang="zh-CN">
+                <a:sym typeface="+mn-ea"/>
+              </a:rPr>
+              <a:t>, that is 10</a:t>
             </a:r>
             <a:r>
               <a:rPr lang="zh-CN" altLang="en-US">
                 <a:sym typeface="+mn-ea"/>
               </a:rPr>
-              <a:t>quadratic </a:t>
-            </a:r>
+              <a:t>, </a:t>
+            </a:r>
+            <a:endParaRPr lang="zh-CN" altLang="en-US">
+              <a:sym typeface="+mn-ea"/>
+            </a:endParaRPr>
+          </a:p>
+          <a:p>
             <a:r>
               <a:rPr lang="zh-CN" altLang="en-US">
                 <a:sym typeface="+mn-ea"/>
               </a:rPr>
-              <a:t>root of 10, and the top increased by 6.2 because there were two Entr</a:t>
+              <a:t>and then goes up, Hot increased by</a:t>
+            </a:r>
+            <a:r>
+              <a:rPr lang="zh-CN" altLang="en-US">
+                <a:sym typeface="+mn-ea"/>
+              </a:rPr>
+              <a:t> the root of 10</a:t>
+            </a:r>
+            <a:r>
+              <a:rPr lang="en-US" altLang="zh-CN">
+                <a:sym typeface="+mn-ea"/>
+              </a:rPr>
+              <a:t>, that is</a:t>
+            </a:r>
+            <a:r>
+              <a:rPr lang="zh-CN" altLang="en-US">
+                <a:sym typeface="+mn-ea"/>
+              </a:rPr>
+              <a:t> 3.1, </a:t>
+            </a:r>
+            <a:endParaRPr lang="zh-CN" altLang="en-US">
+              <a:sym typeface="+mn-ea"/>
+            </a:endParaRPr>
+          </a:p>
+          <a:p>
+            <a:r>
+              <a:rPr lang="zh-CN" altLang="en-US">
+                <a:sym typeface="+mn-ea"/>
+              </a:rPr>
+              <a:t>the top increased by 6.2 because there were two Entr</a:t>
             </a:r>
             <a:r>
               <a:rPr lang="en-US" altLang="zh-CN">
@@ -3907,103 +4842,35 @@
               <a:rPr lang="zh-CN" altLang="en-US">
                 <a:sym typeface="+mn-ea"/>
               </a:rPr>
-              <a:t> points to it. This is quadratic voting, which greatly weakens the influence of votes, balances the relationship between the number of people and the number of votes, and makes Hot </a:t>
-            </a:r>
+              <a:t> points to it. </a:t>
+            </a:r>
+            <a:endParaRPr lang="zh-CN" altLang="en-US">
+              <a:sym typeface="+mn-ea"/>
+            </a:endParaRPr>
+          </a:p>
+          <a:p>
             <a:r>
               <a:rPr lang="en-US" altLang="zh-CN">
                 <a:sym typeface="+mn-ea"/>
               </a:rPr>
-              <a:t>not </a:t>
+              <a:t>That </a:t>
             </a:r>
             <a:r>
               <a:rPr lang="zh-CN" altLang="en-US">
                 <a:sym typeface="+mn-ea"/>
               </a:rPr>
-              <a:t>easy to be controlled by </a:t>
-            </a:r>
-            <a:r>
-              <a:rPr lang="en-US" altLang="zh-CN">
-                <a:sym typeface="+mn-ea"/>
-              </a:rPr>
-              <a:t>the </a:t>
-            </a:r>
+              <a:t>is quadratic voting, </a:t>
+            </a:r>
+            <a:endParaRPr lang="zh-CN" altLang="en-US">
+              <a:sym typeface="+mn-ea"/>
+            </a:endParaRPr>
+          </a:p>
+          <a:p>
             <a:r>
               <a:rPr lang="zh-CN" altLang="en-US">
                 <a:sym typeface="+mn-ea"/>
               </a:rPr>
-              <a:t>whales, and it </a:t>
-            </a:r>
-            <a:r>
-              <a:rPr lang="en-US" altLang="zh-CN">
-                <a:sym typeface="+mn-ea"/>
-              </a:rPr>
-              <a:t>canno</a:t>
-            </a:r>
-            <a:r>
-              <a:rPr lang="zh-CN" altLang="en-US">
-                <a:sym typeface="+mn-ea"/>
-              </a:rPr>
-              <a:t>t be controlled by alt</a:t>
-            </a:r>
-            <a:r>
-              <a:rPr lang="en-US" altLang="zh-CN">
-                <a:sym typeface="+mn-ea"/>
-              </a:rPr>
-              <a:t>s of one person</a:t>
-            </a:r>
-            <a:r>
-              <a:rPr lang="zh-CN" altLang="en-US">
-                <a:sym typeface="+mn-ea"/>
-              </a:rPr>
-              <a:t>. On this basis, interesting things may be developed, such as token economy</a:t>
-            </a:r>
-            <a:r>
-              <a:rPr lang="en-US" altLang="zh-CN">
-                <a:sym typeface="+mn-ea"/>
-              </a:rPr>
-              <a:t>, </a:t>
-            </a:r>
-            <a:r>
-              <a:rPr lang="zh-CN" altLang="en-US">
-                <a:sym typeface="+mn-ea"/>
-              </a:rPr>
-              <a:t>writing as mining, but as I said at the beginning, Metapo has no </a:t>
-            </a:r>
-            <a:r>
-              <a:rPr lang="en-US" altLang="zh-CN">
-                <a:sym typeface="+mn-ea"/>
-              </a:rPr>
-              <a:t>token </a:t>
-            </a:r>
-            <a:r>
-              <a:rPr lang="zh-CN" altLang="en-US">
-                <a:sym typeface="+mn-ea"/>
-              </a:rPr>
-              <a:t>plan </a:t>
-            </a:r>
-            <a:r>
-              <a:rPr lang="en-US" altLang="zh-CN">
-                <a:sym typeface="+mn-ea"/>
-              </a:rPr>
-              <a:t>at present</a:t>
-            </a:r>
-            <a:r>
-              <a:rPr lang="zh-CN" altLang="en-US">
-                <a:sym typeface="+mn-ea"/>
-              </a:rPr>
-              <a:t>, </a:t>
-            </a:r>
-            <a:r>
-              <a:rPr lang="en-US" altLang="zh-CN">
-                <a:sym typeface="+mn-ea"/>
-              </a:rPr>
-              <a:t>but</a:t>
-            </a:r>
-            <a:r>
-              <a:rPr lang="zh-CN" altLang="en-US">
-                <a:sym typeface="+mn-ea"/>
-              </a:rPr>
-              <a:t> other projects built on Metapo can do so.</a:t>
+              <a:t>which weakens the influence of votes, balances the relationship between the number of people and the number of votes.</a:t>
             </a:r>
             <a:endParaRPr lang="zh-CN" altLang="en-US">
               <a:sym typeface="+mn-ea"/>
@@ -4044,6 +4911,9 @@
           </p:cNvSpPr>
           <p:nvPr>
             <p:ph type="ctrTitle"/>
+            <p:custDataLst>
+              <p:tags r:id="rId2"/>
+            </p:custDataLst>
           </p:nvPr>
         </p:nvSpPr>
         <p:spPr>
@@ -4076,6 +4946,9 @@
           </p:cNvSpPr>
           <p:nvPr>
             <p:ph type="subTitle" idx="1"/>
+            <p:custDataLst>
+              <p:tags r:id="rId3"/>
+            </p:custDataLst>
           </p:nvPr>
         </p:nvSpPr>
         <p:spPr>
@@ -4141,6 +5014,9 @@
           </p:cNvSpPr>
           <p:nvPr>
             <p:ph type="dt" sz="half" idx="10"/>
+            <p:custDataLst>
+              <p:tags r:id="rId4"/>
+            </p:custDataLst>
           </p:nvPr>
         </p:nvSpPr>
         <p:spPr/>
@@ -4163,6 +5039,9 @@
           </p:cNvSpPr>
           <p:nvPr>
             <p:ph type="ftr" sz="quarter" idx="11"/>
+            <p:custDataLst>
+              <p:tags r:id="rId5"/>
+            </p:custDataLst>
           </p:nvPr>
         </p:nvSpPr>
         <p:spPr/>
@@ -4182,6 +5061,9 @@
           </p:cNvSpPr>
           <p:nvPr>
             <p:ph type="sldNum" sz="quarter" idx="12"/>
+            <p:custDataLst>
+              <p:tags r:id="rId6"/>
+            </p:custDataLst>
           </p:nvPr>
         </p:nvSpPr>
         <p:spPr/>
@@ -4378,6 +5260,9 @@
           </p:cNvSpPr>
           <p:nvPr>
             <p:ph type="ctrTitle"/>
+            <p:custDataLst>
+              <p:tags r:id="rId2"/>
+            </p:custDataLst>
           </p:nvPr>
         </p:nvSpPr>
         <p:spPr>
@@ -4410,6 +5295,9 @@
           </p:cNvSpPr>
           <p:nvPr>
             <p:ph type="subTitle" idx="1"/>
+            <p:custDataLst>
+              <p:tags r:id="rId3"/>
+            </p:custDataLst>
           </p:nvPr>
         </p:nvSpPr>
         <p:spPr>
@@ -4475,6 +5363,9 @@
           </p:cNvSpPr>
           <p:nvPr>
             <p:ph type="dt" sz="half" idx="10"/>
+            <p:custDataLst>
+              <p:tags r:id="rId4"/>
+            </p:custDataLst>
           </p:nvPr>
         </p:nvSpPr>
         <p:spPr/>
@@ -4497,6 +5388,9 @@
           </p:cNvSpPr>
           <p:nvPr>
             <p:ph type="ftr" sz="quarter" idx="11"/>
+            <p:custDataLst>
+              <p:tags r:id="rId5"/>
+            </p:custDataLst>
           </p:nvPr>
         </p:nvSpPr>
         <p:spPr/>
@@ -4516,6 +5410,9 @@
           </p:cNvSpPr>
           <p:nvPr>
             <p:ph type="sldNum" sz="quarter" idx="12"/>
+            <p:custDataLst>
+              <p:tags r:id="rId6"/>
+            </p:custDataLst>
           </p:nvPr>
         </p:nvSpPr>
         <p:spPr/>
@@ -4563,6 +5460,9 @@
           </p:cNvSpPr>
           <p:nvPr>
             <p:ph type="title"/>
+            <p:custDataLst>
+              <p:tags r:id="rId2"/>
+            </p:custDataLst>
           </p:nvPr>
         </p:nvSpPr>
         <p:spPr/>
@@ -4586,6 +5486,9 @@
           </p:cNvSpPr>
           <p:nvPr>
             <p:ph idx="1"/>
+            <p:custDataLst>
+              <p:tags r:id="rId3"/>
+            </p:custDataLst>
           </p:nvPr>
         </p:nvSpPr>
         <p:spPr/>
@@ -4642,6 +5545,9 @@
           </p:cNvSpPr>
           <p:nvPr>
             <p:ph type="dt" sz="half" idx="10"/>
+            <p:custDataLst>
+              <p:tags r:id="rId4"/>
+            </p:custDataLst>
           </p:nvPr>
         </p:nvSpPr>
         <p:spPr/>
@@ -4664,6 +5570,9 @@
           </p:cNvSpPr>
           <p:nvPr>
             <p:ph type="ftr" sz="quarter" idx="11"/>
+            <p:custDataLst>
+              <p:tags r:id="rId5"/>
+            </p:custDataLst>
           </p:nvPr>
         </p:nvSpPr>
         <p:spPr/>
@@ -4683,6 +5592,9 @@
           </p:cNvSpPr>
           <p:nvPr>
             <p:ph type="sldNum" sz="quarter" idx="12"/>
+            <p:custDataLst>
+              <p:tags r:id="rId6"/>
+            </p:custDataLst>
           </p:nvPr>
         </p:nvSpPr>
         <p:spPr/>
@@ -4730,6 +5642,9 @@
           </p:cNvSpPr>
           <p:nvPr>
             <p:ph type="title"/>
+            <p:custDataLst>
+              <p:tags r:id="rId2"/>
+            </p:custDataLst>
           </p:nvPr>
         </p:nvSpPr>
         <p:spPr>
@@ -4762,6 +5677,9 @@
           </p:cNvSpPr>
           <p:nvPr>
             <p:ph type="body" idx="1"/>
+            <p:custDataLst>
+              <p:tags r:id="rId3"/>
+            </p:custDataLst>
           </p:nvPr>
         </p:nvSpPr>
         <p:spPr>
@@ -4882,6 +5800,9 @@
           </p:cNvSpPr>
           <p:nvPr>
             <p:ph type="dt" sz="half" idx="10"/>
+            <p:custDataLst>
+              <p:tags r:id="rId4"/>
+            </p:custDataLst>
           </p:nvPr>
         </p:nvSpPr>
         <p:spPr/>
@@ -4904,6 +5825,9 @@
           </p:cNvSpPr>
           <p:nvPr>
             <p:ph type="ftr" sz="quarter" idx="11"/>
+            <p:custDataLst>
+              <p:tags r:id="rId5"/>
+            </p:custDataLst>
           </p:nvPr>
         </p:nvSpPr>
         <p:spPr/>
@@ -4923,6 +5847,9 @@
           </p:cNvSpPr>
           <p:nvPr>
             <p:ph type="sldNum" sz="quarter" idx="12"/>
+            <p:custDataLst>
+              <p:tags r:id="rId6"/>
+            </p:custDataLst>
           </p:nvPr>
         </p:nvSpPr>
         <p:spPr/>
@@ -4970,6 +5897,9 @@
           </p:cNvSpPr>
           <p:nvPr>
             <p:ph type="title"/>
+            <p:custDataLst>
+              <p:tags r:id="rId2"/>
+            </p:custDataLst>
           </p:nvPr>
         </p:nvSpPr>
         <p:spPr/>
@@ -4993,6 +5923,9 @@
           </p:cNvSpPr>
           <p:nvPr>
             <p:ph sz="half" idx="1"/>
+            <p:custDataLst>
+              <p:tags r:id="rId3"/>
+            </p:custDataLst>
           </p:nvPr>
         </p:nvSpPr>
         <p:spPr>
@@ -5054,6 +5987,9 @@
           </p:cNvSpPr>
           <p:nvPr>
             <p:ph sz="half" idx="2"/>
+            <p:custDataLst>
+              <p:tags r:id="rId4"/>
+            </p:custDataLst>
           </p:nvPr>
         </p:nvSpPr>
         <p:spPr>
@@ -5115,6 +6051,9 @@
           </p:cNvSpPr>
           <p:nvPr>
             <p:ph type="dt" sz="half" idx="10"/>
+            <p:custDataLst>
+              <p:tags r:id="rId5"/>
+            </p:custDataLst>
           </p:nvPr>
         </p:nvSpPr>
         <p:spPr/>
@@ -5137,6 +6076,9 @@
           </p:cNvSpPr>
           <p:nvPr>
             <p:ph type="ftr" sz="quarter" idx="11"/>
+            <p:custDataLst>
+              <p:tags r:id="rId6"/>
+            </p:custDataLst>
           </p:nvPr>
         </p:nvSpPr>
         <p:spPr/>
@@ -5156,6 +6098,9 @@
           </p:cNvSpPr>
           <p:nvPr>
             <p:ph type="sldNum" sz="quarter" idx="12"/>
+            <p:custDataLst>
+              <p:tags r:id="rId7"/>
+            </p:custDataLst>
           </p:nvPr>
         </p:nvSpPr>
         <p:spPr/>
@@ -5203,6 +6148,9 @@
           </p:cNvSpPr>
           <p:nvPr>
             <p:ph type="title"/>
+            <p:custDataLst>
+              <p:tags r:id="rId2"/>
+            </p:custDataLst>
           </p:nvPr>
         </p:nvSpPr>
         <p:spPr>
@@ -5231,6 +6179,9 @@
           </p:cNvSpPr>
           <p:nvPr>
             <p:ph type="body" idx="1"/>
+            <p:custDataLst>
+              <p:tags r:id="rId3"/>
+            </p:custDataLst>
           </p:nvPr>
         </p:nvSpPr>
         <p:spPr>
@@ -5297,6 +6248,9 @@
           </p:cNvSpPr>
           <p:nvPr>
             <p:ph sz="half" idx="2"/>
+            <p:custDataLst>
+              <p:tags r:id="rId4"/>
+            </p:custDataLst>
           </p:nvPr>
         </p:nvSpPr>
         <p:spPr>
@@ -5358,6 +6312,9 @@
           </p:cNvSpPr>
           <p:nvPr>
             <p:ph type="body" sz="quarter" idx="3"/>
+            <p:custDataLst>
+              <p:tags r:id="rId5"/>
+            </p:custDataLst>
           </p:nvPr>
         </p:nvSpPr>
         <p:spPr>
@@ -5424,6 +6381,9 @@
           </p:cNvSpPr>
           <p:nvPr>
             <p:ph sz="quarter" idx="4"/>
+            <p:custDataLst>
+              <p:tags r:id="rId6"/>
+            </p:custDataLst>
           </p:nvPr>
         </p:nvSpPr>
         <p:spPr>
@@ -5485,6 +6445,9 @@
           </p:cNvSpPr>
           <p:nvPr>
             <p:ph type="dt" sz="half" idx="10"/>
+            <p:custDataLst>
+              <p:tags r:id="rId7"/>
+            </p:custDataLst>
           </p:nvPr>
         </p:nvSpPr>
         <p:spPr/>
@@ -5507,6 +6470,9 @@
           </p:cNvSpPr>
           <p:nvPr>
             <p:ph type="ftr" sz="quarter" idx="11"/>
+            <p:custDataLst>
+              <p:tags r:id="rId8"/>
+            </p:custDataLst>
           </p:nvPr>
         </p:nvSpPr>
         <p:spPr/>
@@ -5526,6 +6492,9 @@
           </p:cNvSpPr>
           <p:nvPr>
             <p:ph type="sldNum" sz="quarter" idx="12"/>
+            <p:custDataLst>
+              <p:tags r:id="rId9"/>
+            </p:custDataLst>
           </p:nvPr>
         </p:nvSpPr>
         <p:spPr/>
@@ -5573,6 +6542,9 @@
           </p:cNvSpPr>
           <p:nvPr>
             <p:ph type="title"/>
+            <p:custDataLst>
+              <p:tags r:id="rId2"/>
+            </p:custDataLst>
           </p:nvPr>
         </p:nvSpPr>
         <p:spPr/>
@@ -5596,6 +6568,9 @@
           </p:cNvSpPr>
           <p:nvPr>
             <p:ph type="dt" sz="half" idx="10"/>
+            <p:custDataLst>
+              <p:tags r:id="rId3"/>
+            </p:custDataLst>
           </p:nvPr>
         </p:nvSpPr>
         <p:spPr/>
@@ -5618,6 +6593,9 @@
           </p:cNvSpPr>
           <p:nvPr>
             <p:ph type="ftr" sz="quarter" idx="11"/>
+            <p:custDataLst>
+              <p:tags r:id="rId4"/>
+            </p:custDataLst>
           </p:nvPr>
         </p:nvSpPr>
         <p:spPr/>
@@ -5637,6 +6615,9 @@
           </p:cNvSpPr>
           <p:nvPr>
             <p:ph type="sldNum" sz="quarter" idx="12"/>
+            <p:custDataLst>
+              <p:tags r:id="rId5"/>
+            </p:custDataLst>
           </p:nvPr>
         </p:nvSpPr>
         <p:spPr/>
@@ -5684,6 +6665,9 @@
           </p:cNvSpPr>
           <p:nvPr>
             <p:ph type="dt" sz="half" idx="10"/>
+            <p:custDataLst>
+              <p:tags r:id="rId2"/>
+            </p:custDataLst>
           </p:nvPr>
         </p:nvSpPr>
         <p:spPr/>
@@ -5706,6 +6690,9 @@
           </p:cNvSpPr>
           <p:nvPr>
             <p:ph type="ftr" sz="quarter" idx="11"/>
+            <p:custDataLst>
+              <p:tags r:id="rId3"/>
+            </p:custDataLst>
           </p:nvPr>
         </p:nvSpPr>
         <p:spPr/>
@@ -5725,6 +6712,9 @@
           </p:cNvSpPr>
           <p:nvPr>
             <p:ph type="sldNum" sz="quarter" idx="12"/>
+            <p:custDataLst>
+              <p:tags r:id="rId4"/>
+            </p:custDataLst>
           </p:nvPr>
         </p:nvSpPr>
         <p:spPr/>
@@ -5772,6 +6762,9 @@
           </p:cNvSpPr>
           <p:nvPr>
             <p:ph type="title"/>
+            <p:custDataLst>
+              <p:tags r:id="rId2"/>
+            </p:custDataLst>
           </p:nvPr>
         </p:nvSpPr>
         <p:spPr>
@@ -5804,6 +6797,9 @@
           </p:cNvSpPr>
           <p:nvPr>
             <p:ph idx="1"/>
+            <p:custDataLst>
+              <p:tags r:id="rId3"/>
+            </p:custDataLst>
           </p:nvPr>
         </p:nvSpPr>
         <p:spPr>
@@ -5893,6 +6889,9 @@
           </p:cNvSpPr>
           <p:nvPr>
             <p:ph type="body" sz="half" idx="2"/>
+            <p:custDataLst>
+              <p:tags r:id="rId4"/>
+            </p:custDataLst>
           </p:nvPr>
         </p:nvSpPr>
         <p:spPr>
@@ -5959,6 +6958,9 @@
           </p:cNvSpPr>
           <p:nvPr>
             <p:ph type="dt" sz="half" idx="10"/>
+            <p:custDataLst>
+              <p:tags r:id="rId5"/>
+            </p:custDataLst>
           </p:nvPr>
         </p:nvSpPr>
         <p:spPr/>
@@ -5981,6 +6983,9 @@
           </p:cNvSpPr>
           <p:nvPr>
             <p:ph type="ftr" sz="quarter" idx="11"/>
+            <p:custDataLst>
+              <p:tags r:id="rId6"/>
+            </p:custDataLst>
           </p:nvPr>
         </p:nvSpPr>
         <p:spPr/>
@@ -6000,6 +7005,9 @@
           </p:cNvSpPr>
           <p:nvPr>
             <p:ph type="sldNum" sz="quarter" idx="12"/>
+            <p:custDataLst>
+              <p:tags r:id="rId7"/>
+            </p:custDataLst>
           </p:nvPr>
         </p:nvSpPr>
         <p:spPr/>
@@ -6047,6 +7055,9 @@
           </p:cNvSpPr>
           <p:nvPr>
             <p:ph type="title"/>
+            <p:custDataLst>
+              <p:tags r:id="rId2"/>
+            </p:custDataLst>
           </p:nvPr>
         </p:nvSpPr>
         <p:spPr>
@@ -6079,6 +7090,9 @@
           </p:cNvSpPr>
           <p:nvPr>
             <p:ph type="pic" idx="1"/>
+            <p:custDataLst>
+              <p:tags r:id="rId3"/>
+            </p:custDataLst>
           </p:nvPr>
         </p:nvSpPr>
         <p:spPr>
@@ -6140,6 +7154,9 @@
           </p:cNvSpPr>
           <p:nvPr>
             <p:ph type="body" sz="half" idx="2"/>
+            <p:custDataLst>
+              <p:tags r:id="rId4"/>
+            </p:custDataLst>
           </p:nvPr>
         </p:nvSpPr>
         <p:spPr>
@@ -6206,6 +7223,9 @@
           </p:cNvSpPr>
           <p:nvPr>
             <p:ph type="dt" sz="half" idx="10"/>
+            <p:custDataLst>
+              <p:tags r:id="rId5"/>
+            </p:custDataLst>
           </p:nvPr>
         </p:nvSpPr>
         <p:spPr/>
@@ -6228,6 +7248,9 @@
           </p:cNvSpPr>
           <p:nvPr>
             <p:ph type="ftr" sz="quarter" idx="11"/>
+            <p:custDataLst>
+              <p:tags r:id="rId6"/>
+            </p:custDataLst>
           </p:nvPr>
         </p:nvSpPr>
         <p:spPr/>
@@ -6247,6 +7270,9 @@
           </p:cNvSpPr>
           <p:nvPr>
             <p:ph type="sldNum" sz="quarter" idx="12"/>
+            <p:custDataLst>
+              <p:tags r:id="rId7"/>
+            </p:custDataLst>
           </p:nvPr>
         </p:nvSpPr>
         <p:spPr/>
@@ -6294,6 +7320,9 @@
           </p:cNvSpPr>
           <p:nvPr>
             <p:ph type="title"/>
+            <p:custDataLst>
+              <p:tags r:id="rId2"/>
+            </p:custDataLst>
           </p:nvPr>
         </p:nvSpPr>
         <p:spPr/>
@@ -6317,6 +7346,9 @@
           </p:cNvSpPr>
           <p:nvPr>
             <p:ph idx="1"/>
+            <p:custDataLst>
+              <p:tags r:id="rId3"/>
+            </p:custDataLst>
           </p:nvPr>
         </p:nvSpPr>
         <p:spPr/>
@@ -6373,6 +7405,9 @@
           </p:cNvSpPr>
           <p:nvPr>
             <p:ph type="dt" sz="half" idx="10"/>
+            <p:custDataLst>
+              <p:tags r:id="rId4"/>
+            </p:custDataLst>
           </p:nvPr>
         </p:nvSpPr>
         <p:spPr/>
@@ -6395,6 +7430,9 @@
           </p:cNvSpPr>
           <p:nvPr>
             <p:ph type="ftr" sz="quarter" idx="11"/>
+            <p:custDataLst>
+              <p:tags r:id="rId5"/>
+            </p:custDataLst>
           </p:nvPr>
         </p:nvSpPr>
         <p:spPr/>
@@ -6414,6 +7452,9 @@
           </p:cNvSpPr>
           <p:nvPr>
             <p:ph type="sldNum" sz="quarter" idx="12"/>
+            <p:custDataLst>
+              <p:tags r:id="rId6"/>
+            </p:custDataLst>
           </p:nvPr>
         </p:nvSpPr>
         <p:spPr/>
@@ -6461,6 +7502,9 @@
           </p:cNvSpPr>
           <p:nvPr>
             <p:ph type="title"/>
+            <p:custDataLst>
+              <p:tags r:id="rId2"/>
+            </p:custDataLst>
           </p:nvPr>
         </p:nvSpPr>
         <p:spPr/>
@@ -6484,6 +7528,9 @@
           </p:cNvSpPr>
           <p:nvPr>
             <p:ph type="body" orient="vert" idx="1"/>
+            <p:custDataLst>
+              <p:tags r:id="rId3"/>
+            </p:custDataLst>
           </p:nvPr>
         </p:nvSpPr>
         <p:spPr/>
@@ -6540,6 +7587,9 @@
           </p:cNvSpPr>
           <p:nvPr>
             <p:ph type="dt" sz="half" idx="10"/>
+            <p:custDataLst>
+              <p:tags r:id="rId4"/>
+            </p:custDataLst>
           </p:nvPr>
         </p:nvSpPr>
         <p:spPr/>
@@ -6562,6 +7612,9 @@
           </p:cNvSpPr>
           <p:nvPr>
             <p:ph type="ftr" sz="quarter" idx="11"/>
+            <p:custDataLst>
+              <p:tags r:id="rId5"/>
+            </p:custDataLst>
           </p:nvPr>
         </p:nvSpPr>
         <p:spPr/>
@@ -6581,6 +7634,9 @@
           </p:cNvSpPr>
           <p:nvPr>
             <p:ph type="sldNum" sz="quarter" idx="12"/>
+            <p:custDataLst>
+              <p:tags r:id="rId6"/>
+            </p:custDataLst>
           </p:nvPr>
         </p:nvSpPr>
         <p:spPr/>
@@ -6805,6 +7861,9 @@
           </p:cNvSpPr>
           <p:nvPr>
             <p:ph type="title"/>
+            <p:custDataLst>
+              <p:tags r:id="rId2"/>
+            </p:custDataLst>
           </p:nvPr>
         </p:nvSpPr>
         <p:spPr>
@@ -6837,6 +7896,9 @@
           </p:cNvSpPr>
           <p:nvPr>
             <p:ph type="body" idx="1"/>
+            <p:custDataLst>
+              <p:tags r:id="rId3"/>
+            </p:custDataLst>
           </p:nvPr>
         </p:nvSpPr>
         <p:spPr>
@@ -6957,6 +8019,9 @@
           </p:cNvSpPr>
           <p:nvPr>
             <p:ph type="dt" sz="half" idx="10"/>
+            <p:custDataLst>
+              <p:tags r:id="rId4"/>
+            </p:custDataLst>
           </p:nvPr>
         </p:nvSpPr>
         <p:spPr/>
@@ -6979,6 +8044,9 @@
           </p:cNvSpPr>
           <p:nvPr>
             <p:ph type="ftr" sz="quarter" idx="11"/>
+            <p:custDataLst>
+              <p:tags r:id="rId5"/>
+            </p:custDataLst>
           </p:nvPr>
         </p:nvSpPr>
         <p:spPr/>
@@ -6998,6 +8066,9 @@
           </p:cNvSpPr>
           <p:nvPr>
             <p:ph type="sldNum" sz="quarter" idx="12"/>
+            <p:custDataLst>
+              <p:tags r:id="rId6"/>
+            </p:custDataLst>
           </p:nvPr>
         </p:nvSpPr>
         <p:spPr/>
@@ -7045,6 +8116,9 @@
           </p:cNvSpPr>
           <p:nvPr>
             <p:ph type="title"/>
+            <p:custDataLst>
+              <p:tags r:id="rId2"/>
+            </p:custDataLst>
           </p:nvPr>
         </p:nvSpPr>
         <p:spPr/>
@@ -7068,6 +8142,9 @@
           </p:cNvSpPr>
           <p:nvPr>
             <p:ph sz="half" idx="1"/>
+            <p:custDataLst>
+              <p:tags r:id="rId3"/>
+            </p:custDataLst>
           </p:nvPr>
         </p:nvSpPr>
         <p:spPr>
@@ -7129,6 +8206,9 @@
           </p:cNvSpPr>
           <p:nvPr>
             <p:ph sz="half" idx="2"/>
+            <p:custDataLst>
+              <p:tags r:id="rId4"/>
+            </p:custDataLst>
           </p:nvPr>
         </p:nvSpPr>
         <p:spPr>
@@ -7190,6 +8270,9 @@
           </p:cNvSpPr>
           <p:nvPr>
             <p:ph type="dt" sz="half" idx="10"/>
+            <p:custDataLst>
+              <p:tags r:id="rId5"/>
+            </p:custDataLst>
           </p:nvPr>
         </p:nvSpPr>
         <p:spPr/>
@@ -7212,6 +8295,9 @@
           </p:cNvSpPr>
           <p:nvPr>
             <p:ph type="ftr" sz="quarter" idx="11"/>
+            <p:custDataLst>
+              <p:tags r:id="rId6"/>
+            </p:custDataLst>
           </p:nvPr>
         </p:nvSpPr>
         <p:spPr/>
@@ -7231,6 +8317,9 @@
           </p:cNvSpPr>
           <p:nvPr>
             <p:ph type="sldNum" sz="quarter" idx="12"/>
+            <p:custDataLst>
+              <p:tags r:id="rId7"/>
+            </p:custDataLst>
           </p:nvPr>
         </p:nvSpPr>
         <p:spPr/>
@@ -7278,6 +8367,9 @@
           </p:cNvSpPr>
           <p:nvPr>
             <p:ph type="title"/>
+            <p:custDataLst>
+              <p:tags r:id="rId2"/>
+            </p:custDataLst>
           </p:nvPr>
         </p:nvSpPr>
         <p:spPr>
@@ -7306,6 +8398,9 @@
           </p:cNvSpPr>
           <p:nvPr>
             <p:ph type="body" idx="1"/>
+            <p:custDataLst>
+              <p:tags r:id="rId3"/>
+            </p:custDataLst>
           </p:nvPr>
         </p:nvSpPr>
         <p:spPr>
@@ -7372,6 +8467,9 @@
           </p:cNvSpPr>
           <p:nvPr>
             <p:ph sz="half" idx="2"/>
+            <p:custDataLst>
+              <p:tags r:id="rId4"/>
+            </p:custDataLst>
           </p:nvPr>
         </p:nvSpPr>
         <p:spPr>
@@ -7433,6 +8531,9 @@
           </p:cNvSpPr>
           <p:nvPr>
             <p:ph type="body" sz="quarter" idx="3"/>
+            <p:custDataLst>
+              <p:tags r:id="rId5"/>
+            </p:custDataLst>
           </p:nvPr>
         </p:nvSpPr>
         <p:spPr>
@@ -7499,6 +8600,9 @@
           </p:cNvSpPr>
           <p:nvPr>
             <p:ph sz="quarter" idx="4"/>
+            <p:custDataLst>
+              <p:tags r:id="rId6"/>
+            </p:custDataLst>
           </p:nvPr>
         </p:nvSpPr>
         <p:spPr>
@@ -7560,6 +8664,9 @@
           </p:cNvSpPr>
           <p:nvPr>
             <p:ph type="dt" sz="half" idx="10"/>
+            <p:custDataLst>
+              <p:tags r:id="rId7"/>
+            </p:custDataLst>
           </p:nvPr>
         </p:nvSpPr>
         <p:spPr/>
@@ -7582,6 +8689,9 @@
           </p:cNvSpPr>
           <p:nvPr>
             <p:ph type="ftr" sz="quarter" idx="11"/>
+            <p:custDataLst>
+              <p:tags r:id="rId8"/>
+            </p:custDataLst>
           </p:nvPr>
         </p:nvSpPr>
         <p:spPr/>
@@ -7601,6 +8711,9 @@
           </p:cNvSpPr>
           <p:nvPr>
             <p:ph type="sldNum" sz="quarter" idx="12"/>
+            <p:custDataLst>
+              <p:tags r:id="rId9"/>
+            </p:custDataLst>
           </p:nvPr>
         </p:nvSpPr>
         <p:spPr/>
@@ -7648,6 +8761,9 @@
           </p:cNvSpPr>
           <p:nvPr>
             <p:ph type="title"/>
+            <p:custDataLst>
+              <p:tags r:id="rId2"/>
+            </p:custDataLst>
           </p:nvPr>
         </p:nvSpPr>
         <p:spPr/>
@@ -7671,6 +8787,9 @@
           </p:cNvSpPr>
           <p:nvPr>
             <p:ph type="dt" sz="half" idx="10"/>
+            <p:custDataLst>
+              <p:tags r:id="rId3"/>
+            </p:custDataLst>
           </p:nvPr>
         </p:nvSpPr>
         <p:spPr/>
@@ -7693,6 +8812,9 @@
           </p:cNvSpPr>
           <p:nvPr>
             <p:ph type="ftr" sz="quarter" idx="11"/>
+            <p:custDataLst>
+              <p:tags r:id="rId4"/>
+            </p:custDataLst>
           </p:nvPr>
         </p:nvSpPr>
         <p:spPr/>
@@ -7712,6 +8834,9 @@
           </p:cNvSpPr>
           <p:nvPr>
             <p:ph type="sldNum" sz="quarter" idx="12"/>
+            <p:custDataLst>
+              <p:tags r:id="rId5"/>
+            </p:custDataLst>
           </p:nvPr>
         </p:nvSpPr>
         <p:spPr/>
@@ -7759,6 +8884,9 @@
           </p:cNvSpPr>
           <p:nvPr>
             <p:ph type="dt" sz="half" idx="10"/>
+            <p:custDataLst>
+              <p:tags r:id="rId2"/>
+            </p:custDataLst>
           </p:nvPr>
         </p:nvSpPr>
         <p:spPr/>
@@ -7781,6 +8909,9 @@
           </p:cNvSpPr>
           <p:nvPr>
             <p:ph type="ftr" sz="quarter" idx="11"/>
+            <p:custDataLst>
+              <p:tags r:id="rId3"/>
+            </p:custDataLst>
           </p:nvPr>
         </p:nvSpPr>
         <p:spPr/>
@@ -7800,6 +8931,9 @@
           </p:cNvSpPr>
           <p:nvPr>
             <p:ph type="sldNum" sz="quarter" idx="12"/>
+            <p:custDataLst>
+              <p:tags r:id="rId4"/>
+            </p:custDataLst>
           </p:nvPr>
         </p:nvSpPr>
         <p:spPr/>
@@ -7847,6 +8981,9 @@
           </p:cNvSpPr>
           <p:nvPr>
             <p:ph type="title"/>
+            <p:custDataLst>
+              <p:tags r:id="rId2"/>
+            </p:custDataLst>
           </p:nvPr>
         </p:nvSpPr>
         <p:spPr>
@@ -7879,6 +9016,9 @@
           </p:cNvSpPr>
           <p:nvPr>
             <p:ph type="pic" idx="1"/>
+            <p:custDataLst>
+              <p:tags r:id="rId3"/>
+            </p:custDataLst>
           </p:nvPr>
         </p:nvSpPr>
         <p:spPr>
@@ -7940,6 +9080,9 @@
           </p:cNvSpPr>
           <p:nvPr>
             <p:ph type="body" sz="half" idx="2"/>
+            <p:custDataLst>
+              <p:tags r:id="rId4"/>
+            </p:custDataLst>
           </p:nvPr>
         </p:nvSpPr>
         <p:spPr>
@@ -8006,6 +9149,9 @@
           </p:cNvSpPr>
           <p:nvPr>
             <p:ph type="dt" sz="half" idx="10"/>
+            <p:custDataLst>
+              <p:tags r:id="rId5"/>
+            </p:custDataLst>
           </p:nvPr>
         </p:nvSpPr>
         <p:spPr/>
@@ -8028,6 +9174,9 @@
           </p:cNvSpPr>
           <p:nvPr>
             <p:ph type="ftr" sz="quarter" idx="11"/>
+            <p:custDataLst>
+              <p:tags r:id="rId6"/>
+            </p:custDataLst>
           </p:nvPr>
         </p:nvSpPr>
         <p:spPr/>
@@ -8047,6 +9196,9 @@
           </p:cNvSpPr>
           <p:nvPr>
             <p:ph type="sldNum" sz="quarter" idx="12"/>
+            <p:custDataLst>
+              <p:tags r:id="rId7"/>
+            </p:custDataLst>
           </p:nvPr>
         </p:nvSpPr>
         <p:spPr/>
@@ -8094,6 +9246,9 @@
           </p:cNvSpPr>
           <p:nvPr>
             <p:ph type="title" orient="vert"/>
+            <p:custDataLst>
+              <p:tags r:id="rId2"/>
+            </p:custDataLst>
           </p:nvPr>
         </p:nvSpPr>
         <p:spPr>
@@ -8122,6 +9277,9 @@
           </p:cNvSpPr>
           <p:nvPr>
             <p:ph type="body" orient="vert" idx="1"/>
+            <p:custDataLst>
+              <p:tags r:id="rId3"/>
+            </p:custDataLst>
           </p:nvPr>
         </p:nvSpPr>
         <p:spPr>
@@ -8183,6 +9341,9 @@
           </p:cNvSpPr>
           <p:nvPr>
             <p:ph type="dt" sz="half" idx="10"/>
+            <p:custDataLst>
+              <p:tags r:id="rId4"/>
+            </p:custDataLst>
           </p:nvPr>
         </p:nvSpPr>
         <p:spPr/>
@@ -8205,6 +9366,9 @@
           </p:cNvSpPr>
           <p:nvPr>
             <p:ph type="ftr" sz="quarter" idx="11"/>
+            <p:custDataLst>
+              <p:tags r:id="rId5"/>
+            </p:custDataLst>
           </p:nvPr>
         </p:nvSpPr>
         <p:spPr/>
@@ -8224,6 +9388,9 @@
           </p:cNvSpPr>
           <p:nvPr>
             <p:ph type="sldNum" sz="quarter" idx="12"/>
+            <p:custDataLst>
+              <p:tags r:id="rId6"/>
+            </p:custDataLst>
           </p:nvPr>
         </p:nvSpPr>
         <p:spPr/>
@@ -8276,6 +9443,9 @@
           </p:cNvSpPr>
           <p:nvPr>
             <p:ph type="title"/>
+            <p:custDataLst>
+              <p:tags r:id="rId11"/>
+            </p:custDataLst>
           </p:nvPr>
         </p:nvSpPr>
         <p:spPr>
@@ -8309,6 +9479,9 @@
           </p:cNvSpPr>
           <p:nvPr>
             <p:ph type="body" idx="1"/>
+            <p:custDataLst>
+              <p:tags r:id="rId12"/>
+            </p:custDataLst>
           </p:nvPr>
         </p:nvSpPr>
         <p:spPr>
@@ -8375,6 +9548,9 @@
           </p:cNvSpPr>
           <p:nvPr>
             <p:ph type="dt" sz="half" idx="2"/>
+            <p:custDataLst>
+              <p:tags r:id="rId13"/>
+            </p:custDataLst>
           </p:nvPr>
         </p:nvSpPr>
         <p:spPr>
@@ -8415,6 +9591,9 @@
           </p:cNvSpPr>
           <p:nvPr>
             <p:ph type="ftr" sz="quarter" idx="3"/>
+            <p:custDataLst>
+              <p:tags r:id="rId14"/>
+            </p:custDataLst>
           </p:nvPr>
         </p:nvSpPr>
         <p:spPr>
@@ -8452,6 +9631,9 @@
           </p:cNvSpPr>
           <p:nvPr>
             <p:ph type="sldNum" sz="quarter" idx="4"/>
+            <p:custDataLst>
+              <p:tags r:id="rId15"/>
+            </p:custDataLst>
           </p:nvPr>
         </p:nvSpPr>
         <p:spPr>
@@ -8812,6 +9994,9 @@
           </p:cNvSpPr>
           <p:nvPr>
             <p:ph type="title"/>
+            <p:custDataLst>
+              <p:tags r:id="rId12"/>
+            </p:custDataLst>
           </p:nvPr>
         </p:nvSpPr>
         <p:spPr>
@@ -8845,6 +10030,9 @@
           </p:cNvSpPr>
           <p:nvPr>
             <p:ph type="body" idx="1"/>
+            <p:custDataLst>
+              <p:tags r:id="rId13"/>
+            </p:custDataLst>
           </p:nvPr>
         </p:nvSpPr>
         <p:spPr>
@@ -8911,6 +10099,9 @@
           </p:cNvSpPr>
           <p:nvPr>
             <p:ph type="dt" sz="half" idx="2"/>
+            <p:custDataLst>
+              <p:tags r:id="rId14"/>
+            </p:custDataLst>
           </p:nvPr>
         </p:nvSpPr>
         <p:spPr>
@@ -8951,6 +10142,9 @@
           </p:cNvSpPr>
           <p:nvPr>
             <p:ph type="ftr" sz="quarter" idx="3"/>
+            <p:custDataLst>
+              <p:tags r:id="rId15"/>
+            </p:custDataLst>
           </p:nvPr>
         </p:nvSpPr>
         <p:spPr>
@@ -8988,6 +10182,9 @@
           </p:cNvSpPr>
           <p:nvPr>
             <p:ph type="sldNum" sz="quarter" idx="4"/>
+            <p:custDataLst>
+              <p:tags r:id="rId16"/>
+            </p:custDataLst>
           </p:nvPr>
         </p:nvSpPr>
         <p:spPr>
@@ -9430,7 +10627,7 @@
                 <a:latin typeface="PingFang SC Regular" panose="020B0400000000000000" charset="-122"/>
                 <a:ea typeface="PingFang SC Regular" panose="020B0400000000000000" charset="-122"/>
               </a:rPr>
-              <a:t>METAPO</a:t>
+              <a:t>MeTaPo</a:t>
             </a:r>
             <a:endParaRPr lang="en-US" altLang="zh-CN" sz="6000">
               <a:solidFill>
@@ -9453,8 +10650,8 @@
         </p:nvSpPr>
         <p:spPr>
           <a:xfrm>
-            <a:off x="4332752" y="3946544"/>
-            <a:ext cx="4631250" cy="645160"/>
+            <a:off x="4332605" y="3946525"/>
+            <a:ext cx="4647565" cy="1198880"/>
           </a:xfrm>
           <a:prstGeom prst="rect">
             <a:avLst/>
@@ -9467,7 +10664,7 @@
           </a:bodyPr>
           <a:lstStyle/>
           <a:p>
-            <a:pPr algn="dist"/>
+            <a:pPr algn="l"/>
             <a:r>
               <a:rPr lang="en-US" altLang="zh-CN" sz="3600">
                 <a:solidFill>
@@ -9478,7 +10675,31 @@
                 <a:latin typeface="PingFang SC Regular" panose="020B0400000000000000" charset="-122"/>
                 <a:ea typeface="PingFang SC Regular" panose="020B0400000000000000" charset="-122"/>
               </a:rPr>
-              <a:t>make exposure fair</a:t>
+              <a:t>own the power</a:t>
+            </a:r>
+            <a:endParaRPr lang="en-US" altLang="zh-CN" sz="3600">
+              <a:solidFill>
+                <a:schemeClr val="bg1">
+                  <a:lumMod val="50000"/>
+                </a:schemeClr>
+              </a:solidFill>
+              <a:latin typeface="PingFang SC Regular" panose="020B0400000000000000" charset="-122"/>
+              <a:ea typeface="PingFang SC Regular" panose="020B0400000000000000" charset="-122"/>
+            </a:endParaRPr>
+          </a:p>
+          <a:p>
+            <a:pPr algn="l"/>
+            <a:r>
+              <a:rPr lang="en-US" altLang="zh-CN" sz="3600">
+                <a:solidFill>
+                  <a:schemeClr val="bg1">
+                    <a:lumMod val="50000"/>
+                  </a:schemeClr>
+                </a:solidFill>
+                <a:latin typeface="PingFang SC Regular" panose="020B0400000000000000" charset="-122"/>
+                <a:ea typeface="PingFang SC Regular" panose="020B0400000000000000" charset="-122"/>
+              </a:rPr>
+              <a:t>of money</a:t>
             </a:r>
             <a:endParaRPr lang="en-US" altLang="zh-CN" sz="3600">
               <a:solidFill>
@@ -11823,7 +13044,7 @@
         <p:spPr>
           <a:xfrm>
             <a:off x="6283571" y="3208866"/>
-            <a:ext cx="3692474" cy="1372235"/>
+            <a:ext cx="3692474" cy="1115695"/>
           </a:xfrm>
           <a:prstGeom prst="rect">
             <a:avLst/>
@@ -11994,7 +13215,7 @@
                 <a:ea typeface="Source Han Sans SC" panose="020B0500000000000000" pitchFamily="34" charset="-128"/>
                 <a:sym typeface="FZHei-B01S" panose="02010601030101010101" pitchFamily="2" charset="-122"/>
               </a:rPr>
-              <a:t>Push the author's other entrise, it'll be Web3 Twitter.</a:t>
+              <a:t>Follow the author, it'll be Web3 Twitter.</a:t>
             </a:r>
             <a:endParaRPr kumimoji="0" lang="en-US" altLang="zh-CN" sz="1400" b="0" i="0" u="none" strike="noStrike" kern="1200" cap="none" spc="0" normalizeH="0" baseline="0" noProof="0" dirty="0">
               <a:ln>
@@ -16146,7 +17367,7 @@
                 <a:ea typeface="Source Han Sans SC" panose="020B0500000000000000" pitchFamily="34" charset="-128"/>
                 <a:sym typeface="FZHei-B01S" panose="02010601030101010101" pitchFamily="2" charset="-122"/>
               </a:rPr>
-              <a:t>For user, one entry NFT can mined multiple tokens.</a:t>
+              <a:t>For user, the weakly voice can be exposured.</a:t>
             </a:r>
             <a:endParaRPr kumimoji="0" lang="en-US" altLang="zh-CN" sz="1400" b="0" i="0" u="none" strike="noStrike" kern="1200" cap="none" spc="0" normalizeH="0" baseline="0" noProof="0" dirty="0">
               <a:ln>
@@ -16233,7 +17454,7 @@
                 <a:ea typeface="Source Han Sans SC" panose="020B0500000000000000" pitchFamily="34" charset="-128"/>
                 <a:sym typeface="FZHei-B01S" panose="02010601030101010101" pitchFamily="2" charset="-122"/>
               </a:rPr>
-              <a:t>For dapp, based on many Entries, it will be much easier to launch.</a:t>
+              <a:t>For dapp, the small project can be exposured.</a:t>
             </a:r>
             <a:endParaRPr kumimoji="0" lang="en-US" altLang="zh-CN" sz="1400" b="0" i="0" u="none" strike="noStrike" kern="1200" cap="none" spc="0" normalizeH="0" baseline="0" noProof="0" dirty="0">
               <a:ln>
@@ -30624,13 +31845,17 @@
           <p:cNvPicPr>
             <a:picLocks noChangeAspect="1"/>
           </p:cNvPicPr>
-          <p:nvPr/>
+          <p:nvPr>
+            <p:custDataLst>
+              <p:tags r:id="rId1"/>
+            </p:custDataLst>
+          </p:nvPr>
         </p:nvPicPr>
         <p:blipFill>
-          <a:blip r:embed="rId1">
+          <a:blip r:embed="rId2">
             <a:extLst>
               <a:ext uri="{96DAC541-7B7A-43D3-8B79-37D633B846F1}">
-                <asvg:svgBlip xmlns:asvg="http://schemas.microsoft.com/office/drawing/2016/SVG/main" r:embed="rId2"/>
+                <asvg:svgBlip xmlns:asvg="http://schemas.microsoft.com/office/drawing/2016/SVG/main" r:embed="rId3"/>
               </a:ext>
             </a:extLst>
           </a:blip>
@@ -30654,13 +31879,17 @@
           <p:cNvPicPr>
             <a:picLocks noChangeAspect="1"/>
           </p:cNvPicPr>
-          <p:nvPr/>
+          <p:nvPr>
+            <p:custDataLst>
+              <p:tags r:id="rId4"/>
+            </p:custDataLst>
+          </p:nvPr>
         </p:nvPicPr>
         <p:blipFill>
-          <a:blip r:embed="rId3">
+          <a:blip r:embed="rId5">
             <a:extLst>
               <a:ext uri="{96DAC541-7B7A-43D3-8B79-37D633B846F1}">
-                <asvg:svgBlip xmlns:asvg="http://schemas.microsoft.com/office/drawing/2016/SVG/main" r:embed="rId4"/>
+                <asvg:svgBlip xmlns:asvg="http://schemas.microsoft.com/office/drawing/2016/SVG/main" r:embed="rId6"/>
               </a:ext>
             </a:extLst>
           </a:blip>
@@ -30682,7 +31911,11 @@
         <p:nvSpPr>
           <p:cNvPr id="6" name="深度视觉·原创设计 https://www.docer.com/works?userid=22383862"/>
           <p:cNvSpPr txBox="1"/>
-          <p:nvPr/>
+          <p:nvPr>
+            <p:custDataLst>
+              <p:tags r:id="rId7"/>
+            </p:custDataLst>
+          </p:nvPr>
         </p:nvSpPr>
         <p:spPr>
           <a:xfrm>
@@ -30731,7 +31964,11 @@
         <p:nvSpPr>
           <p:cNvPr id="7" name="深度视觉·原创设计 https://www.docer.com/works?userid=22383862"/>
           <p:cNvSpPr txBox="1"/>
-          <p:nvPr/>
+          <p:nvPr>
+            <p:custDataLst>
+              <p:tags r:id="rId8"/>
+            </p:custDataLst>
+          </p:nvPr>
         </p:nvSpPr>
         <p:spPr>
           <a:xfrm>
@@ -30802,12 +32039,16 @@
         <p:nvSpPr>
           <p:cNvPr id="8" name="深度视觉·原创设计 https://www.docer.com/works?userid=22383862"/>
           <p:cNvSpPr txBox="1"/>
-          <p:nvPr/>
+          <p:nvPr>
+            <p:custDataLst>
+              <p:tags r:id="rId9"/>
+            </p:custDataLst>
+          </p:nvPr>
         </p:nvSpPr>
         <p:spPr>
           <a:xfrm>
-            <a:off x="4236094" y="4703069"/>
-            <a:ext cx="4817306" cy="343535"/>
+            <a:off x="4393574" y="4709419"/>
+            <a:ext cx="4817306" cy="597535"/>
           </a:xfrm>
           <a:prstGeom prst="rect">
             <a:avLst/>
@@ -30847,7 +32088,7 @@
                 <a:ea typeface="Source Han Sans SC" panose="020B0500000000000000" pitchFamily="34" charset="-128"/>
                 <a:sym typeface="FZHei-B01S" panose="02010601030101010101" pitchFamily="2" charset="-122"/>
               </a:rPr>
-              <a:t>https://github.com/Web3BBS                         </a:t>
+              <a:t>https://github.com/MetapoLabs                         </a:t>
             </a:r>
             <a:r>
               <a:rPr lang="en-US" altLang="zh-CN" sz="1100" dirty="0">
@@ -30879,7 +32120,11 @@
         <p:nvSpPr>
           <p:cNvPr id="9" name="深度视觉·原创设计 https://www.docer.com/works?userid=22383862"/>
           <p:cNvSpPr/>
-          <p:nvPr/>
+          <p:nvPr>
+            <p:custDataLst>
+              <p:tags r:id="rId10"/>
+            </p:custDataLst>
+          </p:nvPr>
         </p:nvSpPr>
         <p:spPr>
           <a:xfrm>
@@ -34894,8 +36139,8 @@
         </p:nvSpPr>
         <p:spPr>
           <a:xfrm>
-            <a:off x="4927315" y="1330937"/>
-            <a:ext cx="2615565" cy="583565"/>
+            <a:off x="4515518" y="1325857"/>
+            <a:ext cx="3267710" cy="1076325"/>
           </a:xfrm>
           <a:prstGeom prst="rect">
             <a:avLst/>
@@ -34921,8 +36166,32 @@
                 <a:ea typeface="思源黑体 CN Normal" panose="020B0400000000000000" pitchFamily="34" charset="-122"/>
                 <a:sym typeface="+mn-ea"/>
               </a:rPr>
-              <a:t>Web2 Giants</a:t>
-            </a:r>
+              <a:t>Web2 </a:t>
+            </a:r>
+            <a:r>
+              <a:rPr lang="en-US" sz="3200">
+                <a:solidFill>
+                  <a:schemeClr val="accent1"/>
+                </a:solidFill>
+                <a:latin typeface="Source Han Sans CN" panose="020B0500000000000000" pitchFamily="34" charset="-128"/>
+                <a:ea typeface="Source Han Sans CN" panose="020B0500000000000000" pitchFamily="34" charset="-128"/>
+                <a:cs typeface="Lato"/>
+                <a:sym typeface="Lato"/>
+              </a:rPr>
+              <a:t>Oligopoly</a:t>
+            </a:r>
+            <a:endParaRPr lang="en-US" sz="3200">
+              <a:solidFill>
+                <a:schemeClr val="accent1"/>
+              </a:solidFill>
+              <a:latin typeface="Source Han Sans CN" panose="020B0500000000000000" pitchFamily="34" charset="-128"/>
+              <a:ea typeface="Source Han Sans CN" panose="020B0500000000000000" pitchFamily="34" charset="-128"/>
+              <a:cs typeface="Lato"/>
+              <a:sym typeface="Lato"/>
+            </a:endParaRPr>
+          </a:p>
+          <a:p>
+            <a:pPr algn="ctr"/>
             <a:endParaRPr lang="en-US" altLang="zh-CN" sz="3200" dirty="0">
               <a:solidFill>
                 <a:schemeClr val="tx1">
@@ -34933,64 +36202,6 @@
               <a:latin typeface="思源黑体 CN Normal" panose="020B0400000000000000" pitchFamily="34" charset="-122"/>
               <a:ea typeface="思源黑体 CN Normal" panose="020B0400000000000000" pitchFamily="34" charset="-122"/>
               <a:sym typeface="+mn-ea"/>
-            </a:endParaRPr>
-          </a:p>
-        </p:txBody>
-      </p:sp>
-      <p:sp>
-        <p:nvSpPr>
-          <p:cNvPr id="26" name="深度视觉·原创设计 https://www.docer.com/works?userid=22383862"/>
-          <p:cNvSpPr txBox="1"/>
-          <p:nvPr/>
-        </p:nvSpPr>
-        <p:spPr>
-          <a:xfrm>
-            <a:off x="4689492" y="896667"/>
-            <a:ext cx="3183654" cy="434269"/>
-          </a:xfrm>
-          <a:prstGeom prst="rect">
-            <a:avLst/>
-          </a:prstGeom>
-          <a:noFill/>
-          <a:ln>
-            <a:noFill/>
-          </a:ln>
-        </p:spPr>
-        <p:txBody>
-          <a:bodyPr spcFirstLastPara="1" wrap="square" lIns="91425" tIns="45700" rIns="91425" bIns="45700" anchor="t" anchorCtr="0">
-            <a:noAutofit/>
-          </a:bodyPr>
-          <a:lstStyle/>
-          <a:p>
-            <a:pPr marL="0" marR="0" lvl="0" indent="0" algn="ctr" rtl="0">
-              <a:spcBef>
-                <a:spcPts val="0"/>
-              </a:spcBef>
-              <a:spcAft>
-                <a:spcPts val="0"/>
-              </a:spcAft>
-              <a:buNone/>
-            </a:pPr>
-            <a:r>
-              <a:rPr lang="en-US" sz="2400">
-                <a:solidFill>
-                  <a:schemeClr val="accent1"/>
-                </a:solidFill>
-                <a:latin typeface="Source Han Sans CN" panose="020B0500000000000000" pitchFamily="34" charset="-128"/>
-                <a:ea typeface="Source Han Sans CN" panose="020B0500000000000000" pitchFamily="34" charset="-128"/>
-                <a:cs typeface="Lato"/>
-                <a:sym typeface="Lato"/>
-              </a:rPr>
-              <a:t>Monopoly</a:t>
-            </a:r>
-            <a:endParaRPr sz="2400" b="0" i="0" u="none" strike="noStrike" cap="none">
-              <a:solidFill>
-                <a:schemeClr val="accent1"/>
-              </a:solidFill>
-              <a:latin typeface="Source Han Sans CN" panose="020B0500000000000000" pitchFamily="34" charset="-128"/>
-              <a:ea typeface="Source Han Sans CN" panose="020B0500000000000000" pitchFamily="34" charset="-128"/>
-              <a:cs typeface="Lato"/>
-              <a:sym typeface="Lato"/>
             </a:endParaRPr>
           </a:p>
         </p:txBody>
@@ -35044,7 +36255,7 @@
                 <a:ea typeface="Source Han Sans CN" panose="020B0500000000000000" pitchFamily="34" charset="-128"/>
                 <a:sym typeface="FZHei-B01S" panose="02010601030101010101" pitchFamily="2" charset="-122"/>
               </a:rPr>
-              <a:t>The giants made the internet convenient, and then, they owned the internet. </a:t>
+              <a:t>They owned the internet. They owned the power. </a:t>
             </a:r>
             <a:endParaRPr kumimoji="0" lang="zh-CN" altLang="en-US" sz="1200" b="0" i="0" u="none" strike="noStrike" kern="1200" cap="none" spc="0" normalizeH="0" baseline="0" noProof="0" dirty="0">
               <a:ln>
@@ -35508,8 +36719,8 @@
         </p:nvSpPr>
         <p:spPr>
           <a:xfrm>
-            <a:off x="4612005" y="2109470"/>
-            <a:ext cx="4662170" cy="4506595"/>
+            <a:off x="5302885" y="859790"/>
+            <a:ext cx="4284980" cy="5629910"/>
           </a:xfrm>
           <a:custGeom>
             <a:avLst/>
@@ -35541,13 +36752,22 @@
               <a:fillRect/>
             </a:stretch>
           </a:blipFill>
-          <a:ln w="12700" cap="flat" cmpd="sng">
-            <a:noFill/>
+          <a:ln w="3175" cap="flat" cmpd="sng">
+            <a:solidFill>
+              <a:schemeClr val="accent2"/>
+            </a:solidFill>
             <a:prstDash val="solid"/>
             <a:miter lim="800000"/>
             <a:headEnd type="none" w="sm" len="sm"/>
             <a:tailEnd type="none" w="sm" len="sm"/>
           </a:ln>
+          <a:effectLst>
+            <a:outerShdw blurRad="50800" dist="38100" dir="2700000" algn="tl" rotWithShape="0">
+              <a:prstClr val="black">
+                <a:alpha val="40000"/>
+              </a:prstClr>
+            </a:outerShdw>
+          </a:effectLst>
         </p:spPr>
         <p:txBody>
           <a:bodyPr spcFirstLastPara="1" wrap="square" lIns="91425" tIns="45700" rIns="91425" bIns="45700" anchor="ctr" anchorCtr="0">
@@ -35578,100 +36798,6 @@
       </p:sp>
       <p:sp>
         <p:nvSpPr>
-          <p:cNvPr id="3" name="深度视觉·原创设计 https://www.docer.com/works?userid=22383862"/>
-          <p:cNvSpPr/>
-          <p:nvPr/>
-        </p:nvSpPr>
-        <p:spPr>
-          <a:xfrm flipH="1">
-            <a:off x="8284845" y="1657985"/>
-            <a:ext cx="2472690" cy="968375"/>
-          </a:xfrm>
-          <a:prstGeom prst="rect">
-            <a:avLst/>
-          </a:prstGeom>
-          <a:solidFill>
-            <a:schemeClr val="accent1"/>
-          </a:solidFill>
-          <a:ln>
-            <a:noFill/>
-          </a:ln>
-        </p:spPr>
-        <p:style>
-          <a:lnRef idx="2">
-            <a:schemeClr val="accent1">
-              <a:shade val="50000"/>
-            </a:schemeClr>
-          </a:lnRef>
-          <a:fillRef idx="1">
-            <a:schemeClr val="accent1"/>
-          </a:fillRef>
-          <a:effectRef idx="0">
-            <a:schemeClr val="accent1"/>
-          </a:effectRef>
-          <a:fontRef idx="minor">
-            <a:schemeClr val="lt1"/>
-          </a:fontRef>
-        </p:style>
-        <p:txBody>
-          <a:bodyPr rtlCol="0" anchor="ctr"/>
-          <a:lstStyle/>
-          <a:p>
-            <a:pPr algn="ctr"/>
-            <a:endParaRPr lang="en-US">
-              <a:latin typeface="+mj-lt"/>
-            </a:endParaRPr>
-          </a:p>
-        </p:txBody>
-      </p:sp>
-      <p:sp>
-        <p:nvSpPr>
-          <p:cNvPr id="5" name="深度视觉·原创设计 https://www.docer.com/works?userid=22383862"/>
-          <p:cNvSpPr txBox="1"/>
-          <p:nvPr/>
-        </p:nvSpPr>
-        <p:spPr>
-          <a:xfrm>
-            <a:off x="8284845" y="1819275"/>
-            <a:ext cx="2472690" cy="645160"/>
-          </a:xfrm>
-          <a:prstGeom prst="rect">
-            <a:avLst/>
-          </a:prstGeom>
-          <a:noFill/>
-        </p:spPr>
-        <p:txBody>
-          <a:bodyPr wrap="square" rtlCol="0">
-            <a:spAutoFit/>
-          </a:bodyPr>
-          <a:lstStyle/>
-          <a:p>
-            <a:pPr algn="ctr"/>
-            <a:r>
-              <a:rPr lang="en-US" sz="3600">
-                <a:solidFill>
-                  <a:schemeClr val="bg1"/>
-                </a:solidFill>
-                <a:latin typeface="Source Han Sans CN" panose="020B0500000000000000" pitchFamily="34" charset="-128"/>
-                <a:ea typeface="Source Han Sans CN" panose="020B0500000000000000" pitchFamily="34" charset="-128"/>
-                <a:cs typeface="Helvetica Neue" panose="02000503000000020004" charset="0"/>
-                <a:sym typeface="+mn-ea"/>
-              </a:rPr>
-              <a:t>forbidden</a:t>
-            </a:r>
-            <a:endParaRPr lang="en-US" sz="3600" dirty="0">
-              <a:solidFill>
-                <a:schemeClr val="bg1"/>
-              </a:solidFill>
-              <a:latin typeface="Source Han Sans CN" panose="020B0500000000000000" pitchFamily="34" charset="-128"/>
-              <a:ea typeface="Source Han Sans CN" panose="020B0500000000000000" pitchFamily="34" charset="-128"/>
-              <a:cs typeface="Helvetica Neue" panose="02000503000000020004" charset="0"/>
-            </a:endParaRPr>
-          </a:p>
-        </p:txBody>
-      </p:sp>
-      <p:sp>
-        <p:nvSpPr>
           <p:cNvPr id="6" name="深度视觉·原创设计 https://www.docer.com/works?userid=22383862"/>
           <p:cNvSpPr txBox="1"/>
           <p:nvPr/>
@@ -35679,7 +36805,7 @@
         <p:spPr>
           <a:xfrm>
             <a:off x="939287" y="4665033"/>
-            <a:ext cx="1707515" cy="1076325"/>
+            <a:ext cx="2917825" cy="1076325"/>
           </a:xfrm>
           <a:prstGeom prst="rect">
             <a:avLst/>
@@ -35696,30 +36822,6 @@
             <a:r>
               <a:rPr lang="en-US" altLang="zh-CN" sz="3200" dirty="0">
                 <a:solidFill>
-                  <a:schemeClr val="accent1"/>
-                </a:solidFill>
-                <a:latin typeface="思源黑体 CN Normal" panose="020B0400000000000000" pitchFamily="34" charset="-122"/>
-                <a:ea typeface="思源黑体 CN Normal" panose="020B0400000000000000" pitchFamily="34" charset="-122"/>
-                <a:sym typeface="+mn-ea"/>
-              </a:rPr>
-              <a:t>No One</a:t>
-            </a:r>
-            <a:endParaRPr lang="en-US" altLang="zh-CN" sz="3200" dirty="0">
-              <a:solidFill>
-                <a:schemeClr val="tx1">
-                  <a:lumMod val="75000"/>
-                  <a:lumOff val="25000"/>
-                </a:schemeClr>
-              </a:solidFill>
-              <a:latin typeface="思源黑体 CN Normal" panose="020B0400000000000000" pitchFamily="34" charset="-122"/>
-              <a:ea typeface="思源黑体 CN Normal" panose="020B0400000000000000" pitchFamily="34" charset="-122"/>
-            </a:endParaRPr>
-          </a:p>
-          <a:p>
-            <a:pPr algn="l"/>
-            <a:r>
-              <a:rPr lang="en-US" altLang="zh-CN" sz="3200" dirty="0">
-                <a:solidFill>
                   <a:schemeClr val="tx1">
                     <a:lumMod val="75000"/>
                     <a:lumOff val="25000"/>
@@ -35729,7 +36831,29 @@
                 <a:ea typeface="思源黑体 CN Normal" panose="020B0400000000000000" pitchFamily="34" charset="-122"/>
                 <a:sym typeface="+mn-ea"/>
               </a:rPr>
-              <a:t>Hears U</a:t>
+              <a:t>Giants Control</a:t>
+            </a:r>
+            <a:endParaRPr lang="en-US" altLang="zh-CN" sz="3200" dirty="0">
+              <a:solidFill>
+                <a:schemeClr val="accent1"/>
+              </a:solidFill>
+              <a:latin typeface="思源黑体 CN Normal" panose="020B0400000000000000" pitchFamily="34" charset="-122"/>
+              <a:ea typeface="思源黑体 CN Normal" panose="020B0400000000000000" pitchFamily="34" charset="-122"/>
+              <a:sym typeface="+mn-ea"/>
+            </a:endParaRPr>
+          </a:p>
+          <a:p>
+            <a:pPr algn="l"/>
+            <a:r>
+              <a:rPr lang="en-US" altLang="zh-CN" sz="3200" dirty="0">
+                <a:solidFill>
+                  <a:schemeClr val="accent1"/>
+                </a:solidFill>
+                <a:latin typeface="思源黑体 CN Normal" panose="020B0400000000000000" pitchFamily="34" charset="-122"/>
+                <a:ea typeface="思源黑体 CN Normal" panose="020B0400000000000000" pitchFamily="34" charset="-122"/>
+                <a:sym typeface="+mn-ea"/>
+              </a:rPr>
+              <a:t>Exposure</a:t>
             </a:r>
             <a:endParaRPr lang="zh-CN" altLang="en-US" sz="3200" dirty="0">
               <a:solidFill>
@@ -35870,7 +36994,59 @@
                 <a:ea typeface="思源黑体 CN Normal" panose="020B0400000000000000" pitchFamily="34" charset="-122"/>
                 <a:sym typeface="FZHei-B01S" panose="02010601030101010101" pitchFamily="2" charset="-122"/>
               </a:rPr>
-              <a:t> also began to delete many speech that supported Iran.</a:t>
+              <a:t> </a:t>
+            </a:r>
+            <a:r>
+              <a:rPr lang="en-US" altLang="zh-CN" sz="1100" dirty="0">
+                <a:solidFill>
+                  <a:schemeClr val="bg1">
+                    <a:lumMod val="50000"/>
+                  </a:schemeClr>
+                </a:solidFill>
+                <a:latin typeface="思源黑体 CN Normal" panose="020B0400000000000000" pitchFamily="34" charset="-122"/>
+                <a:ea typeface="思源黑体 CN Normal" panose="020B0400000000000000" pitchFamily="34" charset="-122"/>
+                <a:sym typeface="FZHei-B01S" panose="02010601030101010101" pitchFamily="2" charset="-122"/>
+              </a:rPr>
+              <a:t>can </a:t>
+            </a:r>
+            <a:r>
+              <a:rPr lang="zh-CN" altLang="en-US" sz="1100" dirty="0">
+                <a:solidFill>
+                  <a:schemeClr val="bg1">
+                    <a:lumMod val="50000"/>
+                  </a:schemeClr>
+                </a:solidFill>
+                <a:latin typeface="思源黑体 CN Normal" panose="020B0400000000000000" pitchFamily="34" charset="-122"/>
+                <a:ea typeface="思源黑体 CN Normal" panose="020B0400000000000000" pitchFamily="34" charset="-122"/>
+                <a:sym typeface="FZHei-B01S" panose="02010601030101010101" pitchFamily="2" charset="-122"/>
+              </a:rPr>
+              <a:t>also </a:t>
+            </a:r>
+            <a:r>
+              <a:rPr lang="en-US" altLang="zh-CN" sz="1100" dirty="0">
+                <a:solidFill>
+                  <a:schemeClr val="bg1">
+                    <a:lumMod val="50000"/>
+                  </a:schemeClr>
+                </a:solidFill>
+                <a:latin typeface="思源黑体 CN Normal" panose="020B0400000000000000" pitchFamily="34" charset="-122"/>
+                <a:ea typeface="思源黑体 CN Normal" panose="020B0400000000000000" pitchFamily="34" charset="-122"/>
+                <a:sym typeface="FZHei-B01S" panose="02010601030101010101" pitchFamily="2" charset="-122"/>
+              </a:rPr>
+              <a:t>remove your account and posts</a:t>
+            </a:r>
+            <a:r>
+              <a:rPr lang="zh-CN" altLang="en-US" sz="1100" dirty="0">
+                <a:solidFill>
+                  <a:schemeClr val="bg1">
+                    <a:lumMod val="50000"/>
+                  </a:schemeClr>
+                </a:solidFill>
+                <a:latin typeface="思源黑体 CN Normal" panose="020B0400000000000000" pitchFamily="34" charset="-122"/>
+                <a:ea typeface="思源黑体 CN Normal" panose="020B0400000000000000" pitchFamily="34" charset="-122"/>
+                <a:sym typeface="FZHei-B01S" panose="02010601030101010101" pitchFamily="2" charset="-122"/>
+              </a:rPr>
+              <a:t>.</a:t>
             </a:r>
             <a:endParaRPr lang="zh-CN" altLang="en-US" sz="1100" dirty="0">
               <a:solidFill>
@@ -35923,7 +37099,7 @@
               <a:defRPr/>
             </a:pPr>
             <a:r>
-              <a:rPr lang="en-US" altLang="zh-CN" sz="1600" b="1" noProof="0" dirty="0">
+              <a:rPr kumimoji="0" lang="en-US" altLang="zh-CN" sz="1600" b="1" i="0" u="none" strike="noStrike" kern="1200" cap="none" spc="0" normalizeH="0" baseline="0" noProof="0" dirty="0">
                 <a:ln>
                   <a:noFill/>
                 </a:ln>
@@ -35941,9 +37117,9 @@
                 <a:cs typeface="Open Sans" pitchFamily="34" charset="0"/>
                 <a:sym typeface="+mn-ea"/>
               </a:rPr>
-              <a:t>delete speech</a:t>
-            </a:r>
-            <a:endParaRPr kumimoji="0" lang="zh-CN" altLang="en-US" sz="1600" b="1" i="0" u="none" strike="noStrike" kern="1200" cap="none" spc="0" normalizeH="0" baseline="0" noProof="0" dirty="0">
+              <a:t>remove</a:t>
+            </a:r>
+            <a:endParaRPr kumimoji="0" lang="en-US" altLang="zh-CN" sz="1600" b="1" i="0" u="none" strike="noStrike" kern="1200" cap="none" spc="0" normalizeH="0" baseline="0" noProof="0" dirty="0">
               <a:ln>
                 <a:noFill/>
               </a:ln>
@@ -36002,59 +37178,7 @@
                 <a:ea typeface="思源黑体 CN Normal" panose="020B0400000000000000" pitchFamily="34" charset="-122"/>
                 <a:sym typeface="FZHei-B01S" panose="02010601030101010101" pitchFamily="2" charset="-122"/>
               </a:rPr>
-              <a:t>Iran try to c</a:t>
-            </a:r>
-            <a:r>
-              <a:rPr lang="zh-CN" altLang="en-US" sz="1100" dirty="0">
-                <a:solidFill>
-                  <a:schemeClr val="bg1">
-                    <a:lumMod val="50000"/>
-                  </a:schemeClr>
-                </a:solidFill>
-                <a:latin typeface="思源黑体 CN Normal" panose="020B0400000000000000" pitchFamily="34" charset="-122"/>
-                <a:ea typeface="思源黑体 CN Normal" panose="020B0400000000000000" pitchFamily="34" charset="-122"/>
-                <a:sym typeface="FZHei-B01S" panose="02010601030101010101" pitchFamily="2" charset="-122"/>
-              </a:rPr>
-              <a:t>ommunicate </a:t>
-            </a:r>
-            <a:r>
-              <a:rPr lang="en-US" altLang="zh-CN" sz="1100" dirty="0">
-                <a:solidFill>
-                  <a:schemeClr val="bg1">
-                    <a:lumMod val="50000"/>
-                  </a:schemeClr>
-                </a:solidFill>
-                <a:latin typeface="思源黑体 CN Normal" panose="020B0400000000000000" pitchFamily="34" charset="-122"/>
-                <a:ea typeface="思源黑体 CN Normal" panose="020B0400000000000000" pitchFamily="34" charset="-122"/>
-                <a:sym typeface="FZHei-B01S" panose="02010601030101010101" pitchFamily="2" charset="-122"/>
-              </a:rPr>
-              <a:t>Instagram</a:t>
-            </a:r>
-            <a:r>
-              <a:rPr lang="zh-CN" altLang="en-US" sz="1100" dirty="0">
-                <a:solidFill>
-                  <a:schemeClr val="bg1">
-                    <a:lumMod val="50000"/>
-                  </a:schemeClr>
-                </a:solidFill>
-                <a:latin typeface="思源黑体 CN Normal" panose="020B0400000000000000" pitchFamily="34" charset="-122"/>
-                <a:ea typeface="思源黑体 CN Normal" panose="020B0400000000000000" pitchFamily="34" charset="-122"/>
-                <a:sym typeface="FZHei-B01S" panose="02010601030101010101" pitchFamily="2" charset="-122"/>
-              </a:rPr>
-              <a:t>, </a:t>
-            </a:r>
-            <a:r>
-              <a:rPr lang="en-US" altLang="zh-CN" sz="1100" dirty="0">
-                <a:solidFill>
-                  <a:schemeClr val="bg1">
-                    <a:lumMod val="50000"/>
-                  </a:schemeClr>
-                </a:solidFill>
-                <a:latin typeface="思源黑体 CN Normal" panose="020B0400000000000000" pitchFamily="34" charset="-122"/>
-                <a:ea typeface="思源黑体 CN Normal" panose="020B0400000000000000" pitchFamily="34" charset="-122"/>
-                <a:sym typeface="FZHei-B01S" panose="02010601030101010101" pitchFamily="2" charset="-122"/>
-              </a:rPr>
-              <a:t>but no way</a:t>
+              <a:t>They can take you inside the Top 10 or outside</a:t>
             </a:r>
             <a:r>
               <a:rPr lang="zh-CN" altLang="en-US" sz="1100" dirty="0">
@@ -36090,8 +37214,8 @@
         </p:nvSpPr>
         <p:spPr>
           <a:xfrm>
-            <a:off x="939287" y="3042669"/>
-            <a:ext cx="1092141" cy="337185"/>
+            <a:off x="939165" y="3042920"/>
+            <a:ext cx="1247140" cy="337185"/>
           </a:xfrm>
           <a:prstGeom prst="rect">
             <a:avLst/>
@@ -36120,7 +37244,7 @@
               <a:defRPr/>
             </a:pPr>
             <a:r>
-              <a:rPr lang="en-US" altLang="zh-CN" sz="1600" b="1" noProof="0" dirty="0">
+              <a:rPr kumimoji="0" lang="en-US" altLang="zh-CN" sz="1600" b="1" i="0" u="none" strike="noStrike" kern="1200" cap="none" spc="0" normalizeH="0" baseline="0" noProof="0" dirty="0">
                 <a:ln>
                   <a:noFill/>
                 </a:ln>
@@ -36138,9 +37262,9 @@
                 <a:cs typeface="Open Sans" pitchFamily="34" charset="0"/>
                 <a:sym typeface="+mn-ea"/>
               </a:rPr>
-              <a:t>no way</a:t>
-            </a:r>
-            <a:endParaRPr kumimoji="0" lang="zh-CN" altLang="en-US" sz="1600" b="1" i="0" u="none" strike="noStrike" kern="1200" cap="none" spc="0" normalizeH="0" baseline="0" noProof="0" dirty="0">
+              <a:t>ranking list</a:t>
+            </a:r>
+            <a:endParaRPr kumimoji="0" lang="en-US" altLang="zh-CN" sz="1600" b="1" i="0" u="none" strike="noStrike" kern="1200" cap="none" spc="0" normalizeH="0" baseline="0" noProof="0" dirty="0">
               <a:ln>
                 <a:noFill/>
               </a:ln>
@@ -36157,103 +37281,6 @@
               <a:ea typeface="思源黑体 CN Normal" panose="020B0400000000000000" pitchFamily="34" charset="-122"/>
               <a:cs typeface="Open Sans" pitchFamily="34" charset="0"/>
               <a:sym typeface="+mn-ea"/>
-            </a:endParaRPr>
-          </a:p>
-        </p:txBody>
-      </p:sp>
-      <p:sp>
-        <p:nvSpPr>
-          <p:cNvPr id="12" name="深度视觉·原创设计 https://www.docer.com/works?userid=22383862"/>
-          <p:cNvSpPr txBox="1"/>
-          <p:nvPr/>
-        </p:nvSpPr>
-        <p:spPr>
-          <a:xfrm>
-            <a:off x="4612005" y="967740"/>
-            <a:ext cx="3481705" cy="1059180"/>
-          </a:xfrm>
-          <a:prstGeom prst="rect">
-            <a:avLst/>
-          </a:prstGeom>
-          <a:noFill/>
-        </p:spPr>
-        <p:txBody>
-          <a:bodyPr wrap="square" lIns="91423" tIns="45712" rIns="91423" bIns="45712" rtlCol="0">
-            <a:spAutoFit/>
-          </a:bodyPr>
-          <a:lstStyle/>
-          <a:p>
-            <a:pPr marL="0" marR="0" lvl="0" indent="0" algn="l" defTabSz="1217930" rtl="0" eaLnBrk="1" fontAlgn="auto" latinLnBrk="0" hangingPunct="1">
-              <a:lnSpc>
-                <a:spcPct val="150000"/>
-              </a:lnSpc>
-              <a:spcBef>
-                <a:spcPts val="0"/>
-              </a:spcBef>
-              <a:spcAft>
-                <a:spcPts val="0"/>
-              </a:spcAft>
-              <a:buClrTx/>
-              <a:buSzTx/>
-              <a:buFontTx/>
-              <a:buNone/>
-              <a:defRPr/>
-            </a:pPr>
-            <a:r>
-              <a:rPr lang="zh-CN" altLang="en-US" sz="1400" i="1" dirty="0">
-                <a:solidFill>
-                  <a:schemeClr val="bg1">
-                    <a:lumMod val="50000"/>
-                  </a:schemeClr>
-                </a:solidFill>
-                <a:latin typeface="思源黑体 CN Normal" panose="020B0400000000000000" pitchFamily="34" charset="-122"/>
-                <a:ea typeface="思源黑体 CN Normal" panose="020B0400000000000000" pitchFamily="34" charset="-122"/>
-                <a:sym typeface="FZHei-B01S" panose="02010601030101010101" pitchFamily="2" charset="-122"/>
-              </a:rPr>
-              <a:t>In 2021, </a:t>
-            </a:r>
-            <a:r>
-              <a:rPr lang="en-US" altLang="zh-CN" sz="1400" i="1" dirty="0">
-                <a:solidFill>
-                  <a:schemeClr val="bg1">
-                    <a:lumMod val="50000"/>
-                  </a:schemeClr>
-                </a:solidFill>
-                <a:latin typeface="思源黑体 CN Normal" panose="020B0400000000000000" pitchFamily="34" charset="-122"/>
-                <a:ea typeface="思源黑体 CN Normal" panose="020B0400000000000000" pitchFamily="34" charset="-122"/>
-                <a:sym typeface="FZHei-B01S" panose="02010601030101010101" pitchFamily="2" charset="-122"/>
-              </a:rPr>
-              <a:t>twwiter </a:t>
-            </a:r>
-            <a:r>
-              <a:rPr lang="zh-CN" altLang="en-US" sz="1400" i="1" dirty="0">
-                <a:solidFill>
-                  <a:schemeClr val="bg1">
-                    <a:lumMod val="50000"/>
-                  </a:schemeClr>
-                </a:solidFill>
-                <a:latin typeface="思源黑体 CN Normal" panose="020B0400000000000000" pitchFamily="34" charset="-122"/>
-                <a:ea typeface="思源黑体 CN Normal" panose="020B0400000000000000" pitchFamily="34" charset="-122"/>
-                <a:sym typeface="FZHei-B01S" panose="02010601030101010101" pitchFamily="2" charset="-122"/>
-              </a:rPr>
-              <a:t>"temporarily restricts" Iran 's highest leader Hamenei account, so that it cannot vote.</a:t>
-            </a:r>
-            <a:endParaRPr kumimoji="0" lang="zh-CN" altLang="en-US" sz="1400" b="0" i="1" u="none" strike="noStrike" kern="1200" cap="none" spc="0" normalizeH="0" baseline="0" noProof="0" dirty="0">
-              <a:ln>
-                <a:noFill/>
-              </a:ln>
-              <a:solidFill>
-                <a:schemeClr val="bg1">
-                  <a:lumMod val="50000"/>
-                </a:schemeClr>
-              </a:solidFill>
-              <a:effectLst/>
-              <a:uLnTx/>
-              <a:uFillTx/>
-              <a:latin typeface="思源黑体 CN Normal" panose="020B0400000000000000" pitchFamily="34" charset="-122"/>
-              <a:ea typeface="思源黑体 CN Normal" panose="020B0400000000000000" pitchFamily="34" charset="-122"/>
-              <a:cs typeface="+mn-cs"/>
-              <a:sym typeface="FZHei-B01S" panose="02010601030101010101" pitchFamily="2" charset="-122"/>
             </a:endParaRPr>
           </a:p>
         </p:txBody>
@@ -36619,41 +37646,6 @@
                                   </p:childTnLst>
                                 </p:cTn>
                               </p:par>
-                              <p:par>
-                                <p:cTn id="26" presetID="22" presetClass="entr" presetSubtype="8" fill="hold" grpId="0" nodeType="withEffect">
-                                  <p:stCondLst>
-                                    <p:cond delay="0"/>
-                                  </p:stCondLst>
-                                  <p:childTnLst>
-                                    <p:set>
-                                      <p:cBhvr>
-                                        <p:cTn id="27" dur="1" fill="hold">
-                                          <p:stCondLst>
-                                            <p:cond delay="0"/>
-                                          </p:stCondLst>
-                                        </p:cTn>
-                                        <p:tgtEl>
-                                          <p:spTgt spid="12"/>
-                                        </p:tgtEl>
-                                        <p:attrNameLst>
-                                          <p:attrName>style.visibility</p:attrName>
-                                        </p:attrNameLst>
-                                      </p:cBhvr>
-                                      <p:to>
-                                        <p:strVal val="visible"/>
-                                      </p:to>
-                                    </p:set>
-                                    <p:animEffect transition="in" filter="wipe(left)">
-                                      <p:cBhvr>
-                                        <p:cTn id="28" dur="500"/>
-                                        <p:tgtEl>
-                                          <p:spTgt spid="12"/>
-                                        </p:tgtEl>
-                                      </p:cBhvr>
-                                    </p:animEffect>
-                                  </p:childTnLst>
-                                </p:cTn>
-                              </p:par>
                             </p:childTnLst>
                           </p:cTn>
                         </p:par>
@@ -36686,7 +37678,6 @@
       <p:bldP spid="9" grpId="0"/>
       <p:bldP spid="10" grpId="0"/>
       <p:bldP spid="11" grpId="0"/>
-      <p:bldP spid="12" grpId="0"/>
     </p:bldLst>
   </p:timing>
 </p:sld>
@@ -37038,8 +38029,8 @@
         </p:nvSpPr>
         <p:spPr>
           <a:xfrm>
-            <a:off x="4612005" y="817245"/>
-            <a:ext cx="4662170" cy="5798820"/>
+            <a:off x="5191125" y="2227580"/>
+            <a:ext cx="5059680" cy="2115185"/>
           </a:xfrm>
           <a:custGeom>
             <a:avLst/>
@@ -37071,13 +38062,22 @@
               <a:fillRect/>
             </a:stretch>
           </a:blipFill>
-          <a:ln w="12700" cap="flat" cmpd="sng">
-            <a:noFill/>
+          <a:ln w="3175" cap="flat" cmpd="sng">
+            <a:solidFill>
+              <a:schemeClr val="accent2"/>
+            </a:solidFill>
             <a:prstDash val="solid"/>
             <a:miter lim="800000"/>
             <a:headEnd type="none" w="sm" len="sm"/>
             <a:tailEnd type="none" w="sm" len="sm"/>
           </a:ln>
+          <a:effectLst>
+            <a:outerShdw blurRad="50800" dist="38100" dir="2700000" algn="tl" rotWithShape="0">
+              <a:prstClr val="black">
+                <a:alpha val="40000"/>
+              </a:prstClr>
+            </a:outerShdw>
+          </a:effectLst>
         </p:spPr>
         <p:txBody>
           <a:bodyPr spcFirstLastPara="1" wrap="square" lIns="91425" tIns="45700" rIns="91425" bIns="45700" anchor="ctr" anchorCtr="0">
@@ -37108,100 +38108,6 @@
       </p:sp>
       <p:sp>
         <p:nvSpPr>
-          <p:cNvPr id="3" name="深度视觉·原创设计 https://www.docer.com/works?userid=22383862"/>
-          <p:cNvSpPr/>
-          <p:nvPr/>
-        </p:nvSpPr>
-        <p:spPr>
-          <a:xfrm flipH="1">
-            <a:off x="7968615" y="1906270"/>
-            <a:ext cx="2736850" cy="968375"/>
-          </a:xfrm>
-          <a:prstGeom prst="rect">
-            <a:avLst/>
-          </a:prstGeom>
-          <a:solidFill>
-            <a:schemeClr val="accent1"/>
-          </a:solidFill>
-          <a:ln>
-            <a:noFill/>
-          </a:ln>
-        </p:spPr>
-        <p:style>
-          <a:lnRef idx="2">
-            <a:schemeClr val="accent1">
-              <a:shade val="50000"/>
-            </a:schemeClr>
-          </a:lnRef>
-          <a:fillRef idx="1">
-            <a:schemeClr val="accent1"/>
-          </a:fillRef>
-          <a:effectRef idx="0">
-            <a:schemeClr val="accent1"/>
-          </a:effectRef>
-          <a:fontRef idx="minor">
-            <a:schemeClr val="lt1"/>
-          </a:fontRef>
-        </p:style>
-        <p:txBody>
-          <a:bodyPr rtlCol="0" anchor="ctr"/>
-          <a:lstStyle/>
-          <a:p>
-            <a:pPr algn="ctr"/>
-            <a:endParaRPr lang="en-US">
-              <a:latin typeface="+mj-lt"/>
-            </a:endParaRPr>
-          </a:p>
-        </p:txBody>
-      </p:sp>
-      <p:sp>
-        <p:nvSpPr>
-          <p:cNvPr id="5" name="深度视觉·原创设计 https://www.docer.com/works?userid=22383862"/>
-          <p:cNvSpPr txBox="1"/>
-          <p:nvPr/>
-        </p:nvSpPr>
-        <p:spPr>
-          <a:xfrm>
-            <a:off x="7968615" y="2067560"/>
-            <a:ext cx="2720975" cy="645160"/>
-          </a:xfrm>
-          <a:prstGeom prst="rect">
-            <a:avLst/>
-          </a:prstGeom>
-          <a:noFill/>
-        </p:spPr>
-        <p:txBody>
-          <a:bodyPr wrap="square" rtlCol="0">
-            <a:spAutoFit/>
-          </a:bodyPr>
-          <a:lstStyle/>
-          <a:p>
-            <a:pPr algn="ctr"/>
-            <a:r>
-              <a:rPr lang="en-US" sz="3600">
-                <a:solidFill>
-                  <a:schemeClr val="bg1"/>
-                </a:solidFill>
-                <a:latin typeface="Source Han Sans CN" panose="020B0500000000000000" pitchFamily="34" charset="-128"/>
-                <a:ea typeface="Source Han Sans CN" panose="020B0500000000000000" pitchFamily="34" charset="-128"/>
-                <a:cs typeface="Helvetica Neue" panose="02000503000000020004" charset="0"/>
-                <a:sym typeface="+mn-ea"/>
-              </a:rPr>
-              <a:t>hot speech</a:t>
-            </a:r>
-            <a:endParaRPr lang="en-US" sz="3600" dirty="0">
-              <a:solidFill>
-                <a:schemeClr val="bg1"/>
-              </a:solidFill>
-              <a:latin typeface="Source Han Sans CN" panose="020B0500000000000000" pitchFamily="34" charset="-128"/>
-              <a:ea typeface="Source Han Sans CN" panose="020B0500000000000000" pitchFamily="34" charset="-128"/>
-              <a:cs typeface="Helvetica Neue" panose="02000503000000020004" charset="0"/>
-            </a:endParaRPr>
-          </a:p>
-        </p:txBody>
-      </p:sp>
-      <p:sp>
-        <p:nvSpPr>
           <p:cNvPr id="4" name="深度视觉·原创设计 https://www.docer.com/works?userid=22383862"/>
           <p:cNvSpPr txBox="1"/>
           <p:nvPr/>
@@ -37209,7 +38115,7 @@
         <p:spPr>
           <a:xfrm>
             <a:off x="939287" y="4665033"/>
-            <a:ext cx="2248535" cy="1076325"/>
+            <a:ext cx="2741930" cy="1076325"/>
           </a:xfrm>
           <a:prstGeom prst="rect">
             <a:avLst/>
@@ -37225,35 +38131,38 @@
             <a:r>
               <a:rPr lang="en-US" altLang="zh-CN" sz="3200" dirty="0">
                 <a:solidFill>
+                  <a:schemeClr val="tx1">
+                    <a:lumMod val="75000"/>
+                    <a:lumOff val="25000"/>
+                  </a:schemeClr>
+                </a:solidFill>
+                <a:latin typeface="思源黑体 CN Normal" panose="020B0400000000000000" pitchFamily="34" charset="-122"/>
+                <a:ea typeface="思源黑体 CN Normal" panose="020B0400000000000000" pitchFamily="34" charset="-122"/>
+                <a:sym typeface="+mn-ea"/>
+              </a:rPr>
+              <a:t>KOLs Control</a:t>
+            </a:r>
+            <a:endParaRPr lang="en-US" altLang="zh-CN" sz="3200" dirty="0">
+              <a:solidFill>
+                <a:schemeClr val="accent1"/>
+              </a:solidFill>
+              <a:latin typeface="思源黑体 CN Normal" panose="020B0400000000000000" pitchFamily="34" charset="-122"/>
+              <a:ea typeface="思源黑体 CN Normal" panose="020B0400000000000000" pitchFamily="34" charset="-122"/>
+              <a:sym typeface="+mn-ea"/>
+            </a:endParaRPr>
+          </a:p>
+          <a:p>
+            <a:pPr algn="l"/>
+            <a:r>
+              <a:rPr lang="en-US" altLang="zh-CN" sz="3200" dirty="0">
+                <a:solidFill>
                   <a:schemeClr val="accent1"/>
                 </a:solidFill>
                 <a:latin typeface="思源黑体 CN Normal" panose="020B0400000000000000" pitchFamily="34" charset="-122"/>
                 <a:ea typeface="思源黑体 CN Normal" panose="020B0400000000000000" pitchFamily="34" charset="-122"/>
+                <a:sym typeface="+mn-ea"/>
               </a:rPr>
-              <a:t>They Only</a:t>
-            </a:r>
-            <a:endParaRPr lang="en-US" altLang="zh-CN" sz="3200" dirty="0">
-              <a:solidFill>
-                <a:schemeClr val="tx1">
-                  <a:lumMod val="75000"/>
-                  <a:lumOff val="25000"/>
-                </a:schemeClr>
-              </a:solidFill>
-              <a:latin typeface="思源黑体 CN Normal" panose="020B0400000000000000" pitchFamily="34" charset="-122"/>
-              <a:ea typeface="思源黑体 CN Normal" panose="020B0400000000000000" pitchFamily="34" charset="-122"/>
-            </a:endParaRPr>
-          </a:p>
-          <a:p>
-            <a:pPr algn="l"/>
-            <a:r>
-              <a:rPr lang="en-US" altLang="zh-CN" sz="3200" dirty="0">
-                <a:solidFill>
-                  <a:schemeClr val="tx2"/>
-                </a:solidFill>
-                <a:latin typeface="思源黑体 CN Normal" panose="020B0400000000000000" pitchFamily="34" charset="-122"/>
-                <a:ea typeface="思源黑体 CN Normal" panose="020B0400000000000000" pitchFamily="34" charset="-122"/>
-              </a:rPr>
-              <a:t>Hear KOLs</a:t>
+              <a:t>Exposure</a:t>
             </a:r>
             <a:endParaRPr lang="en-US" altLang="zh-CN" sz="3200" dirty="0">
               <a:solidFill>
@@ -37363,18 +38272,18 @@
                 <a:ea typeface="思源黑体 CN Normal" panose="020B0400000000000000" pitchFamily="34" charset="-122"/>
                 <a:sym typeface="FZHei-B01S" panose="02010601030101010101" pitchFamily="2" charset="-122"/>
               </a:rPr>
-              <a:t>what ever Elon say, each speech of Elon's will be read </a:t>
+              <a:t>what ever Elon said, each speech of Elon's will be shown </a:t>
             </a:r>
             <a:r>
               <a:rPr lang="en-US" altLang="zh-CN" sz="1100" dirty="0">
                 <a:solidFill>
-                  <a:srgbClr val="C00000"/>
+                  <a:srgbClr val="FC1220"/>
                 </a:solidFill>
                 <a:latin typeface="思源黑体 CN Normal" panose="020B0400000000000000" pitchFamily="34" charset="-122"/>
                 <a:ea typeface="思源黑体 CN Normal" panose="020B0400000000000000" pitchFamily="34" charset="-122"/>
                 <a:sym typeface="FZHei-B01S" panose="02010601030101010101" pitchFamily="2" charset="-122"/>
               </a:rPr>
-              <a:t>more than 100K</a:t>
+              <a:t>many times</a:t>
             </a:r>
             <a:r>
               <a:rPr lang="en-US" altLang="zh-CN" sz="1100" dirty="0">
@@ -37517,12 +38426,25 @@
                 <a:ea typeface="思源黑体 CN Normal" panose="020B0400000000000000" pitchFamily="34" charset="-122"/>
                 <a:sym typeface="FZHei-B01S" panose="02010601030101010101" pitchFamily="2" charset="-122"/>
               </a:rPr>
-              <a:t>what ever u say, each speech of yours will be read </a:t>
-            </a:r>
-            <a:r>
-              <a:rPr lang="en-US" sz="1100" dirty="0">
+              <a:t>what ever u said, each speech of yours will be </a:t>
+            </a:r>
+            <a:r>
+              <a:rPr lang="en-US" altLang="zh-CN" sz="1100" dirty="0">
                 <a:solidFill>
-                  <a:schemeClr val="accent1">
+                  <a:schemeClr val="bg1">
+                    <a:lumMod val="50000"/>
+                  </a:schemeClr>
+                </a:solidFill>
+                <a:latin typeface="思源黑体 CN Normal" panose="020B0400000000000000" pitchFamily="34" charset="-122"/>
+                <a:ea typeface="思源黑体 CN Normal" panose="020B0400000000000000" pitchFamily="34" charset="-122"/>
+                <a:sym typeface="FZHei-B01S" panose="02010601030101010101" pitchFamily="2" charset="-122"/>
+              </a:rPr>
+              <a:t>shown </a:t>
+            </a:r>
+            <a:r>
+              <a:rPr lang="en-US" altLang="zh-CN" sz="1100" dirty="0">
+                <a:solidFill>
+                  <a:schemeClr val="accent2">
                     <a:lumMod val="75000"/>
                   </a:schemeClr>
                 </a:solidFill>
@@ -37530,7 +38452,7 @@
                 <a:ea typeface="思源黑体 CN Normal" panose="020B0400000000000000" pitchFamily="34" charset="-122"/>
                 <a:sym typeface="FZHei-B01S" panose="02010601030101010101" pitchFamily="2" charset="-122"/>
               </a:rPr>
-              <a:t>less than 100</a:t>
+              <a:t>some times</a:t>
             </a:r>
             <a:r>
               <a:rPr lang="en-US" sz="1100" dirty="0">
@@ -43249,6 +44171,818 @@
     </p:bldLst>
   </p:timing>
 </p:sld>
+</file>
+
+<file path=ppt/tags/tag1.xml><?xml version="1.0" encoding="utf-8"?>
+<p:tagLst xmlns:p="http://schemas.openxmlformats.org/presentationml/2006/main">
+  <p:tag name="MH_OLD_SHAPE_ID" val="2"/>
+  <p:tag name="REFSHAPE" val="105553159406104"/>
+</p:tagLst>
+</file>
+
+<file path=ppt/tags/tag10.xml><?xml version="1.0" encoding="utf-8"?>
+<p:tagLst xmlns:p="http://schemas.openxmlformats.org/presentationml/2006/main">
+  <p:tag name="MH_OLD_SHAPE_ID" val="6"/>
+  <p:tag name="REFSHAPE" val="105553159408344"/>
+</p:tagLst>
+</file>
+
+<file path=ppt/tags/tag100.xml><?xml version="1.0" encoding="utf-8"?>
+<p:tagLst xmlns:p="http://schemas.openxmlformats.org/presentationml/2006/main">
+  <p:tag name="MH_OLD_SHAPE_ID" val="7"/>
+  <p:tag name="REFSHAPE" val="105553159396888"/>
+</p:tagLst>
+</file>
+
+<file path=ppt/tags/tag101.xml><?xml version="1.0" encoding="utf-8"?>
+<p:tagLst xmlns:p="http://schemas.openxmlformats.org/presentationml/2006/main">
+  <p:tag name="MH_OLD_SHAPE_ID" val="2"/>
+  <p:tag name="REFSHAPE" val="105553159397112"/>
+</p:tagLst>
+</file>
+
+<file path=ppt/tags/tag102.xml><?xml version="1.0" encoding="utf-8"?>
+<p:tagLst xmlns:p="http://schemas.openxmlformats.org/presentationml/2006/main">
+  <p:tag name="MH_OLD_SHAPE_ID" val="3"/>
+  <p:tag name="REFSHAPE" val="105553159397336"/>
+</p:tagLst>
+</file>
+
+<file path=ppt/tags/tag103.xml><?xml version="1.0" encoding="utf-8"?>
+<p:tagLst xmlns:p="http://schemas.openxmlformats.org/presentationml/2006/main">
+  <p:tag name="MH_OLD_SHAPE_ID" val="4"/>
+  <p:tag name="REFSHAPE" val="105553159397560"/>
+</p:tagLst>
+</file>
+
+<file path=ppt/tags/tag104.xml><?xml version="1.0" encoding="utf-8"?>
+<p:tagLst xmlns:p="http://schemas.openxmlformats.org/presentationml/2006/main">
+  <p:tag name="MH_OLD_SHAPE_ID" val="5"/>
+  <p:tag name="REFSHAPE" val="105553159397784"/>
+</p:tagLst>
+</file>
+
+<file path=ppt/tags/tag105.xml><?xml version="1.0" encoding="utf-8"?>
+<p:tagLst xmlns:p="http://schemas.openxmlformats.org/presentationml/2006/main">
+  <p:tag name="MH_OLD_SHAPE_ID" val="6"/>
+  <p:tag name="REFSHAPE" val="105553159398008"/>
+</p:tagLst>
+</file>
+
+<file path=ppt/tags/tag106.xml><?xml version="1.0" encoding="utf-8"?>
+<p:tagLst xmlns:p="http://schemas.openxmlformats.org/presentationml/2006/main">
+  <p:tag name="MH_OLD_SHAPE_ID" val="2"/>
+  <p:tag name="REFSHAPE" val="105553159417976"/>
+</p:tagLst>
+</file>
+
+<file path=ppt/tags/tag107.xml><?xml version="1.0" encoding="utf-8"?>
+<p:tagLst xmlns:p="http://schemas.openxmlformats.org/presentationml/2006/main">
+  <p:tag name="MH_OLD_SHAPE_ID" val="3"/>
+  <p:tag name="REFSHAPE" val="105553159418200"/>
+</p:tagLst>
+</file>
+
+<file path=ppt/tags/tag108.xml><?xml version="1.0" encoding="utf-8"?>
+<p:tagLst xmlns:p="http://schemas.openxmlformats.org/presentationml/2006/main">
+  <p:tag name="MH_OLD_SHAPE_ID" val="4"/>
+  <p:tag name="REFSHAPE" val="105553159418424"/>
+</p:tagLst>
+</file>
+
+<file path=ppt/tags/tag109.xml><?xml version="1.0" encoding="utf-8"?>
+<p:tagLst xmlns:p="http://schemas.openxmlformats.org/presentationml/2006/main">
+  <p:tag name="MH_OLD_SHAPE_ID" val="5"/>
+  <p:tag name="REFSHAPE" val="105553159418648"/>
+</p:tagLst>
+</file>
+
+<file path=ppt/tags/tag11.xml><?xml version="1.0" encoding="utf-8"?>
+<p:tagLst xmlns:p="http://schemas.openxmlformats.org/presentationml/2006/main">
+  <p:tag name="MH_OLD_SHAPE_ID" val="2"/>
+  <p:tag name="REFSHAPE" val="105553159408568"/>
+</p:tagLst>
+</file>
+
+<file path=ppt/tags/tag110.xml><?xml version="1.0" encoding="utf-8"?>
+<p:tagLst xmlns:p="http://schemas.openxmlformats.org/presentationml/2006/main">
+  <p:tag name="MH_OLD_SHAPE_ID" val="6"/>
+  <p:tag name="REFSHAPE" val="105553159418872"/>
+</p:tagLst>
+</file>
+
+<file path=ppt/tags/tag111.xml><?xml version="1.0" encoding="utf-8"?>
+<p:tagLst xmlns:p="http://schemas.openxmlformats.org/presentationml/2006/main">
+  <p:tag name="MH_OLD_SHAPE_ID" val="3"/>
+  <p:tag name="REFSHAPE" val="105553159451192"/>
+</p:tagLst>
+</file>
+
+<file path=ppt/tags/tag112.xml><?xml version="1.0" encoding="utf-8"?>
+<p:tagLst xmlns:p="http://schemas.openxmlformats.org/presentationml/2006/main">
+  <p:tag name="MH_OLD_SHAPE_ID" val="5"/>
+  <p:tag name="REFSHAPE" val="105553159451416"/>
+</p:tagLst>
+</file>
+
+<file path=ppt/tags/tag113.xml><?xml version="1.0" encoding="utf-8"?>
+<p:tagLst xmlns:p="http://schemas.openxmlformats.org/presentationml/2006/main">
+  <p:tag name="MH_OLD_SHAPE_ID" val="6"/>
+  <p:tag name="REFSHAPE" val="105553159451640"/>
+</p:tagLst>
+</file>
+
+<file path=ppt/tags/tag114.xml><?xml version="1.0" encoding="utf-8"?>
+<p:tagLst xmlns:p="http://schemas.openxmlformats.org/presentationml/2006/main">
+  <p:tag name="MH_OLD_SHAPE_ID" val="7"/>
+  <p:tag name="REFSHAPE" val="105553159745880"/>
+</p:tagLst>
+</file>
+
+<file path=ppt/tags/tag115.xml><?xml version="1.0" encoding="utf-8"?>
+<p:tagLst xmlns:p="http://schemas.openxmlformats.org/presentationml/2006/main">
+  <p:tag name="MH_OLD_SHAPE_ID" val="8"/>
+  <p:tag name="REFSHAPE" val="105553159746104"/>
+</p:tagLst>
+</file>
+
+<file path=ppt/tags/tag116.xml><?xml version="1.0" encoding="utf-8"?>
+<p:tagLst xmlns:p="http://schemas.openxmlformats.org/presentationml/2006/main">
+  <p:tag name="MH_OLD_SHAPE_ID" val="9"/>
+  <p:tag name="REFSHAPE" val="105553159746552"/>
+</p:tagLst>
+</file>
+
+<file path=ppt/tags/tag12.xml><?xml version="1.0" encoding="utf-8"?>
+<p:tagLst xmlns:p="http://schemas.openxmlformats.org/presentationml/2006/main">
+  <p:tag name="MH_OLD_SHAPE_ID" val="3"/>
+  <p:tag name="REFSHAPE" val="105553159408792"/>
+</p:tagLst>
+</file>
+
+<file path=ppt/tags/tag13.xml><?xml version="1.0" encoding="utf-8"?>
+<p:tagLst xmlns:p="http://schemas.openxmlformats.org/presentationml/2006/main">
+  <p:tag name="MH_OLD_SHAPE_ID" val="4"/>
+  <p:tag name="REFSHAPE" val="105553159409016"/>
+</p:tagLst>
+</file>
+
+<file path=ppt/tags/tag14.xml><?xml version="1.0" encoding="utf-8"?>
+<p:tagLst xmlns:p="http://schemas.openxmlformats.org/presentationml/2006/main">
+  <p:tag name="MH_OLD_SHAPE_ID" val="5"/>
+  <p:tag name="REFSHAPE" val="105553159409240"/>
+</p:tagLst>
+</file>
+
+<file path=ppt/tags/tag15.xml><?xml version="1.0" encoding="utf-8"?>
+<p:tagLst xmlns:p="http://schemas.openxmlformats.org/presentationml/2006/main">
+  <p:tag name="MH_OLD_SHAPE_ID" val="6"/>
+  <p:tag name="REFSHAPE" val="105553159409464"/>
+</p:tagLst>
+</file>
+
+<file path=ppt/tags/tag16.xml><?xml version="1.0" encoding="utf-8"?>
+<p:tagLst xmlns:p="http://schemas.openxmlformats.org/presentationml/2006/main">
+  <p:tag name="MH_OLD_SHAPE_ID" val="2"/>
+  <p:tag name="REFSHAPE" val="105553159409688"/>
+</p:tagLst>
+</file>
+
+<file path=ppt/tags/tag17.xml><?xml version="1.0" encoding="utf-8"?>
+<p:tagLst xmlns:p="http://schemas.openxmlformats.org/presentationml/2006/main">
+  <p:tag name="MH_OLD_SHAPE_ID" val="3"/>
+  <p:tag name="REFSHAPE" val="105553159409912"/>
+</p:tagLst>
+</file>
+
+<file path=ppt/tags/tag18.xml><?xml version="1.0" encoding="utf-8"?>
+<p:tagLst xmlns:p="http://schemas.openxmlformats.org/presentationml/2006/main">
+  <p:tag name="MH_OLD_SHAPE_ID" val="4"/>
+  <p:tag name="REFSHAPE" val="105553159410136"/>
+</p:tagLst>
+</file>
+
+<file path=ppt/tags/tag19.xml><?xml version="1.0" encoding="utf-8"?>
+<p:tagLst xmlns:p="http://schemas.openxmlformats.org/presentationml/2006/main">
+  <p:tag name="MH_OLD_SHAPE_ID" val="5"/>
+  <p:tag name="REFSHAPE" val="105553159410360"/>
+</p:tagLst>
+</file>
+
+<file path=ppt/tags/tag2.xml><?xml version="1.0" encoding="utf-8"?>
+<p:tagLst xmlns:p="http://schemas.openxmlformats.org/presentationml/2006/main">
+  <p:tag name="MH_OLD_SHAPE_ID" val="3"/>
+  <p:tag name="REFSHAPE" val="105553159406328"/>
+</p:tagLst>
+</file>
+
+<file path=ppt/tags/tag20.xml><?xml version="1.0" encoding="utf-8"?>
+<p:tagLst xmlns:p="http://schemas.openxmlformats.org/presentationml/2006/main">
+  <p:tag name="MH_OLD_SHAPE_ID" val="6"/>
+  <p:tag name="REFSHAPE" val="105553159410584"/>
+</p:tagLst>
+</file>
+
+<file path=ppt/tags/tag21.xml><?xml version="1.0" encoding="utf-8"?>
+<p:tagLst xmlns:p="http://schemas.openxmlformats.org/presentationml/2006/main">
+  <p:tag name="MH_OLD_SHAPE_ID" val="7"/>
+  <p:tag name="REFSHAPE" val="105553159410808"/>
+</p:tagLst>
+</file>
+
+<file path=ppt/tags/tag22.xml><?xml version="1.0" encoding="utf-8"?>
+<p:tagLst xmlns:p="http://schemas.openxmlformats.org/presentationml/2006/main">
+  <p:tag name="MH_OLD_SHAPE_ID" val="2"/>
+  <p:tag name="REFSHAPE" val="105553159411032"/>
+</p:tagLst>
+</file>
+
+<file path=ppt/tags/tag23.xml><?xml version="1.0" encoding="utf-8"?>
+<p:tagLst xmlns:p="http://schemas.openxmlformats.org/presentationml/2006/main">
+  <p:tag name="MH_OLD_SHAPE_ID" val="3"/>
+  <p:tag name="REFSHAPE" val="105553159411256"/>
+</p:tagLst>
+</file>
+
+<file path=ppt/tags/tag24.xml><?xml version="1.0" encoding="utf-8"?>
+<p:tagLst xmlns:p="http://schemas.openxmlformats.org/presentationml/2006/main">
+  <p:tag name="MH_OLD_SHAPE_ID" val="4"/>
+  <p:tag name="REFSHAPE" val="105553159411480"/>
+</p:tagLst>
+</file>
+
+<file path=ppt/tags/tag25.xml><?xml version="1.0" encoding="utf-8"?>
+<p:tagLst xmlns:p="http://schemas.openxmlformats.org/presentationml/2006/main">
+  <p:tag name="MH_OLD_SHAPE_ID" val="5"/>
+  <p:tag name="REFSHAPE" val="105553159411704"/>
+</p:tagLst>
+</file>
+
+<file path=ppt/tags/tag26.xml><?xml version="1.0" encoding="utf-8"?>
+<p:tagLst xmlns:p="http://schemas.openxmlformats.org/presentationml/2006/main">
+  <p:tag name="MH_OLD_SHAPE_ID" val="6"/>
+  <p:tag name="REFSHAPE" val="105553159411928"/>
+</p:tagLst>
+</file>
+
+<file path=ppt/tags/tag27.xml><?xml version="1.0" encoding="utf-8"?>
+<p:tagLst xmlns:p="http://schemas.openxmlformats.org/presentationml/2006/main">
+  <p:tag name="MH_OLD_SHAPE_ID" val="7"/>
+  <p:tag name="REFSHAPE" val="105553159412152"/>
+</p:tagLst>
+</file>
+
+<file path=ppt/tags/tag28.xml><?xml version="1.0" encoding="utf-8"?>
+<p:tagLst xmlns:p="http://schemas.openxmlformats.org/presentationml/2006/main">
+  <p:tag name="MH_OLD_SHAPE_ID" val="8"/>
+  <p:tag name="REFSHAPE" val="105553159412376"/>
+</p:tagLst>
+</file>
+
+<file path=ppt/tags/tag29.xml><?xml version="1.0" encoding="utf-8"?>
+<p:tagLst xmlns:p="http://schemas.openxmlformats.org/presentationml/2006/main">
+  <p:tag name="MH_OLD_SHAPE_ID" val="9"/>
+  <p:tag name="REFSHAPE" val="105553159412600"/>
+</p:tagLst>
+</file>
+
+<file path=ppt/tags/tag3.xml><?xml version="1.0" encoding="utf-8"?>
+<p:tagLst xmlns:p="http://schemas.openxmlformats.org/presentationml/2006/main">
+  <p:tag name="MH_OLD_SHAPE_ID" val="4"/>
+  <p:tag name="REFSHAPE" val="105553159406776"/>
+</p:tagLst>
+</file>
+
+<file path=ppt/tags/tag30.xml><?xml version="1.0" encoding="utf-8"?>
+<p:tagLst xmlns:p="http://schemas.openxmlformats.org/presentationml/2006/main">
+  <p:tag name="MH_OLD_SHAPE_ID" val="2"/>
+  <p:tag name="REFSHAPE" val="105553159412824"/>
+</p:tagLst>
+</file>
+
+<file path=ppt/tags/tag31.xml><?xml version="1.0" encoding="utf-8"?>
+<p:tagLst xmlns:p="http://schemas.openxmlformats.org/presentationml/2006/main">
+  <p:tag name="MH_OLD_SHAPE_ID" val="3"/>
+  <p:tag name="REFSHAPE" val="105553159413048"/>
+</p:tagLst>
+</file>
+
+<file path=ppt/tags/tag32.xml><?xml version="1.0" encoding="utf-8"?>
+<p:tagLst xmlns:p="http://schemas.openxmlformats.org/presentationml/2006/main">
+  <p:tag name="MH_OLD_SHAPE_ID" val="4"/>
+  <p:tag name="REFSHAPE" val="105553159413272"/>
+</p:tagLst>
+</file>
+
+<file path=ppt/tags/tag33.xml><?xml version="1.0" encoding="utf-8"?>
+<p:tagLst xmlns:p="http://schemas.openxmlformats.org/presentationml/2006/main">
+  <p:tag name="MH_OLD_SHAPE_ID" val="5"/>
+  <p:tag name="REFSHAPE" val="105553159413496"/>
+</p:tagLst>
+</file>
+
+<file path=ppt/tags/tag34.xml><?xml version="1.0" encoding="utf-8"?>
+<p:tagLst xmlns:p="http://schemas.openxmlformats.org/presentationml/2006/main">
+  <p:tag name="MH_OLD_SHAPE_ID" val="2"/>
+  <p:tag name="REFSHAPE" val="105553159413720"/>
+</p:tagLst>
+</file>
+
+<file path=ppt/tags/tag35.xml><?xml version="1.0" encoding="utf-8"?>
+<p:tagLst xmlns:p="http://schemas.openxmlformats.org/presentationml/2006/main">
+  <p:tag name="MH_OLD_SHAPE_ID" val="3"/>
+  <p:tag name="REFSHAPE" val="105553159413944"/>
+</p:tagLst>
+</file>
+
+<file path=ppt/tags/tag36.xml><?xml version="1.0" encoding="utf-8"?>
+<p:tagLst xmlns:p="http://schemas.openxmlformats.org/presentationml/2006/main">
+  <p:tag name="MH_OLD_SHAPE_ID" val="4"/>
+  <p:tag name="REFSHAPE" val="105553159414168"/>
+</p:tagLst>
+</file>
+
+<file path=ppt/tags/tag37.xml><?xml version="1.0" encoding="utf-8"?>
+<p:tagLst xmlns:p="http://schemas.openxmlformats.org/presentationml/2006/main">
+  <p:tag name="MH_OLD_SHAPE_ID" val="2"/>
+  <p:tag name="REFSHAPE" val="105553159414392"/>
+</p:tagLst>
+</file>
+
+<file path=ppt/tags/tag38.xml><?xml version="1.0" encoding="utf-8"?>
+<p:tagLst xmlns:p="http://schemas.openxmlformats.org/presentationml/2006/main">
+  <p:tag name="MH_OLD_SHAPE_ID" val="3"/>
+  <p:tag name="REFSHAPE" val="105553159414616"/>
+</p:tagLst>
+</file>
+
+<file path=ppt/tags/tag39.xml><?xml version="1.0" encoding="utf-8"?>
+<p:tagLst xmlns:p="http://schemas.openxmlformats.org/presentationml/2006/main">
+  <p:tag name="MH_OLD_SHAPE_ID" val="4"/>
+  <p:tag name="REFSHAPE" val="105553159414840"/>
+</p:tagLst>
+</file>
+
+<file path=ppt/tags/tag4.xml><?xml version="1.0" encoding="utf-8"?>
+<p:tagLst xmlns:p="http://schemas.openxmlformats.org/presentationml/2006/main">
+  <p:tag name="MH_OLD_SHAPE_ID" val="5"/>
+  <p:tag name="REFSHAPE" val="105553159407000"/>
+</p:tagLst>
+</file>
+
+<file path=ppt/tags/tag40.xml><?xml version="1.0" encoding="utf-8"?>
+<p:tagLst xmlns:p="http://schemas.openxmlformats.org/presentationml/2006/main">
+  <p:tag name="MH_OLD_SHAPE_ID" val="5"/>
+  <p:tag name="REFSHAPE" val="105553159415064"/>
+</p:tagLst>
+</file>
+
+<file path=ppt/tags/tag41.xml><?xml version="1.0" encoding="utf-8"?>
+<p:tagLst xmlns:p="http://schemas.openxmlformats.org/presentationml/2006/main">
+  <p:tag name="MH_OLD_SHAPE_ID" val="6"/>
+  <p:tag name="REFSHAPE" val="105553159415288"/>
+</p:tagLst>
+</file>
+
+<file path=ppt/tags/tag42.xml><?xml version="1.0" encoding="utf-8"?>
+<p:tagLst xmlns:p="http://schemas.openxmlformats.org/presentationml/2006/main">
+  <p:tag name="MH_OLD_SHAPE_ID" val="7"/>
+  <p:tag name="REFSHAPE" val="105553159415512"/>
+</p:tagLst>
+</file>
+
+<file path=ppt/tags/tag43.xml><?xml version="1.0" encoding="utf-8"?>
+<p:tagLst xmlns:p="http://schemas.openxmlformats.org/presentationml/2006/main">
+  <p:tag name="MH_OLD_SHAPE_ID" val="2"/>
+  <p:tag name="REFSHAPE" val="105553159415736"/>
+</p:tagLst>
+</file>
+
+<file path=ppt/tags/tag44.xml><?xml version="1.0" encoding="utf-8"?>
+<p:tagLst xmlns:p="http://schemas.openxmlformats.org/presentationml/2006/main">
+  <p:tag name="MH_OLD_SHAPE_ID" val="3"/>
+  <p:tag name="REFSHAPE" val="105553159415960"/>
+</p:tagLst>
+</file>
+
+<file path=ppt/tags/tag45.xml><?xml version="1.0" encoding="utf-8"?>
+<p:tagLst xmlns:p="http://schemas.openxmlformats.org/presentationml/2006/main">
+  <p:tag name="MH_OLD_SHAPE_ID" val="4"/>
+  <p:tag name="REFSHAPE" val="105553159416184"/>
+</p:tagLst>
+</file>
+
+<file path=ppt/tags/tag46.xml><?xml version="1.0" encoding="utf-8"?>
+<p:tagLst xmlns:p="http://schemas.openxmlformats.org/presentationml/2006/main">
+  <p:tag name="MH_OLD_SHAPE_ID" val="5"/>
+  <p:tag name="REFSHAPE" val="105553159416408"/>
+</p:tagLst>
+</file>
+
+<file path=ppt/tags/tag47.xml><?xml version="1.0" encoding="utf-8"?>
+<p:tagLst xmlns:p="http://schemas.openxmlformats.org/presentationml/2006/main">
+  <p:tag name="MH_OLD_SHAPE_ID" val="6"/>
+  <p:tag name="REFSHAPE" val="105553159416632"/>
+</p:tagLst>
+</file>
+
+<file path=ppt/tags/tag48.xml><?xml version="1.0" encoding="utf-8"?>
+<p:tagLst xmlns:p="http://schemas.openxmlformats.org/presentationml/2006/main">
+  <p:tag name="MH_OLD_SHAPE_ID" val="2"/>
+  <p:tag name="REFSHAPE" val="105553159615928"/>
+</p:tagLst>
+</file>
+
+<file path=ppt/tags/tag49.xml><?xml version="1.0" encoding="utf-8"?>
+<p:tagLst xmlns:p="http://schemas.openxmlformats.org/presentationml/2006/main">
+  <p:tag name="MH_OLD_SHAPE_ID" val="3"/>
+  <p:tag name="REFSHAPE" val="105553159616376"/>
+</p:tagLst>
+</file>
+
+<file path=ppt/tags/tag5.xml><?xml version="1.0" encoding="utf-8"?>
+<p:tagLst xmlns:p="http://schemas.openxmlformats.org/presentationml/2006/main">
+  <p:tag name="MH_OLD_SHAPE_ID" val="6"/>
+  <p:tag name="REFSHAPE" val="105553159407224"/>
+</p:tagLst>
+</file>
+
+<file path=ppt/tags/tag50.xml><?xml version="1.0" encoding="utf-8"?>
+<p:tagLst xmlns:p="http://schemas.openxmlformats.org/presentationml/2006/main">
+  <p:tag name="MH_OLD_SHAPE_ID" val="4"/>
+  <p:tag name="REFSHAPE" val="105553159616600"/>
+</p:tagLst>
+</file>
+
+<file path=ppt/tags/tag51.xml><?xml version="1.0" encoding="utf-8"?>
+<p:tagLst xmlns:p="http://schemas.openxmlformats.org/presentationml/2006/main">
+  <p:tag name="MH_OLD_SHAPE_ID" val="5"/>
+  <p:tag name="REFSHAPE" val="105553159616824"/>
+</p:tagLst>
+</file>
+
+<file path=ppt/tags/tag52.xml><?xml version="1.0" encoding="utf-8"?>
+<p:tagLst xmlns:p="http://schemas.openxmlformats.org/presentationml/2006/main">
+  <p:tag name="MH_OLD_SHAPE_ID" val="6"/>
+  <p:tag name="REFSHAPE" val="105553159405656"/>
+</p:tagLst>
+</file>
+
+<file path=ppt/tags/tag53.xml><?xml version="1.0" encoding="utf-8"?>
+<p:tagLst xmlns:p="http://schemas.openxmlformats.org/presentationml/2006/main">
+  <p:tag name="MH_OLD_SHAPE_ID" val="2"/>
+  <p:tag name="REFSHAPE" val="105553159419096"/>
+</p:tagLst>
+</file>
+
+<file path=ppt/tags/tag54.xml><?xml version="1.0" encoding="utf-8"?>
+<p:tagLst xmlns:p="http://schemas.openxmlformats.org/presentationml/2006/main">
+  <p:tag name="MH_OLD_SHAPE_ID" val="3"/>
+  <p:tag name="REFSHAPE" val="105553159419320"/>
+</p:tagLst>
+</file>
+
+<file path=ppt/tags/tag55.xml><?xml version="1.0" encoding="utf-8"?>
+<p:tagLst xmlns:p="http://schemas.openxmlformats.org/presentationml/2006/main">
+  <p:tag name="MH_OLD_SHAPE_ID" val="4"/>
+  <p:tag name="REFSHAPE" val="105553159419544"/>
+</p:tagLst>
+</file>
+
+<file path=ppt/tags/tag56.xml><?xml version="1.0" encoding="utf-8"?>
+<p:tagLst xmlns:p="http://schemas.openxmlformats.org/presentationml/2006/main">
+  <p:tag name="MH_OLD_SHAPE_ID" val="5"/>
+  <p:tag name="REFSHAPE" val="105553159419768"/>
+</p:tagLst>
+</file>
+
+<file path=ppt/tags/tag57.xml><?xml version="1.0" encoding="utf-8"?>
+<p:tagLst xmlns:p="http://schemas.openxmlformats.org/presentationml/2006/main">
+  <p:tag name="MH_OLD_SHAPE_ID" val="6"/>
+  <p:tag name="REFSHAPE" val="105553159419992"/>
+</p:tagLst>
+</file>
+
+<file path=ppt/tags/tag58.xml><?xml version="1.0" encoding="utf-8"?>
+<p:tagLst xmlns:p="http://schemas.openxmlformats.org/presentationml/2006/main">
+  <p:tag name="MH_OLD_SHAPE_ID" val="2"/>
+  <p:tag name="REFSHAPE" val="105553159420216"/>
+</p:tagLst>
+</file>
+
+<file path=ppt/tags/tag59.xml><?xml version="1.0" encoding="utf-8"?>
+<p:tagLst xmlns:p="http://schemas.openxmlformats.org/presentationml/2006/main">
+  <p:tag name="MH_OLD_SHAPE_ID" val="3"/>
+  <p:tag name="REFSHAPE" val="105553159420440"/>
+</p:tagLst>
+</file>
+
+<file path=ppt/tags/tag6.xml><?xml version="1.0" encoding="utf-8"?>
+<p:tagLst xmlns:p="http://schemas.openxmlformats.org/presentationml/2006/main">
+  <p:tag name="MH_OLD_SHAPE_ID" val="2"/>
+  <p:tag name="REFSHAPE" val="105553159407448"/>
+</p:tagLst>
+</file>
+
+<file path=ppt/tags/tag60.xml><?xml version="1.0" encoding="utf-8"?>
+<p:tagLst xmlns:p="http://schemas.openxmlformats.org/presentationml/2006/main">
+  <p:tag name="MH_OLD_SHAPE_ID" val="4"/>
+  <p:tag name="REFSHAPE" val="105553159420664"/>
+</p:tagLst>
+</file>
+
+<file path=ppt/tags/tag61.xml><?xml version="1.0" encoding="utf-8"?>
+<p:tagLst xmlns:p="http://schemas.openxmlformats.org/presentationml/2006/main">
+  <p:tag name="MH_OLD_SHAPE_ID" val="5"/>
+  <p:tag name="REFSHAPE" val="105553159420888"/>
+</p:tagLst>
+</file>
+
+<file path=ppt/tags/tag62.xml><?xml version="1.0" encoding="utf-8"?>
+<p:tagLst xmlns:p="http://schemas.openxmlformats.org/presentationml/2006/main">
+  <p:tag name="MH_OLD_SHAPE_ID" val="6"/>
+  <p:tag name="REFSHAPE" val="105553159421112"/>
+</p:tagLst>
+</file>
+
+<file path=ppt/tags/tag63.xml><?xml version="1.0" encoding="utf-8"?>
+<p:tagLst xmlns:p="http://schemas.openxmlformats.org/presentationml/2006/main">
+  <p:tag name="MH_OLD_SHAPE_ID" val="2"/>
+  <p:tag name="REFSHAPE" val="105553159421336"/>
+</p:tagLst>
+</file>
+
+<file path=ppt/tags/tag64.xml><?xml version="1.0" encoding="utf-8"?>
+<p:tagLst xmlns:p="http://schemas.openxmlformats.org/presentationml/2006/main">
+  <p:tag name="MH_OLD_SHAPE_ID" val="3"/>
+  <p:tag name="REFSHAPE" val="105553159421560"/>
+</p:tagLst>
+</file>
+
+<file path=ppt/tags/tag65.xml><?xml version="1.0" encoding="utf-8"?>
+<p:tagLst xmlns:p="http://schemas.openxmlformats.org/presentationml/2006/main">
+  <p:tag name="MH_OLD_SHAPE_ID" val="4"/>
+  <p:tag name="REFSHAPE" val="105553159421784"/>
+</p:tagLst>
+</file>
+
+<file path=ppt/tags/tag66.xml><?xml version="1.0" encoding="utf-8"?>
+<p:tagLst xmlns:p="http://schemas.openxmlformats.org/presentationml/2006/main">
+  <p:tag name="MH_OLD_SHAPE_ID" val="5"/>
+  <p:tag name="REFSHAPE" val="105553159389272"/>
+</p:tagLst>
+</file>
+
+<file path=ppt/tags/tag67.xml><?xml version="1.0" encoding="utf-8"?>
+<p:tagLst xmlns:p="http://schemas.openxmlformats.org/presentationml/2006/main">
+  <p:tag name="MH_OLD_SHAPE_ID" val="6"/>
+  <p:tag name="REFSHAPE" val="105553159389496"/>
+</p:tagLst>
+</file>
+
+<file path=ppt/tags/tag68.xml><?xml version="1.0" encoding="utf-8"?>
+<p:tagLst xmlns:p="http://schemas.openxmlformats.org/presentationml/2006/main">
+  <p:tag name="MH_OLD_SHAPE_ID" val="2"/>
+  <p:tag name="REFSHAPE" val="105553159389720"/>
+</p:tagLst>
+</file>
+
+<file path=ppt/tags/tag69.xml><?xml version="1.0" encoding="utf-8"?>
+<p:tagLst xmlns:p="http://schemas.openxmlformats.org/presentationml/2006/main">
+  <p:tag name="MH_OLD_SHAPE_ID" val="3"/>
+  <p:tag name="REFSHAPE" val="105553159389944"/>
+</p:tagLst>
+</file>
+
+<file path=ppt/tags/tag7.xml><?xml version="1.0" encoding="utf-8"?>
+<p:tagLst xmlns:p="http://schemas.openxmlformats.org/presentationml/2006/main">
+  <p:tag name="MH_OLD_SHAPE_ID" val="3"/>
+  <p:tag name="REFSHAPE" val="105553159407672"/>
+</p:tagLst>
+</file>
+
+<file path=ppt/tags/tag70.xml><?xml version="1.0" encoding="utf-8"?>
+<p:tagLst xmlns:p="http://schemas.openxmlformats.org/presentationml/2006/main">
+  <p:tag name="MH_OLD_SHAPE_ID" val="4"/>
+  <p:tag name="REFSHAPE" val="105553159390168"/>
+</p:tagLst>
+</file>
+
+<file path=ppt/tags/tag71.xml><?xml version="1.0" encoding="utf-8"?>
+<p:tagLst xmlns:p="http://schemas.openxmlformats.org/presentationml/2006/main">
+  <p:tag name="MH_OLD_SHAPE_ID" val="5"/>
+  <p:tag name="REFSHAPE" val="105553159390392"/>
+</p:tagLst>
+</file>
+
+<file path=ppt/tags/tag72.xml><?xml version="1.0" encoding="utf-8"?>
+<p:tagLst xmlns:p="http://schemas.openxmlformats.org/presentationml/2006/main">
+  <p:tag name="MH_OLD_SHAPE_ID" val="6"/>
+  <p:tag name="REFSHAPE" val="105553159390616"/>
+</p:tagLst>
+</file>
+
+<file path=ppt/tags/tag73.xml><?xml version="1.0" encoding="utf-8"?>
+<p:tagLst xmlns:p="http://schemas.openxmlformats.org/presentationml/2006/main">
+  <p:tag name="MH_OLD_SHAPE_ID" val="7"/>
+  <p:tag name="REFSHAPE" val="105553159390840"/>
+</p:tagLst>
+</file>
+
+<file path=ppt/tags/tag74.xml><?xml version="1.0" encoding="utf-8"?>
+<p:tagLst xmlns:p="http://schemas.openxmlformats.org/presentationml/2006/main">
+  <p:tag name="MH_OLD_SHAPE_ID" val="2"/>
+  <p:tag name="REFSHAPE" val="105553159391064"/>
+</p:tagLst>
+</file>
+
+<file path=ppt/tags/tag75.xml><?xml version="1.0" encoding="utf-8"?>
+<p:tagLst xmlns:p="http://schemas.openxmlformats.org/presentationml/2006/main">
+  <p:tag name="MH_OLD_SHAPE_ID" val="3"/>
+  <p:tag name="REFSHAPE" val="105553159391288"/>
+</p:tagLst>
+</file>
+
+<file path=ppt/tags/tag76.xml><?xml version="1.0" encoding="utf-8"?>
+<p:tagLst xmlns:p="http://schemas.openxmlformats.org/presentationml/2006/main">
+  <p:tag name="MH_OLD_SHAPE_ID" val="4"/>
+  <p:tag name="REFSHAPE" val="105553159391512"/>
+</p:tagLst>
+</file>
+
+<file path=ppt/tags/tag77.xml><?xml version="1.0" encoding="utf-8"?>
+<p:tagLst xmlns:p="http://schemas.openxmlformats.org/presentationml/2006/main">
+  <p:tag name="MH_OLD_SHAPE_ID" val="5"/>
+  <p:tag name="REFSHAPE" val="105553159391736"/>
+</p:tagLst>
+</file>
+
+<file path=ppt/tags/tag78.xml><?xml version="1.0" encoding="utf-8"?>
+<p:tagLst xmlns:p="http://schemas.openxmlformats.org/presentationml/2006/main">
+  <p:tag name="MH_OLD_SHAPE_ID" val="6"/>
+  <p:tag name="REFSHAPE" val="105553159391960"/>
+</p:tagLst>
+</file>
+
+<file path=ppt/tags/tag79.xml><?xml version="1.0" encoding="utf-8"?>
+<p:tagLst xmlns:p="http://schemas.openxmlformats.org/presentationml/2006/main">
+  <p:tag name="MH_OLD_SHAPE_ID" val="7"/>
+  <p:tag name="REFSHAPE" val="105553159392184"/>
+</p:tagLst>
+</file>
+
+<file path=ppt/tags/tag8.xml><?xml version="1.0" encoding="utf-8"?>
+<p:tagLst xmlns:p="http://schemas.openxmlformats.org/presentationml/2006/main">
+  <p:tag name="MH_OLD_SHAPE_ID" val="4"/>
+  <p:tag name="REFSHAPE" val="105553159407896"/>
+</p:tagLst>
+</file>
+
+<file path=ppt/tags/tag80.xml><?xml version="1.0" encoding="utf-8"?>
+<p:tagLst xmlns:p="http://schemas.openxmlformats.org/presentationml/2006/main">
+  <p:tag name="MH_OLD_SHAPE_ID" val="8"/>
+  <p:tag name="REFSHAPE" val="105553159392408"/>
+</p:tagLst>
+</file>
+
+<file path=ppt/tags/tag81.xml><?xml version="1.0" encoding="utf-8"?>
+<p:tagLst xmlns:p="http://schemas.openxmlformats.org/presentationml/2006/main">
+  <p:tag name="MH_OLD_SHAPE_ID" val="9"/>
+  <p:tag name="REFSHAPE" val="105553159392632"/>
+</p:tagLst>
+</file>
+
+<file path=ppt/tags/tag82.xml><?xml version="1.0" encoding="utf-8"?>
+<p:tagLst xmlns:p="http://schemas.openxmlformats.org/presentationml/2006/main">
+  <p:tag name="MH_OLD_SHAPE_ID" val="2"/>
+  <p:tag name="REFSHAPE" val="105553159392856"/>
+</p:tagLst>
+</file>
+
+<file path=ppt/tags/tag83.xml><?xml version="1.0" encoding="utf-8"?>
+<p:tagLst xmlns:p="http://schemas.openxmlformats.org/presentationml/2006/main">
+  <p:tag name="MH_OLD_SHAPE_ID" val="3"/>
+  <p:tag name="REFSHAPE" val="105553159393080"/>
+</p:tagLst>
+</file>
+
+<file path=ppt/tags/tag84.xml><?xml version="1.0" encoding="utf-8"?>
+<p:tagLst xmlns:p="http://schemas.openxmlformats.org/presentationml/2006/main">
+  <p:tag name="MH_OLD_SHAPE_ID" val="4"/>
+  <p:tag name="REFSHAPE" val="105553159393304"/>
+</p:tagLst>
+</file>
+
+<file path=ppt/tags/tag85.xml><?xml version="1.0" encoding="utf-8"?>
+<p:tagLst xmlns:p="http://schemas.openxmlformats.org/presentationml/2006/main">
+  <p:tag name="MH_OLD_SHAPE_ID" val="5"/>
+  <p:tag name="REFSHAPE" val="105553159393528"/>
+</p:tagLst>
+</file>
+
+<file path=ppt/tags/tag86.xml><?xml version="1.0" encoding="utf-8"?>
+<p:tagLst xmlns:p="http://schemas.openxmlformats.org/presentationml/2006/main">
+  <p:tag name="MH_OLD_SHAPE_ID" val="2"/>
+  <p:tag name="REFSHAPE" val="105553159393752"/>
+</p:tagLst>
+</file>
+
+<file path=ppt/tags/tag87.xml><?xml version="1.0" encoding="utf-8"?>
+<p:tagLst xmlns:p="http://schemas.openxmlformats.org/presentationml/2006/main">
+  <p:tag name="MH_OLD_SHAPE_ID" val="3"/>
+  <p:tag name="REFSHAPE" val="105553159393976"/>
+</p:tagLst>
+</file>
+
+<file path=ppt/tags/tag88.xml><?xml version="1.0" encoding="utf-8"?>
+<p:tagLst xmlns:p="http://schemas.openxmlformats.org/presentationml/2006/main">
+  <p:tag name="MH_OLD_SHAPE_ID" val="4"/>
+  <p:tag name="REFSHAPE" val="105553159394200"/>
+</p:tagLst>
+</file>
+
+<file path=ppt/tags/tag89.xml><?xml version="1.0" encoding="utf-8"?>
+<p:tagLst xmlns:p="http://schemas.openxmlformats.org/presentationml/2006/main">
+  <p:tag name="MH_OLD_SHAPE_ID" val="2"/>
+  <p:tag name="REFSHAPE" val="105553159394424"/>
+</p:tagLst>
+</file>
+
+<file path=ppt/tags/tag9.xml><?xml version="1.0" encoding="utf-8"?>
+<p:tagLst xmlns:p="http://schemas.openxmlformats.org/presentationml/2006/main">
+  <p:tag name="MH_OLD_SHAPE_ID" val="5"/>
+  <p:tag name="REFSHAPE" val="105553159408120"/>
+</p:tagLst>
+</file>
+
+<file path=ppt/tags/tag90.xml><?xml version="1.0" encoding="utf-8"?>
+<p:tagLst xmlns:p="http://schemas.openxmlformats.org/presentationml/2006/main">
+  <p:tag name="MH_OLD_SHAPE_ID" val="3"/>
+  <p:tag name="REFSHAPE" val="105553159394648"/>
+</p:tagLst>
+</file>
+
+<file path=ppt/tags/tag91.xml><?xml version="1.0" encoding="utf-8"?>
+<p:tagLst xmlns:p="http://schemas.openxmlformats.org/presentationml/2006/main">
+  <p:tag name="MH_OLD_SHAPE_ID" val="4"/>
+  <p:tag name="REFSHAPE" val="105553159394872"/>
+</p:tagLst>
+</file>
+
+<file path=ppt/tags/tag92.xml><?xml version="1.0" encoding="utf-8"?>
+<p:tagLst xmlns:p="http://schemas.openxmlformats.org/presentationml/2006/main">
+  <p:tag name="MH_OLD_SHAPE_ID" val="5"/>
+  <p:tag name="REFSHAPE" val="105553159395096"/>
+</p:tagLst>
+</file>
+
+<file path=ppt/tags/tag93.xml><?xml version="1.0" encoding="utf-8"?>
+<p:tagLst xmlns:p="http://schemas.openxmlformats.org/presentationml/2006/main">
+  <p:tag name="MH_OLD_SHAPE_ID" val="6"/>
+  <p:tag name="REFSHAPE" val="105553159395320"/>
+</p:tagLst>
+</file>
+
+<file path=ppt/tags/tag94.xml><?xml version="1.0" encoding="utf-8"?>
+<p:tagLst xmlns:p="http://schemas.openxmlformats.org/presentationml/2006/main">
+  <p:tag name="MH_OLD_SHAPE_ID" val="7"/>
+  <p:tag name="REFSHAPE" val="105553159395544"/>
+</p:tagLst>
+</file>
+
+<file path=ppt/tags/tag95.xml><?xml version="1.0" encoding="utf-8"?>
+<p:tagLst xmlns:p="http://schemas.openxmlformats.org/presentationml/2006/main">
+  <p:tag name="MH_OLD_SHAPE_ID" val="2"/>
+  <p:tag name="REFSHAPE" val="105553159395768"/>
+</p:tagLst>
+</file>
+
+<file path=ppt/tags/tag96.xml><?xml version="1.0" encoding="utf-8"?>
+<p:tagLst xmlns:p="http://schemas.openxmlformats.org/presentationml/2006/main">
+  <p:tag name="MH_OLD_SHAPE_ID" val="3"/>
+  <p:tag name="REFSHAPE" val="105553159395992"/>
+</p:tagLst>
+</file>
+
+<file path=ppt/tags/tag97.xml><?xml version="1.0" encoding="utf-8"?>
+<p:tagLst xmlns:p="http://schemas.openxmlformats.org/presentationml/2006/main">
+  <p:tag name="MH_OLD_SHAPE_ID" val="4"/>
+  <p:tag name="REFSHAPE" val="105553159396216"/>
+</p:tagLst>
+</file>
+
+<file path=ppt/tags/tag98.xml><?xml version="1.0" encoding="utf-8"?>
+<p:tagLst xmlns:p="http://schemas.openxmlformats.org/presentationml/2006/main">
+  <p:tag name="MH_OLD_SHAPE_ID" val="5"/>
+  <p:tag name="REFSHAPE" val="105553159396440"/>
+</p:tagLst>
+</file>
+
+<file path=ppt/tags/tag99.xml><?xml version="1.0" encoding="utf-8"?>
+<p:tagLst xmlns:p="http://schemas.openxmlformats.org/presentationml/2006/main">
+  <p:tag name="MH_OLD_SHAPE_ID" val="6"/>
+  <p:tag name="REFSHAPE" val="105553159396664"/>
+</p:tagLst>
 </file>
 
 <file path=ppt/theme/theme1.xml><?xml version="1.0" encoding="utf-8"?>
